--- a/vignettes/vignetteFigs/00vignetteFigs.pptx
+++ b/vignettes/vignetteFigs/00vignetteFigs.pptx
@@ -5,7 +5,7 @@
     <p:sldMasterId id="2147483648" r:id="rId1"/>
   </p:sldMasterIdLst>
   <p:notesMasterIdLst>
-    <p:notesMasterId r:id="rId30"/>
+    <p:notesMasterId r:id="rId33"/>
   </p:notesMasterIdLst>
   <p:sldIdLst>
     <p:sldId id="260" r:id="rId2"/>
@@ -19,14 +19,14 @@
     <p:sldId id="265" r:id="rId10"/>
     <p:sldId id="268" r:id="rId11"/>
     <p:sldId id="266" r:id="rId12"/>
-    <p:sldId id="275" r:id="rId13"/>
-    <p:sldId id="277" r:id="rId14"/>
-    <p:sldId id="278" r:id="rId15"/>
-    <p:sldId id="276" r:id="rId16"/>
-    <p:sldId id="271" r:id="rId17"/>
-    <p:sldId id="272" r:id="rId18"/>
-    <p:sldId id="273" r:id="rId19"/>
-    <p:sldId id="274" r:id="rId20"/>
+    <p:sldId id="277" r:id="rId13"/>
+    <p:sldId id="278" r:id="rId14"/>
+    <p:sldId id="276" r:id="rId15"/>
+    <p:sldId id="271" r:id="rId16"/>
+    <p:sldId id="272" r:id="rId17"/>
+    <p:sldId id="273" r:id="rId18"/>
+    <p:sldId id="274" r:id="rId19"/>
+    <p:sldId id="294" r:id="rId20"/>
     <p:sldId id="279" r:id="rId21"/>
     <p:sldId id="280" r:id="rId22"/>
     <p:sldId id="281" r:id="rId23"/>
@@ -36,6 +36,9 @@
     <p:sldId id="286" r:id="rId27"/>
     <p:sldId id="283" r:id="rId28"/>
     <p:sldId id="284" r:id="rId29"/>
+    <p:sldId id="291" r:id="rId30"/>
+    <p:sldId id="292" r:id="rId31"/>
+    <p:sldId id="293" r:id="rId32"/>
   </p:sldIdLst>
   <p:sldSz cx="12192000" cy="6858000"/>
   <p:notesSz cx="6858000" cy="9144000"/>
@@ -224,7 +227,7 @@
           <a:p>
             <a:fld id="{921607FB-4AF3-41D9-93C1-AF2B65302971}" type="datetimeFigureOut">
               <a:rPr lang="en-US" smtClean="0"/>
-              <a:t>6/3/2020</a:t>
+              <a:t>6/5/2020</a:t>
             </a:fld>
             <a:endParaRPr lang="en-US"/>
           </a:p>
@@ -620,7 +623,7 @@
           <a:p>
             <a:fld id="{11D67388-0790-496E-9A12-37055489AF4F}" type="datetimeFigureOut">
               <a:rPr lang="en-US" smtClean="0"/>
-              <a:t>6/3/2020</a:t>
+              <a:t>6/5/2020</a:t>
             </a:fld>
             <a:endParaRPr lang="en-US"/>
           </a:p>
@@ -788,7 +791,7 @@
           <a:p>
             <a:fld id="{11D67388-0790-496E-9A12-37055489AF4F}" type="datetimeFigureOut">
               <a:rPr lang="en-US" smtClean="0"/>
-              <a:t>6/3/2020</a:t>
+              <a:t>6/5/2020</a:t>
             </a:fld>
             <a:endParaRPr lang="en-US"/>
           </a:p>
@@ -966,7 +969,7 @@
           <a:p>
             <a:fld id="{11D67388-0790-496E-9A12-37055489AF4F}" type="datetimeFigureOut">
               <a:rPr lang="en-US" smtClean="0"/>
-              <a:t>6/3/2020</a:t>
+              <a:t>6/5/2020</a:t>
             </a:fld>
             <a:endParaRPr lang="en-US"/>
           </a:p>
@@ -1134,7 +1137,7 @@
           <a:p>
             <a:fld id="{11D67388-0790-496E-9A12-37055489AF4F}" type="datetimeFigureOut">
               <a:rPr lang="en-US" smtClean="0"/>
-              <a:t>6/3/2020</a:t>
+              <a:t>6/5/2020</a:t>
             </a:fld>
             <a:endParaRPr lang="en-US"/>
           </a:p>
@@ -1379,7 +1382,7 @@
           <a:p>
             <a:fld id="{11D67388-0790-496E-9A12-37055489AF4F}" type="datetimeFigureOut">
               <a:rPr lang="en-US" smtClean="0"/>
-              <a:t>6/3/2020</a:t>
+              <a:t>6/5/2020</a:t>
             </a:fld>
             <a:endParaRPr lang="en-US"/>
           </a:p>
@@ -1608,7 +1611,7 @@
           <a:p>
             <a:fld id="{11D67388-0790-496E-9A12-37055489AF4F}" type="datetimeFigureOut">
               <a:rPr lang="en-US" smtClean="0"/>
-              <a:t>6/3/2020</a:t>
+              <a:t>6/5/2020</a:t>
             </a:fld>
             <a:endParaRPr lang="en-US"/>
           </a:p>
@@ -1972,7 +1975,7 @@
           <a:p>
             <a:fld id="{11D67388-0790-496E-9A12-37055489AF4F}" type="datetimeFigureOut">
               <a:rPr lang="en-US" smtClean="0"/>
-              <a:t>6/3/2020</a:t>
+              <a:t>6/5/2020</a:t>
             </a:fld>
             <a:endParaRPr lang="en-US"/>
           </a:p>
@@ -2089,7 +2092,7 @@
           <a:p>
             <a:fld id="{11D67388-0790-496E-9A12-37055489AF4F}" type="datetimeFigureOut">
               <a:rPr lang="en-US" smtClean="0"/>
-              <a:t>6/3/2020</a:t>
+              <a:t>6/5/2020</a:t>
             </a:fld>
             <a:endParaRPr lang="en-US"/>
           </a:p>
@@ -2184,7 +2187,7 @@
           <a:p>
             <a:fld id="{11D67388-0790-496E-9A12-37055489AF4F}" type="datetimeFigureOut">
               <a:rPr lang="en-US" smtClean="0"/>
-              <a:t>6/3/2020</a:t>
+              <a:t>6/5/2020</a:t>
             </a:fld>
             <a:endParaRPr lang="en-US"/>
           </a:p>
@@ -2459,7 +2462,7 @@
           <a:p>
             <a:fld id="{11D67388-0790-496E-9A12-37055489AF4F}" type="datetimeFigureOut">
               <a:rPr lang="en-US" smtClean="0"/>
-              <a:t>6/3/2020</a:t>
+              <a:t>6/5/2020</a:t>
             </a:fld>
             <a:endParaRPr lang="en-US"/>
           </a:p>
@@ -2711,7 +2714,7 @@
           <a:p>
             <a:fld id="{11D67388-0790-496E-9A12-37055489AF4F}" type="datetimeFigureOut">
               <a:rPr lang="en-US" smtClean="0"/>
-              <a:t>6/3/2020</a:t>
+              <a:t>6/5/2020</a:t>
             </a:fld>
             <a:endParaRPr lang="en-US"/>
           </a:p>
@@ -2922,7 +2925,7 @@
           <a:p>
             <a:fld id="{11D67388-0790-496E-9A12-37055489AF4F}" type="datetimeFigureOut">
               <a:rPr lang="en-US" smtClean="0"/>
-              <a:t>6/3/2020</a:t>
+              <a:t>6/5/2020</a:t>
             </a:fld>
             <a:endParaRPr lang="en-US"/>
           </a:p>
@@ -5200,1179 +5203,33 @@
           <a:chExt cx="0" cy="0"/>
         </a:xfrm>
       </p:grpSpPr>
-      <p:grpSp>
-        <p:nvGrpSpPr>
-          <p:cNvPr id="29" name="Group 28">
-            <a:extLst>
-              <a:ext uri="{FF2B5EF4-FFF2-40B4-BE49-F238E27FC236}">
-                <a16:creationId xmlns:a16="http://schemas.microsoft.com/office/drawing/2014/main" id="{C58F8E1E-8C63-4429-8479-25E00772295F}"/>
-              </a:ext>
-            </a:extLst>
-          </p:cNvPr>
-          <p:cNvGrpSpPr/>
-          <p:nvPr/>
-        </p:nvGrpSpPr>
-        <p:grpSpPr>
-          <a:xfrm>
-            <a:off x="5674206" y="658374"/>
-            <a:ext cx="2066223" cy="965296"/>
-            <a:chOff x="1811039" y="1300849"/>
-            <a:chExt cx="2066223" cy="965296"/>
-          </a:xfrm>
-        </p:grpSpPr>
-        <p:pic>
-          <p:nvPicPr>
-            <p:cNvPr id="30" name="Picture 2">
-              <a:extLst>
-                <a:ext uri="{FF2B5EF4-FFF2-40B4-BE49-F238E27FC236}">
-                  <a16:creationId xmlns:a16="http://schemas.microsoft.com/office/drawing/2014/main" id="{A06DD5BF-A739-44E1-90B2-9B05121801E3}"/>
-                </a:ext>
-              </a:extLst>
-            </p:cNvPr>
-            <p:cNvPicPr>
-              <a:picLocks noChangeAspect="1" noChangeArrowheads="1"/>
-            </p:cNvPicPr>
-            <p:nvPr/>
-          </p:nvPicPr>
-          <p:blipFill>
-            <a:blip r:embed="rId2" cstate="print">
-              <a:extLst>
-                <a:ext uri="{28A0092B-C50C-407E-A947-70E740481C1C}">
-                  <a14:useLocalDpi xmlns:a14="http://schemas.microsoft.com/office/drawing/2010/main" val="0"/>
-                </a:ext>
-              </a:extLst>
-            </a:blip>
-            <a:srcRect/>
-            <a:stretch>
-              <a:fillRect/>
-            </a:stretch>
-          </p:blipFill>
-          <p:spPr bwMode="auto">
-            <a:xfrm>
-              <a:off x="2512807" y="1603456"/>
-              <a:ext cx="662689" cy="662689"/>
-            </a:xfrm>
-            <a:prstGeom prst="rect">
-              <a:avLst/>
-            </a:prstGeom>
-            <a:noFill/>
-            <a:extLst>
-              <a:ext uri="{909E8E84-426E-40DD-AFC4-6F175D3DCCD1}">
-                <a14:hiddenFill xmlns:a14="http://schemas.microsoft.com/office/drawing/2010/main">
-                  <a:solidFill>
-                    <a:srgbClr val="FFFFFF"/>
-                  </a:solidFill>
-                </a14:hiddenFill>
-              </a:ext>
-            </a:extLst>
-          </p:spPr>
-        </p:pic>
-        <p:sp>
-          <p:nvSpPr>
-            <p:cNvPr id="31" name="TextBox 30">
-              <a:extLst>
-                <a:ext uri="{FF2B5EF4-FFF2-40B4-BE49-F238E27FC236}">
-                  <a16:creationId xmlns:a16="http://schemas.microsoft.com/office/drawing/2014/main" id="{281DA0B4-8762-42AF-820A-ECA752716621}"/>
-                </a:ext>
-              </a:extLst>
-            </p:cNvPr>
-            <p:cNvSpPr txBox="1"/>
-            <p:nvPr/>
-          </p:nvSpPr>
-          <p:spPr>
-            <a:xfrm>
-              <a:off x="1811039" y="1300849"/>
-              <a:ext cx="2066223" cy="369332"/>
-            </a:xfrm>
-            <a:prstGeom prst="rect">
-              <a:avLst/>
-            </a:prstGeom>
-            <a:noFill/>
-          </p:spPr>
-          <p:txBody>
-            <a:bodyPr wrap="square" rtlCol="0">
-              <a:spAutoFit/>
-            </a:bodyPr>
-            <a:lstStyle/>
-            <a:p>
-              <a:pPr algn="ctr"/>
-              <a:r>
-                <a:rPr lang="en-US"/>
-                <a:t>param</a:t>
-              </a:r>
-            </a:p>
-          </p:txBody>
-        </p:sp>
-      </p:grpSp>
-      <p:pic>
-        <p:nvPicPr>
-          <p:cNvPr id="10" name="Picture 9">
-            <a:extLst>
-              <a:ext uri="{FF2B5EF4-FFF2-40B4-BE49-F238E27FC236}">
-                <a16:creationId xmlns:a16="http://schemas.microsoft.com/office/drawing/2014/main" id="{0889A349-6C38-4A41-BCC2-850C0923563A}"/>
-              </a:ext>
-            </a:extLst>
-          </p:cNvPr>
-          <p:cNvPicPr>
-            <a:picLocks noChangeAspect="1"/>
-          </p:cNvPicPr>
-          <p:nvPr/>
-        </p:nvPicPr>
-        <p:blipFill>
-          <a:blip r:embed="rId3"/>
-          <a:stretch>
-            <a:fillRect/>
-          </a:stretch>
-        </p:blipFill>
-        <p:spPr>
-          <a:xfrm>
-            <a:off x="267384" y="3792360"/>
-            <a:ext cx="4022261" cy="1549315"/>
+      <p:sp>
+        <p:nvSpPr>
+          <p:cNvPr id="6" name="Rectangle 5">
+            <a:extLst>
+              <a:ext uri="{FF2B5EF4-FFF2-40B4-BE49-F238E27FC236}">
+                <a16:creationId xmlns:a16="http://schemas.microsoft.com/office/drawing/2014/main" id="{F2FAAE5D-6F5D-4276-A188-B0F75533DF8A}"/>
+              </a:ext>
+            </a:extLst>
+          </p:cNvPr>
+          <p:cNvSpPr/>
+          <p:nvPr/>
+        </p:nvSpPr>
+        <p:spPr>
+          <a:xfrm>
+            <a:off x="192163" y="579074"/>
+            <a:ext cx="11807674" cy="5168363"/>
           </a:xfrm>
           <a:prstGeom prst="rect">
             <a:avLst/>
           </a:prstGeom>
           <a:noFill/>
-          <a:ln w="3175">
+          <a:ln>
             <a:solidFill>
               <a:schemeClr val="bg1">
                 <a:lumMod val="65000"/>
               </a:schemeClr>
             </a:solidFill>
-          </a:ln>
-        </p:spPr>
-      </p:pic>
-      <p:grpSp>
-        <p:nvGrpSpPr>
-          <p:cNvPr id="23" name="Group 22">
-            <a:extLst>
-              <a:ext uri="{FF2B5EF4-FFF2-40B4-BE49-F238E27FC236}">
-                <a16:creationId xmlns:a16="http://schemas.microsoft.com/office/drawing/2014/main" id="{5D28B1FE-4871-463C-838B-5A81D7F868A4}"/>
-              </a:ext>
-            </a:extLst>
-          </p:cNvPr>
-          <p:cNvGrpSpPr/>
-          <p:nvPr/>
-        </p:nvGrpSpPr>
-        <p:grpSpPr>
-          <a:xfrm>
-            <a:off x="1370993" y="658374"/>
-            <a:ext cx="2066223" cy="965296"/>
-            <a:chOff x="1811039" y="1300849"/>
-            <a:chExt cx="2066223" cy="965296"/>
-          </a:xfrm>
-        </p:grpSpPr>
-        <p:pic>
-          <p:nvPicPr>
-            <p:cNvPr id="24" name="Picture 2">
-              <a:extLst>
-                <a:ext uri="{FF2B5EF4-FFF2-40B4-BE49-F238E27FC236}">
-                  <a16:creationId xmlns:a16="http://schemas.microsoft.com/office/drawing/2014/main" id="{B3FB0C7C-286F-4C0E-99A6-0A3BD6AF7480}"/>
-                </a:ext>
-              </a:extLst>
-            </p:cNvPr>
-            <p:cNvPicPr>
-              <a:picLocks noChangeAspect="1" noChangeArrowheads="1"/>
-            </p:cNvPicPr>
-            <p:nvPr/>
-          </p:nvPicPr>
-          <p:blipFill>
-            <a:blip r:embed="rId2" cstate="print">
-              <a:extLst>
-                <a:ext uri="{28A0092B-C50C-407E-A947-70E740481C1C}">
-                  <a14:useLocalDpi xmlns:a14="http://schemas.microsoft.com/office/drawing/2010/main" val="0"/>
-                </a:ext>
-              </a:extLst>
-            </a:blip>
-            <a:srcRect/>
-            <a:stretch>
-              <a:fillRect/>
-            </a:stretch>
-          </p:blipFill>
-          <p:spPr bwMode="auto">
-            <a:xfrm>
-              <a:off x="2512807" y="1603456"/>
-              <a:ext cx="662689" cy="662689"/>
-            </a:xfrm>
-            <a:prstGeom prst="rect">
-              <a:avLst/>
-            </a:prstGeom>
-            <a:noFill/>
-            <a:extLst>
-              <a:ext uri="{909E8E84-426E-40DD-AFC4-6F175D3DCCD1}">
-                <a14:hiddenFill xmlns:a14="http://schemas.microsoft.com/office/drawing/2010/main">
-                  <a:solidFill>
-                    <a:srgbClr val="FFFFFF"/>
-                  </a:solidFill>
-                </a14:hiddenFill>
-              </a:ext>
-            </a:extLst>
-          </p:spPr>
-        </p:pic>
-        <p:sp>
-          <p:nvSpPr>
-            <p:cNvPr id="25" name="TextBox 24">
-              <a:extLst>
-                <a:ext uri="{FF2B5EF4-FFF2-40B4-BE49-F238E27FC236}">
-                  <a16:creationId xmlns:a16="http://schemas.microsoft.com/office/drawing/2014/main" id="{331E44F7-35FC-4258-8CD5-84DE1BD6A02C}"/>
-                </a:ext>
-              </a:extLst>
-            </p:cNvPr>
-            <p:cNvSpPr txBox="1"/>
-            <p:nvPr/>
-          </p:nvSpPr>
-          <p:spPr>
-            <a:xfrm>
-              <a:off x="1811039" y="1300849"/>
-              <a:ext cx="2066223" cy="369332"/>
-            </a:xfrm>
-            <a:prstGeom prst="rect">
-              <a:avLst/>
-            </a:prstGeom>
-            <a:noFill/>
-          </p:spPr>
-          <p:txBody>
-            <a:bodyPr wrap="square" rtlCol="0">
-              <a:spAutoFit/>
-            </a:bodyPr>
-            <a:lstStyle/>
-            <a:p>
-              <a:pPr algn="ctr"/>
-              <a:r>
-                <a:rPr lang="en-US"/>
-                <a:t>outputs</a:t>
-              </a:r>
-            </a:p>
-          </p:txBody>
-        </p:sp>
-      </p:grpSp>
-      <p:grpSp>
-        <p:nvGrpSpPr>
-          <p:cNvPr id="26" name="Group 25">
-            <a:extLst>
-              <a:ext uri="{FF2B5EF4-FFF2-40B4-BE49-F238E27FC236}">
-                <a16:creationId xmlns:a16="http://schemas.microsoft.com/office/drawing/2014/main" id="{F8ABCB50-70E7-4DB2-B96A-6E8E77AF5983}"/>
-              </a:ext>
-            </a:extLst>
-          </p:cNvPr>
-          <p:cNvGrpSpPr/>
-          <p:nvPr/>
-        </p:nvGrpSpPr>
-        <p:grpSpPr>
-          <a:xfrm>
-            <a:off x="4605664" y="658374"/>
-            <a:ext cx="2066223" cy="965296"/>
-            <a:chOff x="1811039" y="1300849"/>
-            <a:chExt cx="2066223" cy="965296"/>
-          </a:xfrm>
-        </p:grpSpPr>
-        <p:pic>
-          <p:nvPicPr>
-            <p:cNvPr id="27" name="Picture 2">
-              <a:extLst>
-                <a:ext uri="{FF2B5EF4-FFF2-40B4-BE49-F238E27FC236}">
-                  <a16:creationId xmlns:a16="http://schemas.microsoft.com/office/drawing/2014/main" id="{5C62F180-7277-4194-9CED-7C99EAF3FCCE}"/>
-                </a:ext>
-              </a:extLst>
-            </p:cNvPr>
-            <p:cNvPicPr>
-              <a:picLocks noChangeAspect="1" noChangeArrowheads="1"/>
-            </p:cNvPicPr>
-            <p:nvPr/>
-          </p:nvPicPr>
-          <p:blipFill>
-            <a:blip r:embed="rId2" cstate="print">
-              <a:extLst>
-                <a:ext uri="{28A0092B-C50C-407E-A947-70E740481C1C}">
-                  <a14:useLocalDpi xmlns:a14="http://schemas.microsoft.com/office/drawing/2010/main" val="0"/>
-                </a:ext>
-              </a:extLst>
-            </a:blip>
-            <a:srcRect/>
-            <a:stretch>
-              <a:fillRect/>
-            </a:stretch>
-          </p:blipFill>
-          <p:spPr bwMode="auto">
-            <a:xfrm>
-              <a:off x="2512807" y="1603456"/>
-              <a:ext cx="662689" cy="662689"/>
-            </a:xfrm>
-            <a:prstGeom prst="rect">
-              <a:avLst/>
-            </a:prstGeom>
-            <a:noFill/>
-            <a:extLst>
-              <a:ext uri="{909E8E84-426E-40DD-AFC4-6F175D3DCCD1}">
-                <a14:hiddenFill xmlns:a14="http://schemas.microsoft.com/office/drawing/2010/main">
-                  <a:solidFill>
-                    <a:srgbClr val="FFFFFF"/>
-                  </a:solidFill>
-                </a14:hiddenFill>
-              </a:ext>
-            </a:extLst>
-          </p:spPr>
-        </p:pic>
-        <p:sp>
-          <p:nvSpPr>
-            <p:cNvPr id="28" name="TextBox 27">
-              <a:extLst>
-                <a:ext uri="{FF2B5EF4-FFF2-40B4-BE49-F238E27FC236}">
-                  <a16:creationId xmlns:a16="http://schemas.microsoft.com/office/drawing/2014/main" id="{D0B8A10D-8661-4473-8903-FD2834B7AF77}"/>
-                </a:ext>
-              </a:extLst>
-            </p:cNvPr>
-            <p:cNvSpPr txBox="1"/>
-            <p:nvPr/>
-          </p:nvSpPr>
-          <p:spPr>
-            <a:xfrm>
-              <a:off x="1811039" y="1300849"/>
-              <a:ext cx="2066223" cy="369332"/>
-            </a:xfrm>
-            <a:prstGeom prst="rect">
-              <a:avLst/>
-            </a:prstGeom>
-            <a:noFill/>
-          </p:spPr>
-          <p:txBody>
-            <a:bodyPr wrap="square" rtlCol="0">
-              <a:spAutoFit/>
-            </a:bodyPr>
-            <a:lstStyle/>
-            <a:p>
-              <a:pPr algn="ctr"/>
-              <a:r>
-                <a:rPr lang="en-US"/>
-                <a:t>US49</a:t>
-              </a:r>
-            </a:p>
-          </p:txBody>
-        </p:sp>
-      </p:grpSp>
-      <p:grpSp>
-        <p:nvGrpSpPr>
-          <p:cNvPr id="32" name="Group 31">
-            <a:extLst>
-              <a:ext uri="{FF2B5EF4-FFF2-40B4-BE49-F238E27FC236}">
-                <a16:creationId xmlns:a16="http://schemas.microsoft.com/office/drawing/2014/main" id="{22A529F0-6FD0-4F2D-8C46-A913DB80535F}"/>
-              </a:ext>
-            </a:extLst>
-          </p:cNvPr>
-          <p:cNvGrpSpPr/>
-          <p:nvPr/>
-        </p:nvGrpSpPr>
-        <p:grpSpPr>
-          <a:xfrm>
-            <a:off x="6709886" y="658374"/>
-            <a:ext cx="2066223" cy="965296"/>
-            <a:chOff x="1811039" y="1300849"/>
-            <a:chExt cx="2066223" cy="965296"/>
-          </a:xfrm>
-        </p:grpSpPr>
-        <p:pic>
-          <p:nvPicPr>
-            <p:cNvPr id="33" name="Picture 2">
-              <a:extLst>
-                <a:ext uri="{FF2B5EF4-FFF2-40B4-BE49-F238E27FC236}">
-                  <a16:creationId xmlns:a16="http://schemas.microsoft.com/office/drawing/2014/main" id="{16FA810E-9547-4D97-A0F0-B8529A670793}"/>
-                </a:ext>
-              </a:extLst>
-            </p:cNvPr>
-            <p:cNvPicPr>
-              <a:picLocks noChangeAspect="1" noChangeArrowheads="1"/>
-            </p:cNvPicPr>
-            <p:nvPr/>
-          </p:nvPicPr>
-          <p:blipFill>
-            <a:blip r:embed="rId2" cstate="print">
-              <a:extLst>
-                <a:ext uri="{28A0092B-C50C-407E-A947-70E740481C1C}">
-                  <a14:useLocalDpi xmlns:a14="http://schemas.microsoft.com/office/drawing/2010/main" val="0"/>
-                </a:ext>
-              </a:extLst>
-            </a:blip>
-            <a:srcRect/>
-            <a:stretch>
-              <a:fillRect/>
-            </a:stretch>
-          </p:blipFill>
-          <p:spPr bwMode="auto">
-            <a:xfrm>
-              <a:off x="2512807" y="1603456"/>
-              <a:ext cx="662689" cy="662689"/>
-            </a:xfrm>
-            <a:prstGeom prst="rect">
-              <a:avLst/>
-            </a:prstGeom>
-            <a:noFill/>
-            <a:extLst>
-              <a:ext uri="{909E8E84-426E-40DD-AFC4-6F175D3DCCD1}">
-                <a14:hiddenFill xmlns:a14="http://schemas.microsoft.com/office/drawing/2010/main">
-                  <a:solidFill>
-                    <a:srgbClr val="FFFFFF"/>
-                  </a:solidFill>
-                </a14:hiddenFill>
-              </a:ext>
-            </a:extLst>
-          </p:spPr>
-        </p:pic>
-        <p:sp>
-          <p:nvSpPr>
-            <p:cNvPr id="34" name="TextBox 33">
-              <a:extLst>
-                <a:ext uri="{FF2B5EF4-FFF2-40B4-BE49-F238E27FC236}">
-                  <a16:creationId xmlns:a16="http://schemas.microsoft.com/office/drawing/2014/main" id="{33DCE663-1CD4-410B-8DF4-2CBBC1C350E0}"/>
-                </a:ext>
-              </a:extLst>
-            </p:cNvPr>
-            <p:cNvSpPr txBox="1"/>
-            <p:nvPr/>
-          </p:nvSpPr>
-          <p:spPr>
-            <a:xfrm>
-              <a:off x="1811039" y="1300849"/>
-              <a:ext cx="2066223" cy="369332"/>
-            </a:xfrm>
-            <a:prstGeom prst="rect">
-              <a:avLst/>
-            </a:prstGeom>
-            <a:noFill/>
-          </p:spPr>
-          <p:txBody>
-            <a:bodyPr wrap="square" rtlCol="0">
-              <a:spAutoFit/>
-            </a:bodyPr>
-            <a:lstStyle/>
-            <a:p>
-              <a:pPr algn="ctr"/>
-              <a:r>
-                <a:rPr lang="en-US"/>
-                <a:t>scenario</a:t>
-              </a:r>
-            </a:p>
-          </p:txBody>
-        </p:sp>
-      </p:grpSp>
-      <p:cxnSp>
-        <p:nvCxnSpPr>
-          <p:cNvPr id="35" name="Straight Connector 34">
-            <a:extLst>
-              <a:ext uri="{FF2B5EF4-FFF2-40B4-BE49-F238E27FC236}">
-                <a16:creationId xmlns:a16="http://schemas.microsoft.com/office/drawing/2014/main" id="{DD1B5BD2-7017-4152-A7E4-CD00D8133DB3}"/>
-              </a:ext>
-            </a:extLst>
-          </p:cNvPr>
-          <p:cNvCxnSpPr>
-            <a:cxnSpLocks/>
-            <a:stCxn id="27" idx="3"/>
-            <a:endCxn id="30" idx="1"/>
-          </p:cNvCxnSpPr>
-          <p:nvPr/>
-        </p:nvCxnSpPr>
-        <p:spPr>
-          <a:xfrm>
-            <a:off x="5970121" y="1292326"/>
-            <a:ext cx="405853" cy="0"/>
-          </a:xfrm>
-          <a:prstGeom prst="line">
-            <a:avLst/>
-          </a:prstGeom>
-          <a:ln>
-            <a:tailEnd type="triangle" w="lg" len="lg"/>
-          </a:ln>
-        </p:spPr>
-        <p:style>
-          <a:lnRef idx="1">
-            <a:schemeClr val="dk1"/>
-          </a:lnRef>
-          <a:fillRef idx="0">
-            <a:schemeClr val="dk1"/>
-          </a:fillRef>
-          <a:effectRef idx="0">
-            <a:schemeClr val="dk1"/>
-          </a:effectRef>
-          <a:fontRef idx="minor">
-            <a:schemeClr val="tx1"/>
-          </a:fontRef>
-        </p:style>
-      </p:cxnSp>
-      <p:cxnSp>
-        <p:nvCxnSpPr>
-          <p:cNvPr id="36" name="Straight Connector 35">
-            <a:extLst>
-              <a:ext uri="{FF2B5EF4-FFF2-40B4-BE49-F238E27FC236}">
-                <a16:creationId xmlns:a16="http://schemas.microsoft.com/office/drawing/2014/main" id="{1490C1F6-7072-487F-A892-F7E1815611BA}"/>
-              </a:ext>
-            </a:extLst>
-          </p:cNvPr>
-          <p:cNvCxnSpPr>
-            <a:cxnSpLocks/>
-            <a:stCxn id="30" idx="3"/>
-            <a:endCxn id="33" idx="1"/>
-          </p:cNvCxnSpPr>
-          <p:nvPr/>
-        </p:nvCxnSpPr>
-        <p:spPr>
-          <a:xfrm>
-            <a:off x="7038663" y="1292326"/>
-            <a:ext cx="372991" cy="0"/>
-          </a:xfrm>
-          <a:prstGeom prst="line">
-            <a:avLst/>
-          </a:prstGeom>
-          <a:ln>
-            <a:tailEnd type="triangle" w="lg" len="lg"/>
-          </a:ln>
-        </p:spPr>
-        <p:style>
-          <a:lnRef idx="1">
-            <a:schemeClr val="dk1"/>
-          </a:lnRef>
-          <a:fillRef idx="0">
-            <a:schemeClr val="dk1"/>
-          </a:fillRef>
-          <a:effectRef idx="0">
-            <a:schemeClr val="dk1"/>
-          </a:effectRef>
-          <a:fontRef idx="minor">
-            <a:schemeClr val="tx1"/>
-          </a:fontRef>
-        </p:style>
-      </p:cxnSp>
-      <p:cxnSp>
-        <p:nvCxnSpPr>
-          <p:cNvPr id="37" name="Connector: Elbow 36">
-            <a:extLst>
-              <a:ext uri="{FF2B5EF4-FFF2-40B4-BE49-F238E27FC236}">
-                <a16:creationId xmlns:a16="http://schemas.microsoft.com/office/drawing/2014/main" id="{B33C2858-51DE-449E-A3F4-241A33285F8D}"/>
-              </a:ext>
-            </a:extLst>
-          </p:cNvPr>
-          <p:cNvCxnSpPr>
-            <a:cxnSpLocks/>
-            <a:stCxn id="33" idx="2"/>
-            <a:endCxn id="46" idx="0"/>
-          </p:cNvCxnSpPr>
-          <p:nvPr/>
-        </p:nvCxnSpPr>
-        <p:spPr>
-          <a:xfrm rot="5400000">
-            <a:off x="5765532" y="138599"/>
-            <a:ext cx="492396" cy="3462539"/>
-          </a:xfrm>
-          <a:prstGeom prst="bentConnector3">
-            <a:avLst>
-              <a:gd name="adj1" fmla="val 50000"/>
-            </a:avLst>
-          </a:prstGeom>
-          <a:ln>
-            <a:tailEnd type="triangle" w="lg" len="lg"/>
-          </a:ln>
-        </p:spPr>
-        <p:style>
-          <a:lnRef idx="1">
-            <a:schemeClr val="dk1"/>
-          </a:lnRef>
-          <a:fillRef idx="0">
-            <a:schemeClr val="dk1"/>
-          </a:fillRef>
-          <a:effectRef idx="0">
-            <a:schemeClr val="dk1"/>
-          </a:effectRef>
-          <a:fontRef idx="minor">
-            <a:schemeClr val="tx1"/>
-          </a:fontRef>
-        </p:style>
-      </p:cxnSp>
-      <p:grpSp>
-        <p:nvGrpSpPr>
-          <p:cNvPr id="38" name="Group 37">
-            <a:extLst>
-              <a:ext uri="{FF2B5EF4-FFF2-40B4-BE49-F238E27FC236}">
-                <a16:creationId xmlns:a16="http://schemas.microsoft.com/office/drawing/2014/main" id="{F7BDF307-857D-411B-837F-F41F82978974}"/>
-              </a:ext>
-            </a:extLst>
-          </p:cNvPr>
-          <p:cNvGrpSpPr/>
-          <p:nvPr/>
-        </p:nvGrpSpPr>
-        <p:grpSpPr>
-          <a:xfrm>
-            <a:off x="2525590" y="658374"/>
-            <a:ext cx="2066223" cy="965296"/>
-            <a:chOff x="1811039" y="1300849"/>
-            <a:chExt cx="2066223" cy="965296"/>
-          </a:xfrm>
-        </p:grpSpPr>
-        <p:pic>
-          <p:nvPicPr>
-            <p:cNvPr id="39" name="Picture 2">
-              <a:extLst>
-                <a:ext uri="{FF2B5EF4-FFF2-40B4-BE49-F238E27FC236}">
-                  <a16:creationId xmlns:a16="http://schemas.microsoft.com/office/drawing/2014/main" id="{4846971D-A1F0-4414-918B-881899EFC861}"/>
-                </a:ext>
-              </a:extLst>
-            </p:cNvPr>
-            <p:cNvPicPr>
-              <a:picLocks noChangeAspect="1" noChangeArrowheads="1"/>
-            </p:cNvPicPr>
-            <p:nvPr/>
-          </p:nvPicPr>
-          <p:blipFill>
-            <a:blip r:embed="rId2" cstate="print">
-              <a:extLst>
-                <a:ext uri="{28A0092B-C50C-407E-A947-70E740481C1C}">
-                  <a14:useLocalDpi xmlns:a14="http://schemas.microsoft.com/office/drawing/2010/main" val="0"/>
-                </a:ext>
-              </a:extLst>
-            </a:blip>
-            <a:srcRect/>
-            <a:stretch>
-              <a:fillRect/>
-            </a:stretch>
-          </p:blipFill>
-          <p:spPr bwMode="auto">
-            <a:xfrm>
-              <a:off x="2512807" y="1603456"/>
-              <a:ext cx="662689" cy="662689"/>
-            </a:xfrm>
-            <a:prstGeom prst="rect">
-              <a:avLst/>
-            </a:prstGeom>
-            <a:noFill/>
-            <a:extLst>
-              <a:ext uri="{909E8E84-426E-40DD-AFC4-6F175D3DCCD1}">
-                <a14:hiddenFill xmlns:a14="http://schemas.microsoft.com/office/drawing/2010/main">
-                  <a:solidFill>
-                    <a:srgbClr val="FFFFFF"/>
-                  </a:solidFill>
-                </a14:hiddenFill>
-              </a:ext>
-            </a:extLst>
-          </p:spPr>
-        </p:pic>
-        <p:sp>
-          <p:nvSpPr>
-            <p:cNvPr id="40" name="TextBox 39">
-              <a:extLst>
-                <a:ext uri="{FF2B5EF4-FFF2-40B4-BE49-F238E27FC236}">
-                  <a16:creationId xmlns:a16="http://schemas.microsoft.com/office/drawing/2014/main" id="{206166BC-4175-42C8-9880-A6309BB2EE82}"/>
-                </a:ext>
-              </a:extLst>
-            </p:cNvPr>
-            <p:cNvSpPr txBox="1"/>
-            <p:nvPr/>
-          </p:nvSpPr>
-          <p:spPr>
-            <a:xfrm>
-              <a:off x="1811039" y="1300849"/>
-              <a:ext cx="2066223" cy="369332"/>
-            </a:xfrm>
-            <a:prstGeom prst="rect">
-              <a:avLst/>
-            </a:prstGeom>
-            <a:noFill/>
-          </p:spPr>
-          <p:txBody>
-            <a:bodyPr wrap="square" rtlCol="0">
-              <a:spAutoFit/>
-            </a:bodyPr>
-            <a:lstStyle/>
-            <a:p>
-              <a:pPr algn="ctr"/>
-              <a:r>
-                <a:rPr lang="en-US"/>
-                <a:t>vignetteMaps</a:t>
-              </a:r>
-            </a:p>
-          </p:txBody>
-        </p:sp>
-      </p:grpSp>
-      <p:grpSp>
-        <p:nvGrpSpPr>
-          <p:cNvPr id="41" name="Group 40">
-            <a:extLst>
-              <a:ext uri="{FF2B5EF4-FFF2-40B4-BE49-F238E27FC236}">
-                <a16:creationId xmlns:a16="http://schemas.microsoft.com/office/drawing/2014/main" id="{639D9C17-B8EC-4A42-96C6-DDC4A39CDF4B}"/>
-              </a:ext>
-            </a:extLst>
-          </p:cNvPr>
-          <p:cNvGrpSpPr/>
-          <p:nvPr/>
-        </p:nvGrpSpPr>
-        <p:grpSpPr>
-          <a:xfrm>
-            <a:off x="3579661" y="658374"/>
-            <a:ext cx="2066223" cy="965296"/>
-            <a:chOff x="1811039" y="1300849"/>
-            <a:chExt cx="2066223" cy="965296"/>
-          </a:xfrm>
-        </p:grpSpPr>
-        <p:pic>
-          <p:nvPicPr>
-            <p:cNvPr id="42" name="Picture 2">
-              <a:extLst>
-                <a:ext uri="{FF2B5EF4-FFF2-40B4-BE49-F238E27FC236}">
-                  <a16:creationId xmlns:a16="http://schemas.microsoft.com/office/drawing/2014/main" id="{B10A292F-F2D2-4F8C-B6C8-26CB27C674FD}"/>
-                </a:ext>
-              </a:extLst>
-            </p:cNvPr>
-            <p:cNvPicPr>
-              <a:picLocks noChangeAspect="1" noChangeArrowheads="1"/>
-            </p:cNvPicPr>
-            <p:nvPr/>
-          </p:nvPicPr>
-          <p:blipFill>
-            <a:blip r:embed="rId2" cstate="print">
-              <a:extLst>
-                <a:ext uri="{28A0092B-C50C-407E-A947-70E740481C1C}">
-                  <a14:useLocalDpi xmlns:a14="http://schemas.microsoft.com/office/drawing/2010/main" val="0"/>
-                </a:ext>
-              </a:extLst>
-            </a:blip>
-            <a:srcRect/>
-            <a:stretch>
-              <a:fillRect/>
-            </a:stretch>
-          </p:blipFill>
-          <p:spPr bwMode="auto">
-            <a:xfrm>
-              <a:off x="2512807" y="1603456"/>
-              <a:ext cx="662689" cy="662689"/>
-            </a:xfrm>
-            <a:prstGeom prst="rect">
-              <a:avLst/>
-            </a:prstGeom>
-            <a:noFill/>
-            <a:extLst>
-              <a:ext uri="{909E8E84-426E-40DD-AFC4-6F175D3DCCD1}">
-                <a14:hiddenFill xmlns:a14="http://schemas.microsoft.com/office/drawing/2010/main">
-                  <a:solidFill>
-                    <a:srgbClr val="FFFFFF"/>
-                  </a:solidFill>
-                </a14:hiddenFill>
-              </a:ext>
-            </a:extLst>
-          </p:spPr>
-        </p:pic>
-        <p:sp>
-          <p:nvSpPr>
-            <p:cNvPr id="43" name="TextBox 42">
-              <a:extLst>
-                <a:ext uri="{FF2B5EF4-FFF2-40B4-BE49-F238E27FC236}">
-                  <a16:creationId xmlns:a16="http://schemas.microsoft.com/office/drawing/2014/main" id="{FA136A0A-1C41-483B-BCE8-022C3600A6D3}"/>
-                </a:ext>
-              </a:extLst>
-            </p:cNvPr>
-            <p:cNvSpPr txBox="1"/>
-            <p:nvPr/>
-          </p:nvSpPr>
-          <p:spPr>
-            <a:xfrm>
-              <a:off x="1811039" y="1300849"/>
-              <a:ext cx="2066223" cy="369332"/>
-            </a:xfrm>
-            <a:prstGeom prst="rect">
-              <a:avLst/>
-            </a:prstGeom>
-            <a:noFill/>
-          </p:spPr>
-          <p:txBody>
-            <a:bodyPr wrap="square" rtlCol="0">
-              <a:spAutoFit/>
-            </a:bodyPr>
-            <a:lstStyle/>
-            <a:p>
-              <a:pPr algn="ctr"/>
-              <a:r>
-                <a:rPr lang="en-US"/>
-                <a:t>Maps</a:t>
-              </a:r>
-            </a:p>
-          </p:txBody>
-        </p:sp>
-      </p:grpSp>
-      <p:grpSp>
-        <p:nvGrpSpPr>
-          <p:cNvPr id="44" name="Group 43">
-            <a:extLst>
-              <a:ext uri="{FF2B5EF4-FFF2-40B4-BE49-F238E27FC236}">
-                <a16:creationId xmlns:a16="http://schemas.microsoft.com/office/drawing/2014/main" id="{1D032C99-582A-4AA2-953C-8BBA7AB0E0FD}"/>
-              </a:ext>
-            </a:extLst>
-          </p:cNvPr>
-          <p:cNvGrpSpPr/>
-          <p:nvPr/>
-        </p:nvGrpSpPr>
-        <p:grpSpPr>
-          <a:xfrm>
-            <a:off x="2590799" y="2116066"/>
-            <a:ext cx="3379322" cy="915970"/>
-            <a:chOff x="845844" y="5240779"/>
-            <a:chExt cx="3379322" cy="915970"/>
-          </a:xfrm>
-        </p:grpSpPr>
-        <p:pic>
-          <p:nvPicPr>
-            <p:cNvPr id="47" name="Picture 46">
-              <a:extLst>
-                <a:ext uri="{FF2B5EF4-FFF2-40B4-BE49-F238E27FC236}">
-                  <a16:creationId xmlns:a16="http://schemas.microsoft.com/office/drawing/2014/main" id="{2E489255-62ED-4D07-B96F-F5F52E9A0A4D}"/>
-                </a:ext>
-              </a:extLst>
-            </p:cNvPr>
-            <p:cNvPicPr>
-              <a:picLocks noChangeAspect="1"/>
-            </p:cNvPicPr>
-            <p:nvPr/>
-          </p:nvPicPr>
-          <p:blipFill>
-            <a:blip r:embed="rId4"/>
-            <a:stretch>
-              <a:fillRect/>
-            </a:stretch>
-          </p:blipFill>
-          <p:spPr>
-            <a:xfrm>
-              <a:off x="855611" y="5240779"/>
-              <a:ext cx="3305457" cy="915970"/>
-            </a:xfrm>
-            <a:prstGeom prst="rect">
-              <a:avLst/>
-            </a:prstGeom>
-            <a:ln w="3175">
-              <a:noFill/>
-            </a:ln>
-          </p:spPr>
-        </p:pic>
-        <p:sp>
-          <p:nvSpPr>
-            <p:cNvPr id="46" name="Rectangle 45">
-              <a:extLst>
-                <a:ext uri="{FF2B5EF4-FFF2-40B4-BE49-F238E27FC236}">
-                  <a16:creationId xmlns:a16="http://schemas.microsoft.com/office/drawing/2014/main" id="{E5C47865-993C-4360-B418-AC65E1C2BD8C}"/>
-                </a:ext>
-              </a:extLst>
-            </p:cNvPr>
-            <p:cNvSpPr/>
-            <p:nvPr/>
-          </p:nvSpPr>
-          <p:spPr>
-            <a:xfrm>
-              <a:off x="845844" y="5240779"/>
-              <a:ext cx="3379322" cy="915970"/>
-            </a:xfrm>
-            <a:prstGeom prst="rect">
-              <a:avLst/>
-            </a:prstGeom>
-            <a:noFill/>
-            <a:ln w="3175">
-              <a:solidFill>
-                <a:schemeClr val="bg1">
-                  <a:lumMod val="65000"/>
-                </a:schemeClr>
-              </a:solidFill>
-            </a:ln>
-          </p:spPr>
-          <p:style>
-            <a:lnRef idx="2">
-              <a:schemeClr val="accent1">
-                <a:shade val="50000"/>
-              </a:schemeClr>
-            </a:lnRef>
-            <a:fillRef idx="1">
-              <a:schemeClr val="accent1"/>
-            </a:fillRef>
-            <a:effectRef idx="0">
-              <a:schemeClr val="accent1"/>
-            </a:effectRef>
-            <a:fontRef idx="minor">
-              <a:schemeClr val="lt1"/>
-            </a:fontRef>
-          </p:style>
-          <p:txBody>
-            <a:bodyPr rtlCol="0" anchor="ctr"/>
-            <a:lstStyle/>
-            <a:p>
-              <a:pPr algn="ctr"/>
-              <a:endParaRPr lang="en-US"/>
-            </a:p>
-          </p:txBody>
-        </p:sp>
-      </p:grpSp>
-      <p:cxnSp>
-        <p:nvCxnSpPr>
-          <p:cNvPr id="54" name="Straight Connector 53">
-            <a:extLst>
-              <a:ext uri="{FF2B5EF4-FFF2-40B4-BE49-F238E27FC236}">
-                <a16:creationId xmlns:a16="http://schemas.microsoft.com/office/drawing/2014/main" id="{E0E679EA-6F28-4D22-8980-8B71467381CD}"/>
-              </a:ext>
-            </a:extLst>
-          </p:cNvPr>
-          <p:cNvCxnSpPr>
-            <a:cxnSpLocks/>
-          </p:cNvCxnSpPr>
-          <p:nvPr/>
-        </p:nvCxnSpPr>
-        <p:spPr>
-          <a:xfrm>
-            <a:off x="3828332" y="1292326"/>
-            <a:ext cx="329272" cy="0"/>
-          </a:xfrm>
-          <a:prstGeom prst="line">
-            <a:avLst/>
-          </a:prstGeom>
-          <a:ln>
-            <a:tailEnd type="triangle" w="lg" len="lg"/>
-          </a:ln>
-        </p:spPr>
-        <p:style>
-          <a:lnRef idx="1">
-            <a:schemeClr val="dk1"/>
-          </a:lnRef>
-          <a:fillRef idx="0">
-            <a:schemeClr val="dk1"/>
-          </a:fillRef>
-          <a:effectRef idx="0">
-            <a:schemeClr val="dk1"/>
-          </a:effectRef>
-          <a:fontRef idx="minor">
-            <a:schemeClr val="tx1"/>
-          </a:fontRef>
-        </p:style>
-      </p:cxnSp>
-      <p:cxnSp>
-        <p:nvCxnSpPr>
-          <p:cNvPr id="55" name="Straight Connector 54">
-            <a:extLst>
-              <a:ext uri="{FF2B5EF4-FFF2-40B4-BE49-F238E27FC236}">
-                <a16:creationId xmlns:a16="http://schemas.microsoft.com/office/drawing/2014/main" id="{C5F4F747-8F17-41A4-BCC2-9F18EAB58AFE}"/>
-              </a:ext>
-            </a:extLst>
-          </p:cNvPr>
-          <p:cNvCxnSpPr>
-            <a:cxnSpLocks/>
-          </p:cNvCxnSpPr>
-          <p:nvPr/>
-        </p:nvCxnSpPr>
-        <p:spPr>
-          <a:xfrm>
-            <a:off x="4926575" y="1283537"/>
-            <a:ext cx="329272" cy="0"/>
-          </a:xfrm>
-          <a:prstGeom prst="line">
-            <a:avLst/>
-          </a:prstGeom>
-          <a:ln>
-            <a:tailEnd type="triangle" w="lg" len="lg"/>
-          </a:ln>
-        </p:spPr>
-        <p:style>
-          <a:lnRef idx="1">
-            <a:schemeClr val="dk1"/>
-          </a:lnRef>
-          <a:fillRef idx="0">
-            <a:schemeClr val="dk1"/>
-          </a:fillRef>
-          <a:effectRef idx="0">
-            <a:schemeClr val="dk1"/>
-          </a:effectRef>
-          <a:fontRef idx="minor">
-            <a:schemeClr val="tx1"/>
-          </a:fontRef>
-        </p:style>
-      </p:cxnSp>
-      <p:cxnSp>
-        <p:nvCxnSpPr>
-          <p:cNvPr id="56" name="Straight Connector 55">
-            <a:extLst>
-              <a:ext uri="{FF2B5EF4-FFF2-40B4-BE49-F238E27FC236}">
-                <a16:creationId xmlns:a16="http://schemas.microsoft.com/office/drawing/2014/main" id="{56E2EC1C-12E5-4B65-8CA0-C584C78658DE}"/>
-              </a:ext>
-            </a:extLst>
-          </p:cNvPr>
-          <p:cNvCxnSpPr>
-            <a:cxnSpLocks/>
-          </p:cNvCxnSpPr>
-          <p:nvPr/>
-        </p:nvCxnSpPr>
-        <p:spPr>
-          <a:xfrm>
-            <a:off x="2747233" y="1308936"/>
-            <a:ext cx="329272" cy="0"/>
-          </a:xfrm>
-          <a:prstGeom prst="line">
-            <a:avLst/>
-          </a:prstGeom>
-          <a:ln>
-            <a:tailEnd type="triangle" w="lg" len="lg"/>
-          </a:ln>
-        </p:spPr>
-        <p:style>
-          <a:lnRef idx="1">
-            <a:schemeClr val="dk1"/>
-          </a:lnRef>
-          <a:fillRef idx="0">
-            <a:schemeClr val="dk1"/>
-          </a:fillRef>
-          <a:effectRef idx="0">
-            <a:schemeClr val="dk1"/>
-          </a:effectRef>
-          <a:fontRef idx="minor">
-            <a:schemeClr val="tx1"/>
-          </a:fontRef>
-        </p:style>
-      </p:cxnSp>
-      <p:pic>
-        <p:nvPicPr>
-          <p:cNvPr id="11" name="Picture 10">
-            <a:extLst>
-              <a:ext uri="{FF2B5EF4-FFF2-40B4-BE49-F238E27FC236}">
-                <a16:creationId xmlns:a16="http://schemas.microsoft.com/office/drawing/2014/main" id="{816C33D0-7E74-44E4-A365-379762994A31}"/>
-              </a:ext>
-            </a:extLst>
-          </p:cNvPr>
-          <p:cNvPicPr>
-            <a:picLocks noChangeAspect="1"/>
-          </p:cNvPicPr>
-          <p:nvPr/>
-        </p:nvPicPr>
-        <p:blipFill>
-          <a:blip r:embed="rId5"/>
-          <a:stretch>
-            <a:fillRect/>
-          </a:stretch>
-        </p:blipFill>
-        <p:spPr>
-          <a:xfrm>
-            <a:off x="5091210" y="3841924"/>
-            <a:ext cx="5130247" cy="1499751"/>
-          </a:xfrm>
-          <a:prstGeom prst="rect">
-            <a:avLst/>
-          </a:prstGeom>
-          <a:noFill/>
-          <a:ln w="3175">
-            <a:solidFill>
-              <a:schemeClr val="bg1">
-                <a:lumMod val="65000"/>
-              </a:schemeClr>
-            </a:solidFill>
-          </a:ln>
-        </p:spPr>
-      </p:pic>
-      <p:cxnSp>
-        <p:nvCxnSpPr>
-          <p:cNvPr id="58" name="Connector: Elbow 57">
-            <a:extLst>
-              <a:ext uri="{FF2B5EF4-FFF2-40B4-BE49-F238E27FC236}">
-                <a16:creationId xmlns:a16="http://schemas.microsoft.com/office/drawing/2014/main" id="{55CB0F6D-FCBE-472D-A844-E8DAAE68B680}"/>
-              </a:ext>
-            </a:extLst>
-          </p:cNvPr>
-          <p:cNvCxnSpPr>
-            <a:cxnSpLocks/>
-            <a:stCxn id="63" idx="1"/>
-            <a:endCxn id="10" idx="0"/>
-          </p:cNvCxnSpPr>
-          <p:nvPr/>
-        </p:nvCxnSpPr>
-        <p:spPr>
-          <a:xfrm rot="10800000" flipV="1">
-            <a:off x="2278516" y="2341500"/>
-            <a:ext cx="463693" cy="1450859"/>
-          </a:xfrm>
-          <a:prstGeom prst="bentConnector2">
-            <a:avLst/>
-          </a:prstGeom>
-          <a:ln>
-            <a:tailEnd type="triangle" w="lg" len="lg"/>
-          </a:ln>
-        </p:spPr>
-        <p:style>
-          <a:lnRef idx="1">
-            <a:schemeClr val="dk1"/>
-          </a:lnRef>
-          <a:fillRef idx="0">
-            <a:schemeClr val="dk1"/>
-          </a:fillRef>
-          <a:effectRef idx="0">
-            <a:schemeClr val="dk1"/>
-          </a:effectRef>
-          <a:fontRef idx="minor">
-            <a:schemeClr val="tx1"/>
-          </a:fontRef>
-        </p:style>
-      </p:cxnSp>
-      <p:cxnSp>
-        <p:nvCxnSpPr>
-          <p:cNvPr id="59" name="Connector: Elbow 58">
-            <a:extLst>
-              <a:ext uri="{FF2B5EF4-FFF2-40B4-BE49-F238E27FC236}">
-                <a16:creationId xmlns:a16="http://schemas.microsoft.com/office/drawing/2014/main" id="{41670ED7-D092-4BC3-8368-B7B8701E055E}"/>
-              </a:ext>
-            </a:extLst>
-          </p:cNvPr>
-          <p:cNvCxnSpPr>
-            <a:cxnSpLocks/>
-            <a:stCxn id="67" idx="2"/>
-            <a:endCxn id="11" idx="0"/>
-          </p:cNvCxnSpPr>
-          <p:nvPr/>
-        </p:nvCxnSpPr>
-        <p:spPr>
-          <a:xfrm rot="16200000" flipH="1">
-            <a:off x="4763876" y="949465"/>
-            <a:ext cx="1004443" cy="4780474"/>
-          </a:xfrm>
-          <a:prstGeom prst="bentConnector3">
-            <a:avLst>
-              <a:gd name="adj1" fmla="val 50000"/>
-            </a:avLst>
-          </a:prstGeom>
-          <a:ln>
-            <a:tailEnd type="triangle" w="lg" len="lg"/>
-          </a:ln>
-        </p:spPr>
-        <p:style>
-          <a:lnRef idx="1">
-            <a:schemeClr val="dk1"/>
-          </a:lnRef>
-          <a:fillRef idx="0">
-            <a:schemeClr val="dk1"/>
-          </a:fillRef>
-          <a:effectRef idx="0">
-            <a:schemeClr val="dk1"/>
-          </a:effectRef>
-          <a:fontRef idx="minor">
-            <a:schemeClr val="tx1"/>
-          </a:fontRef>
-        </p:style>
-      </p:cxnSp>
-      <p:sp>
-        <p:nvSpPr>
-          <p:cNvPr id="63" name="Rectangle 62">
-            <a:extLst>
-              <a:ext uri="{FF2B5EF4-FFF2-40B4-BE49-F238E27FC236}">
-                <a16:creationId xmlns:a16="http://schemas.microsoft.com/office/drawing/2014/main" id="{ED1AB39C-ABA6-48D7-A658-CB34A1979715}"/>
-              </a:ext>
-            </a:extLst>
-          </p:cNvPr>
-          <p:cNvSpPr/>
-          <p:nvPr/>
-        </p:nvSpPr>
-        <p:spPr>
-          <a:xfrm>
-            <a:off x="2742208" y="2235593"/>
-            <a:ext cx="319668" cy="211816"/>
-          </a:xfrm>
-          <a:prstGeom prst="rect">
-            <a:avLst/>
-          </a:prstGeom>
-          <a:noFill/>
-          <a:ln>
-            <a:noFill/>
           </a:ln>
         </p:spPr>
         <p:style>
@@ -6402,69 +5259,19 @@
       </p:sp>
       <p:sp>
         <p:nvSpPr>
-          <p:cNvPr id="67" name="Rectangle 66">
-            <a:extLst>
-              <a:ext uri="{FF2B5EF4-FFF2-40B4-BE49-F238E27FC236}">
-                <a16:creationId xmlns:a16="http://schemas.microsoft.com/office/drawing/2014/main" id="{DAD011A5-C6B1-4E5C-B519-703514F72C6B}"/>
-              </a:ext>
-            </a:extLst>
-          </p:cNvPr>
-          <p:cNvSpPr/>
+          <p:cNvPr id="7" name="TextBox 6">
+            <a:extLst>
+              <a:ext uri="{FF2B5EF4-FFF2-40B4-BE49-F238E27FC236}">
+                <a16:creationId xmlns:a16="http://schemas.microsoft.com/office/drawing/2014/main" id="{A063DF1C-7DF0-40B4-AC9D-EC918B0CB000}"/>
+              </a:ext>
+            </a:extLst>
+          </p:cNvPr>
+          <p:cNvSpPr txBox="1"/>
           <p:nvPr/>
         </p:nvSpPr>
         <p:spPr>
           <a:xfrm>
-            <a:off x="2716026" y="2625665"/>
-            <a:ext cx="319668" cy="211816"/>
-          </a:xfrm>
-          <a:prstGeom prst="rect">
-            <a:avLst/>
-          </a:prstGeom>
-          <a:noFill/>
-          <a:ln>
-            <a:noFill/>
-          </a:ln>
-        </p:spPr>
-        <p:style>
-          <a:lnRef idx="2">
-            <a:schemeClr val="accent1">
-              <a:shade val="50000"/>
-            </a:schemeClr>
-          </a:lnRef>
-          <a:fillRef idx="1">
-            <a:schemeClr val="accent1"/>
-          </a:fillRef>
-          <a:effectRef idx="0">
-            <a:schemeClr val="accent1"/>
-          </a:effectRef>
-          <a:fontRef idx="minor">
-            <a:schemeClr val="lt1"/>
-          </a:fontRef>
-        </p:style>
-        <p:txBody>
-          <a:bodyPr rtlCol="0" anchor="ctr"/>
-          <a:lstStyle/>
-          <a:p>
-            <a:pPr algn="ctr"/>
-            <a:endParaRPr lang="en-US"/>
-          </a:p>
-        </p:txBody>
-      </p:sp>
-      <p:sp>
-        <p:nvSpPr>
-          <p:cNvPr id="71" name="TextBox 70">
-            <a:extLst>
-              <a:ext uri="{FF2B5EF4-FFF2-40B4-BE49-F238E27FC236}">
-                <a16:creationId xmlns:a16="http://schemas.microsoft.com/office/drawing/2014/main" id="{13457808-A9BC-45D9-85EC-E21DC0652682}"/>
-              </a:ext>
-            </a:extLst>
-          </p:cNvPr>
-          <p:cNvSpPr txBox="1"/>
-          <p:nvPr/>
-        </p:nvSpPr>
-        <p:spPr>
-          <a:xfrm>
-            <a:off x="357539" y="1036882"/>
+            <a:off x="192163" y="128664"/>
             <a:ext cx="2066223" cy="369332"/>
           </a:xfrm>
           <a:prstGeom prst="rect">
@@ -6480,70 +5287,52 @@
           <a:p>
             <a:pPr algn="ctr"/>
             <a:r>
-              <a:rPr lang="en-US"/>
-              <a:t>Working Dir: </a:t>
+              <a:rPr lang="en-US" b="1"/>
+              <a:t>US 49</a:t>
             </a:r>
           </a:p>
         </p:txBody>
       </p:sp>
-      <p:sp>
-        <p:nvSpPr>
-          <p:cNvPr id="73" name="Rectangle 72">
-            <a:extLst>
-              <a:ext uri="{FF2B5EF4-FFF2-40B4-BE49-F238E27FC236}">
-                <a16:creationId xmlns:a16="http://schemas.microsoft.com/office/drawing/2014/main" id="{930E4700-1C44-4D30-BD57-623D230534D0}"/>
-              </a:ext>
-            </a:extLst>
-          </p:cNvPr>
-          <p:cNvSpPr/>
-          <p:nvPr/>
-        </p:nvSpPr>
-        <p:spPr>
-          <a:xfrm>
-            <a:off x="139429" y="397311"/>
-            <a:ext cx="10290446" cy="5168363"/>
+      <p:pic>
+        <p:nvPicPr>
+          <p:cNvPr id="3" name="Picture 2" descr="A close up of a map&#10;&#10;Description automatically generated">
+            <a:extLst>
+              <a:ext uri="{FF2B5EF4-FFF2-40B4-BE49-F238E27FC236}">
+                <a16:creationId xmlns:a16="http://schemas.microsoft.com/office/drawing/2014/main" id="{F0BE566E-E55C-43E6-BCAA-3FA9D0A651E5}"/>
+              </a:ext>
+            </a:extLst>
+          </p:cNvPr>
+          <p:cNvPicPr>
+            <a:picLocks noChangeAspect="1"/>
+          </p:cNvPicPr>
+          <p:nvPr/>
+        </p:nvPicPr>
+        <p:blipFill>
+          <a:blip r:embed="rId2">
+            <a:extLst>
+              <a:ext uri="{28A0092B-C50C-407E-A947-70E740481C1C}">
+                <a14:useLocalDpi xmlns:a14="http://schemas.microsoft.com/office/drawing/2010/main" val="0"/>
+              </a:ext>
+            </a:extLst>
+          </a:blip>
+          <a:stretch>
+            <a:fillRect/>
+          </a:stretch>
+        </p:blipFill>
+        <p:spPr>
+          <a:xfrm>
+            <a:off x="1243776" y="789197"/>
+            <a:ext cx="9704448" cy="4739535"/>
           </a:xfrm>
           <a:prstGeom prst="rect">
             <a:avLst/>
           </a:prstGeom>
-          <a:noFill/>
-          <a:ln>
-            <a:solidFill>
-              <a:schemeClr val="bg1">
-                <a:lumMod val="65000"/>
-              </a:schemeClr>
-            </a:solidFill>
-          </a:ln>
-        </p:spPr>
-        <p:style>
-          <a:lnRef idx="2">
-            <a:schemeClr val="accent1">
-              <a:shade val="50000"/>
-            </a:schemeClr>
-          </a:lnRef>
-          <a:fillRef idx="1">
-            <a:schemeClr val="accent1"/>
-          </a:fillRef>
-          <a:effectRef idx="0">
-            <a:schemeClr val="accent1"/>
-          </a:effectRef>
-          <a:fontRef idx="minor">
-            <a:schemeClr val="lt1"/>
-          </a:fontRef>
-        </p:style>
-        <p:txBody>
-          <a:bodyPr rtlCol="0" anchor="ctr"/>
-          <a:lstStyle/>
-          <a:p>
-            <a:pPr algn="ctr"/>
-            <a:endParaRPr lang="en-US"/>
-          </a:p>
-        </p:txBody>
-      </p:sp>
+        </p:spPr>
+      </p:pic>
     </p:spTree>
     <p:extLst>
       <p:ext uri="{BB962C8B-B14F-4D97-AF65-F5344CB8AC3E}">
-        <p14:creationId xmlns:p14="http://schemas.microsoft.com/office/powerpoint/2010/main" val="1189941159"/>
+        <p14:creationId xmlns:p14="http://schemas.microsoft.com/office/powerpoint/2010/main" val="3140732755"/>
       </p:ext>
     </p:extLst>
   </p:cSld>
@@ -6655,17 +5444,17 @@
             <a:pPr algn="ctr"/>
             <a:r>
               <a:rPr lang="en-US" b="1"/>
-              <a:t>US 49</a:t>
+              <a:t>US 49 Counties</a:t>
             </a:r>
           </a:p>
         </p:txBody>
       </p:sp>
       <p:pic>
         <p:nvPicPr>
-          <p:cNvPr id="3" name="Picture 2" descr="A close up of a map&#10;&#10;Description automatically generated">
-            <a:extLst>
-              <a:ext uri="{FF2B5EF4-FFF2-40B4-BE49-F238E27FC236}">
-                <a16:creationId xmlns:a16="http://schemas.microsoft.com/office/drawing/2014/main" id="{F0BE566E-E55C-43E6-BCAA-3FA9D0A651E5}"/>
+          <p:cNvPr id="4" name="Picture 3" descr="A picture containing text, map&#10;&#10;Description automatically generated">
+            <a:extLst>
+              <a:ext uri="{FF2B5EF4-FFF2-40B4-BE49-F238E27FC236}">
+                <a16:creationId xmlns:a16="http://schemas.microsoft.com/office/drawing/2014/main" id="{B0863DB6-9151-47C5-9FEA-E0593352C298}"/>
               </a:ext>
             </a:extLst>
           </p:cNvPr>
@@ -6688,8 +5477,8 @@
         </p:blipFill>
         <p:spPr>
           <a:xfrm>
-            <a:off x="1243776" y="789197"/>
-            <a:ext cx="9704448" cy="4739535"/>
+            <a:off x="1001831" y="675324"/>
+            <a:ext cx="10188338" cy="4975861"/>
           </a:xfrm>
           <a:prstGeom prst="rect">
             <a:avLst/>
@@ -6699,7 +5488,7 @@
     </p:spTree>
     <p:extLst>
       <p:ext uri="{BB962C8B-B14F-4D97-AF65-F5344CB8AC3E}">
-        <p14:creationId xmlns:p14="http://schemas.microsoft.com/office/powerpoint/2010/main" val="3140732755"/>
+        <p14:creationId xmlns:p14="http://schemas.microsoft.com/office/powerpoint/2010/main" val="2821112866"/>
       </p:ext>
     </p:extLst>
   </p:cSld>
@@ -6811,17 +5600,17 @@
             <a:pPr algn="ctr"/>
             <a:r>
               <a:rPr lang="en-US" b="1"/>
-              <a:t>US 49 Counties</a:t>
+              <a:t>US 52</a:t>
             </a:r>
           </a:p>
         </p:txBody>
       </p:sp>
       <p:pic>
         <p:nvPicPr>
-          <p:cNvPr id="4" name="Picture 3" descr="A picture containing text, map&#10;&#10;Description automatically generated">
-            <a:extLst>
-              <a:ext uri="{FF2B5EF4-FFF2-40B4-BE49-F238E27FC236}">
-                <a16:creationId xmlns:a16="http://schemas.microsoft.com/office/drawing/2014/main" id="{B0863DB6-9151-47C5-9FEA-E0593352C298}"/>
+          <p:cNvPr id="3" name="Picture 2" descr="A close up of a map&#10;&#10;Description automatically generated">
+            <a:extLst>
+              <a:ext uri="{FF2B5EF4-FFF2-40B4-BE49-F238E27FC236}">
+                <a16:creationId xmlns:a16="http://schemas.microsoft.com/office/drawing/2014/main" id="{1525D342-6CAB-4FAB-98E3-F3F23F09ECB5}"/>
               </a:ext>
             </a:extLst>
           </p:cNvPr>
@@ -6844,8 +5633,8 @@
         </p:blipFill>
         <p:spPr>
           <a:xfrm>
-            <a:off x="1001831" y="675324"/>
-            <a:ext cx="10188338" cy="4975861"/>
+            <a:off x="1866726" y="675957"/>
+            <a:ext cx="8458548" cy="4974596"/>
           </a:xfrm>
           <a:prstGeom prst="rect">
             <a:avLst/>
@@ -6855,7 +5644,7 @@
     </p:spTree>
     <p:extLst>
       <p:ext uri="{BB962C8B-B14F-4D97-AF65-F5344CB8AC3E}">
-        <p14:creationId xmlns:p14="http://schemas.microsoft.com/office/powerpoint/2010/main" val="2821112866"/>
+        <p14:creationId xmlns:p14="http://schemas.microsoft.com/office/powerpoint/2010/main" val="948249206"/>
       </p:ext>
     </p:extLst>
   </p:cSld>
@@ -6882,6 +5671,42 @@
           <a:chExt cx="0" cy="0"/>
         </a:xfrm>
       </p:grpSpPr>
+      <p:pic>
+        <p:nvPicPr>
+          <p:cNvPr id="5" name="Picture 4" descr="A picture containing text, map&#10;&#10;Description automatically generated">
+            <a:extLst>
+              <a:ext uri="{FF2B5EF4-FFF2-40B4-BE49-F238E27FC236}">
+                <a16:creationId xmlns:a16="http://schemas.microsoft.com/office/drawing/2014/main" id="{2F299C4D-8DB8-4491-8191-7839F08FADAD}"/>
+              </a:ext>
+            </a:extLst>
+          </p:cNvPr>
+          <p:cNvPicPr>
+            <a:picLocks noChangeAspect="1"/>
+          </p:cNvPicPr>
+          <p:nvPr/>
+        </p:nvPicPr>
+        <p:blipFill>
+          <a:blip r:embed="rId2">
+            <a:extLst>
+              <a:ext uri="{28A0092B-C50C-407E-A947-70E740481C1C}">
+                <a14:useLocalDpi xmlns:a14="http://schemas.microsoft.com/office/drawing/2010/main" val="0"/>
+              </a:ext>
+            </a:extLst>
+          </a:blip>
+          <a:stretch>
+            <a:fillRect/>
+          </a:stretch>
+        </p:blipFill>
+        <p:spPr>
+          <a:xfrm>
+            <a:off x="317652" y="1110563"/>
+            <a:ext cx="11299673" cy="4206503"/>
+          </a:xfrm>
+          <a:prstGeom prst="rect">
+            <a:avLst/>
+          </a:prstGeom>
+        </p:spPr>
+      </p:pic>
       <p:sp>
         <p:nvSpPr>
           <p:cNvPr id="6" name="Rectangle 5">
@@ -6967,51 +5792,15 @@
             <a:pPr algn="ctr"/>
             <a:r>
               <a:rPr lang="en-US" b="1"/>
-              <a:t>US 52</a:t>
+              <a:t>GCAM Reg 32</a:t>
             </a:r>
           </a:p>
         </p:txBody>
       </p:sp>
-      <p:pic>
-        <p:nvPicPr>
-          <p:cNvPr id="3" name="Picture 2" descr="A close up of a map&#10;&#10;Description automatically generated">
-            <a:extLst>
-              <a:ext uri="{FF2B5EF4-FFF2-40B4-BE49-F238E27FC236}">
-                <a16:creationId xmlns:a16="http://schemas.microsoft.com/office/drawing/2014/main" id="{1525D342-6CAB-4FAB-98E3-F3F23F09ECB5}"/>
-              </a:ext>
-            </a:extLst>
-          </p:cNvPr>
-          <p:cNvPicPr>
-            <a:picLocks noChangeAspect="1"/>
-          </p:cNvPicPr>
-          <p:nvPr/>
-        </p:nvPicPr>
-        <p:blipFill>
-          <a:blip r:embed="rId2">
-            <a:extLst>
-              <a:ext uri="{28A0092B-C50C-407E-A947-70E740481C1C}">
-                <a14:useLocalDpi xmlns:a14="http://schemas.microsoft.com/office/drawing/2010/main" val="0"/>
-              </a:ext>
-            </a:extLst>
-          </a:blip>
-          <a:stretch>
-            <a:fillRect/>
-          </a:stretch>
-        </p:blipFill>
-        <p:spPr>
-          <a:xfrm>
-            <a:off x="1866726" y="675957"/>
-            <a:ext cx="8458548" cy="4974596"/>
-          </a:xfrm>
-          <a:prstGeom prst="rect">
-            <a:avLst/>
-          </a:prstGeom>
-        </p:spPr>
-      </p:pic>
     </p:spTree>
     <p:extLst>
       <p:ext uri="{BB962C8B-B14F-4D97-AF65-F5344CB8AC3E}">
-        <p14:creationId xmlns:p14="http://schemas.microsoft.com/office/powerpoint/2010/main" val="948249206"/>
+        <p14:creationId xmlns:p14="http://schemas.microsoft.com/office/powerpoint/2010/main" val="3180737766"/>
       </p:ext>
     </p:extLst>
   </p:cSld>
@@ -7038,42 +5827,6 @@
           <a:chExt cx="0" cy="0"/>
         </a:xfrm>
       </p:grpSpPr>
-      <p:pic>
-        <p:nvPicPr>
-          <p:cNvPr id="5" name="Picture 4" descr="A picture containing text, map&#10;&#10;Description automatically generated">
-            <a:extLst>
-              <a:ext uri="{FF2B5EF4-FFF2-40B4-BE49-F238E27FC236}">
-                <a16:creationId xmlns:a16="http://schemas.microsoft.com/office/drawing/2014/main" id="{2F299C4D-8DB8-4491-8191-7839F08FADAD}"/>
-              </a:ext>
-            </a:extLst>
-          </p:cNvPr>
-          <p:cNvPicPr>
-            <a:picLocks noChangeAspect="1"/>
-          </p:cNvPicPr>
-          <p:nvPr/>
-        </p:nvPicPr>
-        <p:blipFill>
-          <a:blip r:embed="rId2">
-            <a:extLst>
-              <a:ext uri="{28A0092B-C50C-407E-A947-70E740481C1C}">
-                <a14:useLocalDpi xmlns:a14="http://schemas.microsoft.com/office/drawing/2010/main" val="0"/>
-              </a:ext>
-            </a:extLst>
-          </a:blip>
-          <a:stretch>
-            <a:fillRect/>
-          </a:stretch>
-        </p:blipFill>
-        <p:spPr>
-          <a:xfrm>
-            <a:off x="317652" y="1110563"/>
-            <a:ext cx="11299673" cy="4206503"/>
-          </a:xfrm>
-          <a:prstGeom prst="rect">
-            <a:avLst/>
-          </a:prstGeom>
-        </p:spPr>
-      </p:pic>
       <p:sp>
         <p:nvSpPr>
           <p:cNvPr id="6" name="Rectangle 5">
@@ -7159,15 +5912,51 @@
             <a:pPr algn="ctr"/>
             <a:r>
               <a:rPr lang="en-US" b="1"/>
-              <a:t>GCAM Reg 32</a:t>
+              <a:t>GCAM Basin</a:t>
             </a:r>
           </a:p>
         </p:txBody>
       </p:sp>
+      <p:pic>
+        <p:nvPicPr>
+          <p:cNvPr id="3" name="Picture 2" descr="A picture containing text, map&#10;&#10;Description automatically generated">
+            <a:extLst>
+              <a:ext uri="{FF2B5EF4-FFF2-40B4-BE49-F238E27FC236}">
+                <a16:creationId xmlns:a16="http://schemas.microsoft.com/office/drawing/2014/main" id="{CB9DB4F5-D5A8-4DAD-8173-0963BBFED030}"/>
+              </a:ext>
+            </a:extLst>
+          </p:cNvPr>
+          <p:cNvPicPr>
+            <a:picLocks noChangeAspect="1"/>
+          </p:cNvPicPr>
+          <p:nvPr/>
+        </p:nvPicPr>
+        <p:blipFill>
+          <a:blip r:embed="rId2">
+            <a:extLst>
+              <a:ext uri="{28A0092B-C50C-407E-A947-70E740481C1C}">
+                <a14:useLocalDpi xmlns:a14="http://schemas.microsoft.com/office/drawing/2010/main" val="0"/>
+              </a:ext>
+            </a:extLst>
+          </a:blip>
+          <a:stretch>
+            <a:fillRect/>
+          </a:stretch>
+        </p:blipFill>
+        <p:spPr>
+          <a:xfrm>
+            <a:off x="392149" y="1043599"/>
+            <a:ext cx="11407701" cy="4231134"/>
+          </a:xfrm>
+          <a:prstGeom prst="rect">
+            <a:avLst/>
+          </a:prstGeom>
+        </p:spPr>
+      </p:pic>
     </p:spTree>
     <p:extLst>
       <p:ext uri="{BB962C8B-B14F-4D97-AF65-F5344CB8AC3E}">
-        <p14:creationId xmlns:p14="http://schemas.microsoft.com/office/powerpoint/2010/main" val="3180737766"/>
+        <p14:creationId xmlns:p14="http://schemas.microsoft.com/office/powerpoint/2010/main" val="3624965097"/>
       </p:ext>
     </p:extLst>
   </p:cSld>
@@ -7279,17 +6068,17 @@
             <a:pPr algn="ctr"/>
             <a:r>
               <a:rPr lang="en-US" b="1"/>
-              <a:t>GCAM Basin</a:t>
+              <a:t>World Countries</a:t>
             </a:r>
           </a:p>
         </p:txBody>
       </p:sp>
       <p:pic>
         <p:nvPicPr>
-          <p:cNvPr id="3" name="Picture 2" descr="A picture containing text, map&#10;&#10;Description automatically generated">
-            <a:extLst>
-              <a:ext uri="{FF2B5EF4-FFF2-40B4-BE49-F238E27FC236}">
-                <a16:creationId xmlns:a16="http://schemas.microsoft.com/office/drawing/2014/main" id="{CB9DB4F5-D5A8-4DAD-8173-0963BBFED030}"/>
+          <p:cNvPr id="8" name="Picture 7" descr="A picture containing text, map&#10;&#10;Description automatically generated">
+            <a:extLst>
+              <a:ext uri="{FF2B5EF4-FFF2-40B4-BE49-F238E27FC236}">
+                <a16:creationId xmlns:a16="http://schemas.microsoft.com/office/drawing/2014/main" id="{ABCB02B0-FA9F-499F-AA93-F7A7EF740B04}"/>
               </a:ext>
             </a:extLst>
           </p:cNvPr>
@@ -7312,8 +6101,8 @@
         </p:blipFill>
         <p:spPr>
           <a:xfrm>
-            <a:off x="392149" y="1043599"/>
-            <a:ext cx="11407701" cy="4231134"/>
+            <a:off x="308859" y="1110563"/>
+            <a:ext cx="11592394" cy="4299637"/>
           </a:xfrm>
           <a:prstGeom prst="rect">
             <a:avLst/>
@@ -7323,7 +6112,7 @@
     </p:spTree>
     <p:extLst>
       <p:ext uri="{BB962C8B-B14F-4D97-AF65-F5344CB8AC3E}">
-        <p14:creationId xmlns:p14="http://schemas.microsoft.com/office/powerpoint/2010/main" val="3624965097"/>
+        <p14:creationId xmlns:p14="http://schemas.microsoft.com/office/powerpoint/2010/main" val="3848911443"/>
       </p:ext>
     </p:extLst>
   </p:cSld>
@@ -7435,7 +6224,7 @@
             <a:pPr algn="ctr"/>
             <a:r>
               <a:rPr lang="en-US" b="1"/>
-              <a:t>World Countries</a:t>
+              <a:t>World States</a:t>
             </a:r>
           </a:p>
         </p:txBody>
@@ -7445,7 +6234,7 @@
           <p:cNvPr id="8" name="Picture 7" descr="A picture containing text, map&#10;&#10;Description automatically generated">
             <a:extLst>
               <a:ext uri="{FF2B5EF4-FFF2-40B4-BE49-F238E27FC236}">
-                <a16:creationId xmlns:a16="http://schemas.microsoft.com/office/drawing/2014/main" id="{ABCB02B0-FA9F-499F-AA93-F7A7EF740B04}"/>
+                <a16:creationId xmlns:a16="http://schemas.microsoft.com/office/drawing/2014/main" id="{60D54EB0-F183-4046-810A-E4EEAEBD2598}"/>
               </a:ext>
             </a:extLst>
           </p:cNvPr>
@@ -7468,8 +6257,8 @@
         </p:blipFill>
         <p:spPr>
           <a:xfrm>
-            <a:off x="308859" y="1110563"/>
-            <a:ext cx="11592394" cy="4299637"/>
+            <a:off x="414976" y="1321899"/>
+            <a:ext cx="11362047" cy="4214201"/>
           </a:xfrm>
           <a:prstGeom prst="rect">
             <a:avLst/>
@@ -7479,7 +6268,7 @@
     </p:spTree>
     <p:extLst>
       <p:ext uri="{BB962C8B-B14F-4D97-AF65-F5344CB8AC3E}">
-        <p14:creationId xmlns:p14="http://schemas.microsoft.com/office/powerpoint/2010/main" val="3848911443"/>
+        <p14:creationId xmlns:p14="http://schemas.microsoft.com/office/powerpoint/2010/main" val="636132822"/>
       </p:ext>
     </p:extLst>
   </p:cSld>
@@ -7520,8 +6309,8 @@
         </p:nvSpPr>
         <p:spPr>
           <a:xfrm>
-            <a:off x="192163" y="579074"/>
-            <a:ext cx="11807674" cy="5168363"/>
+            <a:off x="192163" y="1524000"/>
+            <a:ext cx="11807674" cy="3578943"/>
           </a:xfrm>
           <a:prstGeom prst="rect">
             <a:avLst/>
@@ -7591,17 +6380,17 @@
             <a:pPr algn="ctr"/>
             <a:r>
               <a:rPr lang="en-US" b="1"/>
-              <a:t>World States</a:t>
+              <a:t>selectMap</a:t>
             </a:r>
           </a:p>
         </p:txBody>
       </p:sp>
       <p:pic>
         <p:nvPicPr>
-          <p:cNvPr id="8" name="Picture 7" descr="A picture containing text, map&#10;&#10;Description automatically generated">
-            <a:extLst>
-              <a:ext uri="{FF2B5EF4-FFF2-40B4-BE49-F238E27FC236}">
-                <a16:creationId xmlns:a16="http://schemas.microsoft.com/office/drawing/2014/main" id="{60D54EB0-F183-4046-810A-E4EEAEBD2598}"/>
+          <p:cNvPr id="10" name="Picture 9" descr="A picture containing text, map&#10;&#10;Description automatically generated">
+            <a:extLst>
+              <a:ext uri="{FF2B5EF4-FFF2-40B4-BE49-F238E27FC236}">
+                <a16:creationId xmlns:a16="http://schemas.microsoft.com/office/drawing/2014/main" id="{775ABB51-7757-46AB-B475-C12C81A6D786}"/>
               </a:ext>
             </a:extLst>
           </p:cNvPr>
@@ -7611,7 +6400,7 @@
           <p:nvPr/>
         </p:nvPicPr>
         <p:blipFill>
-          <a:blip r:embed="rId2">
+          <a:blip r:embed="rId2" cstate="print">
             <a:extLst>
               <a:ext uri="{28A0092B-C50C-407E-A947-70E740481C1C}">
                 <a14:useLocalDpi xmlns:a14="http://schemas.microsoft.com/office/drawing/2010/main" val="0"/>
@@ -7624,18 +6413,129 @@
         </p:blipFill>
         <p:spPr>
           <a:xfrm>
-            <a:off x="414976" y="1321899"/>
-            <a:ext cx="11362047" cy="4214201"/>
+            <a:off x="6137838" y="2517056"/>
+            <a:ext cx="5736485" cy="2202907"/>
           </a:xfrm>
           <a:prstGeom prst="rect">
             <a:avLst/>
           </a:prstGeom>
         </p:spPr>
       </p:pic>
+      <p:pic>
+        <p:nvPicPr>
+          <p:cNvPr id="12" name="Picture 11" descr="A picture containing text, map&#10;&#10;Description automatically generated">
+            <a:extLst>
+              <a:ext uri="{FF2B5EF4-FFF2-40B4-BE49-F238E27FC236}">
+                <a16:creationId xmlns:a16="http://schemas.microsoft.com/office/drawing/2014/main" id="{CDCA9856-469E-411E-83EC-BCF528E52763}"/>
+              </a:ext>
+            </a:extLst>
+          </p:cNvPr>
+          <p:cNvPicPr>
+            <a:picLocks noChangeAspect="1"/>
+          </p:cNvPicPr>
+          <p:nvPr/>
+        </p:nvPicPr>
+        <p:blipFill>
+          <a:blip r:embed="rId3" cstate="print">
+            <a:extLst>
+              <a:ext uri="{28A0092B-C50C-407E-A947-70E740481C1C}">
+                <a14:useLocalDpi xmlns:a14="http://schemas.microsoft.com/office/drawing/2010/main" val="0"/>
+              </a:ext>
+            </a:extLst>
+          </a:blip>
+          <a:stretch>
+            <a:fillRect/>
+          </a:stretch>
+        </p:blipFill>
+        <p:spPr>
+          <a:xfrm>
+            <a:off x="275839" y="2517056"/>
+            <a:ext cx="5736485" cy="2202907"/>
+          </a:xfrm>
+          <a:prstGeom prst="rect">
+            <a:avLst/>
+          </a:prstGeom>
+        </p:spPr>
+      </p:pic>
+      <p:sp>
+        <p:nvSpPr>
+          <p:cNvPr id="15" name="Rectangle 14">
+            <a:extLst>
+              <a:ext uri="{FF2B5EF4-FFF2-40B4-BE49-F238E27FC236}">
+                <a16:creationId xmlns:a16="http://schemas.microsoft.com/office/drawing/2014/main" id="{BC8C093D-2DB1-4221-BAEE-CF46598B6074}"/>
+              </a:ext>
+            </a:extLst>
+          </p:cNvPr>
+          <p:cNvSpPr/>
+          <p:nvPr/>
+        </p:nvSpPr>
+        <p:spPr>
+          <a:xfrm>
+            <a:off x="7027205" y="1735388"/>
+            <a:ext cx="3957750" cy="369332"/>
+          </a:xfrm>
+          <a:prstGeom prst="rect">
+            <a:avLst/>
+          </a:prstGeom>
+        </p:spPr>
+        <p:txBody>
+          <a:bodyPr wrap="none">
+            <a:spAutoFit/>
+          </a:bodyPr>
+          <a:lstStyle/>
+          <a:p>
+            <a:r>
+              <a:rPr lang="en-US" b="1"/>
+              <a:t>subRegShape = metis::mapGCAMReg32</a:t>
+            </a:r>
+          </a:p>
+        </p:txBody>
+      </p:sp>
+      <p:sp>
+        <p:nvSpPr>
+          <p:cNvPr id="16" name="Rectangle 15">
+            <a:extLst>
+              <a:ext uri="{FF2B5EF4-FFF2-40B4-BE49-F238E27FC236}">
+                <a16:creationId xmlns:a16="http://schemas.microsoft.com/office/drawing/2014/main" id="{0D814111-FBE8-4A7A-A869-B7599C55186F}"/>
+              </a:ext>
+            </a:extLst>
+          </p:cNvPr>
+          <p:cNvSpPr/>
+          <p:nvPr/>
+        </p:nvSpPr>
+        <p:spPr>
+          <a:xfrm>
+            <a:off x="1759823" y="1735388"/>
+            <a:ext cx="2715615" cy="646331"/>
+          </a:xfrm>
+          <a:prstGeom prst="rect">
+            <a:avLst/>
+          </a:prstGeom>
+        </p:spPr>
+        <p:txBody>
+          <a:bodyPr wrap="none">
+            <a:spAutoFit/>
+          </a:bodyPr>
+          <a:lstStyle/>
+          <a:p>
+            <a:r>
+              <a:rPr lang="en-US" b="1"/>
+              <a:t>subRegShape not assigned</a:t>
+            </a:r>
+          </a:p>
+          <a:p>
+            <a:pPr algn="ctr"/>
+            <a:r>
+              <a:rPr lang="en-US" b="1"/>
+              <a:t>auto selects a map</a:t>
+            </a:r>
+          </a:p>
+        </p:txBody>
+      </p:sp>
     </p:spTree>
     <p:extLst>
       <p:ext uri="{BB962C8B-B14F-4D97-AF65-F5344CB8AC3E}">
-        <p14:creationId xmlns:p14="http://schemas.microsoft.com/office/powerpoint/2010/main" val="636132822"/>
+        <p14:creationId xmlns:p14="http://schemas.microsoft.com/office/powerpoint/2010/main" val="1122343259"/>
       </p:ext>
     </p:extLst>
   </p:cSld>
@@ -8052,8 +6952,8 @@
         </p:nvSpPr>
         <p:spPr>
           <a:xfrm>
-            <a:off x="2360042" y="886004"/>
-            <a:ext cx="2066223" cy="369332"/>
+            <a:off x="1903717" y="886004"/>
+            <a:ext cx="2978874" cy="369332"/>
           </a:xfrm>
           <a:prstGeom prst="rect">
             <a:avLst/>
@@ -8069,7 +6969,7 @@
             <a:pPr algn="ctr"/>
             <a:r>
               <a:rPr lang="en-US" b="1"/>
-              <a:t>cropToBoundary=F</a:t>
+              <a:t>cropToBoundary=F (Default)</a:t>
             </a:r>
           </a:p>
         </p:txBody>
@@ -8154,8 +7054,8 @@
         </p:nvSpPr>
         <p:spPr>
           <a:xfrm>
-            <a:off x="192163" y="579074"/>
-            <a:ext cx="11807674" cy="5168363"/>
+            <a:off x="192163" y="1092200"/>
+            <a:ext cx="11807674" cy="4055533"/>
           </a:xfrm>
           <a:prstGeom prst="rect">
             <a:avLst/>
@@ -8258,8 +7158,8 @@
         </p:blipFill>
         <p:spPr>
           <a:xfrm>
-            <a:off x="571326" y="1682346"/>
-            <a:ext cx="4933661" cy="3660121"/>
+            <a:off x="274993" y="1937266"/>
+            <a:ext cx="3795672" cy="2815884"/>
           </a:xfrm>
           <a:prstGeom prst="rect">
             <a:avLst/>
@@ -8280,7 +7180,7 @@
         </p:nvSpPr>
         <p:spPr>
           <a:xfrm>
-            <a:off x="2004441" y="1110563"/>
+            <a:off x="1139717" y="1296659"/>
             <a:ext cx="2066223" cy="369332"/>
           </a:xfrm>
           <a:prstGeom prst="rect">
@@ -8316,7 +7216,7 @@
         </p:nvSpPr>
         <p:spPr>
           <a:xfrm>
-            <a:off x="8256488" y="1110563"/>
+            <a:off x="5062888" y="1296659"/>
             <a:ext cx="2066223" cy="369332"/>
           </a:xfrm>
           <a:prstGeom prst="rect">
@@ -8366,14 +7266,93 @@
         </p:blipFill>
         <p:spPr>
           <a:xfrm>
-            <a:off x="6824688" y="1682346"/>
-            <a:ext cx="4929825" cy="3727854"/>
+            <a:off x="4328616" y="1937266"/>
+            <a:ext cx="3792721" cy="2867994"/>
           </a:xfrm>
           <a:prstGeom prst="rect">
             <a:avLst/>
           </a:prstGeom>
         </p:spPr>
       </p:pic>
+      <p:pic>
+        <p:nvPicPr>
+          <p:cNvPr id="9" name="Picture 8" descr="A close up of a map&#10;&#10;Description automatically generated">
+            <a:extLst>
+              <a:ext uri="{FF2B5EF4-FFF2-40B4-BE49-F238E27FC236}">
+                <a16:creationId xmlns:a16="http://schemas.microsoft.com/office/drawing/2014/main" id="{EF254A4F-AC22-4ABF-B7F3-DFB688D1AC55}"/>
+              </a:ext>
+            </a:extLst>
+          </p:cNvPr>
+          <p:cNvPicPr>
+            <a:picLocks noChangeAspect="1"/>
+          </p:cNvPicPr>
+          <p:nvPr/>
+        </p:nvPicPr>
+        <p:blipFill>
+          <a:blip r:embed="rId4" cstate="print">
+            <a:extLst>
+              <a:ext uri="{28A0092B-C50C-407E-A947-70E740481C1C}">
+                <a14:useLocalDpi xmlns:a14="http://schemas.microsoft.com/office/drawing/2010/main" val="0"/>
+              </a:ext>
+            </a:extLst>
+          </a:blip>
+          <a:stretch>
+            <a:fillRect/>
+          </a:stretch>
+        </p:blipFill>
+        <p:spPr>
+          <a:xfrm>
+            <a:off x="8164226" y="1911211"/>
+            <a:ext cx="3792721" cy="2867994"/>
+          </a:xfrm>
+          <a:prstGeom prst="rect">
+            <a:avLst/>
+          </a:prstGeom>
+        </p:spPr>
+      </p:pic>
+      <p:sp>
+        <p:nvSpPr>
+          <p:cNvPr id="10" name="TextBox 9">
+            <a:extLst>
+              <a:ext uri="{FF2B5EF4-FFF2-40B4-BE49-F238E27FC236}">
+                <a16:creationId xmlns:a16="http://schemas.microsoft.com/office/drawing/2014/main" id="{B39AD5D9-2D14-4FE5-95BE-5BE80A869576}"/>
+              </a:ext>
+            </a:extLst>
+          </p:cNvPr>
+          <p:cNvSpPr txBox="1"/>
+          <p:nvPr/>
+        </p:nvSpPr>
+        <p:spPr>
+          <a:xfrm>
+            <a:off x="8754354" y="1158159"/>
+            <a:ext cx="2066223" cy="646331"/>
+          </a:xfrm>
+          <a:prstGeom prst="rect">
+            <a:avLst/>
+          </a:prstGeom>
+          <a:noFill/>
+        </p:spPr>
+        <p:txBody>
+          <a:bodyPr wrap="square" rtlCol="0">
+            <a:spAutoFit/>
+          </a:bodyPr>
+          <a:lstStyle/>
+          <a:p>
+            <a:pPr algn="ctr"/>
+            <a:r>
+              <a:rPr lang="en-US" b="1"/>
+              <a:t>extension = T</a:t>
+            </a:r>
+          </a:p>
+          <a:p>
+            <a:pPr algn="ctr"/>
+            <a:r>
+              <a:rPr lang="en-US" b="1"/>
+              <a:t>expandPercent = 50</a:t>
+            </a:r>
+          </a:p>
+        </p:txBody>
+      </p:sp>
     </p:spTree>
     <p:extLst>
       <p:ext uri="{BB962C8B-B14F-4D97-AF65-F5344CB8AC3E}">
@@ -9792,7 +8771,7 @@
               <a:pPr algn="ctr"/>
               <a:r>
                 <a:rPr lang="en-US"/>
-                <a:t>countries</a:t>
+                <a:t>country</a:t>
               </a:r>
             </a:p>
           </p:txBody>
@@ -10753,6 +9732,1491 @@
 </p:sld>
 </file>
 
+<file path=ppt/slides/slide29.xml><?xml version="1.0" encoding="utf-8"?>
+<p:sld xmlns:a="http://schemas.openxmlformats.org/drawingml/2006/main" xmlns:r="http://schemas.openxmlformats.org/officeDocument/2006/relationships" xmlns:p="http://schemas.openxmlformats.org/presentationml/2006/main">
+  <p:cSld>
+    <p:spTree>
+      <p:nvGrpSpPr>
+        <p:cNvPr id="1" name=""/>
+        <p:cNvGrpSpPr/>
+        <p:nvPr/>
+      </p:nvGrpSpPr>
+      <p:grpSpPr>
+        <a:xfrm>
+          <a:off x="0" y="0"/>
+          <a:ext cx="0" cy="0"/>
+          <a:chOff x="0" y="0"/>
+          <a:chExt cx="0" cy="0"/>
+        </a:xfrm>
+      </p:grpSpPr>
+      <p:sp>
+        <p:nvSpPr>
+          <p:cNvPr id="7" name="TextBox 6">
+            <a:extLst>
+              <a:ext uri="{FF2B5EF4-FFF2-40B4-BE49-F238E27FC236}">
+                <a16:creationId xmlns:a16="http://schemas.microsoft.com/office/drawing/2014/main" id="{A063DF1C-7DF0-40B4-AC9D-EC918B0CB000}"/>
+              </a:ext>
+            </a:extLst>
+          </p:cNvPr>
+          <p:cNvSpPr txBox="1"/>
+          <p:nvPr/>
+        </p:nvSpPr>
+        <p:spPr>
+          <a:xfrm>
+            <a:off x="192163" y="128664"/>
+            <a:ext cx="3101370" cy="369332"/>
+          </a:xfrm>
+          <a:prstGeom prst="rect">
+            <a:avLst/>
+          </a:prstGeom>
+          <a:noFill/>
+        </p:spPr>
+        <p:txBody>
+          <a:bodyPr wrap="square" rtlCol="0">
+            <a:spAutoFit/>
+          </a:bodyPr>
+          <a:lstStyle/>
+          <a:p>
+            <a:pPr algn="ctr"/>
+            <a:r>
+              <a:rPr lang="en-US" b="1"/>
+              <a:t>GCAM Results Folder</a:t>
+            </a:r>
+          </a:p>
+        </p:txBody>
+      </p:sp>
+      <p:grpSp>
+        <p:nvGrpSpPr>
+          <p:cNvPr id="12" name="Group 11">
+            <a:extLst>
+              <a:ext uri="{FF2B5EF4-FFF2-40B4-BE49-F238E27FC236}">
+                <a16:creationId xmlns:a16="http://schemas.microsoft.com/office/drawing/2014/main" id="{BAB3D5B8-F101-4F2A-BB68-D105EE67A66B}"/>
+              </a:ext>
+            </a:extLst>
+          </p:cNvPr>
+          <p:cNvGrpSpPr/>
+          <p:nvPr/>
+        </p:nvGrpSpPr>
+        <p:grpSpPr>
+          <a:xfrm>
+            <a:off x="1707202" y="1558164"/>
+            <a:ext cx="2066223" cy="965296"/>
+            <a:chOff x="1811039" y="1300849"/>
+            <a:chExt cx="2066223" cy="965296"/>
+          </a:xfrm>
+        </p:grpSpPr>
+        <p:pic>
+          <p:nvPicPr>
+            <p:cNvPr id="13" name="Picture 2">
+              <a:extLst>
+                <a:ext uri="{FF2B5EF4-FFF2-40B4-BE49-F238E27FC236}">
+                  <a16:creationId xmlns:a16="http://schemas.microsoft.com/office/drawing/2014/main" id="{6A6B1FFF-5D22-44C4-B7E8-B969938A312E}"/>
+                </a:ext>
+              </a:extLst>
+            </p:cNvPr>
+            <p:cNvPicPr>
+              <a:picLocks noChangeAspect="1" noChangeArrowheads="1"/>
+            </p:cNvPicPr>
+            <p:nvPr/>
+          </p:nvPicPr>
+          <p:blipFill>
+            <a:blip r:embed="rId2" cstate="print">
+              <a:extLst>
+                <a:ext uri="{28A0092B-C50C-407E-A947-70E740481C1C}">
+                  <a14:useLocalDpi xmlns:a14="http://schemas.microsoft.com/office/drawing/2010/main" val="0"/>
+                </a:ext>
+              </a:extLst>
+            </a:blip>
+            <a:srcRect/>
+            <a:stretch>
+              <a:fillRect/>
+            </a:stretch>
+          </p:blipFill>
+          <p:spPr bwMode="auto">
+            <a:xfrm>
+              <a:off x="2512807" y="1603456"/>
+              <a:ext cx="662689" cy="662689"/>
+            </a:xfrm>
+            <a:prstGeom prst="rect">
+              <a:avLst/>
+            </a:prstGeom>
+            <a:noFill/>
+            <a:extLst>
+              <a:ext uri="{909E8E84-426E-40DD-AFC4-6F175D3DCCD1}">
+                <a14:hiddenFill xmlns:a14="http://schemas.microsoft.com/office/drawing/2010/main">
+                  <a:solidFill>
+                    <a:srgbClr val="FFFFFF"/>
+                  </a:solidFill>
+                </a14:hiddenFill>
+              </a:ext>
+            </a:extLst>
+          </p:spPr>
+        </p:pic>
+        <p:sp>
+          <p:nvSpPr>
+            <p:cNvPr id="14" name="TextBox 13">
+              <a:extLst>
+                <a:ext uri="{FF2B5EF4-FFF2-40B4-BE49-F238E27FC236}">
+                  <a16:creationId xmlns:a16="http://schemas.microsoft.com/office/drawing/2014/main" id="{BE03BC9B-F13A-4CF5-B65E-F5BB04F3FFC3}"/>
+                </a:ext>
+              </a:extLst>
+            </p:cNvPr>
+            <p:cNvSpPr txBox="1"/>
+            <p:nvPr/>
+          </p:nvSpPr>
+          <p:spPr>
+            <a:xfrm>
+              <a:off x="1811039" y="1300849"/>
+              <a:ext cx="2066223" cy="369332"/>
+            </a:xfrm>
+            <a:prstGeom prst="rect">
+              <a:avLst/>
+            </a:prstGeom>
+            <a:noFill/>
+          </p:spPr>
+          <p:txBody>
+            <a:bodyPr wrap="square" rtlCol="0">
+              <a:spAutoFit/>
+            </a:bodyPr>
+            <a:lstStyle/>
+            <a:p>
+              <a:pPr algn="ctr"/>
+              <a:r>
+                <a:rPr lang="en-US"/>
+                <a:t>outputs</a:t>
+              </a:r>
+            </a:p>
+          </p:txBody>
+        </p:sp>
+      </p:grpSp>
+      <p:grpSp>
+        <p:nvGrpSpPr>
+          <p:cNvPr id="27" name="Group 26">
+            <a:extLst>
+              <a:ext uri="{FF2B5EF4-FFF2-40B4-BE49-F238E27FC236}">
+                <a16:creationId xmlns:a16="http://schemas.microsoft.com/office/drawing/2014/main" id="{C021E8F4-2180-4BA0-B64B-B4A111C6FDBA}"/>
+              </a:ext>
+            </a:extLst>
+          </p:cNvPr>
+          <p:cNvGrpSpPr/>
+          <p:nvPr/>
+        </p:nvGrpSpPr>
+        <p:grpSpPr>
+          <a:xfrm>
+            <a:off x="4904956" y="1563134"/>
+            <a:ext cx="2066223" cy="965296"/>
+            <a:chOff x="1811039" y="1300849"/>
+            <a:chExt cx="2066223" cy="965296"/>
+          </a:xfrm>
+        </p:grpSpPr>
+        <p:pic>
+          <p:nvPicPr>
+            <p:cNvPr id="28" name="Picture 2">
+              <a:extLst>
+                <a:ext uri="{FF2B5EF4-FFF2-40B4-BE49-F238E27FC236}">
+                  <a16:creationId xmlns:a16="http://schemas.microsoft.com/office/drawing/2014/main" id="{2FB42ADA-F0B4-4C57-823E-A9385F11E60E}"/>
+                </a:ext>
+              </a:extLst>
+            </p:cNvPr>
+            <p:cNvPicPr>
+              <a:picLocks noChangeAspect="1" noChangeArrowheads="1"/>
+            </p:cNvPicPr>
+            <p:nvPr/>
+          </p:nvPicPr>
+          <p:blipFill>
+            <a:blip r:embed="rId2" cstate="print">
+              <a:extLst>
+                <a:ext uri="{28A0092B-C50C-407E-A947-70E740481C1C}">
+                  <a14:useLocalDpi xmlns:a14="http://schemas.microsoft.com/office/drawing/2010/main" val="0"/>
+                </a:ext>
+              </a:extLst>
+            </a:blip>
+            <a:srcRect/>
+            <a:stretch>
+              <a:fillRect/>
+            </a:stretch>
+          </p:blipFill>
+          <p:spPr bwMode="auto">
+            <a:xfrm>
+              <a:off x="2512807" y="1603456"/>
+              <a:ext cx="662689" cy="662689"/>
+            </a:xfrm>
+            <a:prstGeom prst="rect">
+              <a:avLst/>
+            </a:prstGeom>
+            <a:noFill/>
+            <a:extLst>
+              <a:ext uri="{909E8E84-426E-40DD-AFC4-6F175D3DCCD1}">
+                <a14:hiddenFill xmlns:a14="http://schemas.microsoft.com/office/drawing/2010/main">
+                  <a:solidFill>
+                    <a:srgbClr val="FFFFFF"/>
+                  </a:solidFill>
+                </a14:hiddenFill>
+              </a:ext>
+            </a:extLst>
+          </p:spPr>
+        </p:pic>
+        <p:sp>
+          <p:nvSpPr>
+            <p:cNvPr id="29" name="TextBox 28">
+              <a:extLst>
+                <a:ext uri="{FF2B5EF4-FFF2-40B4-BE49-F238E27FC236}">
+                  <a16:creationId xmlns:a16="http://schemas.microsoft.com/office/drawing/2014/main" id="{C3FAE1FE-8437-4630-8945-A21EA82C2AD8}"/>
+                </a:ext>
+              </a:extLst>
+            </p:cNvPr>
+            <p:cNvSpPr txBox="1"/>
+            <p:nvPr/>
+          </p:nvSpPr>
+          <p:spPr>
+            <a:xfrm>
+              <a:off x="1811039" y="1300849"/>
+              <a:ext cx="2066223" cy="369332"/>
+            </a:xfrm>
+            <a:prstGeom prst="rect">
+              <a:avLst/>
+            </a:prstGeom>
+            <a:noFill/>
+          </p:spPr>
+          <p:txBody>
+            <a:bodyPr wrap="square" rtlCol="0">
+              <a:spAutoFit/>
+            </a:bodyPr>
+            <a:lstStyle/>
+            <a:p>
+              <a:pPr algn="ctr"/>
+              <a:r>
+                <a:rPr lang="en-US"/>
+                <a:t>Maps</a:t>
+              </a:r>
+            </a:p>
+          </p:txBody>
+        </p:sp>
+      </p:grpSp>
+      <p:cxnSp>
+        <p:nvCxnSpPr>
+          <p:cNvPr id="34" name="Straight Connector 33">
+            <a:extLst>
+              <a:ext uri="{FF2B5EF4-FFF2-40B4-BE49-F238E27FC236}">
+                <a16:creationId xmlns:a16="http://schemas.microsoft.com/office/drawing/2014/main" id="{72F8E274-F940-47BB-A66B-BFC930922115}"/>
+              </a:ext>
+            </a:extLst>
+          </p:cNvPr>
+          <p:cNvCxnSpPr>
+            <a:cxnSpLocks/>
+          </p:cNvCxnSpPr>
+          <p:nvPr/>
+        </p:nvCxnSpPr>
+        <p:spPr>
+          <a:xfrm>
+            <a:off x="6332043" y="2183327"/>
+            <a:ext cx="329272" cy="0"/>
+          </a:xfrm>
+          <a:prstGeom prst="line">
+            <a:avLst/>
+          </a:prstGeom>
+          <a:ln>
+            <a:tailEnd type="triangle" w="lg" len="lg"/>
+          </a:ln>
+        </p:spPr>
+        <p:style>
+          <a:lnRef idx="1">
+            <a:schemeClr val="dk1"/>
+          </a:lnRef>
+          <a:fillRef idx="0">
+            <a:schemeClr val="dk1"/>
+          </a:fillRef>
+          <a:effectRef idx="0">
+            <a:schemeClr val="dk1"/>
+          </a:effectRef>
+          <a:fontRef idx="minor">
+            <a:schemeClr val="tx1"/>
+          </a:fontRef>
+        </p:style>
+      </p:cxnSp>
+      <p:cxnSp>
+        <p:nvCxnSpPr>
+          <p:cNvPr id="35" name="Straight Connector 34">
+            <a:extLst>
+              <a:ext uri="{FF2B5EF4-FFF2-40B4-BE49-F238E27FC236}">
+                <a16:creationId xmlns:a16="http://schemas.microsoft.com/office/drawing/2014/main" id="{2D1AD679-BAA7-43F2-BBF0-AEC4E9355207}"/>
+              </a:ext>
+            </a:extLst>
+          </p:cNvPr>
+          <p:cNvCxnSpPr>
+            <a:cxnSpLocks/>
+          </p:cNvCxnSpPr>
+          <p:nvPr/>
+        </p:nvCxnSpPr>
+        <p:spPr>
+          <a:xfrm>
+            <a:off x="3114302" y="2208726"/>
+            <a:ext cx="329272" cy="0"/>
+          </a:xfrm>
+          <a:prstGeom prst="line">
+            <a:avLst/>
+          </a:prstGeom>
+          <a:ln>
+            <a:tailEnd type="triangle" w="lg" len="lg"/>
+          </a:ln>
+        </p:spPr>
+        <p:style>
+          <a:lnRef idx="1">
+            <a:schemeClr val="dk1"/>
+          </a:lnRef>
+          <a:fillRef idx="0">
+            <a:schemeClr val="dk1"/>
+          </a:fillRef>
+          <a:effectRef idx="0">
+            <a:schemeClr val="dk1"/>
+          </a:effectRef>
+          <a:fontRef idx="minor">
+            <a:schemeClr val="tx1"/>
+          </a:fontRef>
+        </p:style>
+      </p:cxnSp>
+      <p:sp>
+        <p:nvSpPr>
+          <p:cNvPr id="39" name="Rectangle 38">
+            <a:extLst>
+              <a:ext uri="{FF2B5EF4-FFF2-40B4-BE49-F238E27FC236}">
+                <a16:creationId xmlns:a16="http://schemas.microsoft.com/office/drawing/2014/main" id="{1FEBA126-27DE-47AE-968F-0A03BC9B58B9}"/>
+              </a:ext>
+            </a:extLst>
+          </p:cNvPr>
+          <p:cNvSpPr/>
+          <p:nvPr/>
+        </p:nvSpPr>
+        <p:spPr>
+          <a:xfrm>
+            <a:off x="4147676" y="2771590"/>
+            <a:ext cx="319668" cy="211816"/>
+          </a:xfrm>
+          <a:prstGeom prst="rect">
+            <a:avLst/>
+          </a:prstGeom>
+          <a:noFill/>
+          <a:ln>
+            <a:noFill/>
+          </a:ln>
+        </p:spPr>
+        <p:style>
+          <a:lnRef idx="2">
+            <a:schemeClr val="accent1">
+              <a:shade val="50000"/>
+            </a:schemeClr>
+          </a:lnRef>
+          <a:fillRef idx="1">
+            <a:schemeClr val="accent1"/>
+          </a:fillRef>
+          <a:effectRef idx="0">
+            <a:schemeClr val="accent1"/>
+          </a:effectRef>
+          <a:fontRef idx="minor">
+            <a:schemeClr val="lt1"/>
+          </a:fontRef>
+        </p:style>
+        <p:txBody>
+          <a:bodyPr rtlCol="0" anchor="ctr"/>
+          <a:lstStyle/>
+          <a:p>
+            <a:pPr algn="ctr"/>
+            <a:endParaRPr lang="en-US"/>
+          </a:p>
+        </p:txBody>
+      </p:sp>
+      <p:sp>
+        <p:nvSpPr>
+          <p:cNvPr id="40" name="Rectangle 39">
+            <a:extLst>
+              <a:ext uri="{FF2B5EF4-FFF2-40B4-BE49-F238E27FC236}">
+                <a16:creationId xmlns:a16="http://schemas.microsoft.com/office/drawing/2014/main" id="{48B99608-FE84-4406-99AA-EAF2D7969384}"/>
+              </a:ext>
+            </a:extLst>
+          </p:cNvPr>
+          <p:cNvSpPr/>
+          <p:nvPr/>
+        </p:nvSpPr>
+        <p:spPr>
+          <a:xfrm>
+            <a:off x="4121494" y="3024011"/>
+            <a:ext cx="319668" cy="211816"/>
+          </a:xfrm>
+          <a:prstGeom prst="rect">
+            <a:avLst/>
+          </a:prstGeom>
+          <a:noFill/>
+          <a:ln>
+            <a:noFill/>
+          </a:ln>
+        </p:spPr>
+        <p:style>
+          <a:lnRef idx="2">
+            <a:schemeClr val="accent1">
+              <a:shade val="50000"/>
+            </a:schemeClr>
+          </a:lnRef>
+          <a:fillRef idx="1">
+            <a:schemeClr val="accent1"/>
+          </a:fillRef>
+          <a:effectRef idx="0">
+            <a:schemeClr val="accent1"/>
+          </a:effectRef>
+          <a:fontRef idx="minor">
+            <a:schemeClr val="lt1"/>
+          </a:fontRef>
+        </p:style>
+        <p:txBody>
+          <a:bodyPr rtlCol="0" anchor="ctr"/>
+          <a:lstStyle/>
+          <a:p>
+            <a:pPr algn="ctr"/>
+            <a:endParaRPr lang="en-US"/>
+          </a:p>
+        </p:txBody>
+      </p:sp>
+      <p:sp>
+        <p:nvSpPr>
+          <p:cNvPr id="41" name="TextBox 40">
+            <a:extLst>
+              <a:ext uri="{FF2B5EF4-FFF2-40B4-BE49-F238E27FC236}">
+                <a16:creationId xmlns:a16="http://schemas.microsoft.com/office/drawing/2014/main" id="{1779615A-615E-4B19-919C-26C953E6E68C}"/>
+              </a:ext>
+            </a:extLst>
+          </p:cNvPr>
+          <p:cNvSpPr txBox="1"/>
+          <p:nvPr/>
+        </p:nvSpPr>
+        <p:spPr>
+          <a:xfrm>
+            <a:off x="674620" y="1977441"/>
+            <a:ext cx="2066223" cy="369332"/>
+          </a:xfrm>
+          <a:prstGeom prst="rect">
+            <a:avLst/>
+          </a:prstGeom>
+          <a:noFill/>
+        </p:spPr>
+        <p:txBody>
+          <a:bodyPr wrap="square" rtlCol="0">
+            <a:spAutoFit/>
+          </a:bodyPr>
+          <a:lstStyle/>
+          <a:p>
+            <a:pPr algn="ctr"/>
+            <a:r>
+              <a:rPr lang="en-US"/>
+              <a:t>Working Dir: </a:t>
+            </a:r>
+          </a:p>
+        </p:txBody>
+      </p:sp>
+      <p:sp>
+        <p:nvSpPr>
+          <p:cNvPr id="42" name="Rectangle 41">
+            <a:extLst>
+              <a:ext uri="{FF2B5EF4-FFF2-40B4-BE49-F238E27FC236}">
+                <a16:creationId xmlns:a16="http://schemas.microsoft.com/office/drawing/2014/main" id="{6CF596FB-C3D1-4A12-97A0-6930D20FD8C7}"/>
+              </a:ext>
+            </a:extLst>
+          </p:cNvPr>
+          <p:cNvSpPr/>
+          <p:nvPr/>
+        </p:nvSpPr>
+        <p:spPr>
+          <a:xfrm>
+            <a:off x="873016" y="609600"/>
+            <a:ext cx="11014183" cy="5759837"/>
+          </a:xfrm>
+          <a:prstGeom prst="rect">
+            <a:avLst/>
+          </a:prstGeom>
+          <a:noFill/>
+          <a:ln>
+            <a:solidFill>
+              <a:schemeClr val="bg1">
+                <a:lumMod val="65000"/>
+              </a:schemeClr>
+            </a:solidFill>
+          </a:ln>
+        </p:spPr>
+        <p:style>
+          <a:lnRef idx="2">
+            <a:schemeClr val="accent1">
+              <a:shade val="50000"/>
+            </a:schemeClr>
+          </a:lnRef>
+          <a:fillRef idx="1">
+            <a:schemeClr val="accent1"/>
+          </a:fillRef>
+          <a:effectRef idx="0">
+            <a:schemeClr val="accent1"/>
+          </a:effectRef>
+          <a:fontRef idx="minor">
+            <a:schemeClr val="lt1"/>
+          </a:fontRef>
+        </p:style>
+        <p:txBody>
+          <a:bodyPr rtlCol="0" anchor="ctr"/>
+          <a:lstStyle/>
+          <a:p>
+            <a:pPr algn="ctr"/>
+            <a:endParaRPr lang="en-US"/>
+          </a:p>
+        </p:txBody>
+      </p:sp>
+      <p:grpSp>
+        <p:nvGrpSpPr>
+          <p:cNvPr id="4" name="Group 3">
+            <a:extLst>
+              <a:ext uri="{FF2B5EF4-FFF2-40B4-BE49-F238E27FC236}">
+                <a16:creationId xmlns:a16="http://schemas.microsoft.com/office/drawing/2014/main" id="{4C23FD75-E3CD-476E-90A9-5E46DB529E60}"/>
+              </a:ext>
+            </a:extLst>
+          </p:cNvPr>
+          <p:cNvGrpSpPr/>
+          <p:nvPr/>
+        </p:nvGrpSpPr>
+        <p:grpSpPr>
+          <a:xfrm>
+            <a:off x="9066957" y="1632743"/>
+            <a:ext cx="2190959" cy="1192711"/>
+            <a:chOff x="7654084" y="1134688"/>
+            <a:chExt cx="2190959" cy="1192711"/>
+          </a:xfrm>
+        </p:grpSpPr>
+        <p:pic>
+          <p:nvPicPr>
+            <p:cNvPr id="2" name="Picture 1">
+              <a:extLst>
+                <a:ext uri="{FF2B5EF4-FFF2-40B4-BE49-F238E27FC236}">
+                  <a16:creationId xmlns:a16="http://schemas.microsoft.com/office/drawing/2014/main" id="{C5E334A7-89BE-4361-A189-A761FBDB5719}"/>
+                </a:ext>
+              </a:extLst>
+            </p:cNvPr>
+            <p:cNvPicPr>
+              <a:picLocks noChangeAspect="1"/>
+            </p:cNvPicPr>
+            <p:nvPr/>
+          </p:nvPicPr>
+          <p:blipFill>
+            <a:blip r:embed="rId3"/>
+            <a:stretch>
+              <a:fillRect/>
+            </a:stretch>
+          </p:blipFill>
+          <p:spPr>
+            <a:xfrm>
+              <a:off x="7654085" y="1134688"/>
+              <a:ext cx="2190958" cy="1192711"/>
+            </a:xfrm>
+            <a:prstGeom prst="rect">
+              <a:avLst/>
+            </a:prstGeom>
+          </p:spPr>
+        </p:pic>
+        <p:sp>
+          <p:nvSpPr>
+            <p:cNvPr id="43" name="Rectangle 42">
+              <a:extLst>
+                <a:ext uri="{FF2B5EF4-FFF2-40B4-BE49-F238E27FC236}">
+                  <a16:creationId xmlns:a16="http://schemas.microsoft.com/office/drawing/2014/main" id="{0D8BAA3A-4632-4772-9C3C-C37B50C98DC0}"/>
+                </a:ext>
+              </a:extLst>
+            </p:cNvPr>
+            <p:cNvSpPr/>
+            <p:nvPr/>
+          </p:nvSpPr>
+          <p:spPr>
+            <a:xfrm>
+              <a:off x="7654084" y="1135413"/>
+              <a:ext cx="1881747" cy="1108253"/>
+            </a:xfrm>
+            <a:prstGeom prst="rect">
+              <a:avLst/>
+            </a:prstGeom>
+            <a:noFill/>
+            <a:ln>
+              <a:solidFill>
+                <a:schemeClr val="bg1">
+                  <a:lumMod val="65000"/>
+                </a:schemeClr>
+              </a:solidFill>
+            </a:ln>
+          </p:spPr>
+          <p:style>
+            <a:lnRef idx="2">
+              <a:schemeClr val="accent1">
+                <a:shade val="50000"/>
+              </a:schemeClr>
+            </a:lnRef>
+            <a:fillRef idx="1">
+              <a:schemeClr val="accent1"/>
+            </a:fillRef>
+            <a:effectRef idx="0">
+              <a:schemeClr val="accent1"/>
+            </a:effectRef>
+            <a:fontRef idx="minor">
+              <a:schemeClr val="lt1"/>
+            </a:fontRef>
+          </p:style>
+          <p:txBody>
+            <a:bodyPr rtlCol="0" anchor="ctr"/>
+            <a:lstStyle/>
+            <a:p>
+              <a:pPr algn="ctr"/>
+              <a:endParaRPr lang="en-US"/>
+            </a:p>
+          </p:txBody>
+        </p:sp>
+      </p:grpSp>
+      <p:sp>
+        <p:nvSpPr>
+          <p:cNvPr id="45" name="TextBox 44">
+            <a:extLst>
+              <a:ext uri="{FF2B5EF4-FFF2-40B4-BE49-F238E27FC236}">
+                <a16:creationId xmlns:a16="http://schemas.microsoft.com/office/drawing/2014/main" id="{E0961D01-4B41-4085-A98E-30C59C8E00BE}"/>
+              </a:ext>
+            </a:extLst>
+          </p:cNvPr>
+          <p:cNvSpPr txBox="1"/>
+          <p:nvPr/>
+        </p:nvSpPr>
+        <p:spPr>
+          <a:xfrm>
+            <a:off x="8899033" y="1275572"/>
+            <a:ext cx="2066223" cy="369332"/>
+          </a:xfrm>
+          <a:prstGeom prst="rect">
+            <a:avLst/>
+          </a:prstGeom>
+          <a:noFill/>
+        </p:spPr>
+        <p:txBody>
+          <a:bodyPr wrap="square" rtlCol="0">
+            <a:spAutoFit/>
+          </a:bodyPr>
+          <a:lstStyle/>
+          <a:p>
+            <a:pPr algn="ctr"/>
+            <a:r>
+              <a:rPr lang="en-US">
+                <a:solidFill>
+                  <a:srgbClr val="C00000"/>
+                </a:solidFill>
+              </a:rPr>
+              <a:t>params</a:t>
+            </a:r>
+          </a:p>
+        </p:txBody>
+      </p:sp>
+      <p:grpSp>
+        <p:nvGrpSpPr>
+          <p:cNvPr id="50" name="Group 49">
+            <a:extLst>
+              <a:ext uri="{FF2B5EF4-FFF2-40B4-BE49-F238E27FC236}">
+                <a16:creationId xmlns:a16="http://schemas.microsoft.com/office/drawing/2014/main" id="{DE7EB3C8-874D-4E66-9700-B3AB1E71B526}"/>
+              </a:ext>
+            </a:extLst>
+          </p:cNvPr>
+          <p:cNvGrpSpPr/>
+          <p:nvPr/>
+        </p:nvGrpSpPr>
+        <p:grpSpPr>
+          <a:xfrm>
+            <a:off x="5938067" y="3122478"/>
+            <a:ext cx="3954072" cy="3143174"/>
+            <a:chOff x="4441162" y="2732004"/>
+            <a:chExt cx="3954072" cy="3143174"/>
+          </a:xfrm>
+        </p:grpSpPr>
+        <p:pic>
+          <p:nvPicPr>
+            <p:cNvPr id="3" name="Picture 2">
+              <a:extLst>
+                <a:ext uri="{FF2B5EF4-FFF2-40B4-BE49-F238E27FC236}">
+                  <a16:creationId xmlns:a16="http://schemas.microsoft.com/office/drawing/2014/main" id="{54EFBEFC-ECE1-4D56-A393-99B7D0603135}"/>
+                </a:ext>
+              </a:extLst>
+            </p:cNvPr>
+            <p:cNvPicPr>
+              <a:picLocks noChangeAspect="1"/>
+            </p:cNvPicPr>
+            <p:nvPr/>
+          </p:nvPicPr>
+          <p:blipFill>
+            <a:blip r:embed="rId4"/>
+            <a:stretch>
+              <a:fillRect/>
+            </a:stretch>
+          </p:blipFill>
+          <p:spPr>
+            <a:xfrm>
+              <a:off x="4467344" y="3131752"/>
+              <a:ext cx="3927890" cy="2743426"/>
+            </a:xfrm>
+            <a:prstGeom prst="rect">
+              <a:avLst/>
+            </a:prstGeom>
+          </p:spPr>
+        </p:pic>
+        <p:sp>
+          <p:nvSpPr>
+            <p:cNvPr id="44" name="Rectangle 43">
+              <a:extLst>
+                <a:ext uri="{FF2B5EF4-FFF2-40B4-BE49-F238E27FC236}">
+                  <a16:creationId xmlns:a16="http://schemas.microsoft.com/office/drawing/2014/main" id="{F40D5D0A-B1DA-4172-9B75-AEBC33C51687}"/>
+                </a:ext>
+              </a:extLst>
+            </p:cNvPr>
+            <p:cNvSpPr/>
+            <p:nvPr/>
+          </p:nvSpPr>
+          <p:spPr>
+            <a:xfrm>
+              <a:off x="4441162" y="3064705"/>
+              <a:ext cx="3927890" cy="2743424"/>
+            </a:xfrm>
+            <a:prstGeom prst="rect">
+              <a:avLst/>
+            </a:prstGeom>
+            <a:noFill/>
+            <a:ln>
+              <a:solidFill>
+                <a:schemeClr val="bg1">
+                  <a:lumMod val="65000"/>
+                </a:schemeClr>
+              </a:solidFill>
+            </a:ln>
+          </p:spPr>
+          <p:style>
+            <a:lnRef idx="2">
+              <a:schemeClr val="accent1">
+                <a:shade val="50000"/>
+              </a:schemeClr>
+            </a:lnRef>
+            <a:fillRef idx="1">
+              <a:schemeClr val="accent1"/>
+            </a:fillRef>
+            <a:effectRef idx="0">
+              <a:schemeClr val="accent1"/>
+            </a:effectRef>
+            <a:fontRef idx="minor">
+              <a:schemeClr val="lt1"/>
+            </a:fontRef>
+          </p:style>
+          <p:txBody>
+            <a:bodyPr rtlCol="0" anchor="ctr"/>
+            <a:lstStyle/>
+            <a:p>
+              <a:pPr algn="ctr"/>
+              <a:endParaRPr lang="en-US"/>
+            </a:p>
+          </p:txBody>
+        </p:sp>
+        <p:sp>
+          <p:nvSpPr>
+            <p:cNvPr id="46" name="TextBox 45">
+              <a:extLst>
+                <a:ext uri="{FF2B5EF4-FFF2-40B4-BE49-F238E27FC236}">
+                  <a16:creationId xmlns:a16="http://schemas.microsoft.com/office/drawing/2014/main" id="{A9340060-A35D-4ACF-ACA4-D5DD7267A633}"/>
+                </a:ext>
+              </a:extLst>
+            </p:cNvPr>
+            <p:cNvSpPr txBox="1"/>
+            <p:nvPr/>
+          </p:nvSpPr>
+          <p:spPr>
+            <a:xfrm>
+              <a:off x="4835612" y="2732004"/>
+              <a:ext cx="3187616" cy="369332"/>
+            </a:xfrm>
+            <a:prstGeom prst="rect">
+              <a:avLst/>
+            </a:prstGeom>
+            <a:noFill/>
+          </p:spPr>
+          <p:txBody>
+            <a:bodyPr wrap="square" rtlCol="0">
+              <a:spAutoFit/>
+            </a:bodyPr>
+            <a:lstStyle/>
+            <a:p>
+              <a:pPr algn="ctr"/>
+              <a:r>
+                <a:rPr lang="en-US">
+                  <a:solidFill>
+                    <a:srgbClr val="C00000"/>
+                  </a:solidFill>
+                </a:rPr>
+                <a:t>Animation, Mean and by Year</a:t>
+              </a:r>
+            </a:p>
+          </p:txBody>
+        </p:sp>
+      </p:grpSp>
+      <p:grpSp>
+        <p:nvGrpSpPr>
+          <p:cNvPr id="51" name="Group 50">
+            <a:extLst>
+              <a:ext uri="{FF2B5EF4-FFF2-40B4-BE49-F238E27FC236}">
+                <a16:creationId xmlns:a16="http://schemas.microsoft.com/office/drawing/2014/main" id="{C0A6B757-DE8E-45DA-B8B2-2044B06A306E}"/>
+              </a:ext>
+            </a:extLst>
+          </p:cNvPr>
+          <p:cNvGrpSpPr/>
+          <p:nvPr/>
+        </p:nvGrpSpPr>
+        <p:grpSpPr>
+          <a:xfrm>
+            <a:off x="2103063" y="3815567"/>
+            <a:ext cx="2204447" cy="1799201"/>
+            <a:chOff x="1555904" y="3302331"/>
+            <a:chExt cx="2204447" cy="1799201"/>
+          </a:xfrm>
+        </p:grpSpPr>
+        <p:pic>
+          <p:nvPicPr>
+            <p:cNvPr id="47" name="Picture 46">
+              <a:extLst>
+                <a:ext uri="{FF2B5EF4-FFF2-40B4-BE49-F238E27FC236}">
+                  <a16:creationId xmlns:a16="http://schemas.microsoft.com/office/drawing/2014/main" id="{175DCC27-09C9-4911-89D5-5D6E61FEE6EF}"/>
+                </a:ext>
+              </a:extLst>
+            </p:cNvPr>
+            <p:cNvPicPr>
+              <a:picLocks noChangeAspect="1"/>
+            </p:cNvPicPr>
+            <p:nvPr/>
+          </p:nvPicPr>
+          <p:blipFill>
+            <a:blip r:embed="rId5"/>
+            <a:stretch>
+              <a:fillRect/>
+            </a:stretch>
+          </p:blipFill>
+          <p:spPr>
+            <a:xfrm>
+              <a:off x="1598083" y="3643823"/>
+              <a:ext cx="2162268" cy="1457709"/>
+            </a:xfrm>
+            <a:prstGeom prst="rect">
+              <a:avLst/>
+            </a:prstGeom>
+          </p:spPr>
+        </p:pic>
+        <p:sp>
+          <p:nvSpPr>
+            <p:cNvPr id="48" name="Rectangle 47">
+              <a:extLst>
+                <a:ext uri="{FF2B5EF4-FFF2-40B4-BE49-F238E27FC236}">
+                  <a16:creationId xmlns:a16="http://schemas.microsoft.com/office/drawing/2014/main" id="{7CE5152F-C392-4081-B31E-646BCF77F85B}"/>
+                </a:ext>
+              </a:extLst>
+            </p:cNvPr>
+            <p:cNvSpPr/>
+            <p:nvPr/>
+          </p:nvSpPr>
+          <p:spPr>
+            <a:xfrm>
+              <a:off x="1555904" y="3643822"/>
+              <a:ext cx="2162268" cy="1457710"/>
+            </a:xfrm>
+            <a:prstGeom prst="rect">
+              <a:avLst/>
+            </a:prstGeom>
+            <a:noFill/>
+            <a:ln>
+              <a:solidFill>
+                <a:schemeClr val="bg1">
+                  <a:lumMod val="65000"/>
+                </a:schemeClr>
+              </a:solidFill>
+            </a:ln>
+          </p:spPr>
+          <p:style>
+            <a:lnRef idx="2">
+              <a:schemeClr val="accent1">
+                <a:shade val="50000"/>
+              </a:schemeClr>
+            </a:lnRef>
+            <a:fillRef idx="1">
+              <a:schemeClr val="accent1"/>
+            </a:fillRef>
+            <a:effectRef idx="0">
+              <a:schemeClr val="accent1"/>
+            </a:effectRef>
+            <a:fontRef idx="minor">
+              <a:schemeClr val="lt1"/>
+            </a:fontRef>
+          </p:style>
+          <p:txBody>
+            <a:bodyPr rtlCol="0" anchor="ctr"/>
+            <a:lstStyle/>
+            <a:p>
+              <a:pPr algn="ctr"/>
+              <a:endParaRPr lang="en-US"/>
+            </a:p>
+          </p:txBody>
+        </p:sp>
+        <p:sp>
+          <p:nvSpPr>
+            <p:cNvPr id="49" name="TextBox 48">
+              <a:extLst>
+                <a:ext uri="{FF2B5EF4-FFF2-40B4-BE49-F238E27FC236}">
+                  <a16:creationId xmlns:a16="http://schemas.microsoft.com/office/drawing/2014/main" id="{03C6CADE-0C94-455F-8D95-D49EA5D79CAB}"/>
+                </a:ext>
+              </a:extLst>
+            </p:cNvPr>
+            <p:cNvSpPr txBox="1"/>
+            <p:nvPr/>
+          </p:nvSpPr>
+          <p:spPr>
+            <a:xfrm>
+              <a:off x="1571901" y="3302331"/>
+              <a:ext cx="2066223" cy="369332"/>
+            </a:xfrm>
+            <a:prstGeom prst="rect">
+              <a:avLst/>
+            </a:prstGeom>
+            <a:noFill/>
+          </p:spPr>
+          <p:txBody>
+            <a:bodyPr wrap="square" rtlCol="0">
+              <a:spAutoFit/>
+            </a:bodyPr>
+            <a:lstStyle/>
+            <a:p>
+              <a:pPr algn="ctr"/>
+              <a:r>
+                <a:rPr lang="en-US">
+                  <a:solidFill>
+                    <a:srgbClr val="C00000"/>
+                  </a:solidFill>
+                </a:rPr>
+                <a:t>Scenarios</a:t>
+              </a:r>
+            </a:p>
+          </p:txBody>
+        </p:sp>
+      </p:grpSp>
+      <p:cxnSp>
+        <p:nvCxnSpPr>
+          <p:cNvPr id="52" name="Connector: Elbow 51">
+            <a:extLst>
+              <a:ext uri="{FF2B5EF4-FFF2-40B4-BE49-F238E27FC236}">
+                <a16:creationId xmlns:a16="http://schemas.microsoft.com/office/drawing/2014/main" id="{AE3C862C-39AE-49EC-9182-6FC1210D812C}"/>
+              </a:ext>
+            </a:extLst>
+          </p:cNvPr>
+          <p:cNvCxnSpPr>
+            <a:cxnSpLocks/>
+            <a:stCxn id="2" idx="2"/>
+            <a:endCxn id="49" idx="0"/>
+          </p:cNvCxnSpPr>
+          <p:nvPr/>
+        </p:nvCxnSpPr>
+        <p:spPr>
+          <a:xfrm rot="5400000">
+            <a:off x="6162249" y="-184622"/>
+            <a:ext cx="990113" cy="7010265"/>
+          </a:xfrm>
+          <a:prstGeom prst="bentConnector3">
+            <a:avLst>
+              <a:gd name="adj1" fmla="val 17230"/>
+            </a:avLst>
+          </a:prstGeom>
+          <a:ln>
+            <a:tailEnd type="triangle" w="lg" len="lg"/>
+          </a:ln>
+        </p:spPr>
+        <p:style>
+          <a:lnRef idx="1">
+            <a:schemeClr val="dk1"/>
+          </a:lnRef>
+          <a:fillRef idx="0">
+            <a:schemeClr val="dk1"/>
+          </a:fillRef>
+          <a:effectRef idx="0">
+            <a:schemeClr val="dk1"/>
+          </a:effectRef>
+          <a:fontRef idx="minor">
+            <a:schemeClr val="tx1"/>
+          </a:fontRef>
+        </p:style>
+      </p:cxnSp>
+      <p:cxnSp>
+        <p:nvCxnSpPr>
+          <p:cNvPr id="57" name="Straight Connector 56">
+            <a:extLst>
+              <a:ext uri="{FF2B5EF4-FFF2-40B4-BE49-F238E27FC236}">
+                <a16:creationId xmlns:a16="http://schemas.microsoft.com/office/drawing/2014/main" id="{A3C9FE4D-4D72-4CE7-9AAD-67C5D147C575}"/>
+              </a:ext>
+            </a:extLst>
+          </p:cNvPr>
+          <p:cNvCxnSpPr>
+            <a:cxnSpLocks/>
+            <a:stCxn id="47" idx="3"/>
+            <a:endCxn id="3" idx="1"/>
+          </p:cNvCxnSpPr>
+          <p:nvPr/>
+        </p:nvCxnSpPr>
+        <p:spPr>
+          <a:xfrm>
+            <a:off x="4307510" y="4885914"/>
+            <a:ext cx="1656739" cy="8025"/>
+          </a:xfrm>
+          <a:prstGeom prst="line">
+            <a:avLst/>
+          </a:prstGeom>
+          <a:ln>
+            <a:tailEnd type="triangle" w="lg" len="lg"/>
+          </a:ln>
+        </p:spPr>
+        <p:style>
+          <a:lnRef idx="1">
+            <a:schemeClr val="dk1"/>
+          </a:lnRef>
+          <a:fillRef idx="0">
+            <a:schemeClr val="dk1"/>
+          </a:fillRef>
+          <a:effectRef idx="0">
+            <a:schemeClr val="dk1"/>
+          </a:effectRef>
+          <a:fontRef idx="minor">
+            <a:schemeClr val="tx1"/>
+          </a:fontRef>
+        </p:style>
+      </p:cxnSp>
+      <p:grpSp>
+        <p:nvGrpSpPr>
+          <p:cNvPr id="6" name="Group 5">
+            <a:extLst>
+              <a:ext uri="{FF2B5EF4-FFF2-40B4-BE49-F238E27FC236}">
+                <a16:creationId xmlns:a16="http://schemas.microsoft.com/office/drawing/2014/main" id="{CF3F9385-005B-463F-A553-3023EA895F3C}"/>
+              </a:ext>
+            </a:extLst>
+          </p:cNvPr>
+          <p:cNvGrpSpPr/>
+          <p:nvPr/>
+        </p:nvGrpSpPr>
+        <p:grpSpPr>
+          <a:xfrm>
+            <a:off x="6598670" y="1428901"/>
+            <a:ext cx="2066223" cy="1224361"/>
+            <a:chOff x="6598670" y="1428901"/>
+            <a:chExt cx="2066223" cy="1224361"/>
+          </a:xfrm>
+        </p:grpSpPr>
+        <p:pic>
+          <p:nvPicPr>
+            <p:cNvPr id="5" name="Picture 4">
+              <a:extLst>
+                <a:ext uri="{FF2B5EF4-FFF2-40B4-BE49-F238E27FC236}">
+                  <a16:creationId xmlns:a16="http://schemas.microsoft.com/office/drawing/2014/main" id="{72581B72-2F69-45F8-8953-C82F782E9EFF}"/>
+                </a:ext>
+              </a:extLst>
+            </p:cNvPr>
+            <p:cNvPicPr>
+              <a:picLocks noChangeAspect="1"/>
+            </p:cNvPicPr>
+            <p:nvPr/>
+          </p:nvPicPr>
+          <p:blipFill>
+            <a:blip r:embed="rId6"/>
+            <a:stretch>
+              <a:fillRect/>
+            </a:stretch>
+          </p:blipFill>
+          <p:spPr>
+            <a:xfrm>
+              <a:off x="6859711" y="1881966"/>
+              <a:ext cx="1601517" cy="740095"/>
+            </a:xfrm>
+            <a:prstGeom prst="rect">
+              <a:avLst/>
+            </a:prstGeom>
+          </p:spPr>
+        </p:pic>
+        <p:sp>
+          <p:nvSpPr>
+            <p:cNvPr id="64" name="Rectangle 63">
+              <a:extLst>
+                <a:ext uri="{FF2B5EF4-FFF2-40B4-BE49-F238E27FC236}">
+                  <a16:creationId xmlns:a16="http://schemas.microsoft.com/office/drawing/2014/main" id="{7C6293DD-4921-436F-B347-57A1BD241D4F}"/>
+                </a:ext>
+              </a:extLst>
+            </p:cNvPr>
+            <p:cNvSpPr/>
+            <p:nvPr/>
+          </p:nvSpPr>
+          <p:spPr>
+            <a:xfrm>
+              <a:off x="6813940" y="1808787"/>
+              <a:ext cx="1635681" cy="844475"/>
+            </a:xfrm>
+            <a:prstGeom prst="rect">
+              <a:avLst/>
+            </a:prstGeom>
+            <a:noFill/>
+            <a:ln>
+              <a:solidFill>
+                <a:schemeClr val="bg1">
+                  <a:lumMod val="65000"/>
+                </a:schemeClr>
+              </a:solidFill>
+            </a:ln>
+          </p:spPr>
+          <p:style>
+            <a:lnRef idx="2">
+              <a:schemeClr val="accent1">
+                <a:shade val="50000"/>
+              </a:schemeClr>
+            </a:lnRef>
+            <a:fillRef idx="1">
+              <a:schemeClr val="accent1"/>
+            </a:fillRef>
+            <a:effectRef idx="0">
+              <a:schemeClr val="accent1"/>
+            </a:effectRef>
+            <a:fontRef idx="minor">
+              <a:schemeClr val="lt1"/>
+            </a:fontRef>
+          </p:style>
+          <p:txBody>
+            <a:bodyPr rtlCol="0" anchor="ctr"/>
+            <a:lstStyle/>
+            <a:p>
+              <a:pPr algn="ctr"/>
+              <a:endParaRPr lang="en-US"/>
+            </a:p>
+          </p:txBody>
+        </p:sp>
+        <p:sp>
+          <p:nvSpPr>
+            <p:cNvPr id="66" name="TextBox 65">
+              <a:extLst>
+                <a:ext uri="{FF2B5EF4-FFF2-40B4-BE49-F238E27FC236}">
+                  <a16:creationId xmlns:a16="http://schemas.microsoft.com/office/drawing/2014/main" id="{E717E439-AE87-400F-A3B2-2B2F8B3EE115}"/>
+                </a:ext>
+              </a:extLst>
+            </p:cNvPr>
+            <p:cNvSpPr txBox="1"/>
+            <p:nvPr/>
+          </p:nvSpPr>
+          <p:spPr>
+            <a:xfrm>
+              <a:off x="6598670" y="1428901"/>
+              <a:ext cx="2066223" cy="369332"/>
+            </a:xfrm>
+            <a:prstGeom prst="rect">
+              <a:avLst/>
+            </a:prstGeom>
+            <a:noFill/>
+          </p:spPr>
+          <p:txBody>
+            <a:bodyPr wrap="square" rtlCol="0">
+              <a:spAutoFit/>
+            </a:bodyPr>
+            <a:lstStyle/>
+            <a:p>
+              <a:pPr algn="ctr"/>
+              <a:r>
+                <a:rPr lang="en-US">
+                  <a:solidFill>
+                    <a:srgbClr val="C00000"/>
+                  </a:solidFill>
+                </a:rPr>
+                <a:t>subRegType</a:t>
+              </a:r>
+            </a:p>
+          </p:txBody>
+        </p:sp>
+      </p:grpSp>
+      <p:grpSp>
+        <p:nvGrpSpPr>
+          <p:cNvPr id="71" name="Group 70">
+            <a:extLst>
+              <a:ext uri="{FF2B5EF4-FFF2-40B4-BE49-F238E27FC236}">
+                <a16:creationId xmlns:a16="http://schemas.microsoft.com/office/drawing/2014/main" id="{D60EF237-31C2-427F-A5EA-98A6DB95781B}"/>
+              </a:ext>
+            </a:extLst>
+          </p:cNvPr>
+          <p:cNvGrpSpPr/>
+          <p:nvPr/>
+        </p:nvGrpSpPr>
+        <p:grpSpPr>
+          <a:xfrm>
+            <a:off x="3527112" y="1733645"/>
+            <a:ext cx="1789880" cy="856923"/>
+            <a:chOff x="3840043" y="914304"/>
+            <a:chExt cx="1789880" cy="856923"/>
+          </a:xfrm>
+        </p:grpSpPr>
+        <p:pic>
+          <p:nvPicPr>
+            <p:cNvPr id="69" name="Picture 68">
+              <a:extLst>
+                <a:ext uri="{FF2B5EF4-FFF2-40B4-BE49-F238E27FC236}">
+                  <a16:creationId xmlns:a16="http://schemas.microsoft.com/office/drawing/2014/main" id="{07A67591-E3A2-487E-87A7-6C5269EFEC81}"/>
+                </a:ext>
+              </a:extLst>
+            </p:cNvPr>
+            <p:cNvPicPr>
+              <a:picLocks noChangeAspect="1"/>
+            </p:cNvPicPr>
+            <p:nvPr/>
+          </p:nvPicPr>
+          <p:blipFill>
+            <a:blip r:embed="rId7"/>
+            <a:stretch>
+              <a:fillRect/>
+            </a:stretch>
+          </p:blipFill>
+          <p:spPr>
+            <a:xfrm>
+              <a:off x="3875890" y="914304"/>
+              <a:ext cx="1754033" cy="762097"/>
+            </a:xfrm>
+            <a:prstGeom prst="rect">
+              <a:avLst/>
+            </a:prstGeom>
+          </p:spPr>
+        </p:pic>
+        <p:sp>
+          <p:nvSpPr>
+            <p:cNvPr id="70" name="Rectangle 69">
+              <a:extLst>
+                <a:ext uri="{FF2B5EF4-FFF2-40B4-BE49-F238E27FC236}">
+                  <a16:creationId xmlns:a16="http://schemas.microsoft.com/office/drawing/2014/main" id="{58A89826-8D49-4D1C-9FDC-93E626B53D30}"/>
+                </a:ext>
+              </a:extLst>
+            </p:cNvPr>
+            <p:cNvSpPr/>
+            <p:nvPr/>
+          </p:nvSpPr>
+          <p:spPr>
+            <a:xfrm>
+              <a:off x="3840043" y="926752"/>
+              <a:ext cx="1635681" cy="844475"/>
+            </a:xfrm>
+            <a:prstGeom prst="rect">
+              <a:avLst/>
+            </a:prstGeom>
+            <a:noFill/>
+            <a:ln>
+              <a:solidFill>
+                <a:schemeClr val="bg1">
+                  <a:lumMod val="65000"/>
+                </a:schemeClr>
+              </a:solidFill>
+            </a:ln>
+          </p:spPr>
+          <p:style>
+            <a:lnRef idx="2">
+              <a:schemeClr val="accent1">
+                <a:shade val="50000"/>
+              </a:schemeClr>
+            </a:lnRef>
+            <a:fillRef idx="1">
+              <a:schemeClr val="accent1"/>
+            </a:fillRef>
+            <a:effectRef idx="0">
+              <a:schemeClr val="accent1"/>
+            </a:effectRef>
+            <a:fontRef idx="minor">
+              <a:schemeClr val="lt1"/>
+            </a:fontRef>
+          </p:style>
+          <p:txBody>
+            <a:bodyPr rtlCol="0" anchor="ctr"/>
+            <a:lstStyle/>
+            <a:p>
+              <a:pPr algn="ctr"/>
+              <a:endParaRPr lang="en-US"/>
+            </a:p>
+          </p:txBody>
+        </p:sp>
+      </p:grpSp>
+      <p:sp>
+        <p:nvSpPr>
+          <p:cNvPr id="72" name="TextBox 71">
+            <a:extLst>
+              <a:ext uri="{FF2B5EF4-FFF2-40B4-BE49-F238E27FC236}">
+                <a16:creationId xmlns:a16="http://schemas.microsoft.com/office/drawing/2014/main" id="{5B54B477-7F5C-4DE5-BAFF-A473BEBCD651}"/>
+              </a:ext>
+            </a:extLst>
+          </p:cNvPr>
+          <p:cNvSpPr txBox="1"/>
+          <p:nvPr/>
+        </p:nvSpPr>
+        <p:spPr>
+          <a:xfrm>
+            <a:off x="3278938" y="1412147"/>
+            <a:ext cx="2066223" cy="369332"/>
+          </a:xfrm>
+          <a:prstGeom prst="rect">
+            <a:avLst/>
+          </a:prstGeom>
+          <a:noFill/>
+        </p:spPr>
+        <p:txBody>
+          <a:bodyPr wrap="square" rtlCol="0">
+            <a:spAutoFit/>
+          </a:bodyPr>
+          <a:lstStyle/>
+          <a:p>
+            <a:pPr algn="ctr"/>
+            <a:r>
+              <a:rPr lang="en-US">
+                <a:solidFill>
+                  <a:srgbClr val="C00000"/>
+                </a:solidFill>
+              </a:rPr>
+              <a:t>folderName</a:t>
+            </a:r>
+          </a:p>
+        </p:txBody>
+      </p:sp>
+      <p:cxnSp>
+        <p:nvCxnSpPr>
+          <p:cNvPr id="74" name="Straight Connector 73">
+            <a:extLst>
+              <a:ext uri="{FF2B5EF4-FFF2-40B4-BE49-F238E27FC236}">
+                <a16:creationId xmlns:a16="http://schemas.microsoft.com/office/drawing/2014/main" id="{8602651A-7B76-4745-8B1F-59A7486B9C69}"/>
+              </a:ext>
+            </a:extLst>
+          </p:cNvPr>
+          <p:cNvCxnSpPr>
+            <a:cxnSpLocks/>
+          </p:cNvCxnSpPr>
+          <p:nvPr/>
+        </p:nvCxnSpPr>
+        <p:spPr>
+          <a:xfrm>
+            <a:off x="5273048" y="2197085"/>
+            <a:ext cx="329272" cy="0"/>
+          </a:xfrm>
+          <a:prstGeom prst="line">
+            <a:avLst/>
+          </a:prstGeom>
+          <a:ln>
+            <a:tailEnd type="triangle" w="lg" len="lg"/>
+          </a:ln>
+        </p:spPr>
+        <p:style>
+          <a:lnRef idx="1">
+            <a:schemeClr val="dk1"/>
+          </a:lnRef>
+          <a:fillRef idx="0">
+            <a:schemeClr val="dk1"/>
+          </a:fillRef>
+          <a:effectRef idx="0">
+            <a:schemeClr val="dk1"/>
+          </a:effectRef>
+          <a:fontRef idx="minor">
+            <a:schemeClr val="tx1"/>
+          </a:fontRef>
+        </p:style>
+      </p:cxnSp>
+      <p:cxnSp>
+        <p:nvCxnSpPr>
+          <p:cNvPr id="75" name="Straight Connector 74">
+            <a:extLst>
+              <a:ext uri="{FF2B5EF4-FFF2-40B4-BE49-F238E27FC236}">
+                <a16:creationId xmlns:a16="http://schemas.microsoft.com/office/drawing/2014/main" id="{0F682D75-FDC6-4E20-9F8B-ADFA453DC08E}"/>
+              </a:ext>
+            </a:extLst>
+          </p:cNvPr>
+          <p:cNvCxnSpPr>
+            <a:cxnSpLocks/>
+          </p:cNvCxnSpPr>
+          <p:nvPr/>
+        </p:nvCxnSpPr>
+        <p:spPr>
+          <a:xfrm>
+            <a:off x="8569761" y="2192115"/>
+            <a:ext cx="329272" cy="0"/>
+          </a:xfrm>
+          <a:prstGeom prst="line">
+            <a:avLst/>
+          </a:prstGeom>
+          <a:ln>
+            <a:tailEnd type="triangle" w="lg" len="lg"/>
+          </a:ln>
+        </p:spPr>
+        <p:style>
+          <a:lnRef idx="1">
+            <a:schemeClr val="dk1"/>
+          </a:lnRef>
+          <a:fillRef idx="0">
+            <a:schemeClr val="dk1"/>
+          </a:fillRef>
+          <a:effectRef idx="0">
+            <a:schemeClr val="dk1"/>
+          </a:effectRef>
+          <a:fontRef idx="minor">
+            <a:schemeClr val="tx1"/>
+          </a:fontRef>
+        </p:style>
+      </p:cxnSp>
+      <p:sp>
+        <p:nvSpPr>
+          <p:cNvPr id="78" name="TextBox 77">
+            <a:extLst>
+              <a:ext uri="{FF2B5EF4-FFF2-40B4-BE49-F238E27FC236}">
+                <a16:creationId xmlns:a16="http://schemas.microsoft.com/office/drawing/2014/main" id="{58DD7A67-DA53-4E27-850B-8B1000104609}"/>
+              </a:ext>
+            </a:extLst>
+          </p:cNvPr>
+          <p:cNvSpPr txBox="1"/>
+          <p:nvPr/>
+        </p:nvSpPr>
+        <p:spPr>
+          <a:xfrm>
+            <a:off x="2657321" y="716818"/>
+            <a:ext cx="8291383" cy="369332"/>
+          </a:xfrm>
+          <a:prstGeom prst="rect">
+            <a:avLst/>
+          </a:prstGeom>
+          <a:noFill/>
+        </p:spPr>
+        <p:txBody>
+          <a:bodyPr wrap="square" rtlCol="0">
+            <a:spAutoFit/>
+          </a:bodyPr>
+          <a:lstStyle/>
+          <a:p>
+            <a:pPr algn="ctr"/>
+            <a:r>
+              <a:rPr lang="en-US" b="1"/>
+              <a:t>Note: Folders created automatically for each unique </a:t>
+            </a:r>
+            <a:r>
+              <a:rPr lang="en-US">
+                <a:solidFill>
+                  <a:srgbClr val="C00000"/>
+                </a:solidFill>
+              </a:rPr>
+              <a:t>subRegType, param, scenario</a:t>
+            </a:r>
+          </a:p>
+        </p:txBody>
+      </p:sp>
+    </p:spTree>
+    <p:extLst>
+      <p:ext uri="{BB962C8B-B14F-4D97-AF65-F5344CB8AC3E}">
+        <p14:creationId xmlns:p14="http://schemas.microsoft.com/office/powerpoint/2010/main" val="1048377473"/>
+      </p:ext>
+    </p:extLst>
+  </p:cSld>
+  <p:clrMapOvr>
+    <a:masterClrMapping/>
+  </p:clrMapOvr>
+</p:sld>
+</file>
+
 <file path=ppt/slides/slide3.xml><?xml version="1.0" encoding="utf-8"?>
 <p:sld xmlns:a="http://schemas.openxmlformats.org/drawingml/2006/main" xmlns:r="http://schemas.openxmlformats.org/officeDocument/2006/relationships" xmlns:p="http://schemas.openxmlformats.org/presentationml/2006/main">
   <p:cSld>
@@ -11062,6 +11526,771 @@
     <p:extLst>
       <p:ext uri="{BB962C8B-B14F-4D97-AF65-F5344CB8AC3E}">
         <p14:creationId xmlns:p14="http://schemas.microsoft.com/office/powerpoint/2010/main" val="48681350"/>
+      </p:ext>
+    </p:extLst>
+  </p:cSld>
+  <p:clrMapOvr>
+    <a:masterClrMapping/>
+  </p:clrMapOvr>
+</p:sld>
+</file>
+
+<file path=ppt/slides/slide30.xml><?xml version="1.0" encoding="utf-8"?>
+<p:sld xmlns:a="http://schemas.openxmlformats.org/drawingml/2006/main" xmlns:r="http://schemas.openxmlformats.org/officeDocument/2006/relationships" xmlns:p="http://schemas.openxmlformats.org/presentationml/2006/main">
+  <p:cSld>
+    <p:spTree>
+      <p:nvGrpSpPr>
+        <p:cNvPr id="1" name=""/>
+        <p:cNvGrpSpPr/>
+        <p:nvPr/>
+      </p:nvGrpSpPr>
+      <p:grpSpPr>
+        <a:xfrm>
+          <a:off x="0" y="0"/>
+          <a:ext cx="0" cy="0"/>
+          <a:chOff x="0" y="0"/>
+          <a:chExt cx="0" cy="0"/>
+        </a:xfrm>
+      </p:grpSpPr>
+      <p:sp>
+        <p:nvSpPr>
+          <p:cNvPr id="7" name="TextBox 6">
+            <a:extLst>
+              <a:ext uri="{FF2B5EF4-FFF2-40B4-BE49-F238E27FC236}">
+                <a16:creationId xmlns:a16="http://schemas.microsoft.com/office/drawing/2014/main" id="{A063DF1C-7DF0-40B4-AC9D-EC918B0CB000}"/>
+              </a:ext>
+            </a:extLst>
+          </p:cNvPr>
+          <p:cNvSpPr txBox="1"/>
+          <p:nvPr/>
+        </p:nvSpPr>
+        <p:spPr>
+          <a:xfrm>
+            <a:off x="192162" y="-345805"/>
+            <a:ext cx="3101370" cy="369332"/>
+          </a:xfrm>
+          <a:prstGeom prst="rect">
+            <a:avLst/>
+          </a:prstGeom>
+          <a:noFill/>
+        </p:spPr>
+        <p:txBody>
+          <a:bodyPr wrap="square" rtlCol="0">
+            <a:spAutoFit/>
+          </a:bodyPr>
+          <a:lstStyle/>
+          <a:p>
+            <a:pPr algn="ctr"/>
+            <a:r>
+              <a:rPr lang="en-US" b="1"/>
+              <a:t>GCAM by Param Figs</a:t>
+            </a:r>
+          </a:p>
+        </p:txBody>
+      </p:sp>
+      <p:sp>
+        <p:nvSpPr>
+          <p:cNvPr id="3" name="Rectangle 2">
+            <a:extLst>
+              <a:ext uri="{FF2B5EF4-FFF2-40B4-BE49-F238E27FC236}">
+                <a16:creationId xmlns:a16="http://schemas.microsoft.com/office/drawing/2014/main" id="{F74BF3CB-7E52-4F13-8449-FE231ADB4921}"/>
+              </a:ext>
+            </a:extLst>
+          </p:cNvPr>
+          <p:cNvSpPr/>
+          <p:nvPr/>
+        </p:nvSpPr>
+        <p:spPr>
+          <a:xfrm>
+            <a:off x="442452" y="117988"/>
+            <a:ext cx="11444747" cy="6548284"/>
+          </a:xfrm>
+          <a:prstGeom prst="rect">
+            <a:avLst/>
+          </a:prstGeom>
+          <a:noFill/>
+          <a:ln>
+            <a:solidFill>
+              <a:schemeClr val="bg1">
+                <a:lumMod val="65000"/>
+              </a:schemeClr>
+            </a:solidFill>
+          </a:ln>
+        </p:spPr>
+        <p:style>
+          <a:lnRef idx="2">
+            <a:schemeClr val="accent1">
+              <a:shade val="50000"/>
+            </a:schemeClr>
+          </a:lnRef>
+          <a:fillRef idx="1">
+            <a:schemeClr val="accent1"/>
+          </a:fillRef>
+          <a:effectRef idx="0">
+            <a:schemeClr val="accent1"/>
+          </a:effectRef>
+          <a:fontRef idx="minor">
+            <a:schemeClr val="lt1"/>
+          </a:fontRef>
+        </p:style>
+        <p:txBody>
+          <a:bodyPr rtlCol="0" anchor="ctr"/>
+          <a:lstStyle/>
+          <a:p>
+            <a:pPr algn="ctr"/>
+            <a:endParaRPr lang="en-US"/>
+          </a:p>
+        </p:txBody>
+      </p:sp>
+      <p:sp>
+        <p:nvSpPr>
+          <p:cNvPr id="64" name="TextBox 63">
+            <a:extLst>
+              <a:ext uri="{FF2B5EF4-FFF2-40B4-BE49-F238E27FC236}">
+                <a16:creationId xmlns:a16="http://schemas.microsoft.com/office/drawing/2014/main" id="{7628F066-CA00-4417-A6D9-707233D718F1}"/>
+              </a:ext>
+            </a:extLst>
+          </p:cNvPr>
+          <p:cNvSpPr txBox="1"/>
+          <p:nvPr/>
+        </p:nvSpPr>
+        <p:spPr>
+          <a:xfrm>
+            <a:off x="1084319" y="741040"/>
+            <a:ext cx="2485538" cy="369332"/>
+          </a:xfrm>
+          <a:prstGeom prst="rect">
+            <a:avLst/>
+          </a:prstGeom>
+          <a:noFill/>
+        </p:spPr>
+        <p:txBody>
+          <a:bodyPr wrap="square" rtlCol="0">
+            <a:spAutoFit/>
+          </a:bodyPr>
+          <a:lstStyle/>
+          <a:p>
+            <a:pPr algn="ctr"/>
+            <a:r>
+              <a:rPr lang="en-US" b="1"/>
+              <a:t>Population by Year SSP3</a:t>
+            </a:r>
+          </a:p>
+        </p:txBody>
+      </p:sp>
+      <p:sp>
+        <p:nvSpPr>
+          <p:cNvPr id="65" name="TextBox 64">
+            <a:extLst>
+              <a:ext uri="{FF2B5EF4-FFF2-40B4-BE49-F238E27FC236}">
+                <a16:creationId xmlns:a16="http://schemas.microsoft.com/office/drawing/2014/main" id="{D00C1B6A-B22A-4D19-91EF-C8BA151777A4}"/>
+              </a:ext>
+            </a:extLst>
+          </p:cNvPr>
+          <p:cNvSpPr txBox="1"/>
+          <p:nvPr/>
+        </p:nvSpPr>
+        <p:spPr>
+          <a:xfrm>
+            <a:off x="807994" y="3486630"/>
+            <a:ext cx="2485538" cy="646331"/>
+          </a:xfrm>
+          <a:prstGeom prst="rect">
+            <a:avLst/>
+          </a:prstGeom>
+          <a:noFill/>
+        </p:spPr>
+        <p:txBody>
+          <a:bodyPr wrap="square" rtlCol="0">
+            <a:spAutoFit/>
+          </a:bodyPr>
+          <a:lstStyle/>
+          <a:p>
+            <a:pPr algn="ctr"/>
+            <a:r>
+              <a:rPr lang="en-US" b="1"/>
+              <a:t>Land Allocation SSP5</a:t>
+            </a:r>
+          </a:p>
+          <a:p>
+            <a:pPr algn="ctr"/>
+            <a:r>
+              <a:rPr lang="en-US" b="1"/>
+              <a:t>(Mean 2010 to 2050)</a:t>
+            </a:r>
+          </a:p>
+        </p:txBody>
+      </p:sp>
+      <p:sp>
+        <p:nvSpPr>
+          <p:cNvPr id="66" name="TextBox 65">
+            <a:extLst>
+              <a:ext uri="{FF2B5EF4-FFF2-40B4-BE49-F238E27FC236}">
+                <a16:creationId xmlns:a16="http://schemas.microsoft.com/office/drawing/2014/main" id="{D23BD46B-EFD3-48A8-A749-606D7DA6C469}"/>
+              </a:ext>
+            </a:extLst>
+          </p:cNvPr>
+          <p:cNvSpPr txBox="1"/>
+          <p:nvPr/>
+        </p:nvSpPr>
+        <p:spPr>
+          <a:xfrm>
+            <a:off x="4853231" y="3552051"/>
+            <a:ext cx="2485538" cy="369332"/>
+          </a:xfrm>
+          <a:prstGeom prst="rect">
+            <a:avLst/>
+          </a:prstGeom>
+          <a:noFill/>
+        </p:spPr>
+        <p:txBody>
+          <a:bodyPr wrap="square" rtlCol="0">
+            <a:spAutoFit/>
+          </a:bodyPr>
+          <a:lstStyle/>
+          <a:p>
+            <a:pPr algn="ctr"/>
+            <a:r>
+              <a:rPr lang="en-US" b="1"/>
+              <a:t>Runoff by Basin 2050</a:t>
+            </a:r>
+          </a:p>
+        </p:txBody>
+      </p:sp>
+      <p:sp>
+        <p:nvSpPr>
+          <p:cNvPr id="67" name="TextBox 66">
+            <a:extLst>
+              <a:ext uri="{FF2B5EF4-FFF2-40B4-BE49-F238E27FC236}">
+                <a16:creationId xmlns:a16="http://schemas.microsoft.com/office/drawing/2014/main" id="{80439EAE-3020-4A30-8A0D-8343E7A17CD8}"/>
+              </a:ext>
+            </a:extLst>
+          </p:cNvPr>
+          <p:cNvSpPr txBox="1"/>
+          <p:nvPr/>
+        </p:nvSpPr>
+        <p:spPr>
+          <a:xfrm>
+            <a:off x="8412211" y="3447289"/>
+            <a:ext cx="2950299" cy="646331"/>
+          </a:xfrm>
+          <a:prstGeom prst="rect">
+            <a:avLst/>
+          </a:prstGeom>
+          <a:noFill/>
+        </p:spPr>
+        <p:txBody>
+          <a:bodyPr wrap="square" rtlCol="0">
+            <a:spAutoFit/>
+          </a:bodyPr>
+          <a:lstStyle/>
+          <a:p>
+            <a:pPr algn="ctr"/>
+            <a:r>
+              <a:rPr lang="en-US" b="1"/>
+              <a:t>Percentage Diff Elec Gen</a:t>
+            </a:r>
+          </a:p>
+          <a:p>
+            <a:pPr algn="ctr"/>
+            <a:r>
+              <a:rPr lang="en-US" b="1"/>
+              <a:t>(SSP5 – SSP3)</a:t>
+            </a:r>
+          </a:p>
+        </p:txBody>
+      </p:sp>
+      <p:pic>
+        <p:nvPicPr>
+          <p:cNvPr id="6" name="Picture 5" descr="A picture containing text, map&#10;&#10;Description automatically generated">
+            <a:extLst>
+              <a:ext uri="{FF2B5EF4-FFF2-40B4-BE49-F238E27FC236}">
+                <a16:creationId xmlns:a16="http://schemas.microsoft.com/office/drawing/2014/main" id="{5246A03D-8991-4794-AFC7-9553B33AAC8B}"/>
+              </a:ext>
+            </a:extLst>
+          </p:cNvPr>
+          <p:cNvPicPr>
+            <a:picLocks noChangeAspect="1"/>
+          </p:cNvPicPr>
+          <p:nvPr/>
+        </p:nvPicPr>
+        <p:blipFill>
+          <a:blip r:embed="rId2" cstate="print">
+            <a:extLst>
+              <a:ext uri="{28A0092B-C50C-407E-A947-70E740481C1C}">
+                <a14:useLocalDpi xmlns:a14="http://schemas.microsoft.com/office/drawing/2010/main" val="0"/>
+              </a:ext>
+            </a:extLst>
+          </a:blip>
+          <a:stretch>
+            <a:fillRect/>
+          </a:stretch>
+        </p:blipFill>
+        <p:spPr>
+          <a:xfrm>
+            <a:off x="4568054" y="4106049"/>
+            <a:ext cx="3655891" cy="2472811"/>
+          </a:xfrm>
+          <a:prstGeom prst="rect">
+            <a:avLst/>
+          </a:prstGeom>
+        </p:spPr>
+      </p:pic>
+      <p:pic>
+        <p:nvPicPr>
+          <p:cNvPr id="17" name="Picture 16" descr="A picture containing text, map&#10;&#10;Description automatically generated">
+            <a:extLst>
+              <a:ext uri="{FF2B5EF4-FFF2-40B4-BE49-F238E27FC236}">
+                <a16:creationId xmlns:a16="http://schemas.microsoft.com/office/drawing/2014/main" id="{1CF5B8F5-FA65-42EB-B3F1-1C8421421835}"/>
+              </a:ext>
+            </a:extLst>
+          </p:cNvPr>
+          <p:cNvPicPr>
+            <a:picLocks noChangeAspect="1"/>
+          </p:cNvPicPr>
+          <p:nvPr/>
+        </p:nvPicPr>
+        <p:blipFill>
+          <a:blip r:embed="rId3" cstate="print">
+            <a:extLst>
+              <a:ext uri="{28A0092B-C50C-407E-A947-70E740481C1C}">
+                <a14:useLocalDpi xmlns:a14="http://schemas.microsoft.com/office/drawing/2010/main" val="0"/>
+              </a:ext>
+            </a:extLst>
+          </a:blip>
+          <a:stretch>
+            <a:fillRect/>
+          </a:stretch>
+        </p:blipFill>
+        <p:spPr>
+          <a:xfrm>
+            <a:off x="672542" y="4106049"/>
+            <a:ext cx="3717897" cy="2472811"/>
+          </a:xfrm>
+          <a:prstGeom prst="rect">
+            <a:avLst/>
+          </a:prstGeom>
+        </p:spPr>
+      </p:pic>
+      <p:pic>
+        <p:nvPicPr>
+          <p:cNvPr id="19" name="Picture 18" descr="A close up of a map&#10;&#10;Description automatically generated">
+            <a:extLst>
+              <a:ext uri="{FF2B5EF4-FFF2-40B4-BE49-F238E27FC236}">
+                <a16:creationId xmlns:a16="http://schemas.microsoft.com/office/drawing/2014/main" id="{0D9FB249-DA1F-47EC-A0F5-53F1A1704847}"/>
+              </a:ext>
+            </a:extLst>
+          </p:cNvPr>
+          <p:cNvPicPr>
+            <a:picLocks noChangeAspect="1"/>
+          </p:cNvPicPr>
+          <p:nvPr/>
+        </p:nvPicPr>
+        <p:blipFill>
+          <a:blip r:embed="rId4">
+            <a:extLst>
+              <a:ext uri="{28A0092B-C50C-407E-A947-70E740481C1C}">
+                <a14:useLocalDpi xmlns:a14="http://schemas.microsoft.com/office/drawing/2010/main" val="0"/>
+              </a:ext>
+            </a:extLst>
+          </a:blip>
+          <a:stretch>
+            <a:fillRect/>
+          </a:stretch>
+        </p:blipFill>
+        <p:spPr>
+          <a:xfrm>
+            <a:off x="3934490" y="221175"/>
+            <a:ext cx="7428020" cy="1409063"/>
+          </a:xfrm>
+          <a:prstGeom prst="rect">
+            <a:avLst/>
+          </a:prstGeom>
+        </p:spPr>
+      </p:pic>
+      <p:pic>
+        <p:nvPicPr>
+          <p:cNvPr id="21" name="Picture 20" descr="A picture containing text, map&#10;&#10;Description automatically generated">
+            <a:extLst>
+              <a:ext uri="{FF2B5EF4-FFF2-40B4-BE49-F238E27FC236}">
+                <a16:creationId xmlns:a16="http://schemas.microsoft.com/office/drawing/2014/main" id="{46679271-34BC-46F3-A89F-3DD2AA742315}"/>
+              </a:ext>
+            </a:extLst>
+          </p:cNvPr>
+          <p:cNvPicPr>
+            <a:picLocks noChangeAspect="1"/>
+          </p:cNvPicPr>
+          <p:nvPr/>
+        </p:nvPicPr>
+        <p:blipFill>
+          <a:blip r:embed="rId5">
+            <a:extLst>
+              <a:ext uri="{28A0092B-C50C-407E-A947-70E740481C1C}">
+                <a14:useLocalDpi xmlns:a14="http://schemas.microsoft.com/office/drawing/2010/main" val="0"/>
+              </a:ext>
+            </a:extLst>
+          </a:blip>
+          <a:stretch>
+            <a:fillRect/>
+          </a:stretch>
+        </p:blipFill>
+        <p:spPr>
+          <a:xfrm>
+            <a:off x="3934490" y="1828225"/>
+            <a:ext cx="7223619" cy="1409062"/>
+          </a:xfrm>
+          <a:prstGeom prst="rect">
+            <a:avLst/>
+          </a:prstGeom>
+        </p:spPr>
+      </p:pic>
+      <p:sp>
+        <p:nvSpPr>
+          <p:cNvPr id="30" name="TextBox 29">
+            <a:extLst>
+              <a:ext uri="{FF2B5EF4-FFF2-40B4-BE49-F238E27FC236}">
+                <a16:creationId xmlns:a16="http://schemas.microsoft.com/office/drawing/2014/main" id="{2DFD97C6-B7A5-4D16-B656-84935B142B4C}"/>
+              </a:ext>
+            </a:extLst>
+          </p:cNvPr>
+          <p:cNvSpPr txBox="1"/>
+          <p:nvPr/>
+        </p:nvSpPr>
+        <p:spPr>
+          <a:xfrm>
+            <a:off x="1084319" y="1981564"/>
+            <a:ext cx="2485538" cy="923330"/>
+          </a:xfrm>
+          <a:prstGeom prst="rect">
+            <a:avLst/>
+          </a:prstGeom>
+          <a:noFill/>
+        </p:spPr>
+        <p:txBody>
+          <a:bodyPr wrap="square" rtlCol="0">
+            <a:spAutoFit/>
+          </a:bodyPr>
+          <a:lstStyle/>
+          <a:p>
+            <a:pPr algn="ctr"/>
+            <a:r>
+              <a:rPr lang="en-US" b="1"/>
+              <a:t>Absolute Difference in Population by Year</a:t>
+            </a:r>
+          </a:p>
+          <a:p>
+            <a:pPr algn="ctr"/>
+            <a:r>
+              <a:rPr lang="en-US" b="1"/>
+              <a:t>(SSP5 – SSP3)</a:t>
+            </a:r>
+          </a:p>
+        </p:txBody>
+      </p:sp>
+      <p:pic>
+        <p:nvPicPr>
+          <p:cNvPr id="25" name="Picture 24" descr="A picture containing text, map&#10;&#10;Description automatically generated">
+            <a:extLst>
+              <a:ext uri="{FF2B5EF4-FFF2-40B4-BE49-F238E27FC236}">
+                <a16:creationId xmlns:a16="http://schemas.microsoft.com/office/drawing/2014/main" id="{1F8DE4E6-08A9-4594-88BA-0F93AA1C048E}"/>
+              </a:ext>
+            </a:extLst>
+          </p:cNvPr>
+          <p:cNvPicPr>
+            <a:picLocks noChangeAspect="1"/>
+          </p:cNvPicPr>
+          <p:nvPr/>
+        </p:nvPicPr>
+        <p:blipFill>
+          <a:blip r:embed="rId6" cstate="print">
+            <a:extLst>
+              <a:ext uri="{28A0092B-C50C-407E-A947-70E740481C1C}">
+                <a14:useLocalDpi xmlns:a14="http://schemas.microsoft.com/office/drawing/2010/main" val="0"/>
+              </a:ext>
+            </a:extLst>
+          </a:blip>
+          <a:stretch>
+            <a:fillRect/>
+          </a:stretch>
+        </p:blipFill>
+        <p:spPr>
+          <a:xfrm>
+            <a:off x="8223945" y="4135943"/>
+            <a:ext cx="3424701" cy="2413022"/>
+          </a:xfrm>
+          <a:prstGeom prst="rect">
+            <a:avLst/>
+          </a:prstGeom>
+        </p:spPr>
+      </p:pic>
+    </p:spTree>
+    <p:extLst>
+      <p:ext uri="{BB962C8B-B14F-4D97-AF65-F5344CB8AC3E}">
+        <p14:creationId xmlns:p14="http://schemas.microsoft.com/office/powerpoint/2010/main" val="454569677"/>
+      </p:ext>
+    </p:extLst>
+  </p:cSld>
+  <p:clrMapOvr>
+    <a:masterClrMapping/>
+  </p:clrMapOvr>
+</p:sld>
+</file>
+
+<file path=ppt/slides/slide31.xml><?xml version="1.0" encoding="utf-8"?>
+<p:sld xmlns:a="http://schemas.openxmlformats.org/drawingml/2006/main" xmlns:r="http://schemas.openxmlformats.org/officeDocument/2006/relationships" xmlns:p="http://schemas.openxmlformats.org/presentationml/2006/main">
+  <p:cSld>
+    <p:spTree>
+      <p:nvGrpSpPr>
+        <p:cNvPr id="1" name=""/>
+        <p:cNvGrpSpPr/>
+        <p:nvPr/>
+      </p:nvGrpSpPr>
+      <p:grpSpPr>
+        <a:xfrm>
+          <a:off x="0" y="0"/>
+          <a:ext cx="0" cy="0"/>
+          <a:chOff x="0" y="0"/>
+          <a:chExt cx="0" cy="0"/>
+        </a:xfrm>
+      </p:grpSpPr>
+      <p:sp>
+        <p:nvSpPr>
+          <p:cNvPr id="7" name="TextBox 6">
+            <a:extLst>
+              <a:ext uri="{FF2B5EF4-FFF2-40B4-BE49-F238E27FC236}">
+                <a16:creationId xmlns:a16="http://schemas.microsoft.com/office/drawing/2014/main" id="{A063DF1C-7DF0-40B4-AC9D-EC918B0CB000}"/>
+              </a:ext>
+            </a:extLst>
+          </p:cNvPr>
+          <p:cNvSpPr txBox="1"/>
+          <p:nvPr/>
+        </p:nvSpPr>
+        <p:spPr>
+          <a:xfrm>
+            <a:off x="201996" y="-369332"/>
+            <a:ext cx="3101370" cy="369332"/>
+          </a:xfrm>
+          <a:prstGeom prst="rect">
+            <a:avLst/>
+          </a:prstGeom>
+          <a:noFill/>
+        </p:spPr>
+        <p:txBody>
+          <a:bodyPr wrap="square" rtlCol="0">
+            <a:spAutoFit/>
+          </a:bodyPr>
+          <a:lstStyle/>
+          <a:p>
+            <a:pPr algn="ctr"/>
+            <a:r>
+              <a:rPr lang="en-US" b="1"/>
+              <a:t>GCAM by Class Figs</a:t>
+            </a:r>
+          </a:p>
+        </p:txBody>
+      </p:sp>
+      <p:sp>
+        <p:nvSpPr>
+          <p:cNvPr id="3" name="Rectangle 2">
+            <a:extLst>
+              <a:ext uri="{FF2B5EF4-FFF2-40B4-BE49-F238E27FC236}">
+                <a16:creationId xmlns:a16="http://schemas.microsoft.com/office/drawing/2014/main" id="{80047060-3AA7-4699-9EAE-4E3F4573EEA2}"/>
+              </a:ext>
+            </a:extLst>
+          </p:cNvPr>
+          <p:cNvSpPr/>
+          <p:nvPr/>
+        </p:nvSpPr>
+        <p:spPr>
+          <a:xfrm>
+            <a:off x="442452" y="117988"/>
+            <a:ext cx="11444747" cy="6548284"/>
+          </a:xfrm>
+          <a:prstGeom prst="rect">
+            <a:avLst/>
+          </a:prstGeom>
+          <a:noFill/>
+          <a:ln>
+            <a:solidFill>
+              <a:schemeClr val="bg1">
+                <a:lumMod val="65000"/>
+              </a:schemeClr>
+            </a:solidFill>
+          </a:ln>
+        </p:spPr>
+        <p:style>
+          <a:lnRef idx="2">
+            <a:schemeClr val="accent1">
+              <a:shade val="50000"/>
+            </a:schemeClr>
+          </a:lnRef>
+          <a:fillRef idx="1">
+            <a:schemeClr val="accent1"/>
+          </a:fillRef>
+          <a:effectRef idx="0">
+            <a:schemeClr val="accent1"/>
+          </a:effectRef>
+          <a:fontRef idx="minor">
+            <a:schemeClr val="lt1"/>
+          </a:fontRef>
+        </p:style>
+        <p:txBody>
+          <a:bodyPr rtlCol="0" anchor="ctr"/>
+          <a:lstStyle/>
+          <a:p>
+            <a:pPr algn="ctr"/>
+            <a:endParaRPr lang="en-US"/>
+          </a:p>
+        </p:txBody>
+      </p:sp>
+      <p:pic>
+        <p:nvPicPr>
+          <p:cNvPr id="4" name="Picture 3" descr="A close up of a map&#10;&#10;Description automatically generated">
+            <a:extLst>
+              <a:ext uri="{FF2B5EF4-FFF2-40B4-BE49-F238E27FC236}">
+                <a16:creationId xmlns:a16="http://schemas.microsoft.com/office/drawing/2014/main" id="{54953583-8DC0-4DC1-9C80-59364DCE9939}"/>
+              </a:ext>
+            </a:extLst>
+          </p:cNvPr>
+          <p:cNvPicPr>
+            <a:picLocks noChangeAspect="1"/>
+          </p:cNvPicPr>
+          <p:nvPr/>
+        </p:nvPicPr>
+        <p:blipFill>
+          <a:blip r:embed="rId2">
+            <a:extLst>
+              <a:ext uri="{28A0092B-C50C-407E-A947-70E740481C1C}">
+                <a14:useLocalDpi xmlns:a14="http://schemas.microsoft.com/office/drawing/2010/main" val="0"/>
+              </a:ext>
+            </a:extLst>
+          </a:blip>
+          <a:stretch>
+            <a:fillRect/>
+          </a:stretch>
+        </p:blipFill>
+        <p:spPr>
+          <a:xfrm>
+            <a:off x="592175" y="545082"/>
+            <a:ext cx="7331022" cy="3993389"/>
+          </a:xfrm>
+          <a:prstGeom prst="rect">
+            <a:avLst/>
+          </a:prstGeom>
+        </p:spPr>
+      </p:pic>
+      <p:pic>
+        <p:nvPicPr>
+          <p:cNvPr id="6" name="Picture 5" descr="A picture containing text, map&#10;&#10;Description automatically generated">
+            <a:extLst>
+              <a:ext uri="{FF2B5EF4-FFF2-40B4-BE49-F238E27FC236}">
+                <a16:creationId xmlns:a16="http://schemas.microsoft.com/office/drawing/2014/main" id="{949EBDC5-4E80-425B-84EA-DDBD3A9647A4}"/>
+              </a:ext>
+            </a:extLst>
+          </p:cNvPr>
+          <p:cNvPicPr>
+            <a:picLocks noChangeAspect="1"/>
+          </p:cNvPicPr>
+          <p:nvPr/>
+        </p:nvPicPr>
+        <p:blipFill>
+          <a:blip r:embed="rId3">
+            <a:extLst>
+              <a:ext uri="{28A0092B-C50C-407E-A947-70E740481C1C}">
+                <a14:useLocalDpi xmlns:a14="http://schemas.microsoft.com/office/drawing/2010/main" val="0"/>
+              </a:ext>
+            </a:extLst>
+          </a:blip>
+          <a:stretch>
+            <a:fillRect/>
+          </a:stretch>
+        </p:blipFill>
+        <p:spPr>
+          <a:xfrm>
+            <a:off x="4257686" y="3783081"/>
+            <a:ext cx="7525130" cy="2748571"/>
+          </a:xfrm>
+          <a:prstGeom prst="rect">
+            <a:avLst/>
+          </a:prstGeom>
+        </p:spPr>
+      </p:pic>
+      <p:sp>
+        <p:nvSpPr>
+          <p:cNvPr id="9" name="TextBox 8">
+            <a:extLst>
+              <a:ext uri="{FF2B5EF4-FFF2-40B4-BE49-F238E27FC236}">
+                <a16:creationId xmlns:a16="http://schemas.microsoft.com/office/drawing/2014/main" id="{65A82A39-C97E-4486-BF84-AD752A7FF992}"/>
+              </a:ext>
+            </a:extLst>
+          </p:cNvPr>
+          <p:cNvSpPr txBox="1"/>
+          <p:nvPr/>
+        </p:nvSpPr>
+        <p:spPr>
+          <a:xfrm>
+            <a:off x="1556139" y="175750"/>
+            <a:ext cx="4210816" cy="369332"/>
+          </a:xfrm>
+          <a:prstGeom prst="rect">
+            <a:avLst/>
+          </a:prstGeom>
+          <a:noFill/>
+        </p:spPr>
+        <p:txBody>
+          <a:bodyPr wrap="square" rtlCol="0">
+            <a:spAutoFit/>
+          </a:bodyPr>
+          <a:lstStyle/>
+          <a:p>
+            <a:pPr algn="ctr"/>
+            <a:r>
+              <a:rPr lang="en-US" b="1"/>
+              <a:t>Electricity Generation SSP5 by Class 2040</a:t>
+            </a:r>
+          </a:p>
+        </p:txBody>
+      </p:sp>
+      <p:sp>
+        <p:nvSpPr>
+          <p:cNvPr id="10" name="TextBox 9">
+            <a:extLst>
+              <a:ext uri="{FF2B5EF4-FFF2-40B4-BE49-F238E27FC236}">
+                <a16:creationId xmlns:a16="http://schemas.microsoft.com/office/drawing/2014/main" id="{52335815-A0C2-4151-96C4-FDD5E5395A04}"/>
+              </a:ext>
+            </a:extLst>
+          </p:cNvPr>
+          <p:cNvSpPr txBox="1"/>
+          <p:nvPr/>
+        </p:nvSpPr>
+        <p:spPr>
+          <a:xfrm>
+            <a:off x="5929124" y="3429000"/>
+            <a:ext cx="3976074" cy="369332"/>
+          </a:xfrm>
+          <a:prstGeom prst="rect">
+            <a:avLst/>
+          </a:prstGeom>
+          <a:noFill/>
+        </p:spPr>
+        <p:txBody>
+          <a:bodyPr wrap="square" rtlCol="0">
+            <a:spAutoFit/>
+          </a:bodyPr>
+          <a:lstStyle/>
+          <a:p>
+            <a:pPr algn="ctr"/>
+            <a:r>
+              <a:rPr lang="en-US" b="1"/>
+              <a:t>Land Allocation SSP5 by Class 2040</a:t>
+            </a:r>
+          </a:p>
+        </p:txBody>
+      </p:sp>
+    </p:spTree>
+    <p:extLst>
+      <p:ext uri="{BB962C8B-B14F-4D97-AF65-F5344CB8AC3E}">
+        <p14:creationId xmlns:p14="http://schemas.microsoft.com/office/powerpoint/2010/main" val="1298961020"/>
       </p:ext>
     </p:extLst>
   </p:cSld>
@@ -14331,6 +15560,45 @@
               <a:rPr lang="en-US" sz="2400"/>
               <a:t>Same scale across years and classes</a:t>
             </a:r>
+          </a:p>
+        </p:txBody>
+      </p:sp>
+      <p:sp>
+        <p:nvSpPr>
+          <p:cNvPr id="50" name="Rectangle 49">
+            <a:extLst>
+              <a:ext uri="{FF2B5EF4-FFF2-40B4-BE49-F238E27FC236}">
+                <a16:creationId xmlns:a16="http://schemas.microsoft.com/office/drawing/2014/main" id="{52B01F8F-C641-4B73-9227-04C3323D8223}"/>
+              </a:ext>
+            </a:extLst>
+          </p:cNvPr>
+          <p:cNvSpPr/>
+          <p:nvPr/>
+        </p:nvSpPr>
+        <p:spPr>
+          <a:xfrm>
+            <a:off x="589949" y="1343001"/>
+            <a:ext cx="1159998" cy="369332"/>
+          </a:xfrm>
+          <a:prstGeom prst="rect">
+            <a:avLst/>
+          </a:prstGeom>
+        </p:spPr>
+        <p:txBody>
+          <a:bodyPr wrap="none">
+            <a:spAutoFit/>
+          </a:bodyPr>
+          <a:lstStyle/>
+          <a:p>
+            <a:r>
+              <a:rPr lang="en-US" altLang="en-US" b="1">
+                <a:solidFill>
+                  <a:srgbClr val="29A33D"/>
+                </a:solidFill>
+              </a:rPr>
+              <a:t>(Optional)</a:t>
+            </a:r>
+            <a:endParaRPr lang="en-US"/>
           </a:p>
         </p:txBody>
       </p:sp>

--- a/vignettes/vignetteFigs/00vignetteFigs.pptx
+++ b/vignettes/vignetteFigs/00vignetteFigs.pptx
@@ -5,7 +5,7 @@
     <p:sldMasterId id="2147483648" r:id="rId1"/>
   </p:sldMasterIdLst>
   <p:notesMasterIdLst>
-    <p:notesMasterId r:id="rId39"/>
+    <p:notesMasterId r:id="rId42"/>
   </p:notesMasterIdLst>
   <p:sldIdLst>
     <p:sldId id="260" r:id="rId2"/>
@@ -22,29 +22,32 @@
     <p:sldId id="277" r:id="rId13"/>
     <p:sldId id="278" r:id="rId14"/>
     <p:sldId id="276" r:id="rId15"/>
-    <p:sldId id="271" r:id="rId16"/>
-    <p:sldId id="272" r:id="rId17"/>
-    <p:sldId id="273" r:id="rId18"/>
-    <p:sldId id="274" r:id="rId19"/>
-    <p:sldId id="294" r:id="rId20"/>
-    <p:sldId id="279" r:id="rId21"/>
-    <p:sldId id="295" r:id="rId22"/>
-    <p:sldId id="280" r:id="rId23"/>
-    <p:sldId id="281" r:id="rId24"/>
-    <p:sldId id="282" r:id="rId25"/>
-    <p:sldId id="285" r:id="rId26"/>
-    <p:sldId id="287" r:id="rId27"/>
-    <p:sldId id="286" r:id="rId28"/>
-    <p:sldId id="283" r:id="rId29"/>
-    <p:sldId id="284" r:id="rId30"/>
-    <p:sldId id="291" r:id="rId31"/>
-    <p:sldId id="292" r:id="rId32"/>
-    <p:sldId id="293" r:id="rId33"/>
-    <p:sldId id="297" r:id="rId34"/>
-    <p:sldId id="301" r:id="rId35"/>
-    <p:sldId id="300" r:id="rId36"/>
-    <p:sldId id="298" r:id="rId37"/>
-    <p:sldId id="302" r:id="rId38"/>
+    <p:sldId id="305" r:id="rId16"/>
+    <p:sldId id="304" r:id="rId17"/>
+    <p:sldId id="306" r:id="rId18"/>
+    <p:sldId id="271" r:id="rId19"/>
+    <p:sldId id="272" r:id="rId20"/>
+    <p:sldId id="273" r:id="rId21"/>
+    <p:sldId id="274" r:id="rId22"/>
+    <p:sldId id="294" r:id="rId23"/>
+    <p:sldId id="279" r:id="rId24"/>
+    <p:sldId id="295" r:id="rId25"/>
+    <p:sldId id="280" r:id="rId26"/>
+    <p:sldId id="281" r:id="rId27"/>
+    <p:sldId id="282" r:id="rId28"/>
+    <p:sldId id="285" r:id="rId29"/>
+    <p:sldId id="287" r:id="rId30"/>
+    <p:sldId id="286" r:id="rId31"/>
+    <p:sldId id="283" r:id="rId32"/>
+    <p:sldId id="284" r:id="rId33"/>
+    <p:sldId id="291" r:id="rId34"/>
+    <p:sldId id="292" r:id="rId35"/>
+    <p:sldId id="293" r:id="rId36"/>
+    <p:sldId id="297" r:id="rId37"/>
+    <p:sldId id="301" r:id="rId38"/>
+    <p:sldId id="300" r:id="rId39"/>
+    <p:sldId id="298" r:id="rId40"/>
+    <p:sldId id="302" r:id="rId41"/>
   </p:sldIdLst>
   <p:sldSz cx="12192000" cy="6858000"/>
   <p:notesSz cx="6858000" cy="9144000"/>
@@ -233,7 +236,7 @@
           <a:p>
             <a:fld id="{921607FB-4AF3-41D9-93C1-AF2B65302971}" type="datetimeFigureOut">
               <a:rPr lang="en-US" smtClean="0"/>
-              <a:t>10/14/2020</a:t>
+              <a:t>10/30/2020</a:t>
             </a:fld>
             <a:endParaRPr lang="en-US"/>
           </a:p>
@@ -629,7 +632,7 @@
           <a:p>
             <a:fld id="{11D67388-0790-496E-9A12-37055489AF4F}" type="datetimeFigureOut">
               <a:rPr lang="en-US" smtClean="0"/>
-              <a:t>10/14/2020</a:t>
+              <a:t>10/30/2020</a:t>
             </a:fld>
             <a:endParaRPr lang="en-US"/>
           </a:p>
@@ -797,7 +800,7 @@
           <a:p>
             <a:fld id="{11D67388-0790-496E-9A12-37055489AF4F}" type="datetimeFigureOut">
               <a:rPr lang="en-US" smtClean="0"/>
-              <a:t>10/14/2020</a:t>
+              <a:t>10/30/2020</a:t>
             </a:fld>
             <a:endParaRPr lang="en-US"/>
           </a:p>
@@ -975,7 +978,7 @@
           <a:p>
             <a:fld id="{11D67388-0790-496E-9A12-37055489AF4F}" type="datetimeFigureOut">
               <a:rPr lang="en-US" smtClean="0"/>
-              <a:t>10/14/2020</a:t>
+              <a:t>10/30/2020</a:t>
             </a:fld>
             <a:endParaRPr lang="en-US"/>
           </a:p>
@@ -1143,7 +1146,7 @@
           <a:p>
             <a:fld id="{11D67388-0790-496E-9A12-37055489AF4F}" type="datetimeFigureOut">
               <a:rPr lang="en-US" smtClean="0"/>
-              <a:t>10/14/2020</a:t>
+              <a:t>10/30/2020</a:t>
             </a:fld>
             <a:endParaRPr lang="en-US"/>
           </a:p>
@@ -1388,7 +1391,7 @@
           <a:p>
             <a:fld id="{11D67388-0790-496E-9A12-37055489AF4F}" type="datetimeFigureOut">
               <a:rPr lang="en-US" smtClean="0"/>
-              <a:t>10/14/2020</a:t>
+              <a:t>10/30/2020</a:t>
             </a:fld>
             <a:endParaRPr lang="en-US"/>
           </a:p>
@@ -1617,7 +1620,7 @@
           <a:p>
             <a:fld id="{11D67388-0790-496E-9A12-37055489AF4F}" type="datetimeFigureOut">
               <a:rPr lang="en-US" smtClean="0"/>
-              <a:t>10/14/2020</a:t>
+              <a:t>10/30/2020</a:t>
             </a:fld>
             <a:endParaRPr lang="en-US"/>
           </a:p>
@@ -1981,7 +1984,7 @@
           <a:p>
             <a:fld id="{11D67388-0790-496E-9A12-37055489AF4F}" type="datetimeFigureOut">
               <a:rPr lang="en-US" smtClean="0"/>
-              <a:t>10/14/2020</a:t>
+              <a:t>10/30/2020</a:t>
             </a:fld>
             <a:endParaRPr lang="en-US"/>
           </a:p>
@@ -2098,7 +2101,7 @@
           <a:p>
             <a:fld id="{11D67388-0790-496E-9A12-37055489AF4F}" type="datetimeFigureOut">
               <a:rPr lang="en-US" smtClean="0"/>
-              <a:t>10/14/2020</a:t>
+              <a:t>10/30/2020</a:t>
             </a:fld>
             <a:endParaRPr lang="en-US"/>
           </a:p>
@@ -2193,7 +2196,7 @@
           <a:p>
             <a:fld id="{11D67388-0790-496E-9A12-37055489AF4F}" type="datetimeFigureOut">
               <a:rPr lang="en-US" smtClean="0"/>
-              <a:t>10/14/2020</a:t>
+              <a:t>10/30/2020</a:t>
             </a:fld>
             <a:endParaRPr lang="en-US"/>
           </a:p>
@@ -2468,7 +2471,7 @@
           <a:p>
             <a:fld id="{11D67388-0790-496E-9A12-37055489AF4F}" type="datetimeFigureOut">
               <a:rPr lang="en-US" smtClean="0"/>
-              <a:t>10/14/2020</a:t>
+              <a:t>10/30/2020</a:t>
             </a:fld>
             <a:endParaRPr lang="en-US"/>
           </a:p>
@@ -2720,7 +2723,7 @@
           <a:p>
             <a:fld id="{11D67388-0790-496E-9A12-37055489AF4F}" type="datetimeFigureOut">
               <a:rPr lang="en-US" smtClean="0"/>
-              <a:t>10/14/2020</a:t>
+              <a:t>10/30/2020</a:t>
             </a:fld>
             <a:endParaRPr lang="en-US"/>
           </a:p>
@@ -2931,7 +2934,7 @@
           <a:p>
             <a:fld id="{11D67388-0790-496E-9A12-37055489AF4F}" type="datetimeFigureOut">
               <a:rPr lang="en-US" smtClean="0"/>
-              <a:t>10/14/2020</a:t>
+              <a:t>10/30/2020</a:t>
             </a:fld>
             <a:endParaRPr lang="en-US"/>
           </a:p>
@@ -5677,42 +5680,6 @@
           <a:chExt cx="0" cy="0"/>
         </a:xfrm>
       </p:grpSpPr>
-      <p:pic>
-        <p:nvPicPr>
-          <p:cNvPr id="5" name="Picture 4" descr="A picture containing text, map&#10;&#10;Description automatically generated">
-            <a:extLst>
-              <a:ext uri="{FF2B5EF4-FFF2-40B4-BE49-F238E27FC236}">
-                <a16:creationId xmlns:a16="http://schemas.microsoft.com/office/drawing/2014/main" id="{2F299C4D-8DB8-4491-8191-7839F08FADAD}"/>
-              </a:ext>
-            </a:extLst>
-          </p:cNvPr>
-          <p:cNvPicPr>
-            <a:picLocks noChangeAspect="1"/>
-          </p:cNvPicPr>
-          <p:nvPr/>
-        </p:nvPicPr>
-        <p:blipFill>
-          <a:blip r:embed="rId2">
-            <a:extLst>
-              <a:ext uri="{28A0092B-C50C-407E-A947-70E740481C1C}">
-                <a14:useLocalDpi xmlns:a14="http://schemas.microsoft.com/office/drawing/2010/main" val="0"/>
-              </a:ext>
-            </a:extLst>
-          </a:blip>
-          <a:stretch>
-            <a:fillRect/>
-          </a:stretch>
-        </p:blipFill>
-        <p:spPr>
-          <a:xfrm>
-            <a:off x="317652" y="1110563"/>
-            <a:ext cx="11299673" cy="4206503"/>
-          </a:xfrm>
-          <a:prstGeom prst="rect">
-            <a:avLst/>
-          </a:prstGeom>
-        </p:spPr>
-      </p:pic>
       <p:sp>
         <p:nvSpPr>
           <p:cNvPr id="6" name="Rectangle 5">
@@ -5797,16 +5764,52 @@
           <a:p>
             <a:pPr algn="ctr"/>
             <a:r>
-              <a:rPr lang="en-US" b="1"/>
-              <a:t>GCAM Reg 32</a:t>
+              <a:rPr lang="en-US" b="1" dirty="0"/>
+              <a:t>US 52 Compact</a:t>
             </a:r>
           </a:p>
         </p:txBody>
       </p:sp>
+      <p:pic>
+        <p:nvPicPr>
+          <p:cNvPr id="4" name="Picture 3" descr="Map&#10;&#10;Description automatically generated">
+            <a:extLst>
+              <a:ext uri="{FF2B5EF4-FFF2-40B4-BE49-F238E27FC236}">
+                <a16:creationId xmlns:a16="http://schemas.microsoft.com/office/drawing/2014/main" id="{1A4DCBC2-8E70-41E2-ACE3-588CE5579D61}"/>
+              </a:ext>
+            </a:extLst>
+          </p:cNvPr>
+          <p:cNvPicPr>
+            <a:picLocks noChangeAspect="1"/>
+          </p:cNvPicPr>
+          <p:nvPr/>
+        </p:nvPicPr>
+        <p:blipFill>
+          <a:blip r:embed="rId2">
+            <a:extLst>
+              <a:ext uri="{28A0092B-C50C-407E-A947-70E740481C1C}">
+                <a14:useLocalDpi xmlns:a14="http://schemas.microsoft.com/office/drawing/2010/main" val="0"/>
+              </a:ext>
+            </a:extLst>
+          </a:blip>
+          <a:stretch>
+            <a:fillRect/>
+          </a:stretch>
+        </p:blipFill>
+        <p:spPr>
+          <a:xfrm>
+            <a:off x="2202403" y="807674"/>
+            <a:ext cx="8402276" cy="4795358"/>
+          </a:xfrm>
+          <a:prstGeom prst="rect">
+            <a:avLst/>
+          </a:prstGeom>
+        </p:spPr>
+      </p:pic>
     </p:spTree>
     <p:extLst>
       <p:ext uri="{BB962C8B-B14F-4D97-AF65-F5344CB8AC3E}">
-        <p14:creationId xmlns:p14="http://schemas.microsoft.com/office/powerpoint/2010/main" val="3180737766"/>
+        <p14:creationId xmlns:p14="http://schemas.microsoft.com/office/powerpoint/2010/main" val="623115870"/>
       </p:ext>
     </p:extLst>
   </p:cSld>
@@ -5917,18 +5920,18 @@
           <a:p>
             <a:pPr algn="ctr"/>
             <a:r>
-              <a:rPr lang="en-US" b="1"/>
-              <a:t>GCAM Basin</a:t>
+              <a:rPr lang="en-US" b="1" dirty="0"/>
+              <a:t>US 52 Counties</a:t>
             </a:r>
           </a:p>
         </p:txBody>
       </p:sp>
       <p:pic>
         <p:nvPicPr>
-          <p:cNvPr id="3" name="Picture 2" descr="A picture containing text, map&#10;&#10;Description automatically generated">
+          <p:cNvPr id="4" name="Picture 3" descr="Map&#10;&#10;Description automatically generated">
             <a:extLst>
               <a:ext uri="{FF2B5EF4-FFF2-40B4-BE49-F238E27FC236}">
-                <a16:creationId xmlns:a16="http://schemas.microsoft.com/office/drawing/2014/main" id="{CB9DB4F5-D5A8-4DAD-8173-0963BBFED030}"/>
+                <a16:creationId xmlns:a16="http://schemas.microsoft.com/office/drawing/2014/main" id="{2E2877E3-2801-425C-AFED-D8943425BDE9}"/>
               </a:ext>
             </a:extLst>
           </p:cNvPr>
@@ -5951,8 +5954,8 @@
         </p:blipFill>
         <p:spPr>
           <a:xfrm>
-            <a:off x="392149" y="1043599"/>
-            <a:ext cx="11407701" cy="4231134"/>
+            <a:off x="2118566" y="741352"/>
+            <a:ext cx="8079793" cy="4919873"/>
           </a:xfrm>
           <a:prstGeom prst="rect">
             <a:avLst/>
@@ -5962,7 +5965,7 @@
     </p:spTree>
     <p:extLst>
       <p:ext uri="{BB962C8B-B14F-4D97-AF65-F5344CB8AC3E}">
-        <p14:creationId xmlns:p14="http://schemas.microsoft.com/office/powerpoint/2010/main" val="3624965097"/>
+        <p14:creationId xmlns:p14="http://schemas.microsoft.com/office/powerpoint/2010/main" val="2917386348"/>
       </p:ext>
     </p:extLst>
   </p:cSld>
@@ -6058,7 +6061,7 @@
         <p:spPr>
           <a:xfrm>
             <a:off x="192163" y="128664"/>
-            <a:ext cx="2066223" cy="369332"/>
+            <a:ext cx="2891604" cy="369332"/>
           </a:xfrm>
           <a:prstGeom prst="rect">
             <a:avLst/>
@@ -6073,18 +6076,18 @@
           <a:p>
             <a:pPr algn="ctr"/>
             <a:r>
-              <a:rPr lang="en-US" b="1"/>
-              <a:t>World Countries</a:t>
+              <a:rPr lang="en-US" b="1" dirty="0"/>
+              <a:t>US 52 Counties Compact</a:t>
             </a:r>
           </a:p>
         </p:txBody>
       </p:sp>
       <p:pic>
         <p:nvPicPr>
-          <p:cNvPr id="8" name="Picture 7" descr="A picture containing text, map&#10;&#10;Description automatically generated">
+          <p:cNvPr id="4" name="Picture 3" descr="Map&#10;&#10;Description automatically generated">
             <a:extLst>
               <a:ext uri="{FF2B5EF4-FFF2-40B4-BE49-F238E27FC236}">
-                <a16:creationId xmlns:a16="http://schemas.microsoft.com/office/drawing/2014/main" id="{ABCB02B0-FA9F-499F-AA93-F7A7EF740B04}"/>
+                <a16:creationId xmlns:a16="http://schemas.microsoft.com/office/drawing/2014/main" id="{43183B76-980D-473D-97F1-7F92E048F82D}"/>
               </a:ext>
             </a:extLst>
           </p:cNvPr>
@@ -6107,8 +6110,8 @@
         </p:blipFill>
         <p:spPr>
           <a:xfrm>
-            <a:off x="308859" y="1110563"/>
-            <a:ext cx="11592394" cy="4299637"/>
+            <a:off x="1892989" y="661203"/>
+            <a:ext cx="8768032" cy="5004103"/>
           </a:xfrm>
           <a:prstGeom prst="rect">
             <a:avLst/>
@@ -6118,7 +6121,7 @@
     </p:spTree>
     <p:extLst>
       <p:ext uri="{BB962C8B-B14F-4D97-AF65-F5344CB8AC3E}">
-        <p14:creationId xmlns:p14="http://schemas.microsoft.com/office/powerpoint/2010/main" val="3848911443"/>
+        <p14:creationId xmlns:p14="http://schemas.microsoft.com/office/powerpoint/2010/main" val="2361561294"/>
       </p:ext>
     </p:extLst>
   </p:cSld>
@@ -6145,6 +6148,42 @@
           <a:chExt cx="0" cy="0"/>
         </a:xfrm>
       </p:grpSpPr>
+      <p:pic>
+        <p:nvPicPr>
+          <p:cNvPr id="5" name="Picture 4" descr="A picture containing text, map&#10;&#10;Description automatically generated">
+            <a:extLst>
+              <a:ext uri="{FF2B5EF4-FFF2-40B4-BE49-F238E27FC236}">
+                <a16:creationId xmlns:a16="http://schemas.microsoft.com/office/drawing/2014/main" id="{2F299C4D-8DB8-4491-8191-7839F08FADAD}"/>
+              </a:ext>
+            </a:extLst>
+          </p:cNvPr>
+          <p:cNvPicPr>
+            <a:picLocks noChangeAspect="1"/>
+          </p:cNvPicPr>
+          <p:nvPr/>
+        </p:nvPicPr>
+        <p:blipFill>
+          <a:blip r:embed="rId2">
+            <a:extLst>
+              <a:ext uri="{28A0092B-C50C-407E-A947-70E740481C1C}">
+                <a14:useLocalDpi xmlns:a14="http://schemas.microsoft.com/office/drawing/2010/main" val="0"/>
+              </a:ext>
+            </a:extLst>
+          </a:blip>
+          <a:stretch>
+            <a:fillRect/>
+          </a:stretch>
+        </p:blipFill>
+        <p:spPr>
+          <a:xfrm>
+            <a:off x="317652" y="1110563"/>
+            <a:ext cx="11299673" cy="4206503"/>
+          </a:xfrm>
+          <a:prstGeom prst="rect">
+            <a:avLst/>
+          </a:prstGeom>
+        </p:spPr>
+      </p:pic>
       <p:sp>
         <p:nvSpPr>
           <p:cNvPr id="6" name="Rectangle 5">
@@ -6230,51 +6269,15 @@
             <a:pPr algn="ctr"/>
             <a:r>
               <a:rPr lang="en-US" b="1"/>
-              <a:t>World States</a:t>
+              <a:t>GCAM Reg 32</a:t>
             </a:r>
           </a:p>
         </p:txBody>
       </p:sp>
-      <p:pic>
-        <p:nvPicPr>
-          <p:cNvPr id="8" name="Picture 7" descr="A picture containing text, map&#10;&#10;Description automatically generated">
-            <a:extLst>
-              <a:ext uri="{FF2B5EF4-FFF2-40B4-BE49-F238E27FC236}">
-                <a16:creationId xmlns:a16="http://schemas.microsoft.com/office/drawing/2014/main" id="{60D54EB0-F183-4046-810A-E4EEAEBD2598}"/>
-              </a:ext>
-            </a:extLst>
-          </p:cNvPr>
-          <p:cNvPicPr>
-            <a:picLocks noChangeAspect="1"/>
-          </p:cNvPicPr>
-          <p:nvPr/>
-        </p:nvPicPr>
-        <p:blipFill>
-          <a:blip r:embed="rId2">
-            <a:extLst>
-              <a:ext uri="{28A0092B-C50C-407E-A947-70E740481C1C}">
-                <a14:useLocalDpi xmlns:a14="http://schemas.microsoft.com/office/drawing/2010/main" val="0"/>
-              </a:ext>
-            </a:extLst>
-          </a:blip>
-          <a:stretch>
-            <a:fillRect/>
-          </a:stretch>
-        </p:blipFill>
-        <p:spPr>
-          <a:xfrm>
-            <a:off x="414976" y="1321899"/>
-            <a:ext cx="11362047" cy="4214201"/>
-          </a:xfrm>
-          <a:prstGeom prst="rect">
-            <a:avLst/>
-          </a:prstGeom>
-        </p:spPr>
-      </p:pic>
     </p:spTree>
     <p:extLst>
       <p:ext uri="{BB962C8B-B14F-4D97-AF65-F5344CB8AC3E}">
-        <p14:creationId xmlns:p14="http://schemas.microsoft.com/office/powerpoint/2010/main" val="636132822"/>
+        <p14:creationId xmlns:p14="http://schemas.microsoft.com/office/powerpoint/2010/main" val="3180737766"/>
       </p:ext>
     </p:extLst>
   </p:cSld>
@@ -6315,8 +6318,8 @@
         </p:nvSpPr>
         <p:spPr>
           <a:xfrm>
-            <a:off x="192163" y="1524000"/>
-            <a:ext cx="11807674" cy="3578943"/>
+            <a:off x="192163" y="579074"/>
+            <a:ext cx="11807674" cy="5168363"/>
           </a:xfrm>
           <a:prstGeom prst="rect">
             <a:avLst/>
@@ -6386,17 +6389,17 @@
             <a:pPr algn="ctr"/>
             <a:r>
               <a:rPr lang="en-US" b="1"/>
-              <a:t>selectMap</a:t>
+              <a:t>GCAM Basin</a:t>
             </a:r>
           </a:p>
         </p:txBody>
       </p:sp>
       <p:pic>
         <p:nvPicPr>
-          <p:cNvPr id="10" name="Picture 9" descr="A picture containing text, map&#10;&#10;Description automatically generated">
+          <p:cNvPr id="3" name="Picture 2" descr="A picture containing text, map&#10;&#10;Description automatically generated">
             <a:extLst>
               <a:ext uri="{FF2B5EF4-FFF2-40B4-BE49-F238E27FC236}">
-                <a16:creationId xmlns:a16="http://schemas.microsoft.com/office/drawing/2014/main" id="{775ABB51-7757-46AB-B475-C12C81A6D786}"/>
+                <a16:creationId xmlns:a16="http://schemas.microsoft.com/office/drawing/2014/main" id="{CB9DB4F5-D5A8-4DAD-8173-0963BBFED030}"/>
               </a:ext>
             </a:extLst>
           </p:cNvPr>
@@ -6406,7 +6409,7 @@
           <p:nvPr/>
         </p:nvPicPr>
         <p:blipFill>
-          <a:blip r:embed="rId2" cstate="print">
+          <a:blip r:embed="rId2">
             <a:extLst>
               <a:ext uri="{28A0092B-C50C-407E-A947-70E740481C1C}">
                 <a14:useLocalDpi xmlns:a14="http://schemas.microsoft.com/office/drawing/2010/main" val="0"/>
@@ -6419,133 +6422,18 @@
         </p:blipFill>
         <p:spPr>
           <a:xfrm>
-            <a:off x="6137838" y="2517056"/>
-            <a:ext cx="5736485" cy="2202907"/>
+            <a:off x="392149" y="1043599"/>
+            <a:ext cx="11407701" cy="4231134"/>
           </a:xfrm>
           <a:prstGeom prst="rect">
             <a:avLst/>
           </a:prstGeom>
         </p:spPr>
       </p:pic>
-      <p:pic>
-        <p:nvPicPr>
-          <p:cNvPr id="12" name="Picture 11" descr="A picture containing text, map&#10;&#10;Description automatically generated">
-            <a:extLst>
-              <a:ext uri="{FF2B5EF4-FFF2-40B4-BE49-F238E27FC236}">
-                <a16:creationId xmlns:a16="http://schemas.microsoft.com/office/drawing/2014/main" id="{CDCA9856-469E-411E-83EC-BCF528E52763}"/>
-              </a:ext>
-            </a:extLst>
-          </p:cNvPr>
-          <p:cNvPicPr>
-            <a:picLocks noChangeAspect="1"/>
-          </p:cNvPicPr>
-          <p:nvPr/>
-        </p:nvPicPr>
-        <p:blipFill>
-          <a:blip r:embed="rId3" cstate="print">
-            <a:extLst>
-              <a:ext uri="{28A0092B-C50C-407E-A947-70E740481C1C}">
-                <a14:useLocalDpi xmlns:a14="http://schemas.microsoft.com/office/drawing/2010/main" val="0"/>
-              </a:ext>
-            </a:extLst>
-          </a:blip>
-          <a:stretch>
-            <a:fillRect/>
-          </a:stretch>
-        </p:blipFill>
-        <p:spPr>
-          <a:xfrm>
-            <a:off x="275839" y="2517056"/>
-            <a:ext cx="5736485" cy="2202907"/>
-          </a:xfrm>
-          <a:prstGeom prst="rect">
-            <a:avLst/>
-          </a:prstGeom>
-        </p:spPr>
-      </p:pic>
-      <p:sp>
-        <p:nvSpPr>
-          <p:cNvPr id="15" name="Rectangle 14">
-            <a:extLst>
-              <a:ext uri="{FF2B5EF4-FFF2-40B4-BE49-F238E27FC236}">
-                <a16:creationId xmlns:a16="http://schemas.microsoft.com/office/drawing/2014/main" id="{BC8C093D-2DB1-4221-BAEE-CF46598B6074}"/>
-              </a:ext>
-            </a:extLst>
-          </p:cNvPr>
-          <p:cNvSpPr/>
-          <p:nvPr/>
-        </p:nvSpPr>
-        <p:spPr>
-          <a:xfrm>
-            <a:off x="7027205" y="1735388"/>
-            <a:ext cx="3957750" cy="369332"/>
-          </a:xfrm>
-          <a:prstGeom prst="rect">
-            <a:avLst/>
-          </a:prstGeom>
-        </p:spPr>
-        <p:txBody>
-          <a:bodyPr wrap="none">
-            <a:spAutoFit/>
-          </a:bodyPr>
-          <a:lstStyle/>
-          <a:p>
-            <a:r>
-              <a:rPr lang="en-US" b="1"/>
-              <a:t>subRegShape = metis::mapGCAMReg32</a:t>
-            </a:r>
-          </a:p>
-        </p:txBody>
-      </p:sp>
-      <p:sp>
-        <p:nvSpPr>
-          <p:cNvPr id="16" name="Rectangle 15">
-            <a:extLst>
-              <a:ext uri="{FF2B5EF4-FFF2-40B4-BE49-F238E27FC236}">
-                <a16:creationId xmlns:a16="http://schemas.microsoft.com/office/drawing/2014/main" id="{0D814111-FBE8-4A7A-A869-B7599C55186F}"/>
-              </a:ext>
-            </a:extLst>
-          </p:cNvPr>
-          <p:cNvSpPr/>
-          <p:nvPr/>
-        </p:nvSpPr>
-        <p:spPr>
-          <a:xfrm>
-            <a:off x="1759823" y="1735388"/>
-            <a:ext cx="2715615" cy="646331"/>
-          </a:xfrm>
-          <a:prstGeom prst="rect">
-            <a:avLst/>
-          </a:prstGeom>
-        </p:spPr>
-        <p:txBody>
-          <a:bodyPr wrap="none">
-            <a:spAutoFit/>
-          </a:bodyPr>
-          <a:lstStyle/>
-          <a:p>
-            <a:r>
-              <a:rPr lang="en-US" b="1" dirty="0" err="1"/>
-              <a:t>subRegShape</a:t>
-            </a:r>
-            <a:r>
-              <a:rPr lang="en-US" b="1" dirty="0"/>
-              <a:t> not assigned</a:t>
-            </a:r>
-          </a:p>
-          <a:p>
-            <a:pPr algn="ctr"/>
-            <a:r>
-              <a:rPr lang="en-US" b="1" dirty="0"/>
-              <a:t>auto selects a map</a:t>
-            </a:r>
-          </a:p>
-        </p:txBody>
-      </p:sp>
     </p:spTree>
     <p:extLst>
       <p:ext uri="{BB962C8B-B14F-4D97-AF65-F5344CB8AC3E}">
-        <p14:creationId xmlns:p14="http://schemas.microsoft.com/office/powerpoint/2010/main" val="1122343259"/>
+        <p14:creationId xmlns:p14="http://schemas.microsoft.com/office/powerpoint/2010/main" val="3624965097"/>
       </p:ext>
     </p:extLst>
   </p:cSld>
@@ -6644,8 +6532,8 @@
         </p:nvSpPr>
         <p:spPr>
           <a:xfrm>
-            <a:off x="1544053" y="579074"/>
-            <a:ext cx="9669380" cy="4851179"/>
+            <a:off x="192163" y="579074"/>
+            <a:ext cx="11807674" cy="5168363"/>
           </a:xfrm>
           <a:prstGeom prst="rect">
             <a:avLst/>
@@ -6699,7 +6587,7 @@
         <p:spPr>
           <a:xfrm>
             <a:off x="192163" y="128664"/>
-            <a:ext cx="3296995" cy="369332"/>
+            <a:ext cx="2066223" cy="369332"/>
           </a:xfrm>
           <a:prstGeom prst="rect">
             <a:avLst/>
@@ -6714,23 +6602,18 @@
           <a:p>
             <a:pPr algn="ctr"/>
             <a:r>
-              <a:rPr lang="en-US" b="1" dirty="0"/>
-              <a:t>Custom Shape - </a:t>
+              <a:rPr lang="en-US" b="1"/>
+              <a:t>World Countries</a:t>
             </a:r>
-            <a:r>
-              <a:rPr lang="en-US" b="1" dirty="0" err="1"/>
-              <a:t>subSetShape</a:t>
-            </a:r>
-            <a:endParaRPr lang="en-US" b="1" dirty="0"/>
           </a:p>
         </p:txBody>
       </p:sp>
       <p:pic>
         <p:nvPicPr>
-          <p:cNvPr id="4" name="Picture 3" descr="Map&#10;&#10;Description automatically generated">
+          <p:cNvPr id="8" name="Picture 7" descr="A picture containing text, map&#10;&#10;Description automatically generated">
             <a:extLst>
               <a:ext uri="{FF2B5EF4-FFF2-40B4-BE49-F238E27FC236}">
-                <a16:creationId xmlns:a16="http://schemas.microsoft.com/office/drawing/2014/main" id="{30BE5EBB-7BBB-44AE-B31D-27B075551889}"/>
+                <a16:creationId xmlns:a16="http://schemas.microsoft.com/office/drawing/2014/main" id="{ABCB02B0-FA9F-499F-AA93-F7A7EF740B04}"/>
               </a:ext>
             </a:extLst>
           </p:cNvPr>
@@ -6740,7 +6623,7 @@
           <p:nvPr/>
         </p:nvPicPr>
         <p:blipFill>
-          <a:blip r:embed="rId2" cstate="print">
+          <a:blip r:embed="rId2">
             <a:extLst>
               <a:ext uri="{28A0092B-C50C-407E-A947-70E740481C1C}">
                 <a14:useLocalDpi xmlns:a14="http://schemas.microsoft.com/office/drawing/2010/main" val="0"/>
@@ -6753,123 +6636,18 @@
         </p:blipFill>
         <p:spPr>
           <a:xfrm>
-            <a:off x="2379714" y="1419209"/>
-            <a:ext cx="2758575" cy="3810166"/>
+            <a:off x="308859" y="1110563"/>
+            <a:ext cx="11592394" cy="4299637"/>
           </a:xfrm>
           <a:prstGeom prst="rect">
             <a:avLst/>
           </a:prstGeom>
         </p:spPr>
       </p:pic>
-      <p:pic>
-        <p:nvPicPr>
-          <p:cNvPr id="8" name="Picture 7" descr="Map&#10;&#10;Description automatically generated">
-            <a:extLst>
-              <a:ext uri="{FF2B5EF4-FFF2-40B4-BE49-F238E27FC236}">
-                <a16:creationId xmlns:a16="http://schemas.microsoft.com/office/drawing/2014/main" id="{428279EC-9579-457F-9159-D814AD4ACE32}"/>
-              </a:ext>
-            </a:extLst>
-          </p:cNvPr>
-          <p:cNvPicPr>
-            <a:picLocks noChangeAspect="1"/>
-          </p:cNvPicPr>
-          <p:nvPr/>
-        </p:nvPicPr>
-        <p:blipFill>
-          <a:blip r:embed="rId3" cstate="print">
-            <a:extLst>
-              <a:ext uri="{28A0092B-C50C-407E-A947-70E740481C1C}">
-                <a14:useLocalDpi xmlns:a14="http://schemas.microsoft.com/office/drawing/2010/main" val="0"/>
-              </a:ext>
-            </a:extLst>
-          </a:blip>
-          <a:stretch>
-            <a:fillRect/>
-          </a:stretch>
-        </p:blipFill>
-        <p:spPr>
-          <a:xfrm>
-            <a:off x="7257764" y="1302551"/>
-            <a:ext cx="3181965" cy="3926824"/>
-          </a:xfrm>
-          <a:prstGeom prst="rect">
-            <a:avLst/>
-          </a:prstGeom>
-        </p:spPr>
-      </p:pic>
-      <p:sp>
-        <p:nvSpPr>
-          <p:cNvPr id="9" name="Rectangle 8">
-            <a:extLst>
-              <a:ext uri="{FF2B5EF4-FFF2-40B4-BE49-F238E27FC236}">
-                <a16:creationId xmlns:a16="http://schemas.microsoft.com/office/drawing/2014/main" id="{7AB7F313-45DA-4714-9451-0C5E31B3BE25}"/>
-              </a:ext>
-            </a:extLst>
-          </p:cNvPr>
-          <p:cNvSpPr/>
-          <p:nvPr/>
-        </p:nvSpPr>
-        <p:spPr>
-          <a:xfrm>
-            <a:off x="3062914" y="849000"/>
-            <a:ext cx="1392176" cy="369332"/>
-          </a:xfrm>
-          <a:prstGeom prst="rect">
-            <a:avLst/>
-          </a:prstGeom>
-        </p:spPr>
-        <p:txBody>
-          <a:bodyPr wrap="none">
-            <a:spAutoFit/>
-          </a:bodyPr>
-          <a:lstStyle/>
-          <a:p>
-            <a:r>
-              <a:rPr lang="en-US" b="1" dirty="0"/>
-              <a:t>shapeSubset</a:t>
-            </a:r>
-          </a:p>
-        </p:txBody>
-      </p:sp>
-      <p:sp>
-        <p:nvSpPr>
-          <p:cNvPr id="10" name="Rectangle 9">
-            <a:extLst>
-              <a:ext uri="{FF2B5EF4-FFF2-40B4-BE49-F238E27FC236}">
-                <a16:creationId xmlns:a16="http://schemas.microsoft.com/office/drawing/2014/main" id="{DC79B96A-FB2B-4CFF-B618-4410BDE33DA2}"/>
-              </a:ext>
-            </a:extLst>
-          </p:cNvPr>
-          <p:cNvSpPr/>
-          <p:nvPr/>
-        </p:nvSpPr>
-        <p:spPr>
-          <a:xfrm>
-            <a:off x="7843887" y="849000"/>
-            <a:ext cx="2009717" cy="369332"/>
-          </a:xfrm>
-          <a:prstGeom prst="rect">
-            <a:avLst/>
-          </a:prstGeom>
-        </p:spPr>
-        <p:txBody>
-          <a:bodyPr wrap="none">
-            <a:spAutoFit/>
-          </a:bodyPr>
-          <a:lstStyle/>
-          <a:p>
-            <a:r>
-              <a:rPr lang="en-US" b="1" dirty="0" err="1"/>
-              <a:t>metis.mapsProcess</a:t>
-            </a:r>
-            <a:endParaRPr lang="en-US" b="1" dirty="0"/>
-          </a:p>
-        </p:txBody>
-      </p:sp>
     </p:spTree>
     <p:extLst>
       <p:ext uri="{BB962C8B-B14F-4D97-AF65-F5344CB8AC3E}">
-        <p14:creationId xmlns:p14="http://schemas.microsoft.com/office/powerpoint/2010/main" val="1021691258"/>
+        <p14:creationId xmlns:p14="http://schemas.microsoft.com/office/powerpoint/2010/main" val="3848911443"/>
       </p:ext>
     </p:extLst>
   </p:cSld>
@@ -6910,8 +6688,8 @@
         </p:nvSpPr>
         <p:spPr>
           <a:xfrm>
-            <a:off x="1544053" y="579074"/>
-            <a:ext cx="9669380" cy="4851179"/>
+            <a:off x="192163" y="579074"/>
+            <a:ext cx="11807674" cy="5168363"/>
           </a:xfrm>
           <a:prstGeom prst="rect">
             <a:avLst/>
@@ -6965,7 +6743,7 @@
         <p:spPr>
           <a:xfrm>
             <a:off x="192163" y="128664"/>
-            <a:ext cx="3296995" cy="369332"/>
+            <a:ext cx="2066223" cy="369332"/>
           </a:xfrm>
           <a:prstGeom prst="rect">
             <a:avLst/>
@@ -6980,91 +6758,18 @@
           <a:p>
             <a:pPr algn="ctr"/>
             <a:r>
-              <a:rPr lang="en-US" b="1" dirty="0"/>
-              <a:t>Custom Shape - </a:t>
-            </a:r>
-            <a:r>
-              <a:rPr lang="en-US" b="1" dirty="0" err="1"/>
-              <a:t>cropShape</a:t>
-            </a:r>
-            <a:endParaRPr lang="en-US" b="1" dirty="0"/>
-          </a:p>
-        </p:txBody>
-      </p:sp>
-      <p:sp>
-        <p:nvSpPr>
-          <p:cNvPr id="9" name="Rectangle 8">
-            <a:extLst>
-              <a:ext uri="{FF2B5EF4-FFF2-40B4-BE49-F238E27FC236}">
-                <a16:creationId xmlns:a16="http://schemas.microsoft.com/office/drawing/2014/main" id="{7AB7F313-45DA-4714-9451-0C5E31B3BE25}"/>
-              </a:ext>
-            </a:extLst>
-          </p:cNvPr>
-          <p:cNvSpPr/>
-          <p:nvPr/>
-        </p:nvSpPr>
-        <p:spPr>
-          <a:xfrm>
-            <a:off x="3062914" y="849000"/>
-            <a:ext cx="1199752" cy="369332"/>
-          </a:xfrm>
-          <a:prstGeom prst="rect">
-            <a:avLst/>
-          </a:prstGeom>
-        </p:spPr>
-        <p:txBody>
-          <a:bodyPr wrap="none">
-            <a:spAutoFit/>
-          </a:bodyPr>
-          <a:lstStyle/>
-          <a:p>
-            <a:r>
-              <a:rPr lang="en-US" b="1" dirty="0"/>
-              <a:t>shapeCrop</a:t>
-            </a:r>
-          </a:p>
-        </p:txBody>
-      </p:sp>
-      <p:sp>
-        <p:nvSpPr>
-          <p:cNvPr id="10" name="Rectangle 9">
-            <a:extLst>
-              <a:ext uri="{FF2B5EF4-FFF2-40B4-BE49-F238E27FC236}">
-                <a16:creationId xmlns:a16="http://schemas.microsoft.com/office/drawing/2014/main" id="{DC79B96A-FB2B-4CFF-B618-4410BDE33DA2}"/>
-              </a:ext>
-            </a:extLst>
-          </p:cNvPr>
-          <p:cNvSpPr/>
-          <p:nvPr/>
-        </p:nvSpPr>
-        <p:spPr>
-          <a:xfrm>
-            <a:off x="7843887" y="849000"/>
-            <a:ext cx="2009717" cy="369332"/>
-          </a:xfrm>
-          <a:prstGeom prst="rect">
-            <a:avLst/>
-          </a:prstGeom>
-        </p:spPr>
-        <p:txBody>
-          <a:bodyPr wrap="none">
-            <a:spAutoFit/>
-          </a:bodyPr>
-          <a:lstStyle/>
-          <a:p>
-            <a:r>
-              <a:rPr lang="en-US" b="1" dirty="0"/>
-              <a:t>metis.mapsProcess</a:t>
+              <a:rPr lang="en-US" b="1"/>
+              <a:t>World States</a:t>
             </a:r>
           </a:p>
         </p:txBody>
       </p:sp>
       <p:pic>
         <p:nvPicPr>
-          <p:cNvPr id="3" name="Picture 2" descr="A picture containing chart&#10;&#10;Description automatically generated">
+          <p:cNvPr id="8" name="Picture 7" descr="A picture containing text, map&#10;&#10;Description automatically generated">
             <a:extLst>
               <a:ext uri="{FF2B5EF4-FFF2-40B4-BE49-F238E27FC236}">
-                <a16:creationId xmlns:a16="http://schemas.microsoft.com/office/drawing/2014/main" id="{22703104-0203-4F7B-BE55-2A0221E93976}"/>
+                <a16:creationId xmlns:a16="http://schemas.microsoft.com/office/drawing/2014/main" id="{60D54EB0-F183-4046-810A-E4EEAEBD2598}"/>
               </a:ext>
             </a:extLst>
           </p:cNvPr>
@@ -7074,7 +6779,7 @@
           <p:nvPr/>
         </p:nvPicPr>
         <p:blipFill>
-          <a:blip r:embed="rId2" cstate="print">
+          <a:blip r:embed="rId2">
             <a:extLst>
               <a:ext uri="{28A0092B-C50C-407E-A947-70E740481C1C}">
                 <a14:useLocalDpi xmlns:a14="http://schemas.microsoft.com/office/drawing/2010/main" val="0"/>
@@ -7087,44 +6792,8 @@
         </p:blipFill>
         <p:spPr>
           <a:xfrm>
-            <a:off x="1951839" y="1576145"/>
-            <a:ext cx="3605456" cy="3425683"/>
-          </a:xfrm>
-          <a:prstGeom prst="rect">
-            <a:avLst/>
-          </a:prstGeom>
-        </p:spPr>
-      </p:pic>
-      <p:pic>
-        <p:nvPicPr>
-          <p:cNvPr id="11" name="Picture 10" descr="Map&#10;&#10;Description automatically generated">
-            <a:extLst>
-              <a:ext uri="{FF2B5EF4-FFF2-40B4-BE49-F238E27FC236}">
-                <a16:creationId xmlns:a16="http://schemas.microsoft.com/office/drawing/2014/main" id="{9FA9517D-43C4-42A3-A4CF-13744C9DAC3A}"/>
-              </a:ext>
-            </a:extLst>
-          </p:cNvPr>
-          <p:cNvPicPr>
-            <a:picLocks noChangeAspect="1"/>
-          </p:cNvPicPr>
-          <p:nvPr/>
-        </p:nvPicPr>
-        <p:blipFill>
-          <a:blip r:embed="rId3" cstate="print">
-            <a:extLst>
-              <a:ext uri="{28A0092B-C50C-407E-A947-70E740481C1C}">
-                <a14:useLocalDpi xmlns:a14="http://schemas.microsoft.com/office/drawing/2010/main" val="0"/>
-              </a:ext>
-            </a:extLst>
-          </a:blip>
-          <a:stretch>
-            <a:fillRect/>
-          </a:stretch>
-        </p:blipFill>
-        <p:spPr>
-          <a:xfrm>
-            <a:off x="6693804" y="1431226"/>
-            <a:ext cx="4309881" cy="3715520"/>
+            <a:off x="414976" y="1321899"/>
+            <a:ext cx="11362047" cy="4214201"/>
           </a:xfrm>
           <a:prstGeom prst="rect">
             <a:avLst/>
@@ -7134,7 +6803,7 @@
     </p:spTree>
     <p:extLst>
       <p:ext uri="{BB962C8B-B14F-4D97-AF65-F5344CB8AC3E}">
-        <p14:creationId xmlns:p14="http://schemas.microsoft.com/office/powerpoint/2010/main" val="1094078796"/>
+        <p14:creationId xmlns:p14="http://schemas.microsoft.com/office/powerpoint/2010/main" val="636132822"/>
       </p:ext>
     </p:extLst>
   </p:cSld>
@@ -7175,8 +6844,8 @@
         </p:nvSpPr>
         <p:spPr>
           <a:xfrm>
-            <a:off x="192163" y="804333"/>
-            <a:ext cx="11807674" cy="4199468"/>
+            <a:off x="192163" y="1524000"/>
+            <a:ext cx="11807674" cy="3578943"/>
           </a:xfrm>
           <a:prstGeom prst="rect">
             <a:avLst/>
@@ -7246,17 +6915,17 @@
             <a:pPr algn="ctr"/>
             <a:r>
               <a:rPr lang="en-US" b="1"/>
-              <a:t>Crop to Boundary</a:t>
+              <a:t>selectMap</a:t>
             </a:r>
           </a:p>
         </p:txBody>
       </p:sp>
       <p:pic>
         <p:nvPicPr>
-          <p:cNvPr id="14" name="Picture 13" descr="A picture containing text, map&#10;&#10;Description automatically generated">
+          <p:cNvPr id="10" name="Picture 9" descr="A picture containing text, map&#10;&#10;Description automatically generated">
             <a:extLst>
               <a:ext uri="{FF2B5EF4-FFF2-40B4-BE49-F238E27FC236}">
-                <a16:creationId xmlns:a16="http://schemas.microsoft.com/office/drawing/2014/main" id="{D686780F-6A7B-41FB-9291-00D4EE7078FD}"/>
+                <a16:creationId xmlns:a16="http://schemas.microsoft.com/office/drawing/2014/main" id="{775ABB51-7757-46AB-B475-C12C81A6D786}"/>
               </a:ext>
             </a:extLst>
           </p:cNvPr>
@@ -7266,7 +6935,7 @@
           <p:nvPr/>
         </p:nvPicPr>
         <p:blipFill>
-          <a:blip r:embed="rId2">
+          <a:blip r:embed="rId2" cstate="print">
             <a:extLst>
               <a:ext uri="{28A0092B-C50C-407E-A947-70E740481C1C}">
                 <a14:useLocalDpi xmlns:a14="http://schemas.microsoft.com/office/drawing/2010/main" val="0"/>
@@ -7279,8 +6948,8 @@
         </p:blipFill>
         <p:spPr>
           <a:xfrm>
-            <a:off x="334259" y="1562265"/>
-            <a:ext cx="6117791" cy="2349335"/>
+            <a:off x="6137838" y="2517056"/>
+            <a:ext cx="5736485" cy="2202907"/>
           </a:xfrm>
           <a:prstGeom prst="rect">
             <a:avLst/>
@@ -7289,10 +6958,10 @@
       </p:pic>
       <p:pic>
         <p:nvPicPr>
-          <p:cNvPr id="18" name="Picture 17" descr="A picture containing text, map&#10;&#10;Description automatically generated">
+          <p:cNvPr id="12" name="Picture 11" descr="A picture containing text, map&#10;&#10;Description automatically generated">
             <a:extLst>
               <a:ext uri="{FF2B5EF4-FFF2-40B4-BE49-F238E27FC236}">
-                <a16:creationId xmlns:a16="http://schemas.microsoft.com/office/drawing/2014/main" id="{B96141BE-0261-47C1-899A-34B5E116A409}"/>
+                <a16:creationId xmlns:a16="http://schemas.microsoft.com/office/drawing/2014/main" id="{CDCA9856-469E-411E-83EC-BCF528E52763}"/>
               </a:ext>
             </a:extLst>
           </p:cNvPr>
@@ -7315,8 +6984,8 @@
         </p:blipFill>
         <p:spPr>
           <a:xfrm>
-            <a:off x="7378526" y="1457787"/>
-            <a:ext cx="4309881" cy="3197359"/>
+            <a:off x="275839" y="2517056"/>
+            <a:ext cx="5736485" cy="2202907"/>
           </a:xfrm>
           <a:prstGeom prst="rect">
             <a:avLst/>
@@ -7325,72 +6994,79 @@
       </p:pic>
       <p:sp>
         <p:nvSpPr>
-          <p:cNvPr id="19" name="TextBox 18">
+          <p:cNvPr id="15" name="Rectangle 14">
             <a:extLst>
               <a:ext uri="{FF2B5EF4-FFF2-40B4-BE49-F238E27FC236}">
-                <a16:creationId xmlns:a16="http://schemas.microsoft.com/office/drawing/2014/main" id="{8566FE89-D4ED-4B9D-BD15-A2BA05F6012D}"/>
+                <a16:creationId xmlns:a16="http://schemas.microsoft.com/office/drawing/2014/main" id="{BC8C093D-2DB1-4221-BAEE-CF46598B6074}"/>
               </a:ext>
             </a:extLst>
           </p:cNvPr>
-          <p:cNvSpPr txBox="1"/>
+          <p:cNvSpPr/>
           <p:nvPr/>
         </p:nvSpPr>
         <p:spPr>
           <a:xfrm>
-            <a:off x="1903717" y="886004"/>
-            <a:ext cx="2978874" cy="369332"/>
+            <a:off x="7027205" y="1735388"/>
+            <a:ext cx="3957750" cy="369332"/>
           </a:xfrm>
           <a:prstGeom prst="rect">
             <a:avLst/>
           </a:prstGeom>
-          <a:noFill/>
         </p:spPr>
         <p:txBody>
-          <a:bodyPr wrap="square" rtlCol="0">
+          <a:bodyPr wrap="none">
             <a:spAutoFit/>
           </a:bodyPr>
           <a:lstStyle/>
           <a:p>
-            <a:pPr algn="ctr"/>
             <a:r>
               <a:rPr lang="en-US" b="1"/>
-              <a:t>cropToBoundary=F (Default)</a:t>
+              <a:t>subRegShape = metis::mapGCAMReg32</a:t>
             </a:r>
           </a:p>
         </p:txBody>
       </p:sp>
       <p:sp>
         <p:nvSpPr>
-          <p:cNvPr id="20" name="TextBox 19">
+          <p:cNvPr id="16" name="Rectangle 15">
             <a:extLst>
               <a:ext uri="{FF2B5EF4-FFF2-40B4-BE49-F238E27FC236}">
-                <a16:creationId xmlns:a16="http://schemas.microsoft.com/office/drawing/2014/main" id="{B5C0ADE2-A67A-46C8-8AEC-FDFF3C4FB197}"/>
+                <a16:creationId xmlns:a16="http://schemas.microsoft.com/office/drawing/2014/main" id="{0D814111-FBE8-4A7A-A869-B7599C55186F}"/>
               </a:ext>
             </a:extLst>
           </p:cNvPr>
-          <p:cNvSpPr txBox="1"/>
+          <p:cNvSpPr/>
           <p:nvPr/>
         </p:nvSpPr>
         <p:spPr>
           <a:xfrm>
-            <a:off x="8371375" y="886004"/>
-            <a:ext cx="2066223" cy="369332"/>
+            <a:off x="1759823" y="1735388"/>
+            <a:ext cx="2715615" cy="646331"/>
           </a:xfrm>
           <a:prstGeom prst="rect">
             <a:avLst/>
           </a:prstGeom>
-          <a:noFill/>
         </p:spPr>
         <p:txBody>
-          <a:bodyPr wrap="square" rtlCol="0">
+          <a:bodyPr wrap="none">
             <a:spAutoFit/>
           </a:bodyPr>
           <a:lstStyle/>
           <a:p>
+            <a:r>
+              <a:rPr lang="en-US" b="1" dirty="0" err="1"/>
+              <a:t>subRegShape</a:t>
+            </a:r>
+            <a:r>
+              <a:rPr lang="en-US" b="1" dirty="0"/>
+              <a:t> not assigned</a:t>
+            </a:r>
+          </a:p>
+          <a:p>
             <a:pPr algn="ctr"/>
             <a:r>
-              <a:rPr lang="en-US" b="1"/>
-              <a:t>cropToBoundary=T</a:t>
+              <a:rPr lang="en-US" b="1" dirty="0"/>
+              <a:t>auto selects a map</a:t>
             </a:r>
           </a:p>
         </p:txBody>
@@ -7398,7 +7074,7 @@
     </p:spTree>
     <p:extLst>
       <p:ext uri="{BB962C8B-B14F-4D97-AF65-F5344CB8AC3E}">
-        <p14:creationId xmlns:p14="http://schemas.microsoft.com/office/powerpoint/2010/main" val="3654804986"/>
+        <p14:creationId xmlns:p14="http://schemas.microsoft.com/office/powerpoint/2010/main" val="1122343259"/>
       </p:ext>
     </p:extLst>
   </p:cSld>
@@ -7439,8 +7115,8 @@
         </p:nvSpPr>
         <p:spPr>
           <a:xfrm>
-            <a:off x="192163" y="1092200"/>
-            <a:ext cx="11807674" cy="4055533"/>
+            <a:off x="1544053" y="579074"/>
+            <a:ext cx="9669380" cy="4851179"/>
           </a:xfrm>
           <a:prstGeom prst="rect">
             <a:avLst/>
@@ -7494,7 +7170,7 @@
         <p:spPr>
           <a:xfrm>
             <a:off x="192163" y="128664"/>
-            <a:ext cx="2066223" cy="369332"/>
+            <a:ext cx="3296995" cy="369332"/>
           </a:xfrm>
           <a:prstGeom prst="rect">
             <a:avLst/>
@@ -7509,18 +7185,23 @@
           <a:p>
             <a:pPr algn="ctr"/>
             <a:r>
-              <a:rPr lang="en-US" b="1"/>
-              <a:t>Extended</a:t>
+              <a:rPr lang="en-US" b="1" dirty="0"/>
+              <a:t>Custom Shape - </a:t>
             </a:r>
+            <a:r>
+              <a:rPr lang="en-US" b="1" dirty="0" err="1"/>
+              <a:t>subSetShape</a:t>
+            </a:r>
+            <a:endParaRPr lang="en-US" b="1" dirty="0"/>
           </a:p>
         </p:txBody>
       </p:sp>
       <p:pic>
         <p:nvPicPr>
-          <p:cNvPr id="4" name="Picture 3" descr="A picture containing text, map&#10;&#10;Description automatically generated">
+          <p:cNvPr id="4" name="Picture 3" descr="Map&#10;&#10;Description automatically generated">
             <a:extLst>
               <a:ext uri="{FF2B5EF4-FFF2-40B4-BE49-F238E27FC236}">
-                <a16:creationId xmlns:a16="http://schemas.microsoft.com/office/drawing/2014/main" id="{188FD09C-F27F-4D91-855C-796E7F1BC087}"/>
+                <a16:creationId xmlns:a16="http://schemas.microsoft.com/office/drawing/2014/main" id="{30BE5EBB-7BBB-44AE-B31D-27B075551889}"/>
               </a:ext>
             </a:extLst>
           </p:cNvPr>
@@ -7543,92 +7224,20 @@
         </p:blipFill>
         <p:spPr>
           <a:xfrm>
-            <a:off x="274993" y="1937266"/>
-            <a:ext cx="3795672" cy="2815884"/>
+            <a:off x="2379714" y="1419209"/>
+            <a:ext cx="2758575" cy="3810166"/>
           </a:xfrm>
           <a:prstGeom prst="rect">
             <a:avLst/>
           </a:prstGeom>
         </p:spPr>
       </p:pic>
-      <p:sp>
-        <p:nvSpPr>
-          <p:cNvPr id="5" name="TextBox 4">
-            <a:extLst>
-              <a:ext uri="{FF2B5EF4-FFF2-40B4-BE49-F238E27FC236}">
-                <a16:creationId xmlns:a16="http://schemas.microsoft.com/office/drawing/2014/main" id="{57D1C313-7024-4B3B-9FA3-64F05FC3F9AB}"/>
-              </a:ext>
-            </a:extLst>
-          </p:cNvPr>
-          <p:cNvSpPr txBox="1"/>
-          <p:nvPr/>
-        </p:nvSpPr>
-        <p:spPr>
-          <a:xfrm>
-            <a:off x="1139717" y="1296659"/>
-            <a:ext cx="2066223" cy="369332"/>
-          </a:xfrm>
-          <a:prstGeom prst="rect">
-            <a:avLst/>
-          </a:prstGeom>
-          <a:noFill/>
-        </p:spPr>
-        <p:txBody>
-          <a:bodyPr wrap="square" rtlCol="0">
-            <a:spAutoFit/>
-          </a:bodyPr>
-          <a:lstStyle/>
-          <a:p>
-            <a:pPr algn="ctr"/>
-            <a:r>
-              <a:rPr lang="en-US" b="1"/>
-              <a:t>extension = F</a:t>
-            </a:r>
-          </a:p>
-        </p:txBody>
-      </p:sp>
-      <p:sp>
-        <p:nvSpPr>
-          <p:cNvPr id="8" name="TextBox 7">
-            <a:extLst>
-              <a:ext uri="{FF2B5EF4-FFF2-40B4-BE49-F238E27FC236}">
-                <a16:creationId xmlns:a16="http://schemas.microsoft.com/office/drawing/2014/main" id="{F6D9B626-6414-4D12-B162-787F5C1D7C00}"/>
-              </a:ext>
-            </a:extLst>
-          </p:cNvPr>
-          <p:cNvSpPr txBox="1"/>
-          <p:nvPr/>
-        </p:nvSpPr>
-        <p:spPr>
-          <a:xfrm>
-            <a:off x="5062888" y="1296659"/>
-            <a:ext cx="2066223" cy="369332"/>
-          </a:xfrm>
-          <a:prstGeom prst="rect">
-            <a:avLst/>
-          </a:prstGeom>
-          <a:noFill/>
-        </p:spPr>
-        <p:txBody>
-          <a:bodyPr wrap="square" rtlCol="0">
-            <a:spAutoFit/>
-          </a:bodyPr>
-          <a:lstStyle/>
-          <a:p>
-            <a:pPr algn="ctr"/>
-            <a:r>
-              <a:rPr lang="en-US" b="1"/>
-              <a:t>extension = T</a:t>
-            </a:r>
-          </a:p>
-        </p:txBody>
-      </p:sp>
       <p:pic>
         <p:nvPicPr>
-          <p:cNvPr id="3" name="Picture 2" descr="A close up of a map&#10;&#10;Description automatically generated">
+          <p:cNvPr id="8" name="Picture 7" descr="Map&#10;&#10;Description automatically generated">
             <a:extLst>
               <a:ext uri="{FF2B5EF4-FFF2-40B4-BE49-F238E27FC236}">
-                <a16:creationId xmlns:a16="http://schemas.microsoft.com/office/drawing/2014/main" id="{0AC82A6E-9ECD-4233-B7D6-E0651F46ABD5}"/>
+                <a16:creationId xmlns:a16="http://schemas.microsoft.com/office/drawing/2014/main" id="{428279EC-9579-457F-9159-D814AD4ACE32}"/>
               </a:ext>
             </a:extLst>
           </p:cNvPr>
@@ -7651,44 +7260,8 @@
         </p:blipFill>
         <p:spPr>
           <a:xfrm>
-            <a:off x="4328616" y="1937266"/>
-            <a:ext cx="3792721" cy="2867994"/>
-          </a:xfrm>
-          <a:prstGeom prst="rect">
-            <a:avLst/>
-          </a:prstGeom>
-        </p:spPr>
-      </p:pic>
-      <p:pic>
-        <p:nvPicPr>
-          <p:cNvPr id="9" name="Picture 8" descr="A close up of a map&#10;&#10;Description automatically generated">
-            <a:extLst>
-              <a:ext uri="{FF2B5EF4-FFF2-40B4-BE49-F238E27FC236}">
-                <a16:creationId xmlns:a16="http://schemas.microsoft.com/office/drawing/2014/main" id="{EF254A4F-AC22-4ABF-B7F3-DFB688D1AC55}"/>
-              </a:ext>
-            </a:extLst>
-          </p:cNvPr>
-          <p:cNvPicPr>
-            <a:picLocks noChangeAspect="1"/>
-          </p:cNvPicPr>
-          <p:nvPr/>
-        </p:nvPicPr>
-        <p:blipFill>
-          <a:blip r:embed="rId4" cstate="print">
-            <a:extLst>
-              <a:ext uri="{28A0092B-C50C-407E-A947-70E740481C1C}">
-                <a14:useLocalDpi xmlns:a14="http://schemas.microsoft.com/office/drawing/2010/main" val="0"/>
-              </a:ext>
-            </a:extLst>
-          </a:blip>
-          <a:stretch>
-            <a:fillRect/>
-          </a:stretch>
-        </p:blipFill>
-        <p:spPr>
-          <a:xfrm>
-            <a:off x="8164226" y="1911211"/>
-            <a:ext cx="3792721" cy="2867994"/>
+            <a:off x="7257764" y="1302551"/>
+            <a:ext cx="3181965" cy="3926824"/>
           </a:xfrm>
           <a:prstGeom prst="rect">
             <a:avLst/>
@@ -7697,51 +7270,77 @@
       </p:pic>
       <p:sp>
         <p:nvSpPr>
-          <p:cNvPr id="10" name="TextBox 9">
+          <p:cNvPr id="9" name="Rectangle 8">
             <a:extLst>
               <a:ext uri="{FF2B5EF4-FFF2-40B4-BE49-F238E27FC236}">
-                <a16:creationId xmlns:a16="http://schemas.microsoft.com/office/drawing/2014/main" id="{B39AD5D9-2D14-4FE5-95BE-5BE80A869576}"/>
+                <a16:creationId xmlns:a16="http://schemas.microsoft.com/office/drawing/2014/main" id="{7AB7F313-45DA-4714-9451-0C5E31B3BE25}"/>
               </a:ext>
             </a:extLst>
           </p:cNvPr>
-          <p:cNvSpPr txBox="1"/>
+          <p:cNvSpPr/>
           <p:nvPr/>
         </p:nvSpPr>
         <p:spPr>
           <a:xfrm>
-            <a:off x="8754354" y="1158159"/>
-            <a:ext cx="2066223" cy="646331"/>
+            <a:off x="3062914" y="849000"/>
+            <a:ext cx="1392176" cy="369332"/>
           </a:xfrm>
           <a:prstGeom prst="rect">
             <a:avLst/>
           </a:prstGeom>
-          <a:noFill/>
         </p:spPr>
         <p:txBody>
-          <a:bodyPr wrap="square" rtlCol="0">
+          <a:bodyPr wrap="none">
             <a:spAutoFit/>
           </a:bodyPr>
           <a:lstStyle/>
           <a:p>
-            <a:pPr algn="ctr"/>
             <a:r>
-              <a:rPr lang="en-US" b="1"/>
-              <a:t>extension = T</a:t>
+              <a:rPr lang="en-US" b="1" dirty="0"/>
+              <a:t>shapeSubset</a:t>
             </a:r>
           </a:p>
-          <a:p>
-            <a:pPr algn="ctr"/>
+        </p:txBody>
+      </p:sp>
+      <p:sp>
+        <p:nvSpPr>
+          <p:cNvPr id="10" name="Rectangle 9">
+            <a:extLst>
+              <a:ext uri="{FF2B5EF4-FFF2-40B4-BE49-F238E27FC236}">
+                <a16:creationId xmlns:a16="http://schemas.microsoft.com/office/drawing/2014/main" id="{DC79B96A-FB2B-4CFF-B618-4410BDE33DA2}"/>
+              </a:ext>
+            </a:extLst>
+          </p:cNvPr>
+          <p:cNvSpPr/>
+          <p:nvPr/>
+        </p:nvSpPr>
+        <p:spPr>
+          <a:xfrm>
+            <a:off x="7843887" y="849000"/>
+            <a:ext cx="2009717" cy="369332"/>
+          </a:xfrm>
+          <a:prstGeom prst="rect">
+            <a:avLst/>
+          </a:prstGeom>
+        </p:spPr>
+        <p:txBody>
+          <a:bodyPr wrap="none">
+            <a:spAutoFit/>
+          </a:bodyPr>
+          <a:lstStyle/>
+          <a:p>
             <a:r>
-              <a:rPr lang="en-US" b="1"/>
-              <a:t>expandPercent = 50</a:t>
+              <a:rPr lang="en-US" b="1" dirty="0" err="1"/>
+              <a:t>metis.mapsProcess</a:t>
             </a:r>
+            <a:endParaRPr lang="en-US" b="1" dirty="0"/>
           </a:p>
         </p:txBody>
       </p:sp>
     </p:spTree>
     <p:extLst>
       <p:ext uri="{BB962C8B-B14F-4D97-AF65-F5344CB8AC3E}">
-        <p14:creationId xmlns:p14="http://schemas.microsoft.com/office/powerpoint/2010/main" val="1526922072"/>
+        <p14:creationId xmlns:p14="http://schemas.microsoft.com/office/powerpoint/2010/main" val="1021691258"/>
       </p:ext>
     </p:extLst>
   </p:cSld>
@@ -7782,8 +7381,8 @@
         </p:nvSpPr>
         <p:spPr>
           <a:xfrm>
-            <a:off x="192163" y="1260628"/>
-            <a:ext cx="11807674" cy="3666973"/>
+            <a:off x="1544053" y="579074"/>
+            <a:ext cx="9669380" cy="4851179"/>
           </a:xfrm>
           <a:prstGeom prst="rect">
             <a:avLst/>
@@ -7837,7 +7436,7 @@
         <p:spPr>
           <a:xfrm>
             <a:off x="192163" y="128664"/>
-            <a:ext cx="2066223" cy="369332"/>
+            <a:ext cx="3296995" cy="369332"/>
           </a:xfrm>
           <a:prstGeom prst="rect">
             <a:avLst/>
@@ -7852,18 +7451,91 @@
           <a:p>
             <a:pPr algn="ctr"/>
             <a:r>
-              <a:rPr lang="en-US" b="1"/>
-              <a:t>Multi-Scenario</a:t>
+              <a:rPr lang="en-US" b="1" dirty="0"/>
+              <a:t>Custom Shape - </a:t>
+            </a:r>
+            <a:r>
+              <a:rPr lang="en-US" b="1" dirty="0" err="1"/>
+              <a:t>cropShape</a:t>
+            </a:r>
+            <a:endParaRPr lang="en-US" b="1" dirty="0"/>
+          </a:p>
+        </p:txBody>
+      </p:sp>
+      <p:sp>
+        <p:nvSpPr>
+          <p:cNvPr id="9" name="Rectangle 8">
+            <a:extLst>
+              <a:ext uri="{FF2B5EF4-FFF2-40B4-BE49-F238E27FC236}">
+                <a16:creationId xmlns:a16="http://schemas.microsoft.com/office/drawing/2014/main" id="{7AB7F313-45DA-4714-9451-0C5E31B3BE25}"/>
+              </a:ext>
+            </a:extLst>
+          </p:cNvPr>
+          <p:cNvSpPr/>
+          <p:nvPr/>
+        </p:nvSpPr>
+        <p:spPr>
+          <a:xfrm>
+            <a:off x="3062914" y="849000"/>
+            <a:ext cx="1199752" cy="369332"/>
+          </a:xfrm>
+          <a:prstGeom prst="rect">
+            <a:avLst/>
+          </a:prstGeom>
+        </p:spPr>
+        <p:txBody>
+          <a:bodyPr wrap="none">
+            <a:spAutoFit/>
+          </a:bodyPr>
+          <a:lstStyle/>
+          <a:p>
+            <a:r>
+              <a:rPr lang="en-US" b="1" dirty="0"/>
+              <a:t>shapeCrop</a:t>
+            </a:r>
+          </a:p>
+        </p:txBody>
+      </p:sp>
+      <p:sp>
+        <p:nvSpPr>
+          <p:cNvPr id="10" name="Rectangle 9">
+            <a:extLst>
+              <a:ext uri="{FF2B5EF4-FFF2-40B4-BE49-F238E27FC236}">
+                <a16:creationId xmlns:a16="http://schemas.microsoft.com/office/drawing/2014/main" id="{DC79B96A-FB2B-4CFF-B618-4410BDE33DA2}"/>
+              </a:ext>
+            </a:extLst>
+          </p:cNvPr>
+          <p:cNvSpPr/>
+          <p:nvPr/>
+        </p:nvSpPr>
+        <p:spPr>
+          <a:xfrm>
+            <a:off x="7843887" y="849000"/>
+            <a:ext cx="2009717" cy="369332"/>
+          </a:xfrm>
+          <a:prstGeom prst="rect">
+            <a:avLst/>
+          </a:prstGeom>
+        </p:spPr>
+        <p:txBody>
+          <a:bodyPr wrap="none">
+            <a:spAutoFit/>
+          </a:bodyPr>
+          <a:lstStyle/>
+          <a:p>
+            <a:r>
+              <a:rPr lang="en-US" b="1" dirty="0"/>
+              <a:t>metis.mapsProcess</a:t>
             </a:r>
           </a:p>
         </p:txBody>
       </p:sp>
       <p:pic>
         <p:nvPicPr>
-          <p:cNvPr id="3" name="Picture 2" descr="A close up of a map&#10;&#10;Description automatically generated">
+          <p:cNvPr id="3" name="Picture 2" descr="A picture containing chart&#10;&#10;Description automatically generated">
             <a:extLst>
               <a:ext uri="{FF2B5EF4-FFF2-40B4-BE49-F238E27FC236}">
-                <a16:creationId xmlns:a16="http://schemas.microsoft.com/office/drawing/2014/main" id="{506912A1-F038-4F1D-A9AE-AA77ADE35327}"/>
+                <a16:creationId xmlns:a16="http://schemas.microsoft.com/office/drawing/2014/main" id="{22703104-0203-4F7B-BE55-2A0221E93976}"/>
               </a:ext>
             </a:extLst>
           </p:cNvPr>
@@ -7886,8 +7558,8 @@
         </p:blipFill>
         <p:spPr>
           <a:xfrm>
-            <a:off x="312390" y="2015067"/>
-            <a:ext cx="3539627" cy="2721636"/>
+            <a:off x="1951839" y="1576145"/>
+            <a:ext cx="3605456" cy="3425683"/>
           </a:xfrm>
           <a:prstGeom prst="rect">
             <a:avLst/>
@@ -7896,10 +7568,10 @@
       </p:pic>
       <p:pic>
         <p:nvPicPr>
-          <p:cNvPr id="11" name="Picture 10" descr="A picture containing text, map&#10;&#10;Description automatically generated">
+          <p:cNvPr id="11" name="Picture 10" descr="Map&#10;&#10;Description automatically generated">
             <a:extLst>
               <a:ext uri="{FF2B5EF4-FFF2-40B4-BE49-F238E27FC236}">
-                <a16:creationId xmlns:a16="http://schemas.microsoft.com/office/drawing/2014/main" id="{2666CF1F-00BA-4905-AED8-D3504DAE8D48}"/>
+                <a16:creationId xmlns:a16="http://schemas.microsoft.com/office/drawing/2014/main" id="{9FA9517D-43C4-42A3-A4CF-13744C9DAC3A}"/>
               </a:ext>
             </a:extLst>
           </p:cNvPr>
@@ -7922,169 +7594,18 @@
         </p:blipFill>
         <p:spPr>
           <a:xfrm>
-            <a:off x="8247426" y="2015067"/>
-            <a:ext cx="3632184" cy="2721636"/>
+            <a:off x="6693804" y="1431226"/>
+            <a:ext cx="4309881" cy="3715520"/>
           </a:xfrm>
           <a:prstGeom prst="rect">
             <a:avLst/>
           </a:prstGeom>
         </p:spPr>
       </p:pic>
-      <p:pic>
-        <p:nvPicPr>
-          <p:cNvPr id="13" name="Picture 12" descr="A picture containing text, map&#10;&#10;Description automatically generated">
-            <a:extLst>
-              <a:ext uri="{FF2B5EF4-FFF2-40B4-BE49-F238E27FC236}">
-                <a16:creationId xmlns:a16="http://schemas.microsoft.com/office/drawing/2014/main" id="{80B58139-A13C-476F-8918-3B3C827A9BCB}"/>
-              </a:ext>
-            </a:extLst>
-          </p:cNvPr>
-          <p:cNvPicPr>
-            <a:picLocks noChangeAspect="1"/>
-          </p:cNvPicPr>
-          <p:nvPr/>
-        </p:nvPicPr>
-        <p:blipFill>
-          <a:blip r:embed="rId4" cstate="print">
-            <a:extLst>
-              <a:ext uri="{28A0092B-C50C-407E-A947-70E740481C1C}">
-                <a14:useLocalDpi xmlns:a14="http://schemas.microsoft.com/office/drawing/2010/main" val="0"/>
-              </a:ext>
-            </a:extLst>
-          </a:blip>
-          <a:stretch>
-            <a:fillRect/>
-          </a:stretch>
-        </p:blipFill>
-        <p:spPr>
-          <a:xfrm>
-            <a:off x="4301171" y="2015067"/>
-            <a:ext cx="3589658" cy="2721636"/>
-          </a:xfrm>
-          <a:prstGeom prst="rect">
-            <a:avLst/>
-          </a:prstGeom>
-        </p:spPr>
-      </p:pic>
-      <p:sp>
-        <p:nvSpPr>
-          <p:cNvPr id="14" name="TextBox 13">
-            <a:extLst>
-              <a:ext uri="{FF2B5EF4-FFF2-40B4-BE49-F238E27FC236}">
-                <a16:creationId xmlns:a16="http://schemas.microsoft.com/office/drawing/2014/main" id="{E7096BCA-B784-4F66-8101-8FBD88CCDF24}"/>
-              </a:ext>
-            </a:extLst>
-          </p:cNvPr>
-          <p:cNvSpPr txBox="1"/>
-          <p:nvPr/>
-        </p:nvSpPr>
-        <p:spPr>
-          <a:xfrm>
-            <a:off x="886592" y="1470938"/>
-            <a:ext cx="2066223" cy="369332"/>
-          </a:xfrm>
-          <a:prstGeom prst="rect">
-            <a:avLst/>
-          </a:prstGeom>
-          <a:noFill/>
-        </p:spPr>
-        <p:txBody>
-          <a:bodyPr wrap="square" rtlCol="0">
-            <a:spAutoFit/>
-          </a:bodyPr>
-          <a:lstStyle/>
-          <a:p>
-            <a:pPr algn="ctr"/>
-            <a:r>
-              <a:rPr lang="en-US" b="1"/>
-              <a:t>scen1</a:t>
-            </a:r>
-          </a:p>
-        </p:txBody>
-      </p:sp>
-      <p:sp>
-        <p:nvSpPr>
-          <p:cNvPr id="15" name="TextBox 14">
-            <a:extLst>
-              <a:ext uri="{FF2B5EF4-FFF2-40B4-BE49-F238E27FC236}">
-                <a16:creationId xmlns:a16="http://schemas.microsoft.com/office/drawing/2014/main" id="{20D64CD3-3451-4DBB-B63F-1B79EAEC9F2F}"/>
-              </a:ext>
-            </a:extLst>
-          </p:cNvPr>
-          <p:cNvSpPr txBox="1"/>
-          <p:nvPr/>
-        </p:nvSpPr>
-        <p:spPr>
-          <a:xfrm>
-            <a:off x="4851608" y="1332438"/>
-            <a:ext cx="2066223" cy="646331"/>
-          </a:xfrm>
-          <a:prstGeom prst="rect">
-            <a:avLst/>
-          </a:prstGeom>
-          <a:noFill/>
-        </p:spPr>
-        <p:txBody>
-          <a:bodyPr wrap="square" rtlCol="0">
-            <a:spAutoFit/>
-          </a:bodyPr>
-          <a:lstStyle/>
-          <a:p>
-            <a:pPr algn="ctr"/>
-            <a:r>
-              <a:rPr lang="en-US" b="1"/>
-              <a:t>Absolute Difference Scen2 – Scen1</a:t>
-            </a:r>
-          </a:p>
-        </p:txBody>
-      </p:sp>
-      <p:sp>
-        <p:nvSpPr>
-          <p:cNvPr id="16" name="TextBox 15">
-            <a:extLst>
-              <a:ext uri="{FF2B5EF4-FFF2-40B4-BE49-F238E27FC236}">
-                <a16:creationId xmlns:a16="http://schemas.microsoft.com/office/drawing/2014/main" id="{53AAA9E1-273D-4B82-9CB8-E9390A866C43}"/>
-              </a:ext>
-            </a:extLst>
-          </p:cNvPr>
-          <p:cNvSpPr txBox="1"/>
-          <p:nvPr/>
-        </p:nvSpPr>
-        <p:spPr>
-          <a:xfrm>
-            <a:off x="8866130" y="1332438"/>
-            <a:ext cx="2066223" cy="646331"/>
-          </a:xfrm>
-          <a:prstGeom prst="rect">
-            <a:avLst/>
-          </a:prstGeom>
-          <a:noFill/>
-        </p:spPr>
-        <p:txBody>
-          <a:bodyPr wrap="square" rtlCol="0">
-            <a:spAutoFit/>
-          </a:bodyPr>
-          <a:lstStyle/>
-          <a:p>
-            <a:pPr algn="ctr"/>
-            <a:r>
-              <a:rPr lang="en-US" b="1"/>
-              <a:t>% Difference </a:t>
-            </a:r>
-          </a:p>
-          <a:p>
-            <a:pPr algn="ctr"/>
-            <a:r>
-              <a:rPr lang="en-US" b="1"/>
-              <a:t>Scen2 – Scen1</a:t>
-            </a:r>
-          </a:p>
-        </p:txBody>
-      </p:sp>
     </p:spTree>
     <p:extLst>
       <p:ext uri="{BB962C8B-B14F-4D97-AF65-F5344CB8AC3E}">
-        <p14:creationId xmlns:p14="http://schemas.microsoft.com/office/powerpoint/2010/main" val="3494751291"/>
+        <p14:creationId xmlns:p14="http://schemas.microsoft.com/office/powerpoint/2010/main" val="1094078796"/>
       </p:ext>
     </p:extLst>
   </p:cSld>
@@ -8125,8 +7646,8 @@
         </p:nvSpPr>
         <p:spPr>
           <a:xfrm>
-            <a:off x="192163" y="905522"/>
-            <a:ext cx="11807674" cy="4492101"/>
+            <a:off x="192163" y="804333"/>
+            <a:ext cx="11807674" cy="4199468"/>
           </a:xfrm>
           <a:prstGeom prst="rect">
             <a:avLst/>
@@ -8196,17 +7717,17 @@
             <a:pPr algn="ctr"/>
             <a:r>
               <a:rPr lang="en-US" b="1"/>
-              <a:t>Scale Range</a:t>
+              <a:t>Crop to Boundary</a:t>
             </a:r>
           </a:p>
         </p:txBody>
       </p:sp>
       <p:pic>
         <p:nvPicPr>
-          <p:cNvPr id="3" name="Picture 2" descr="A close up of a map&#10;&#10;Description automatically generated">
+          <p:cNvPr id="14" name="Picture 13" descr="A picture containing text, map&#10;&#10;Description automatically generated">
             <a:extLst>
               <a:ext uri="{FF2B5EF4-FFF2-40B4-BE49-F238E27FC236}">
-                <a16:creationId xmlns:a16="http://schemas.microsoft.com/office/drawing/2014/main" id="{4DA1A181-2FB5-413B-9D3D-50BD24D04487}"/>
+                <a16:creationId xmlns:a16="http://schemas.microsoft.com/office/drawing/2014/main" id="{D686780F-6A7B-41FB-9291-00D4EE7078FD}"/>
               </a:ext>
             </a:extLst>
           </p:cNvPr>
@@ -8216,7 +7737,7 @@
           <p:nvPr/>
         </p:nvPicPr>
         <p:blipFill>
-          <a:blip r:embed="rId2" cstate="print">
+          <a:blip r:embed="rId2">
             <a:extLst>
               <a:ext uri="{28A0092B-C50C-407E-A947-70E740481C1C}">
                 <a14:useLocalDpi xmlns:a14="http://schemas.microsoft.com/office/drawing/2010/main" val="0"/>
@@ -8229,8 +7750,8 @@
         </p:blipFill>
         <p:spPr>
           <a:xfrm>
-            <a:off x="330425" y="2004546"/>
-            <a:ext cx="3648767" cy="2805554"/>
+            <a:off x="334259" y="1562265"/>
+            <a:ext cx="6117791" cy="2349335"/>
           </a:xfrm>
           <a:prstGeom prst="rect">
             <a:avLst/>
@@ -8239,10 +7760,10 @@
       </p:pic>
       <p:pic>
         <p:nvPicPr>
-          <p:cNvPr id="5" name="Picture 4" descr="A picture containing text, map&#10;&#10;Description automatically generated">
+          <p:cNvPr id="18" name="Picture 17" descr="A picture containing text, map&#10;&#10;Description automatically generated">
             <a:extLst>
               <a:ext uri="{FF2B5EF4-FFF2-40B4-BE49-F238E27FC236}">
-                <a16:creationId xmlns:a16="http://schemas.microsoft.com/office/drawing/2014/main" id="{CE152858-5230-41BD-87F0-2BFC62712C6B}"/>
+                <a16:creationId xmlns:a16="http://schemas.microsoft.com/office/drawing/2014/main" id="{B96141BE-0261-47C1-899A-34B5E116A409}"/>
               </a:ext>
             </a:extLst>
           </p:cNvPr>
@@ -8265,44 +7786,8 @@
         </p:blipFill>
         <p:spPr>
           <a:xfrm>
-            <a:off x="4223911" y="2026223"/>
-            <a:ext cx="3744177" cy="2805554"/>
-          </a:xfrm>
-          <a:prstGeom prst="rect">
-            <a:avLst/>
-          </a:prstGeom>
-        </p:spPr>
-      </p:pic>
-      <p:pic>
-        <p:nvPicPr>
-          <p:cNvPr id="9" name="Picture 8" descr="A close up of a map&#10;&#10;Description automatically generated">
-            <a:extLst>
-              <a:ext uri="{FF2B5EF4-FFF2-40B4-BE49-F238E27FC236}">
-                <a16:creationId xmlns:a16="http://schemas.microsoft.com/office/drawing/2014/main" id="{85B3E8CB-3C1F-449D-AF29-914BB03BBAAE}"/>
-              </a:ext>
-            </a:extLst>
-          </p:cNvPr>
-          <p:cNvPicPr>
-            <a:picLocks noChangeAspect="1"/>
-          </p:cNvPicPr>
-          <p:nvPr/>
-        </p:nvPicPr>
-        <p:blipFill>
-          <a:blip r:embed="rId4" cstate="print">
-            <a:extLst>
-              <a:ext uri="{28A0092B-C50C-407E-A947-70E740481C1C}">
-                <a14:useLocalDpi xmlns:a14="http://schemas.microsoft.com/office/drawing/2010/main" val="0"/>
-              </a:ext>
-            </a:extLst>
-          </a:blip>
-          <a:stretch>
-            <a:fillRect/>
-          </a:stretch>
-        </p:blipFill>
-        <p:spPr>
-          <a:xfrm>
-            <a:off x="8161235" y="2026223"/>
-            <a:ext cx="3700340" cy="2805554"/>
+            <a:off x="7378526" y="1457787"/>
+            <a:ext cx="4309881" cy="3197359"/>
           </a:xfrm>
           <a:prstGeom prst="rect">
             <a:avLst/>
@@ -8311,10 +7796,10 @@
       </p:pic>
       <p:sp>
         <p:nvSpPr>
-          <p:cNvPr id="10" name="TextBox 9">
+          <p:cNvPr id="19" name="TextBox 18">
             <a:extLst>
               <a:ext uri="{FF2B5EF4-FFF2-40B4-BE49-F238E27FC236}">
-                <a16:creationId xmlns:a16="http://schemas.microsoft.com/office/drawing/2014/main" id="{50231683-995D-4884-A3B8-220F6C3D95D6}"/>
+                <a16:creationId xmlns:a16="http://schemas.microsoft.com/office/drawing/2014/main" id="{8566FE89-D4ED-4B9D-BD15-A2BA05F6012D}"/>
               </a:ext>
             </a:extLst>
           </p:cNvPr>
@@ -8323,8 +7808,8 @@
         </p:nvSpPr>
         <p:spPr>
           <a:xfrm>
-            <a:off x="913225" y="1249063"/>
-            <a:ext cx="2066223" cy="646331"/>
+            <a:off x="1903717" y="886004"/>
+            <a:ext cx="2978874" cy="369332"/>
           </a:xfrm>
           <a:prstGeom prst="rect">
             <a:avLst/>
@@ -8340,24 +7825,17 @@
             <a:pPr algn="ctr"/>
             <a:r>
               <a:rPr lang="en-US" b="1"/>
-              <a:t>Scen1</a:t>
-            </a:r>
-          </a:p>
-          <a:p>
-            <a:pPr algn="ctr"/>
-            <a:r>
-              <a:rPr lang="en-US" b="1"/>
-              <a:t>(uses scaleRange)</a:t>
+              <a:t>cropToBoundary=F (Default)</a:t>
             </a:r>
           </a:p>
         </p:txBody>
       </p:sp>
       <p:sp>
         <p:nvSpPr>
-          <p:cNvPr id="11" name="TextBox 10">
+          <p:cNvPr id="20" name="TextBox 19">
             <a:extLst>
               <a:ext uri="{FF2B5EF4-FFF2-40B4-BE49-F238E27FC236}">
-                <a16:creationId xmlns:a16="http://schemas.microsoft.com/office/drawing/2014/main" id="{4498A34B-06A3-4AC2-AD37-2FA999F7835C}"/>
+                <a16:creationId xmlns:a16="http://schemas.microsoft.com/office/drawing/2014/main" id="{B5C0ADE2-A67A-46C8-8AEC-FDFF3C4FB197}"/>
               </a:ext>
             </a:extLst>
           </p:cNvPr>
@@ -8366,8 +7844,8 @@
         </p:nvSpPr>
         <p:spPr>
           <a:xfrm>
-            <a:off x="4404936" y="1046939"/>
-            <a:ext cx="2756555" cy="923330"/>
+            <a:off x="8371375" y="886004"/>
+            <a:ext cx="2066223" cy="369332"/>
           </a:xfrm>
           <a:prstGeom prst="rect">
             <a:avLst/>
@@ -8383,71 +7861,7 @@
             <a:pPr algn="ctr"/>
             <a:r>
               <a:rPr lang="en-US" b="1"/>
-              <a:t>Absolute Difference </a:t>
-            </a:r>
-          </a:p>
-          <a:p>
-            <a:pPr algn="ctr"/>
-            <a:r>
-              <a:rPr lang="en-US" b="1"/>
-              <a:t>Scen2 – Scen1</a:t>
-            </a:r>
-          </a:p>
-          <a:p>
-            <a:pPr algn="ctr"/>
-            <a:r>
-              <a:rPr lang="en-US" b="1"/>
-              <a:t>(using scaleRangeDiffAbs)</a:t>
-            </a:r>
-          </a:p>
-        </p:txBody>
-      </p:sp>
-      <p:sp>
-        <p:nvSpPr>
-          <p:cNvPr id="13" name="TextBox 12">
-            <a:extLst>
-              <a:ext uri="{FF2B5EF4-FFF2-40B4-BE49-F238E27FC236}">
-                <a16:creationId xmlns:a16="http://schemas.microsoft.com/office/drawing/2014/main" id="{81DD106D-DDD6-425D-9C63-8DB0E881F145}"/>
-              </a:ext>
-            </a:extLst>
-          </p:cNvPr>
-          <p:cNvSpPr txBox="1"/>
-          <p:nvPr/>
-        </p:nvSpPr>
-        <p:spPr>
-          <a:xfrm>
-            <a:off x="8339542" y="1046939"/>
-            <a:ext cx="2928509" cy="923330"/>
-          </a:xfrm>
-          <a:prstGeom prst="rect">
-            <a:avLst/>
-          </a:prstGeom>
-          <a:noFill/>
-        </p:spPr>
-        <p:txBody>
-          <a:bodyPr wrap="square" rtlCol="0">
-            <a:spAutoFit/>
-          </a:bodyPr>
-          <a:lstStyle/>
-          <a:p>
-            <a:pPr algn="ctr"/>
-            <a:r>
-              <a:rPr lang="en-US" b="1"/>
-              <a:t>Absolute Difference </a:t>
-            </a:r>
-          </a:p>
-          <a:p>
-            <a:pPr algn="ctr"/>
-            <a:r>
-              <a:rPr lang="en-US" b="1"/>
-              <a:t>Scen2 – Scen1</a:t>
-            </a:r>
-          </a:p>
-          <a:p>
-            <a:pPr algn="ctr"/>
-            <a:r>
-              <a:rPr lang="en-US" b="1"/>
-              <a:t>(using scaleRangeDiffPrcnt)</a:t>
+              <a:t>cropToBoundary=T</a:t>
             </a:r>
           </a:p>
         </p:txBody>
@@ -8455,7 +7869,7 @@
     </p:spTree>
     <p:extLst>
       <p:ext uri="{BB962C8B-B14F-4D97-AF65-F5344CB8AC3E}">
-        <p14:creationId xmlns:p14="http://schemas.microsoft.com/office/powerpoint/2010/main" val="2543755438"/>
+        <p14:creationId xmlns:p14="http://schemas.microsoft.com/office/powerpoint/2010/main" val="3654804986"/>
       </p:ext>
     </p:extLst>
   </p:cSld>
@@ -8496,8 +7910,8 @@
         </p:nvSpPr>
         <p:spPr>
           <a:xfrm>
-            <a:off x="192163" y="905522"/>
-            <a:ext cx="11807674" cy="5211193"/>
+            <a:off x="192163" y="1092200"/>
+            <a:ext cx="11807674" cy="4055533"/>
           </a:xfrm>
           <a:prstGeom prst="rect">
             <a:avLst/>
@@ -8567,6 +7981,1063 @@
             <a:pPr algn="ctr"/>
             <a:r>
               <a:rPr lang="en-US" b="1"/>
+              <a:t>Extended</a:t>
+            </a:r>
+          </a:p>
+        </p:txBody>
+      </p:sp>
+      <p:pic>
+        <p:nvPicPr>
+          <p:cNvPr id="4" name="Picture 3" descr="A picture containing text, map&#10;&#10;Description automatically generated">
+            <a:extLst>
+              <a:ext uri="{FF2B5EF4-FFF2-40B4-BE49-F238E27FC236}">
+                <a16:creationId xmlns:a16="http://schemas.microsoft.com/office/drawing/2014/main" id="{188FD09C-F27F-4D91-855C-796E7F1BC087}"/>
+              </a:ext>
+            </a:extLst>
+          </p:cNvPr>
+          <p:cNvPicPr>
+            <a:picLocks noChangeAspect="1"/>
+          </p:cNvPicPr>
+          <p:nvPr/>
+        </p:nvPicPr>
+        <p:blipFill>
+          <a:blip r:embed="rId2" cstate="print">
+            <a:extLst>
+              <a:ext uri="{28A0092B-C50C-407E-A947-70E740481C1C}">
+                <a14:useLocalDpi xmlns:a14="http://schemas.microsoft.com/office/drawing/2010/main" val="0"/>
+              </a:ext>
+            </a:extLst>
+          </a:blip>
+          <a:stretch>
+            <a:fillRect/>
+          </a:stretch>
+        </p:blipFill>
+        <p:spPr>
+          <a:xfrm>
+            <a:off x="274993" y="1937266"/>
+            <a:ext cx="3795672" cy="2815884"/>
+          </a:xfrm>
+          <a:prstGeom prst="rect">
+            <a:avLst/>
+          </a:prstGeom>
+        </p:spPr>
+      </p:pic>
+      <p:sp>
+        <p:nvSpPr>
+          <p:cNvPr id="5" name="TextBox 4">
+            <a:extLst>
+              <a:ext uri="{FF2B5EF4-FFF2-40B4-BE49-F238E27FC236}">
+                <a16:creationId xmlns:a16="http://schemas.microsoft.com/office/drawing/2014/main" id="{57D1C313-7024-4B3B-9FA3-64F05FC3F9AB}"/>
+              </a:ext>
+            </a:extLst>
+          </p:cNvPr>
+          <p:cNvSpPr txBox="1"/>
+          <p:nvPr/>
+        </p:nvSpPr>
+        <p:spPr>
+          <a:xfrm>
+            <a:off x="1139717" y="1296659"/>
+            <a:ext cx="2066223" cy="369332"/>
+          </a:xfrm>
+          <a:prstGeom prst="rect">
+            <a:avLst/>
+          </a:prstGeom>
+          <a:noFill/>
+        </p:spPr>
+        <p:txBody>
+          <a:bodyPr wrap="square" rtlCol="0">
+            <a:spAutoFit/>
+          </a:bodyPr>
+          <a:lstStyle/>
+          <a:p>
+            <a:pPr algn="ctr"/>
+            <a:r>
+              <a:rPr lang="en-US" b="1"/>
+              <a:t>extension = F</a:t>
+            </a:r>
+          </a:p>
+        </p:txBody>
+      </p:sp>
+      <p:sp>
+        <p:nvSpPr>
+          <p:cNvPr id="8" name="TextBox 7">
+            <a:extLst>
+              <a:ext uri="{FF2B5EF4-FFF2-40B4-BE49-F238E27FC236}">
+                <a16:creationId xmlns:a16="http://schemas.microsoft.com/office/drawing/2014/main" id="{F6D9B626-6414-4D12-B162-787F5C1D7C00}"/>
+              </a:ext>
+            </a:extLst>
+          </p:cNvPr>
+          <p:cNvSpPr txBox="1"/>
+          <p:nvPr/>
+        </p:nvSpPr>
+        <p:spPr>
+          <a:xfrm>
+            <a:off x="5062888" y="1296659"/>
+            <a:ext cx="2066223" cy="369332"/>
+          </a:xfrm>
+          <a:prstGeom prst="rect">
+            <a:avLst/>
+          </a:prstGeom>
+          <a:noFill/>
+        </p:spPr>
+        <p:txBody>
+          <a:bodyPr wrap="square" rtlCol="0">
+            <a:spAutoFit/>
+          </a:bodyPr>
+          <a:lstStyle/>
+          <a:p>
+            <a:pPr algn="ctr"/>
+            <a:r>
+              <a:rPr lang="en-US" b="1"/>
+              <a:t>extension = T</a:t>
+            </a:r>
+          </a:p>
+        </p:txBody>
+      </p:sp>
+      <p:pic>
+        <p:nvPicPr>
+          <p:cNvPr id="3" name="Picture 2" descr="A close up of a map&#10;&#10;Description automatically generated">
+            <a:extLst>
+              <a:ext uri="{FF2B5EF4-FFF2-40B4-BE49-F238E27FC236}">
+                <a16:creationId xmlns:a16="http://schemas.microsoft.com/office/drawing/2014/main" id="{0AC82A6E-9ECD-4233-B7D6-E0651F46ABD5}"/>
+              </a:ext>
+            </a:extLst>
+          </p:cNvPr>
+          <p:cNvPicPr>
+            <a:picLocks noChangeAspect="1"/>
+          </p:cNvPicPr>
+          <p:nvPr/>
+        </p:nvPicPr>
+        <p:blipFill>
+          <a:blip r:embed="rId3" cstate="print">
+            <a:extLst>
+              <a:ext uri="{28A0092B-C50C-407E-A947-70E740481C1C}">
+                <a14:useLocalDpi xmlns:a14="http://schemas.microsoft.com/office/drawing/2010/main" val="0"/>
+              </a:ext>
+            </a:extLst>
+          </a:blip>
+          <a:stretch>
+            <a:fillRect/>
+          </a:stretch>
+        </p:blipFill>
+        <p:spPr>
+          <a:xfrm>
+            <a:off x="4328616" y="1937266"/>
+            <a:ext cx="3792721" cy="2867994"/>
+          </a:xfrm>
+          <a:prstGeom prst="rect">
+            <a:avLst/>
+          </a:prstGeom>
+        </p:spPr>
+      </p:pic>
+      <p:pic>
+        <p:nvPicPr>
+          <p:cNvPr id="9" name="Picture 8" descr="A close up of a map&#10;&#10;Description automatically generated">
+            <a:extLst>
+              <a:ext uri="{FF2B5EF4-FFF2-40B4-BE49-F238E27FC236}">
+                <a16:creationId xmlns:a16="http://schemas.microsoft.com/office/drawing/2014/main" id="{EF254A4F-AC22-4ABF-B7F3-DFB688D1AC55}"/>
+              </a:ext>
+            </a:extLst>
+          </p:cNvPr>
+          <p:cNvPicPr>
+            <a:picLocks noChangeAspect="1"/>
+          </p:cNvPicPr>
+          <p:nvPr/>
+        </p:nvPicPr>
+        <p:blipFill>
+          <a:blip r:embed="rId4" cstate="print">
+            <a:extLst>
+              <a:ext uri="{28A0092B-C50C-407E-A947-70E740481C1C}">
+                <a14:useLocalDpi xmlns:a14="http://schemas.microsoft.com/office/drawing/2010/main" val="0"/>
+              </a:ext>
+            </a:extLst>
+          </a:blip>
+          <a:stretch>
+            <a:fillRect/>
+          </a:stretch>
+        </p:blipFill>
+        <p:spPr>
+          <a:xfrm>
+            <a:off x="8164226" y="1911211"/>
+            <a:ext cx="3792721" cy="2867994"/>
+          </a:xfrm>
+          <a:prstGeom prst="rect">
+            <a:avLst/>
+          </a:prstGeom>
+        </p:spPr>
+      </p:pic>
+      <p:sp>
+        <p:nvSpPr>
+          <p:cNvPr id="10" name="TextBox 9">
+            <a:extLst>
+              <a:ext uri="{FF2B5EF4-FFF2-40B4-BE49-F238E27FC236}">
+                <a16:creationId xmlns:a16="http://schemas.microsoft.com/office/drawing/2014/main" id="{B39AD5D9-2D14-4FE5-95BE-5BE80A869576}"/>
+              </a:ext>
+            </a:extLst>
+          </p:cNvPr>
+          <p:cNvSpPr txBox="1"/>
+          <p:nvPr/>
+        </p:nvSpPr>
+        <p:spPr>
+          <a:xfrm>
+            <a:off x="8754354" y="1158159"/>
+            <a:ext cx="2066223" cy="646331"/>
+          </a:xfrm>
+          <a:prstGeom prst="rect">
+            <a:avLst/>
+          </a:prstGeom>
+          <a:noFill/>
+        </p:spPr>
+        <p:txBody>
+          <a:bodyPr wrap="square" rtlCol="0">
+            <a:spAutoFit/>
+          </a:bodyPr>
+          <a:lstStyle/>
+          <a:p>
+            <a:pPr algn="ctr"/>
+            <a:r>
+              <a:rPr lang="en-US" b="1"/>
+              <a:t>extension = T</a:t>
+            </a:r>
+          </a:p>
+          <a:p>
+            <a:pPr algn="ctr"/>
+            <a:r>
+              <a:rPr lang="en-US" b="1"/>
+              <a:t>expandPercent = 50</a:t>
+            </a:r>
+          </a:p>
+        </p:txBody>
+      </p:sp>
+    </p:spTree>
+    <p:extLst>
+      <p:ext uri="{BB962C8B-B14F-4D97-AF65-F5344CB8AC3E}">
+        <p14:creationId xmlns:p14="http://schemas.microsoft.com/office/powerpoint/2010/main" val="1526922072"/>
+      </p:ext>
+    </p:extLst>
+  </p:cSld>
+  <p:clrMapOvr>
+    <a:masterClrMapping/>
+  </p:clrMapOvr>
+</p:sld>
+</file>
+
+<file path=ppt/slides/slide27.xml><?xml version="1.0" encoding="utf-8"?>
+<p:sld xmlns:a="http://schemas.openxmlformats.org/drawingml/2006/main" xmlns:r="http://schemas.openxmlformats.org/officeDocument/2006/relationships" xmlns:p="http://schemas.openxmlformats.org/presentationml/2006/main">
+  <p:cSld>
+    <p:spTree>
+      <p:nvGrpSpPr>
+        <p:cNvPr id="1" name=""/>
+        <p:cNvGrpSpPr/>
+        <p:nvPr/>
+      </p:nvGrpSpPr>
+      <p:grpSpPr>
+        <a:xfrm>
+          <a:off x="0" y="0"/>
+          <a:ext cx="0" cy="0"/>
+          <a:chOff x="0" y="0"/>
+          <a:chExt cx="0" cy="0"/>
+        </a:xfrm>
+      </p:grpSpPr>
+      <p:sp>
+        <p:nvSpPr>
+          <p:cNvPr id="6" name="Rectangle 5">
+            <a:extLst>
+              <a:ext uri="{FF2B5EF4-FFF2-40B4-BE49-F238E27FC236}">
+                <a16:creationId xmlns:a16="http://schemas.microsoft.com/office/drawing/2014/main" id="{F2FAAE5D-6F5D-4276-A188-B0F75533DF8A}"/>
+              </a:ext>
+            </a:extLst>
+          </p:cNvPr>
+          <p:cNvSpPr/>
+          <p:nvPr/>
+        </p:nvSpPr>
+        <p:spPr>
+          <a:xfrm>
+            <a:off x="192163" y="1260628"/>
+            <a:ext cx="11807674" cy="3666973"/>
+          </a:xfrm>
+          <a:prstGeom prst="rect">
+            <a:avLst/>
+          </a:prstGeom>
+          <a:noFill/>
+          <a:ln>
+            <a:solidFill>
+              <a:schemeClr val="bg1">
+                <a:lumMod val="65000"/>
+              </a:schemeClr>
+            </a:solidFill>
+          </a:ln>
+        </p:spPr>
+        <p:style>
+          <a:lnRef idx="2">
+            <a:schemeClr val="accent1">
+              <a:shade val="50000"/>
+            </a:schemeClr>
+          </a:lnRef>
+          <a:fillRef idx="1">
+            <a:schemeClr val="accent1"/>
+          </a:fillRef>
+          <a:effectRef idx="0">
+            <a:schemeClr val="accent1"/>
+          </a:effectRef>
+          <a:fontRef idx="minor">
+            <a:schemeClr val="lt1"/>
+          </a:fontRef>
+        </p:style>
+        <p:txBody>
+          <a:bodyPr rtlCol="0" anchor="ctr"/>
+          <a:lstStyle/>
+          <a:p>
+            <a:pPr algn="ctr"/>
+            <a:endParaRPr lang="en-US"/>
+          </a:p>
+        </p:txBody>
+      </p:sp>
+      <p:sp>
+        <p:nvSpPr>
+          <p:cNvPr id="7" name="TextBox 6">
+            <a:extLst>
+              <a:ext uri="{FF2B5EF4-FFF2-40B4-BE49-F238E27FC236}">
+                <a16:creationId xmlns:a16="http://schemas.microsoft.com/office/drawing/2014/main" id="{A063DF1C-7DF0-40B4-AC9D-EC918B0CB000}"/>
+              </a:ext>
+            </a:extLst>
+          </p:cNvPr>
+          <p:cNvSpPr txBox="1"/>
+          <p:nvPr/>
+        </p:nvSpPr>
+        <p:spPr>
+          <a:xfrm>
+            <a:off x="192163" y="128664"/>
+            <a:ext cx="2066223" cy="369332"/>
+          </a:xfrm>
+          <a:prstGeom prst="rect">
+            <a:avLst/>
+          </a:prstGeom>
+          <a:noFill/>
+        </p:spPr>
+        <p:txBody>
+          <a:bodyPr wrap="square" rtlCol="0">
+            <a:spAutoFit/>
+          </a:bodyPr>
+          <a:lstStyle/>
+          <a:p>
+            <a:pPr algn="ctr"/>
+            <a:r>
+              <a:rPr lang="en-US" b="1"/>
+              <a:t>Multi-Scenario</a:t>
+            </a:r>
+          </a:p>
+        </p:txBody>
+      </p:sp>
+      <p:pic>
+        <p:nvPicPr>
+          <p:cNvPr id="3" name="Picture 2" descr="A close up of a map&#10;&#10;Description automatically generated">
+            <a:extLst>
+              <a:ext uri="{FF2B5EF4-FFF2-40B4-BE49-F238E27FC236}">
+                <a16:creationId xmlns:a16="http://schemas.microsoft.com/office/drawing/2014/main" id="{506912A1-F038-4F1D-A9AE-AA77ADE35327}"/>
+              </a:ext>
+            </a:extLst>
+          </p:cNvPr>
+          <p:cNvPicPr>
+            <a:picLocks noChangeAspect="1"/>
+          </p:cNvPicPr>
+          <p:nvPr/>
+        </p:nvPicPr>
+        <p:blipFill>
+          <a:blip r:embed="rId2" cstate="print">
+            <a:extLst>
+              <a:ext uri="{28A0092B-C50C-407E-A947-70E740481C1C}">
+                <a14:useLocalDpi xmlns:a14="http://schemas.microsoft.com/office/drawing/2010/main" val="0"/>
+              </a:ext>
+            </a:extLst>
+          </a:blip>
+          <a:stretch>
+            <a:fillRect/>
+          </a:stretch>
+        </p:blipFill>
+        <p:spPr>
+          <a:xfrm>
+            <a:off x="312390" y="2015067"/>
+            <a:ext cx="3539627" cy="2721636"/>
+          </a:xfrm>
+          <a:prstGeom prst="rect">
+            <a:avLst/>
+          </a:prstGeom>
+        </p:spPr>
+      </p:pic>
+      <p:pic>
+        <p:nvPicPr>
+          <p:cNvPr id="11" name="Picture 10" descr="A picture containing text, map&#10;&#10;Description automatically generated">
+            <a:extLst>
+              <a:ext uri="{FF2B5EF4-FFF2-40B4-BE49-F238E27FC236}">
+                <a16:creationId xmlns:a16="http://schemas.microsoft.com/office/drawing/2014/main" id="{2666CF1F-00BA-4905-AED8-D3504DAE8D48}"/>
+              </a:ext>
+            </a:extLst>
+          </p:cNvPr>
+          <p:cNvPicPr>
+            <a:picLocks noChangeAspect="1"/>
+          </p:cNvPicPr>
+          <p:nvPr/>
+        </p:nvPicPr>
+        <p:blipFill>
+          <a:blip r:embed="rId3" cstate="print">
+            <a:extLst>
+              <a:ext uri="{28A0092B-C50C-407E-A947-70E740481C1C}">
+                <a14:useLocalDpi xmlns:a14="http://schemas.microsoft.com/office/drawing/2010/main" val="0"/>
+              </a:ext>
+            </a:extLst>
+          </a:blip>
+          <a:stretch>
+            <a:fillRect/>
+          </a:stretch>
+        </p:blipFill>
+        <p:spPr>
+          <a:xfrm>
+            <a:off x="8247426" y="2015067"/>
+            <a:ext cx="3632184" cy="2721636"/>
+          </a:xfrm>
+          <a:prstGeom prst="rect">
+            <a:avLst/>
+          </a:prstGeom>
+        </p:spPr>
+      </p:pic>
+      <p:pic>
+        <p:nvPicPr>
+          <p:cNvPr id="13" name="Picture 12" descr="A picture containing text, map&#10;&#10;Description automatically generated">
+            <a:extLst>
+              <a:ext uri="{FF2B5EF4-FFF2-40B4-BE49-F238E27FC236}">
+                <a16:creationId xmlns:a16="http://schemas.microsoft.com/office/drawing/2014/main" id="{80B58139-A13C-476F-8918-3B3C827A9BCB}"/>
+              </a:ext>
+            </a:extLst>
+          </p:cNvPr>
+          <p:cNvPicPr>
+            <a:picLocks noChangeAspect="1"/>
+          </p:cNvPicPr>
+          <p:nvPr/>
+        </p:nvPicPr>
+        <p:blipFill>
+          <a:blip r:embed="rId4" cstate="print">
+            <a:extLst>
+              <a:ext uri="{28A0092B-C50C-407E-A947-70E740481C1C}">
+                <a14:useLocalDpi xmlns:a14="http://schemas.microsoft.com/office/drawing/2010/main" val="0"/>
+              </a:ext>
+            </a:extLst>
+          </a:blip>
+          <a:stretch>
+            <a:fillRect/>
+          </a:stretch>
+        </p:blipFill>
+        <p:spPr>
+          <a:xfrm>
+            <a:off x="4301171" y="2015067"/>
+            <a:ext cx="3589658" cy="2721636"/>
+          </a:xfrm>
+          <a:prstGeom prst="rect">
+            <a:avLst/>
+          </a:prstGeom>
+        </p:spPr>
+      </p:pic>
+      <p:sp>
+        <p:nvSpPr>
+          <p:cNvPr id="14" name="TextBox 13">
+            <a:extLst>
+              <a:ext uri="{FF2B5EF4-FFF2-40B4-BE49-F238E27FC236}">
+                <a16:creationId xmlns:a16="http://schemas.microsoft.com/office/drawing/2014/main" id="{E7096BCA-B784-4F66-8101-8FBD88CCDF24}"/>
+              </a:ext>
+            </a:extLst>
+          </p:cNvPr>
+          <p:cNvSpPr txBox="1"/>
+          <p:nvPr/>
+        </p:nvSpPr>
+        <p:spPr>
+          <a:xfrm>
+            <a:off x="886592" y="1470938"/>
+            <a:ext cx="2066223" cy="369332"/>
+          </a:xfrm>
+          <a:prstGeom prst="rect">
+            <a:avLst/>
+          </a:prstGeom>
+          <a:noFill/>
+        </p:spPr>
+        <p:txBody>
+          <a:bodyPr wrap="square" rtlCol="0">
+            <a:spAutoFit/>
+          </a:bodyPr>
+          <a:lstStyle/>
+          <a:p>
+            <a:pPr algn="ctr"/>
+            <a:r>
+              <a:rPr lang="en-US" b="1"/>
+              <a:t>scen1</a:t>
+            </a:r>
+          </a:p>
+        </p:txBody>
+      </p:sp>
+      <p:sp>
+        <p:nvSpPr>
+          <p:cNvPr id="15" name="TextBox 14">
+            <a:extLst>
+              <a:ext uri="{FF2B5EF4-FFF2-40B4-BE49-F238E27FC236}">
+                <a16:creationId xmlns:a16="http://schemas.microsoft.com/office/drawing/2014/main" id="{20D64CD3-3451-4DBB-B63F-1B79EAEC9F2F}"/>
+              </a:ext>
+            </a:extLst>
+          </p:cNvPr>
+          <p:cNvSpPr txBox="1"/>
+          <p:nvPr/>
+        </p:nvSpPr>
+        <p:spPr>
+          <a:xfrm>
+            <a:off x="4851608" y="1332438"/>
+            <a:ext cx="2066223" cy="646331"/>
+          </a:xfrm>
+          <a:prstGeom prst="rect">
+            <a:avLst/>
+          </a:prstGeom>
+          <a:noFill/>
+        </p:spPr>
+        <p:txBody>
+          <a:bodyPr wrap="square" rtlCol="0">
+            <a:spAutoFit/>
+          </a:bodyPr>
+          <a:lstStyle/>
+          <a:p>
+            <a:pPr algn="ctr"/>
+            <a:r>
+              <a:rPr lang="en-US" b="1"/>
+              <a:t>Absolute Difference Scen2 – Scen1</a:t>
+            </a:r>
+          </a:p>
+        </p:txBody>
+      </p:sp>
+      <p:sp>
+        <p:nvSpPr>
+          <p:cNvPr id="16" name="TextBox 15">
+            <a:extLst>
+              <a:ext uri="{FF2B5EF4-FFF2-40B4-BE49-F238E27FC236}">
+                <a16:creationId xmlns:a16="http://schemas.microsoft.com/office/drawing/2014/main" id="{53AAA9E1-273D-4B82-9CB8-E9390A866C43}"/>
+              </a:ext>
+            </a:extLst>
+          </p:cNvPr>
+          <p:cNvSpPr txBox="1"/>
+          <p:nvPr/>
+        </p:nvSpPr>
+        <p:spPr>
+          <a:xfrm>
+            <a:off x="8866130" y="1332438"/>
+            <a:ext cx="2066223" cy="646331"/>
+          </a:xfrm>
+          <a:prstGeom prst="rect">
+            <a:avLst/>
+          </a:prstGeom>
+          <a:noFill/>
+        </p:spPr>
+        <p:txBody>
+          <a:bodyPr wrap="square" rtlCol="0">
+            <a:spAutoFit/>
+          </a:bodyPr>
+          <a:lstStyle/>
+          <a:p>
+            <a:pPr algn="ctr"/>
+            <a:r>
+              <a:rPr lang="en-US" b="1"/>
+              <a:t>% Difference </a:t>
+            </a:r>
+          </a:p>
+          <a:p>
+            <a:pPr algn="ctr"/>
+            <a:r>
+              <a:rPr lang="en-US" b="1"/>
+              <a:t>Scen2 – Scen1</a:t>
+            </a:r>
+          </a:p>
+        </p:txBody>
+      </p:sp>
+    </p:spTree>
+    <p:extLst>
+      <p:ext uri="{BB962C8B-B14F-4D97-AF65-F5344CB8AC3E}">
+        <p14:creationId xmlns:p14="http://schemas.microsoft.com/office/powerpoint/2010/main" val="3494751291"/>
+      </p:ext>
+    </p:extLst>
+  </p:cSld>
+  <p:clrMapOvr>
+    <a:masterClrMapping/>
+  </p:clrMapOvr>
+</p:sld>
+</file>
+
+<file path=ppt/slides/slide28.xml><?xml version="1.0" encoding="utf-8"?>
+<p:sld xmlns:a="http://schemas.openxmlformats.org/drawingml/2006/main" xmlns:r="http://schemas.openxmlformats.org/officeDocument/2006/relationships" xmlns:p="http://schemas.openxmlformats.org/presentationml/2006/main">
+  <p:cSld>
+    <p:spTree>
+      <p:nvGrpSpPr>
+        <p:cNvPr id="1" name=""/>
+        <p:cNvGrpSpPr/>
+        <p:nvPr/>
+      </p:nvGrpSpPr>
+      <p:grpSpPr>
+        <a:xfrm>
+          <a:off x="0" y="0"/>
+          <a:ext cx="0" cy="0"/>
+          <a:chOff x="0" y="0"/>
+          <a:chExt cx="0" cy="0"/>
+        </a:xfrm>
+      </p:grpSpPr>
+      <p:sp>
+        <p:nvSpPr>
+          <p:cNvPr id="6" name="Rectangle 5">
+            <a:extLst>
+              <a:ext uri="{FF2B5EF4-FFF2-40B4-BE49-F238E27FC236}">
+                <a16:creationId xmlns:a16="http://schemas.microsoft.com/office/drawing/2014/main" id="{F2FAAE5D-6F5D-4276-A188-B0F75533DF8A}"/>
+              </a:ext>
+            </a:extLst>
+          </p:cNvPr>
+          <p:cNvSpPr/>
+          <p:nvPr/>
+        </p:nvSpPr>
+        <p:spPr>
+          <a:xfrm>
+            <a:off x="192163" y="905522"/>
+            <a:ext cx="11807674" cy="4492101"/>
+          </a:xfrm>
+          <a:prstGeom prst="rect">
+            <a:avLst/>
+          </a:prstGeom>
+          <a:noFill/>
+          <a:ln>
+            <a:solidFill>
+              <a:schemeClr val="bg1">
+                <a:lumMod val="65000"/>
+              </a:schemeClr>
+            </a:solidFill>
+          </a:ln>
+        </p:spPr>
+        <p:style>
+          <a:lnRef idx="2">
+            <a:schemeClr val="accent1">
+              <a:shade val="50000"/>
+            </a:schemeClr>
+          </a:lnRef>
+          <a:fillRef idx="1">
+            <a:schemeClr val="accent1"/>
+          </a:fillRef>
+          <a:effectRef idx="0">
+            <a:schemeClr val="accent1"/>
+          </a:effectRef>
+          <a:fontRef idx="minor">
+            <a:schemeClr val="lt1"/>
+          </a:fontRef>
+        </p:style>
+        <p:txBody>
+          <a:bodyPr rtlCol="0" anchor="ctr"/>
+          <a:lstStyle/>
+          <a:p>
+            <a:pPr algn="ctr"/>
+            <a:endParaRPr lang="en-US"/>
+          </a:p>
+        </p:txBody>
+      </p:sp>
+      <p:sp>
+        <p:nvSpPr>
+          <p:cNvPr id="7" name="TextBox 6">
+            <a:extLst>
+              <a:ext uri="{FF2B5EF4-FFF2-40B4-BE49-F238E27FC236}">
+                <a16:creationId xmlns:a16="http://schemas.microsoft.com/office/drawing/2014/main" id="{A063DF1C-7DF0-40B4-AC9D-EC918B0CB000}"/>
+              </a:ext>
+            </a:extLst>
+          </p:cNvPr>
+          <p:cNvSpPr txBox="1"/>
+          <p:nvPr/>
+        </p:nvSpPr>
+        <p:spPr>
+          <a:xfrm>
+            <a:off x="192163" y="128664"/>
+            <a:ext cx="2066223" cy="369332"/>
+          </a:xfrm>
+          <a:prstGeom prst="rect">
+            <a:avLst/>
+          </a:prstGeom>
+          <a:noFill/>
+        </p:spPr>
+        <p:txBody>
+          <a:bodyPr wrap="square" rtlCol="0">
+            <a:spAutoFit/>
+          </a:bodyPr>
+          <a:lstStyle/>
+          <a:p>
+            <a:pPr algn="ctr"/>
+            <a:r>
+              <a:rPr lang="en-US" b="1"/>
+              <a:t>Scale Range</a:t>
+            </a:r>
+          </a:p>
+        </p:txBody>
+      </p:sp>
+      <p:pic>
+        <p:nvPicPr>
+          <p:cNvPr id="3" name="Picture 2" descr="A close up of a map&#10;&#10;Description automatically generated">
+            <a:extLst>
+              <a:ext uri="{FF2B5EF4-FFF2-40B4-BE49-F238E27FC236}">
+                <a16:creationId xmlns:a16="http://schemas.microsoft.com/office/drawing/2014/main" id="{4DA1A181-2FB5-413B-9D3D-50BD24D04487}"/>
+              </a:ext>
+            </a:extLst>
+          </p:cNvPr>
+          <p:cNvPicPr>
+            <a:picLocks noChangeAspect="1"/>
+          </p:cNvPicPr>
+          <p:nvPr/>
+        </p:nvPicPr>
+        <p:blipFill>
+          <a:blip r:embed="rId2" cstate="print">
+            <a:extLst>
+              <a:ext uri="{28A0092B-C50C-407E-A947-70E740481C1C}">
+                <a14:useLocalDpi xmlns:a14="http://schemas.microsoft.com/office/drawing/2010/main" val="0"/>
+              </a:ext>
+            </a:extLst>
+          </a:blip>
+          <a:stretch>
+            <a:fillRect/>
+          </a:stretch>
+        </p:blipFill>
+        <p:spPr>
+          <a:xfrm>
+            <a:off x="330425" y="2004546"/>
+            <a:ext cx="3648767" cy="2805554"/>
+          </a:xfrm>
+          <a:prstGeom prst="rect">
+            <a:avLst/>
+          </a:prstGeom>
+        </p:spPr>
+      </p:pic>
+      <p:pic>
+        <p:nvPicPr>
+          <p:cNvPr id="5" name="Picture 4" descr="A picture containing text, map&#10;&#10;Description automatically generated">
+            <a:extLst>
+              <a:ext uri="{FF2B5EF4-FFF2-40B4-BE49-F238E27FC236}">
+                <a16:creationId xmlns:a16="http://schemas.microsoft.com/office/drawing/2014/main" id="{CE152858-5230-41BD-87F0-2BFC62712C6B}"/>
+              </a:ext>
+            </a:extLst>
+          </p:cNvPr>
+          <p:cNvPicPr>
+            <a:picLocks noChangeAspect="1"/>
+          </p:cNvPicPr>
+          <p:nvPr/>
+        </p:nvPicPr>
+        <p:blipFill>
+          <a:blip r:embed="rId3" cstate="print">
+            <a:extLst>
+              <a:ext uri="{28A0092B-C50C-407E-A947-70E740481C1C}">
+                <a14:useLocalDpi xmlns:a14="http://schemas.microsoft.com/office/drawing/2010/main" val="0"/>
+              </a:ext>
+            </a:extLst>
+          </a:blip>
+          <a:stretch>
+            <a:fillRect/>
+          </a:stretch>
+        </p:blipFill>
+        <p:spPr>
+          <a:xfrm>
+            <a:off x="4223911" y="2026223"/>
+            <a:ext cx="3744177" cy="2805554"/>
+          </a:xfrm>
+          <a:prstGeom prst="rect">
+            <a:avLst/>
+          </a:prstGeom>
+        </p:spPr>
+      </p:pic>
+      <p:pic>
+        <p:nvPicPr>
+          <p:cNvPr id="9" name="Picture 8" descr="A close up of a map&#10;&#10;Description automatically generated">
+            <a:extLst>
+              <a:ext uri="{FF2B5EF4-FFF2-40B4-BE49-F238E27FC236}">
+                <a16:creationId xmlns:a16="http://schemas.microsoft.com/office/drawing/2014/main" id="{85B3E8CB-3C1F-449D-AF29-914BB03BBAAE}"/>
+              </a:ext>
+            </a:extLst>
+          </p:cNvPr>
+          <p:cNvPicPr>
+            <a:picLocks noChangeAspect="1"/>
+          </p:cNvPicPr>
+          <p:nvPr/>
+        </p:nvPicPr>
+        <p:blipFill>
+          <a:blip r:embed="rId4" cstate="print">
+            <a:extLst>
+              <a:ext uri="{28A0092B-C50C-407E-A947-70E740481C1C}">
+                <a14:useLocalDpi xmlns:a14="http://schemas.microsoft.com/office/drawing/2010/main" val="0"/>
+              </a:ext>
+            </a:extLst>
+          </a:blip>
+          <a:stretch>
+            <a:fillRect/>
+          </a:stretch>
+        </p:blipFill>
+        <p:spPr>
+          <a:xfrm>
+            <a:off x="8161235" y="2026223"/>
+            <a:ext cx="3700340" cy="2805554"/>
+          </a:xfrm>
+          <a:prstGeom prst="rect">
+            <a:avLst/>
+          </a:prstGeom>
+        </p:spPr>
+      </p:pic>
+      <p:sp>
+        <p:nvSpPr>
+          <p:cNvPr id="10" name="TextBox 9">
+            <a:extLst>
+              <a:ext uri="{FF2B5EF4-FFF2-40B4-BE49-F238E27FC236}">
+                <a16:creationId xmlns:a16="http://schemas.microsoft.com/office/drawing/2014/main" id="{50231683-995D-4884-A3B8-220F6C3D95D6}"/>
+              </a:ext>
+            </a:extLst>
+          </p:cNvPr>
+          <p:cNvSpPr txBox="1"/>
+          <p:nvPr/>
+        </p:nvSpPr>
+        <p:spPr>
+          <a:xfrm>
+            <a:off x="913225" y="1249063"/>
+            <a:ext cx="2066223" cy="646331"/>
+          </a:xfrm>
+          <a:prstGeom prst="rect">
+            <a:avLst/>
+          </a:prstGeom>
+          <a:noFill/>
+        </p:spPr>
+        <p:txBody>
+          <a:bodyPr wrap="square" rtlCol="0">
+            <a:spAutoFit/>
+          </a:bodyPr>
+          <a:lstStyle/>
+          <a:p>
+            <a:pPr algn="ctr"/>
+            <a:r>
+              <a:rPr lang="en-US" b="1"/>
+              <a:t>Scen1</a:t>
+            </a:r>
+          </a:p>
+          <a:p>
+            <a:pPr algn="ctr"/>
+            <a:r>
+              <a:rPr lang="en-US" b="1"/>
+              <a:t>(uses scaleRange)</a:t>
+            </a:r>
+          </a:p>
+        </p:txBody>
+      </p:sp>
+      <p:sp>
+        <p:nvSpPr>
+          <p:cNvPr id="11" name="TextBox 10">
+            <a:extLst>
+              <a:ext uri="{FF2B5EF4-FFF2-40B4-BE49-F238E27FC236}">
+                <a16:creationId xmlns:a16="http://schemas.microsoft.com/office/drawing/2014/main" id="{4498A34B-06A3-4AC2-AD37-2FA999F7835C}"/>
+              </a:ext>
+            </a:extLst>
+          </p:cNvPr>
+          <p:cNvSpPr txBox="1"/>
+          <p:nvPr/>
+        </p:nvSpPr>
+        <p:spPr>
+          <a:xfrm>
+            <a:off x="4404936" y="1046939"/>
+            <a:ext cx="2756555" cy="923330"/>
+          </a:xfrm>
+          <a:prstGeom prst="rect">
+            <a:avLst/>
+          </a:prstGeom>
+          <a:noFill/>
+        </p:spPr>
+        <p:txBody>
+          <a:bodyPr wrap="square" rtlCol="0">
+            <a:spAutoFit/>
+          </a:bodyPr>
+          <a:lstStyle/>
+          <a:p>
+            <a:pPr algn="ctr"/>
+            <a:r>
+              <a:rPr lang="en-US" b="1"/>
+              <a:t>Absolute Difference </a:t>
+            </a:r>
+          </a:p>
+          <a:p>
+            <a:pPr algn="ctr"/>
+            <a:r>
+              <a:rPr lang="en-US" b="1"/>
+              <a:t>Scen2 – Scen1</a:t>
+            </a:r>
+          </a:p>
+          <a:p>
+            <a:pPr algn="ctr"/>
+            <a:r>
+              <a:rPr lang="en-US" b="1"/>
+              <a:t>(using scaleRangeDiffAbs)</a:t>
+            </a:r>
+          </a:p>
+        </p:txBody>
+      </p:sp>
+      <p:sp>
+        <p:nvSpPr>
+          <p:cNvPr id="13" name="TextBox 12">
+            <a:extLst>
+              <a:ext uri="{FF2B5EF4-FFF2-40B4-BE49-F238E27FC236}">
+                <a16:creationId xmlns:a16="http://schemas.microsoft.com/office/drawing/2014/main" id="{81DD106D-DDD6-425D-9C63-8DB0E881F145}"/>
+              </a:ext>
+            </a:extLst>
+          </p:cNvPr>
+          <p:cNvSpPr txBox="1"/>
+          <p:nvPr/>
+        </p:nvSpPr>
+        <p:spPr>
+          <a:xfrm>
+            <a:off x="8339542" y="1046939"/>
+            <a:ext cx="2928509" cy="923330"/>
+          </a:xfrm>
+          <a:prstGeom prst="rect">
+            <a:avLst/>
+          </a:prstGeom>
+          <a:noFill/>
+        </p:spPr>
+        <p:txBody>
+          <a:bodyPr wrap="square" rtlCol="0">
+            <a:spAutoFit/>
+          </a:bodyPr>
+          <a:lstStyle/>
+          <a:p>
+            <a:pPr algn="ctr"/>
+            <a:r>
+              <a:rPr lang="en-US" b="1"/>
+              <a:t>Absolute Difference </a:t>
+            </a:r>
+          </a:p>
+          <a:p>
+            <a:pPr algn="ctr"/>
+            <a:r>
+              <a:rPr lang="en-US" b="1"/>
+              <a:t>Scen2 – Scen1</a:t>
+            </a:r>
+          </a:p>
+          <a:p>
+            <a:pPr algn="ctr"/>
+            <a:r>
+              <a:rPr lang="en-US" b="1"/>
+              <a:t>(using scaleRangeDiffPrcnt)</a:t>
+            </a:r>
+          </a:p>
+        </p:txBody>
+      </p:sp>
+    </p:spTree>
+    <p:extLst>
+      <p:ext uri="{BB962C8B-B14F-4D97-AF65-F5344CB8AC3E}">
+        <p14:creationId xmlns:p14="http://schemas.microsoft.com/office/powerpoint/2010/main" val="2543755438"/>
+      </p:ext>
+    </p:extLst>
+  </p:cSld>
+  <p:clrMapOvr>
+    <a:masterClrMapping/>
+  </p:clrMapOvr>
+</p:sld>
+</file>
+
+<file path=ppt/slides/slide29.xml><?xml version="1.0" encoding="utf-8"?>
+<p:sld xmlns:a="http://schemas.openxmlformats.org/drawingml/2006/main" xmlns:r="http://schemas.openxmlformats.org/officeDocument/2006/relationships" xmlns:p="http://schemas.openxmlformats.org/presentationml/2006/main">
+  <p:cSld>
+    <p:spTree>
+      <p:nvGrpSpPr>
+        <p:cNvPr id="1" name=""/>
+        <p:cNvGrpSpPr/>
+        <p:nvPr/>
+      </p:nvGrpSpPr>
+      <p:grpSpPr>
+        <a:xfrm>
+          <a:off x="0" y="0"/>
+          <a:ext cx="0" cy="0"/>
+          <a:chOff x="0" y="0"/>
+          <a:chExt cx="0" cy="0"/>
+        </a:xfrm>
+      </p:grpSpPr>
+      <p:sp>
+        <p:nvSpPr>
+          <p:cNvPr id="6" name="Rectangle 5">
+            <a:extLst>
+              <a:ext uri="{FF2B5EF4-FFF2-40B4-BE49-F238E27FC236}">
+                <a16:creationId xmlns:a16="http://schemas.microsoft.com/office/drawing/2014/main" id="{F2FAAE5D-6F5D-4276-A188-B0F75533DF8A}"/>
+              </a:ext>
+            </a:extLst>
+          </p:cNvPr>
+          <p:cNvSpPr/>
+          <p:nvPr/>
+        </p:nvSpPr>
+        <p:spPr>
+          <a:xfrm>
+            <a:off x="192163" y="905522"/>
+            <a:ext cx="11807674" cy="5211193"/>
+          </a:xfrm>
+          <a:prstGeom prst="rect">
+            <a:avLst/>
+          </a:prstGeom>
+          <a:noFill/>
+          <a:ln>
+            <a:solidFill>
+              <a:schemeClr val="bg1">
+                <a:lumMod val="65000"/>
+              </a:schemeClr>
+            </a:solidFill>
+          </a:ln>
+        </p:spPr>
+        <p:style>
+          <a:lnRef idx="2">
+            <a:schemeClr val="accent1">
+              <a:shade val="50000"/>
+            </a:schemeClr>
+          </a:lnRef>
+          <a:fillRef idx="1">
+            <a:schemeClr val="accent1"/>
+          </a:fillRef>
+          <a:effectRef idx="0">
+            <a:schemeClr val="accent1"/>
+          </a:effectRef>
+          <a:fontRef idx="minor">
+            <a:schemeClr val="lt1"/>
+          </a:fontRef>
+        </p:style>
+        <p:txBody>
+          <a:bodyPr rtlCol="0" anchor="ctr"/>
+          <a:lstStyle/>
+          <a:p>
+            <a:pPr algn="ctr"/>
+            <a:endParaRPr lang="en-US"/>
+          </a:p>
+        </p:txBody>
+      </p:sp>
+      <p:sp>
+        <p:nvSpPr>
+          <p:cNvPr id="7" name="TextBox 6">
+            <a:extLst>
+              <a:ext uri="{FF2B5EF4-FFF2-40B4-BE49-F238E27FC236}">
+                <a16:creationId xmlns:a16="http://schemas.microsoft.com/office/drawing/2014/main" id="{A063DF1C-7DF0-40B4-AC9D-EC918B0CB000}"/>
+              </a:ext>
+            </a:extLst>
+          </p:cNvPr>
+          <p:cNvSpPr txBox="1"/>
+          <p:nvPr/>
+        </p:nvSpPr>
+        <p:spPr>
+          <a:xfrm>
+            <a:off x="192163" y="128664"/>
+            <a:ext cx="2066223" cy="369332"/>
+          </a:xfrm>
+          <a:prstGeom prst="rect">
+            <a:avLst/>
+          </a:prstGeom>
+          <a:noFill/>
+        </p:spPr>
+        <p:txBody>
+          <a:bodyPr wrap="square" rtlCol="0">
+            <a:spAutoFit/>
+          </a:bodyPr>
+          <a:lstStyle/>
+          <a:p>
+            <a:pPr algn="ctr"/>
+            <a:r>
+              <a:rPr lang="en-US" b="1"/>
               <a:t>Color Palettes</a:t>
             </a:r>
           </a:p>
@@ -8743,7 +9214,325 @@
 </p:sld>
 </file>
 
-<file path=ppt/slides/slide27.xml><?xml version="1.0" encoding="utf-8"?>
+<file path=ppt/slides/slide3.xml><?xml version="1.0" encoding="utf-8"?>
+<p:sld xmlns:a="http://schemas.openxmlformats.org/drawingml/2006/main" xmlns:r="http://schemas.openxmlformats.org/officeDocument/2006/relationships" xmlns:p="http://schemas.openxmlformats.org/presentationml/2006/main">
+  <p:cSld>
+    <p:spTree>
+      <p:nvGrpSpPr>
+        <p:cNvPr id="1" name=""/>
+        <p:cNvGrpSpPr/>
+        <p:nvPr/>
+      </p:nvGrpSpPr>
+      <p:grpSpPr>
+        <a:xfrm>
+          <a:off x="0" y="0"/>
+          <a:ext cx="0" cy="0"/>
+          <a:chOff x="0" y="0"/>
+          <a:chExt cx="0" cy="0"/>
+        </a:xfrm>
+      </p:grpSpPr>
+      <p:sp>
+        <p:nvSpPr>
+          <p:cNvPr id="11" name="Rectangle 10">
+            <a:extLst>
+              <a:ext uri="{FF2B5EF4-FFF2-40B4-BE49-F238E27FC236}">
+                <a16:creationId xmlns:a16="http://schemas.microsoft.com/office/drawing/2014/main" id="{F7432040-3975-4A47-9851-71C7544179DB}"/>
+              </a:ext>
+            </a:extLst>
+          </p:cNvPr>
+          <p:cNvSpPr/>
+          <p:nvPr/>
+        </p:nvSpPr>
+        <p:spPr>
+          <a:xfrm>
+            <a:off x="192163" y="887766"/>
+            <a:ext cx="11766057" cy="3755255"/>
+          </a:xfrm>
+          <a:prstGeom prst="rect">
+            <a:avLst/>
+          </a:prstGeom>
+          <a:noFill/>
+          <a:ln>
+            <a:solidFill>
+              <a:schemeClr val="bg1">
+                <a:lumMod val="65000"/>
+              </a:schemeClr>
+            </a:solidFill>
+          </a:ln>
+        </p:spPr>
+        <p:style>
+          <a:lnRef idx="2">
+            <a:schemeClr val="accent1">
+              <a:shade val="50000"/>
+            </a:schemeClr>
+          </a:lnRef>
+          <a:fillRef idx="1">
+            <a:schemeClr val="accent1"/>
+          </a:fillRef>
+          <a:effectRef idx="0">
+            <a:schemeClr val="accent1"/>
+          </a:effectRef>
+          <a:fontRef idx="minor">
+            <a:schemeClr val="lt1"/>
+          </a:fontRef>
+        </p:style>
+        <p:txBody>
+          <a:bodyPr rtlCol="0" anchor="ctr"/>
+          <a:lstStyle/>
+          <a:p>
+            <a:pPr algn="ctr"/>
+            <a:endParaRPr lang="en-US"/>
+          </a:p>
+        </p:txBody>
+      </p:sp>
+      <p:sp>
+        <p:nvSpPr>
+          <p:cNvPr id="12" name="TextBox 11">
+            <a:extLst>
+              <a:ext uri="{FF2B5EF4-FFF2-40B4-BE49-F238E27FC236}">
+                <a16:creationId xmlns:a16="http://schemas.microsoft.com/office/drawing/2014/main" id="{F1498920-CEE6-468A-B822-668FDD52D7A2}"/>
+              </a:ext>
+            </a:extLst>
+          </p:cNvPr>
+          <p:cNvSpPr txBox="1"/>
+          <p:nvPr/>
+        </p:nvSpPr>
+        <p:spPr>
+          <a:xfrm>
+            <a:off x="192163" y="128664"/>
+            <a:ext cx="2066223" cy="369332"/>
+          </a:xfrm>
+          <a:prstGeom prst="rect">
+            <a:avLst/>
+          </a:prstGeom>
+          <a:noFill/>
+        </p:spPr>
+        <p:txBody>
+          <a:bodyPr wrap="square" rtlCol="0">
+            <a:spAutoFit/>
+          </a:bodyPr>
+          <a:lstStyle/>
+          <a:p>
+            <a:pPr algn="ctr"/>
+            <a:r>
+              <a:rPr lang="en-US" b="1"/>
+              <a:t>Color palette</a:t>
+            </a:r>
+          </a:p>
+        </p:txBody>
+      </p:sp>
+      <p:pic>
+        <p:nvPicPr>
+          <p:cNvPr id="2" name="Picture 1">
+            <a:extLst>
+              <a:ext uri="{FF2B5EF4-FFF2-40B4-BE49-F238E27FC236}">
+                <a16:creationId xmlns:a16="http://schemas.microsoft.com/office/drawing/2014/main" id="{73ABC05A-2FD3-4203-A450-60C38E25EF2E}"/>
+              </a:ext>
+            </a:extLst>
+          </p:cNvPr>
+          <p:cNvPicPr>
+            <a:picLocks noChangeAspect="1"/>
+          </p:cNvPicPr>
+          <p:nvPr/>
+        </p:nvPicPr>
+        <p:blipFill>
+          <a:blip r:embed="rId2"/>
+          <a:stretch>
+            <a:fillRect/>
+          </a:stretch>
+        </p:blipFill>
+        <p:spPr>
+          <a:xfrm>
+            <a:off x="233780" y="1607458"/>
+            <a:ext cx="3248025" cy="2847975"/>
+          </a:xfrm>
+          <a:prstGeom prst="rect">
+            <a:avLst/>
+          </a:prstGeom>
+        </p:spPr>
+      </p:pic>
+      <p:pic>
+        <p:nvPicPr>
+          <p:cNvPr id="3" name="Picture 2">
+            <a:extLst>
+              <a:ext uri="{FF2B5EF4-FFF2-40B4-BE49-F238E27FC236}">
+                <a16:creationId xmlns:a16="http://schemas.microsoft.com/office/drawing/2014/main" id="{9A4089F7-BCF8-4D99-AC63-3CB6D53054FF}"/>
+              </a:ext>
+            </a:extLst>
+          </p:cNvPr>
+          <p:cNvPicPr>
+            <a:picLocks noChangeAspect="1"/>
+          </p:cNvPicPr>
+          <p:nvPr/>
+        </p:nvPicPr>
+        <p:blipFill>
+          <a:blip r:embed="rId3"/>
+          <a:stretch>
+            <a:fillRect/>
+          </a:stretch>
+        </p:blipFill>
+        <p:spPr>
+          <a:xfrm>
+            <a:off x="3720322" y="1636032"/>
+            <a:ext cx="2990850" cy="2790825"/>
+          </a:xfrm>
+          <a:prstGeom prst="rect">
+            <a:avLst/>
+          </a:prstGeom>
+        </p:spPr>
+      </p:pic>
+      <p:pic>
+        <p:nvPicPr>
+          <p:cNvPr id="5" name="Picture 4">
+            <a:extLst>
+              <a:ext uri="{FF2B5EF4-FFF2-40B4-BE49-F238E27FC236}">
+                <a16:creationId xmlns:a16="http://schemas.microsoft.com/office/drawing/2014/main" id="{EA0EF384-94F9-4C94-A097-A863BFCAE7D4}"/>
+              </a:ext>
+            </a:extLst>
+          </p:cNvPr>
+          <p:cNvPicPr>
+            <a:picLocks noChangeAspect="1"/>
+          </p:cNvPicPr>
+          <p:nvPr/>
+        </p:nvPicPr>
+        <p:blipFill>
+          <a:blip r:embed="rId4"/>
+          <a:stretch>
+            <a:fillRect/>
+          </a:stretch>
+        </p:blipFill>
+        <p:spPr>
+          <a:xfrm>
+            <a:off x="6949689" y="1878920"/>
+            <a:ext cx="4791075" cy="2305050"/>
+          </a:xfrm>
+          <a:prstGeom prst="rect">
+            <a:avLst/>
+          </a:prstGeom>
+        </p:spPr>
+      </p:pic>
+      <p:sp>
+        <p:nvSpPr>
+          <p:cNvPr id="13" name="TextBox 12">
+            <a:extLst>
+              <a:ext uri="{FF2B5EF4-FFF2-40B4-BE49-F238E27FC236}">
+                <a16:creationId xmlns:a16="http://schemas.microsoft.com/office/drawing/2014/main" id="{F3376CD1-55E5-4230-8E2D-4AF59126C8F3}"/>
+              </a:ext>
+            </a:extLst>
+          </p:cNvPr>
+          <p:cNvSpPr txBox="1"/>
+          <p:nvPr/>
+        </p:nvSpPr>
+        <p:spPr>
+          <a:xfrm>
+            <a:off x="681915" y="1041170"/>
+            <a:ext cx="2066223" cy="369332"/>
+          </a:xfrm>
+          <a:prstGeom prst="rect">
+            <a:avLst/>
+          </a:prstGeom>
+          <a:noFill/>
+        </p:spPr>
+        <p:txBody>
+          <a:bodyPr wrap="square" rtlCol="0">
+            <a:spAutoFit/>
+          </a:bodyPr>
+          <a:lstStyle/>
+          <a:p>
+            <a:pPr algn="ctr"/>
+            <a:r>
+              <a:rPr lang="en-US" b="1"/>
+              <a:t>pal_hot</a:t>
+            </a:r>
+          </a:p>
+        </p:txBody>
+      </p:sp>
+      <p:sp>
+        <p:nvSpPr>
+          <p:cNvPr id="14" name="TextBox 13">
+            <a:extLst>
+              <a:ext uri="{FF2B5EF4-FFF2-40B4-BE49-F238E27FC236}">
+                <a16:creationId xmlns:a16="http://schemas.microsoft.com/office/drawing/2014/main" id="{69292EEC-53CC-478E-B425-1C3BE965FA07}"/>
+              </a:ext>
+            </a:extLst>
+          </p:cNvPr>
+          <p:cNvSpPr txBox="1"/>
+          <p:nvPr/>
+        </p:nvSpPr>
+        <p:spPr>
+          <a:xfrm>
+            <a:off x="4092420" y="1041170"/>
+            <a:ext cx="2066223" cy="369332"/>
+          </a:xfrm>
+          <a:prstGeom prst="rect">
+            <a:avLst/>
+          </a:prstGeom>
+          <a:noFill/>
+        </p:spPr>
+        <p:txBody>
+          <a:bodyPr wrap="square" rtlCol="0">
+            <a:spAutoFit/>
+          </a:bodyPr>
+          <a:lstStyle/>
+          <a:p>
+            <a:pPr algn="ctr"/>
+            <a:r>
+              <a:rPr lang="en-US" b="1"/>
+              <a:t>pal_div_BrGn</a:t>
+            </a:r>
+          </a:p>
+        </p:txBody>
+      </p:sp>
+      <p:sp>
+        <p:nvSpPr>
+          <p:cNvPr id="15" name="TextBox 14">
+            <a:extLst>
+              <a:ext uri="{FF2B5EF4-FFF2-40B4-BE49-F238E27FC236}">
+                <a16:creationId xmlns:a16="http://schemas.microsoft.com/office/drawing/2014/main" id="{270D6538-67C6-4DF8-907C-160512B9AC13}"/>
+              </a:ext>
+            </a:extLst>
+          </p:cNvPr>
+          <p:cNvSpPr txBox="1"/>
+          <p:nvPr/>
+        </p:nvSpPr>
+        <p:spPr>
+          <a:xfrm>
+            <a:off x="8710288" y="1041170"/>
+            <a:ext cx="2066223" cy="369332"/>
+          </a:xfrm>
+          <a:prstGeom prst="rect">
+            <a:avLst/>
+          </a:prstGeom>
+          <a:noFill/>
+        </p:spPr>
+        <p:txBody>
+          <a:bodyPr wrap="square" rtlCol="0">
+            <a:spAutoFit/>
+          </a:bodyPr>
+          <a:lstStyle/>
+          <a:p>
+            <a:pPr algn="ctr"/>
+            <a:r>
+              <a:rPr lang="en-US" b="1"/>
+              <a:t>pal_ScarcityCat</a:t>
+            </a:r>
+          </a:p>
+        </p:txBody>
+      </p:sp>
+    </p:spTree>
+    <p:extLst>
+      <p:ext uri="{BB962C8B-B14F-4D97-AF65-F5344CB8AC3E}">
+        <p14:creationId xmlns:p14="http://schemas.microsoft.com/office/powerpoint/2010/main" val="48681350"/>
+      </p:ext>
+    </p:extLst>
+  </p:cSld>
+  <p:clrMapOvr>
+    <a:masterClrMapping/>
+  </p:clrMapOvr>
+</p:sld>
+</file>
+
+<file path=ppt/slides/slide30.xml><?xml version="1.0" encoding="utf-8"?>
 <p:sld xmlns:a="http://schemas.openxmlformats.org/drawingml/2006/main" xmlns:r="http://schemas.openxmlformats.org/officeDocument/2006/relationships" xmlns:p="http://schemas.openxmlformats.org/presentationml/2006/main">
   <p:cSld>
     <p:spTree>
@@ -9697,7 +10486,7 @@
 </p:sld>
 </file>
 
-<file path=ppt/slides/slide28.xml><?xml version="1.0" encoding="utf-8"?>
+<file path=ppt/slides/slide31.xml><?xml version="1.0" encoding="utf-8"?>
 <p:sld xmlns:a="http://schemas.openxmlformats.org/drawingml/2006/main" xmlns:r="http://schemas.openxmlformats.org/officeDocument/2006/relationships" xmlns:p="http://schemas.openxmlformats.org/presentationml/2006/main">
   <p:cSld>
     <p:spTree>
@@ -9961,7 +10750,7 @@
 </p:sld>
 </file>
 
-<file path=ppt/slides/slide29.xml><?xml version="1.0" encoding="utf-8"?>
+<file path=ppt/slides/slide32.xml><?xml version="1.0" encoding="utf-8"?>
 <p:sld xmlns:a="http://schemas.openxmlformats.org/drawingml/2006/main" xmlns:r="http://schemas.openxmlformats.org/officeDocument/2006/relationships" xmlns:p="http://schemas.openxmlformats.org/presentationml/2006/main">
   <p:cSld>
     <p:spTree>
@@ -10117,325 +10906,7 @@
 </p:sld>
 </file>
 
-<file path=ppt/slides/slide3.xml><?xml version="1.0" encoding="utf-8"?>
-<p:sld xmlns:a="http://schemas.openxmlformats.org/drawingml/2006/main" xmlns:r="http://schemas.openxmlformats.org/officeDocument/2006/relationships" xmlns:p="http://schemas.openxmlformats.org/presentationml/2006/main">
-  <p:cSld>
-    <p:spTree>
-      <p:nvGrpSpPr>
-        <p:cNvPr id="1" name=""/>
-        <p:cNvGrpSpPr/>
-        <p:nvPr/>
-      </p:nvGrpSpPr>
-      <p:grpSpPr>
-        <a:xfrm>
-          <a:off x="0" y="0"/>
-          <a:ext cx="0" cy="0"/>
-          <a:chOff x="0" y="0"/>
-          <a:chExt cx="0" cy="0"/>
-        </a:xfrm>
-      </p:grpSpPr>
-      <p:sp>
-        <p:nvSpPr>
-          <p:cNvPr id="11" name="Rectangle 10">
-            <a:extLst>
-              <a:ext uri="{FF2B5EF4-FFF2-40B4-BE49-F238E27FC236}">
-                <a16:creationId xmlns:a16="http://schemas.microsoft.com/office/drawing/2014/main" id="{F7432040-3975-4A47-9851-71C7544179DB}"/>
-              </a:ext>
-            </a:extLst>
-          </p:cNvPr>
-          <p:cNvSpPr/>
-          <p:nvPr/>
-        </p:nvSpPr>
-        <p:spPr>
-          <a:xfrm>
-            <a:off x="192163" y="887766"/>
-            <a:ext cx="11766057" cy="3755255"/>
-          </a:xfrm>
-          <a:prstGeom prst="rect">
-            <a:avLst/>
-          </a:prstGeom>
-          <a:noFill/>
-          <a:ln>
-            <a:solidFill>
-              <a:schemeClr val="bg1">
-                <a:lumMod val="65000"/>
-              </a:schemeClr>
-            </a:solidFill>
-          </a:ln>
-        </p:spPr>
-        <p:style>
-          <a:lnRef idx="2">
-            <a:schemeClr val="accent1">
-              <a:shade val="50000"/>
-            </a:schemeClr>
-          </a:lnRef>
-          <a:fillRef idx="1">
-            <a:schemeClr val="accent1"/>
-          </a:fillRef>
-          <a:effectRef idx="0">
-            <a:schemeClr val="accent1"/>
-          </a:effectRef>
-          <a:fontRef idx="minor">
-            <a:schemeClr val="lt1"/>
-          </a:fontRef>
-        </p:style>
-        <p:txBody>
-          <a:bodyPr rtlCol="0" anchor="ctr"/>
-          <a:lstStyle/>
-          <a:p>
-            <a:pPr algn="ctr"/>
-            <a:endParaRPr lang="en-US"/>
-          </a:p>
-        </p:txBody>
-      </p:sp>
-      <p:sp>
-        <p:nvSpPr>
-          <p:cNvPr id="12" name="TextBox 11">
-            <a:extLst>
-              <a:ext uri="{FF2B5EF4-FFF2-40B4-BE49-F238E27FC236}">
-                <a16:creationId xmlns:a16="http://schemas.microsoft.com/office/drawing/2014/main" id="{F1498920-CEE6-468A-B822-668FDD52D7A2}"/>
-              </a:ext>
-            </a:extLst>
-          </p:cNvPr>
-          <p:cNvSpPr txBox="1"/>
-          <p:nvPr/>
-        </p:nvSpPr>
-        <p:spPr>
-          <a:xfrm>
-            <a:off x="192163" y="128664"/>
-            <a:ext cx="2066223" cy="369332"/>
-          </a:xfrm>
-          <a:prstGeom prst="rect">
-            <a:avLst/>
-          </a:prstGeom>
-          <a:noFill/>
-        </p:spPr>
-        <p:txBody>
-          <a:bodyPr wrap="square" rtlCol="0">
-            <a:spAutoFit/>
-          </a:bodyPr>
-          <a:lstStyle/>
-          <a:p>
-            <a:pPr algn="ctr"/>
-            <a:r>
-              <a:rPr lang="en-US" b="1"/>
-              <a:t>Color palette</a:t>
-            </a:r>
-          </a:p>
-        </p:txBody>
-      </p:sp>
-      <p:pic>
-        <p:nvPicPr>
-          <p:cNvPr id="2" name="Picture 1">
-            <a:extLst>
-              <a:ext uri="{FF2B5EF4-FFF2-40B4-BE49-F238E27FC236}">
-                <a16:creationId xmlns:a16="http://schemas.microsoft.com/office/drawing/2014/main" id="{73ABC05A-2FD3-4203-A450-60C38E25EF2E}"/>
-              </a:ext>
-            </a:extLst>
-          </p:cNvPr>
-          <p:cNvPicPr>
-            <a:picLocks noChangeAspect="1"/>
-          </p:cNvPicPr>
-          <p:nvPr/>
-        </p:nvPicPr>
-        <p:blipFill>
-          <a:blip r:embed="rId2"/>
-          <a:stretch>
-            <a:fillRect/>
-          </a:stretch>
-        </p:blipFill>
-        <p:spPr>
-          <a:xfrm>
-            <a:off x="233780" y="1607458"/>
-            <a:ext cx="3248025" cy="2847975"/>
-          </a:xfrm>
-          <a:prstGeom prst="rect">
-            <a:avLst/>
-          </a:prstGeom>
-        </p:spPr>
-      </p:pic>
-      <p:pic>
-        <p:nvPicPr>
-          <p:cNvPr id="3" name="Picture 2">
-            <a:extLst>
-              <a:ext uri="{FF2B5EF4-FFF2-40B4-BE49-F238E27FC236}">
-                <a16:creationId xmlns:a16="http://schemas.microsoft.com/office/drawing/2014/main" id="{9A4089F7-BCF8-4D99-AC63-3CB6D53054FF}"/>
-              </a:ext>
-            </a:extLst>
-          </p:cNvPr>
-          <p:cNvPicPr>
-            <a:picLocks noChangeAspect="1"/>
-          </p:cNvPicPr>
-          <p:nvPr/>
-        </p:nvPicPr>
-        <p:blipFill>
-          <a:blip r:embed="rId3"/>
-          <a:stretch>
-            <a:fillRect/>
-          </a:stretch>
-        </p:blipFill>
-        <p:spPr>
-          <a:xfrm>
-            <a:off x="3720322" y="1636032"/>
-            <a:ext cx="2990850" cy="2790825"/>
-          </a:xfrm>
-          <a:prstGeom prst="rect">
-            <a:avLst/>
-          </a:prstGeom>
-        </p:spPr>
-      </p:pic>
-      <p:pic>
-        <p:nvPicPr>
-          <p:cNvPr id="5" name="Picture 4">
-            <a:extLst>
-              <a:ext uri="{FF2B5EF4-FFF2-40B4-BE49-F238E27FC236}">
-                <a16:creationId xmlns:a16="http://schemas.microsoft.com/office/drawing/2014/main" id="{EA0EF384-94F9-4C94-A097-A863BFCAE7D4}"/>
-              </a:ext>
-            </a:extLst>
-          </p:cNvPr>
-          <p:cNvPicPr>
-            <a:picLocks noChangeAspect="1"/>
-          </p:cNvPicPr>
-          <p:nvPr/>
-        </p:nvPicPr>
-        <p:blipFill>
-          <a:blip r:embed="rId4"/>
-          <a:stretch>
-            <a:fillRect/>
-          </a:stretch>
-        </p:blipFill>
-        <p:spPr>
-          <a:xfrm>
-            <a:off x="6949689" y="1878920"/>
-            <a:ext cx="4791075" cy="2305050"/>
-          </a:xfrm>
-          <a:prstGeom prst="rect">
-            <a:avLst/>
-          </a:prstGeom>
-        </p:spPr>
-      </p:pic>
-      <p:sp>
-        <p:nvSpPr>
-          <p:cNvPr id="13" name="TextBox 12">
-            <a:extLst>
-              <a:ext uri="{FF2B5EF4-FFF2-40B4-BE49-F238E27FC236}">
-                <a16:creationId xmlns:a16="http://schemas.microsoft.com/office/drawing/2014/main" id="{F3376CD1-55E5-4230-8E2D-4AF59126C8F3}"/>
-              </a:ext>
-            </a:extLst>
-          </p:cNvPr>
-          <p:cNvSpPr txBox="1"/>
-          <p:nvPr/>
-        </p:nvSpPr>
-        <p:spPr>
-          <a:xfrm>
-            <a:off x="681915" y="1041170"/>
-            <a:ext cx="2066223" cy="369332"/>
-          </a:xfrm>
-          <a:prstGeom prst="rect">
-            <a:avLst/>
-          </a:prstGeom>
-          <a:noFill/>
-        </p:spPr>
-        <p:txBody>
-          <a:bodyPr wrap="square" rtlCol="0">
-            <a:spAutoFit/>
-          </a:bodyPr>
-          <a:lstStyle/>
-          <a:p>
-            <a:pPr algn="ctr"/>
-            <a:r>
-              <a:rPr lang="en-US" b="1"/>
-              <a:t>pal_hot</a:t>
-            </a:r>
-          </a:p>
-        </p:txBody>
-      </p:sp>
-      <p:sp>
-        <p:nvSpPr>
-          <p:cNvPr id="14" name="TextBox 13">
-            <a:extLst>
-              <a:ext uri="{FF2B5EF4-FFF2-40B4-BE49-F238E27FC236}">
-                <a16:creationId xmlns:a16="http://schemas.microsoft.com/office/drawing/2014/main" id="{69292EEC-53CC-478E-B425-1C3BE965FA07}"/>
-              </a:ext>
-            </a:extLst>
-          </p:cNvPr>
-          <p:cNvSpPr txBox="1"/>
-          <p:nvPr/>
-        </p:nvSpPr>
-        <p:spPr>
-          <a:xfrm>
-            <a:off x="4092420" y="1041170"/>
-            <a:ext cx="2066223" cy="369332"/>
-          </a:xfrm>
-          <a:prstGeom prst="rect">
-            <a:avLst/>
-          </a:prstGeom>
-          <a:noFill/>
-        </p:spPr>
-        <p:txBody>
-          <a:bodyPr wrap="square" rtlCol="0">
-            <a:spAutoFit/>
-          </a:bodyPr>
-          <a:lstStyle/>
-          <a:p>
-            <a:pPr algn="ctr"/>
-            <a:r>
-              <a:rPr lang="en-US" b="1"/>
-              <a:t>pal_div_BrGn</a:t>
-            </a:r>
-          </a:p>
-        </p:txBody>
-      </p:sp>
-      <p:sp>
-        <p:nvSpPr>
-          <p:cNvPr id="15" name="TextBox 14">
-            <a:extLst>
-              <a:ext uri="{FF2B5EF4-FFF2-40B4-BE49-F238E27FC236}">
-                <a16:creationId xmlns:a16="http://schemas.microsoft.com/office/drawing/2014/main" id="{270D6538-67C6-4DF8-907C-160512B9AC13}"/>
-              </a:ext>
-            </a:extLst>
-          </p:cNvPr>
-          <p:cNvSpPr txBox="1"/>
-          <p:nvPr/>
-        </p:nvSpPr>
-        <p:spPr>
-          <a:xfrm>
-            <a:off x="8710288" y="1041170"/>
-            <a:ext cx="2066223" cy="369332"/>
-          </a:xfrm>
-          <a:prstGeom prst="rect">
-            <a:avLst/>
-          </a:prstGeom>
-          <a:noFill/>
-        </p:spPr>
-        <p:txBody>
-          <a:bodyPr wrap="square" rtlCol="0">
-            <a:spAutoFit/>
-          </a:bodyPr>
-          <a:lstStyle/>
-          <a:p>
-            <a:pPr algn="ctr"/>
-            <a:r>
-              <a:rPr lang="en-US" b="1"/>
-              <a:t>pal_ScarcityCat</a:t>
-            </a:r>
-          </a:p>
-        </p:txBody>
-      </p:sp>
-    </p:spTree>
-    <p:extLst>
-      <p:ext uri="{BB962C8B-B14F-4D97-AF65-F5344CB8AC3E}">
-        <p14:creationId xmlns:p14="http://schemas.microsoft.com/office/powerpoint/2010/main" val="48681350"/>
-      </p:ext>
-    </p:extLst>
-  </p:cSld>
-  <p:clrMapOvr>
-    <a:masterClrMapping/>
-  </p:clrMapOvr>
-</p:sld>
-</file>
-
-<file path=ppt/slides/slide30.xml><?xml version="1.0" encoding="utf-8"?>
+<file path=ppt/slides/slide33.xml><?xml version="1.0" encoding="utf-8"?>
 <p:sld xmlns:a="http://schemas.openxmlformats.org/drawingml/2006/main" xmlns:r="http://schemas.openxmlformats.org/officeDocument/2006/relationships" xmlns:p="http://schemas.openxmlformats.org/presentationml/2006/main">
   <p:cSld>
     <p:spTree>
@@ -11920,7 +12391,7 @@
 </p:sld>
 </file>
 
-<file path=ppt/slides/slide31.xml><?xml version="1.0" encoding="utf-8"?>
+<file path=ppt/slides/slide34.xml><?xml version="1.0" encoding="utf-8"?>
 <p:sld xmlns:a="http://schemas.openxmlformats.org/drawingml/2006/main" xmlns:r="http://schemas.openxmlformats.org/officeDocument/2006/relationships" xmlns:p="http://schemas.openxmlformats.org/presentationml/2006/main">
   <p:cSld>
     <p:spTree>
@@ -12421,7 +12892,7 @@
 </p:sld>
 </file>
 
-<file path=ppt/slides/slide32.xml><?xml version="1.0" encoding="utf-8"?>
+<file path=ppt/slides/slide35.xml><?xml version="1.0" encoding="utf-8"?>
 <p:sld xmlns:a="http://schemas.openxmlformats.org/drawingml/2006/main" xmlns:r="http://schemas.openxmlformats.org/officeDocument/2006/relationships" xmlns:p="http://schemas.openxmlformats.org/presentationml/2006/main">
   <p:cSld>
     <p:spTree>
@@ -12685,7 +13156,7 @@
 </p:sld>
 </file>
 
-<file path=ppt/slides/slide33.xml><?xml version="1.0" encoding="utf-8"?>
+<file path=ppt/slides/slide36.xml><?xml version="1.0" encoding="utf-8"?>
 <p:sld xmlns:a="http://schemas.openxmlformats.org/drawingml/2006/main" xmlns:r="http://schemas.openxmlformats.org/officeDocument/2006/relationships" xmlns:p="http://schemas.openxmlformats.org/presentationml/2006/main">
   <p:cSld>
     <p:spTree>
@@ -12742,7 +13213,7 @@
 </p:sld>
 </file>
 
-<file path=ppt/slides/slide34.xml><?xml version="1.0" encoding="utf-8"?>
+<file path=ppt/slides/slide37.xml><?xml version="1.0" encoding="utf-8"?>
 <p:sld xmlns:a="http://schemas.openxmlformats.org/drawingml/2006/main" xmlns:r="http://schemas.openxmlformats.org/officeDocument/2006/relationships" xmlns:p="http://schemas.openxmlformats.org/presentationml/2006/main">
   <p:cSld>
     <p:spTree>
@@ -14811,7 +15282,7 @@
 </p:sld>
 </file>
 
-<file path=ppt/slides/slide35.xml><?xml version="1.0" encoding="utf-8"?>
+<file path=ppt/slides/slide38.xml><?xml version="1.0" encoding="utf-8"?>
 <p:sld xmlns:a="http://schemas.openxmlformats.org/drawingml/2006/main" xmlns:r="http://schemas.openxmlformats.org/officeDocument/2006/relationships" xmlns:p="http://schemas.openxmlformats.org/presentationml/2006/main">
   <p:cSld>
     <p:spTree>
@@ -15727,7 +16198,7 @@
 </p:sld>
 </file>
 
-<file path=ppt/slides/slide36.xml><?xml version="1.0" encoding="utf-8"?>
+<file path=ppt/slides/slide39.xml><?xml version="1.0" encoding="utf-8"?>
 <p:sld xmlns:a="http://schemas.openxmlformats.org/drawingml/2006/main" xmlns:r="http://schemas.openxmlformats.org/officeDocument/2006/relationships" xmlns:p="http://schemas.openxmlformats.org/presentationml/2006/main">
   <p:cSld>
     <p:spTree>
@@ -22583,36 +23054,6 @@
 </p:sld>
 </file>
 
-<file path=ppt/slides/slide37.xml><?xml version="1.0" encoding="utf-8"?>
-<p:sld xmlns:a="http://schemas.openxmlformats.org/drawingml/2006/main" xmlns:r="http://schemas.openxmlformats.org/officeDocument/2006/relationships" xmlns:p="http://schemas.openxmlformats.org/presentationml/2006/main">
-  <p:cSld>
-    <p:spTree>
-      <p:nvGrpSpPr>
-        <p:cNvPr id="1" name=""/>
-        <p:cNvGrpSpPr/>
-        <p:nvPr/>
-      </p:nvGrpSpPr>
-      <p:grpSpPr>
-        <a:xfrm>
-          <a:off x="0" y="0"/>
-          <a:ext cx="0" cy="0"/>
-          <a:chOff x="0" y="0"/>
-          <a:chExt cx="0" cy="0"/>
-        </a:xfrm>
-      </p:grpSpPr>
-    </p:spTree>
-    <p:extLst>
-      <p:ext uri="{BB962C8B-B14F-4D97-AF65-F5344CB8AC3E}">
-        <p14:creationId xmlns:p14="http://schemas.microsoft.com/office/powerpoint/2010/main" val="2366498184"/>
-      </p:ext>
-    </p:extLst>
-  </p:cSld>
-  <p:clrMapOvr>
-    <a:masterClrMapping/>
-  </p:clrMapOvr>
-</p:sld>
-</file>
-
 <file path=ppt/slides/slide4.xml><?xml version="1.0" encoding="utf-8"?>
 <p:sld xmlns:a="http://schemas.openxmlformats.org/drawingml/2006/main" xmlns:r="http://schemas.openxmlformats.org/officeDocument/2006/relationships" xmlns:p="http://schemas.openxmlformats.org/presentationml/2006/main">
   <p:cSld>
@@ -23650,6 +24091,36 @@
     <p:extLst>
       <p:ext uri="{BB962C8B-B14F-4D97-AF65-F5344CB8AC3E}">
         <p14:creationId xmlns:p14="http://schemas.microsoft.com/office/powerpoint/2010/main" val="3345794904"/>
+      </p:ext>
+    </p:extLst>
+  </p:cSld>
+  <p:clrMapOvr>
+    <a:masterClrMapping/>
+  </p:clrMapOvr>
+</p:sld>
+</file>
+
+<file path=ppt/slides/slide40.xml><?xml version="1.0" encoding="utf-8"?>
+<p:sld xmlns:a="http://schemas.openxmlformats.org/drawingml/2006/main" xmlns:r="http://schemas.openxmlformats.org/officeDocument/2006/relationships" xmlns:p="http://schemas.openxmlformats.org/presentationml/2006/main">
+  <p:cSld>
+    <p:spTree>
+      <p:nvGrpSpPr>
+        <p:cNvPr id="1" name=""/>
+        <p:cNvGrpSpPr/>
+        <p:nvPr/>
+      </p:nvGrpSpPr>
+      <p:grpSpPr>
+        <a:xfrm>
+          <a:off x="0" y="0"/>
+          <a:ext cx="0" cy="0"/>
+          <a:chOff x="0" y="0"/>
+          <a:chExt cx="0" cy="0"/>
+        </a:xfrm>
+      </p:grpSpPr>
+    </p:spTree>
+    <p:extLst>
+      <p:ext uri="{BB962C8B-B14F-4D97-AF65-F5344CB8AC3E}">
+        <p14:creationId xmlns:p14="http://schemas.microsoft.com/office/powerpoint/2010/main" val="2366498184"/>
       </p:ext>
     </p:extLst>
   </p:cSld>

--- a/vignettes/vignetteFigs/00vignetteFigs.pptx
+++ b/vignettes/vignetteFigs/00vignetteFigs.pptx
@@ -5,7 +5,7 @@
     <p:sldMasterId id="2147483648" r:id="rId1"/>
   </p:sldMasterIdLst>
   <p:notesMasterIdLst>
-    <p:notesMasterId r:id="rId42"/>
+    <p:notesMasterId r:id="rId44"/>
   </p:notesMasterIdLst>
   <p:sldIdLst>
     <p:sldId id="260" r:id="rId2"/>
@@ -34,20 +34,22 @@
     <p:sldId id="295" r:id="rId25"/>
     <p:sldId id="280" r:id="rId26"/>
     <p:sldId id="281" r:id="rId27"/>
-    <p:sldId id="282" r:id="rId28"/>
-    <p:sldId id="285" r:id="rId29"/>
-    <p:sldId id="287" r:id="rId30"/>
+    <p:sldId id="285" r:id="rId28"/>
+    <p:sldId id="287" r:id="rId29"/>
+    <p:sldId id="282" r:id="rId30"/>
     <p:sldId id="286" r:id="rId31"/>
-    <p:sldId id="283" r:id="rId32"/>
-    <p:sldId id="284" r:id="rId33"/>
-    <p:sldId id="291" r:id="rId34"/>
-    <p:sldId id="292" r:id="rId35"/>
-    <p:sldId id="293" r:id="rId36"/>
-    <p:sldId id="297" r:id="rId37"/>
-    <p:sldId id="301" r:id="rId38"/>
-    <p:sldId id="300" r:id="rId39"/>
-    <p:sldId id="298" r:id="rId40"/>
-    <p:sldId id="302" r:id="rId41"/>
+    <p:sldId id="308" r:id="rId32"/>
+    <p:sldId id="307" r:id="rId33"/>
+    <p:sldId id="283" r:id="rId34"/>
+    <p:sldId id="284" r:id="rId35"/>
+    <p:sldId id="291" r:id="rId36"/>
+    <p:sldId id="292" r:id="rId37"/>
+    <p:sldId id="293" r:id="rId38"/>
+    <p:sldId id="297" r:id="rId39"/>
+    <p:sldId id="301" r:id="rId40"/>
+    <p:sldId id="300" r:id="rId41"/>
+    <p:sldId id="298" r:id="rId42"/>
+    <p:sldId id="302" r:id="rId43"/>
   </p:sldIdLst>
   <p:sldSz cx="12192000" cy="6858000"/>
   <p:notesSz cx="6858000" cy="9144000"/>
@@ -8253,8 +8255,8 @@
         </p:nvSpPr>
         <p:spPr>
           <a:xfrm>
-            <a:off x="192163" y="1260628"/>
-            <a:ext cx="11807674" cy="3666973"/>
+            <a:off x="192163" y="905522"/>
+            <a:ext cx="11807674" cy="4492101"/>
           </a:xfrm>
           <a:prstGeom prst="rect">
             <a:avLst/>
@@ -8324,7 +8326,7 @@
             <a:pPr algn="ctr"/>
             <a:r>
               <a:rPr lang="en-US" b="1"/>
-              <a:t>Multi-Scenario</a:t>
+              <a:t>Scale Range</a:t>
             </a:r>
           </a:p>
         </p:txBody>
@@ -8334,7 +8336,7 @@
           <p:cNvPr id="3" name="Picture 2" descr="A close up of a map&#10;&#10;Description automatically generated">
             <a:extLst>
               <a:ext uri="{FF2B5EF4-FFF2-40B4-BE49-F238E27FC236}">
-                <a16:creationId xmlns:a16="http://schemas.microsoft.com/office/drawing/2014/main" id="{506912A1-F038-4F1D-A9AE-AA77ADE35327}"/>
+                <a16:creationId xmlns:a16="http://schemas.microsoft.com/office/drawing/2014/main" id="{4DA1A181-2FB5-413B-9D3D-50BD24D04487}"/>
               </a:ext>
             </a:extLst>
           </p:cNvPr>
@@ -8357,8 +8359,8 @@
         </p:blipFill>
         <p:spPr>
           <a:xfrm>
-            <a:off x="312390" y="2015067"/>
-            <a:ext cx="3539627" cy="2721636"/>
+            <a:off x="330425" y="2004546"/>
+            <a:ext cx="3648767" cy="2805554"/>
           </a:xfrm>
           <a:prstGeom prst="rect">
             <a:avLst/>
@@ -8367,10 +8369,10 @@
       </p:pic>
       <p:pic>
         <p:nvPicPr>
-          <p:cNvPr id="11" name="Picture 10" descr="A picture containing text, map&#10;&#10;Description automatically generated">
+          <p:cNvPr id="5" name="Picture 4" descr="A picture containing text, map&#10;&#10;Description automatically generated">
             <a:extLst>
               <a:ext uri="{FF2B5EF4-FFF2-40B4-BE49-F238E27FC236}">
-                <a16:creationId xmlns:a16="http://schemas.microsoft.com/office/drawing/2014/main" id="{2666CF1F-00BA-4905-AED8-D3504DAE8D48}"/>
+                <a16:creationId xmlns:a16="http://schemas.microsoft.com/office/drawing/2014/main" id="{CE152858-5230-41BD-87F0-2BFC62712C6B}"/>
               </a:ext>
             </a:extLst>
           </p:cNvPr>
@@ -8393,8 +8395,8 @@
         </p:blipFill>
         <p:spPr>
           <a:xfrm>
-            <a:off x="8247426" y="2015067"/>
-            <a:ext cx="3632184" cy="2721636"/>
+            <a:off x="4223911" y="2026223"/>
+            <a:ext cx="3744177" cy="2805554"/>
           </a:xfrm>
           <a:prstGeom prst="rect">
             <a:avLst/>
@@ -8403,10 +8405,10 @@
       </p:pic>
       <p:pic>
         <p:nvPicPr>
-          <p:cNvPr id="13" name="Picture 12" descr="A picture containing text, map&#10;&#10;Description automatically generated">
+          <p:cNvPr id="9" name="Picture 8" descr="A close up of a map&#10;&#10;Description automatically generated">
             <a:extLst>
               <a:ext uri="{FF2B5EF4-FFF2-40B4-BE49-F238E27FC236}">
-                <a16:creationId xmlns:a16="http://schemas.microsoft.com/office/drawing/2014/main" id="{80B58139-A13C-476F-8918-3B3C827A9BCB}"/>
+                <a16:creationId xmlns:a16="http://schemas.microsoft.com/office/drawing/2014/main" id="{85B3E8CB-3C1F-449D-AF29-914BB03BBAAE}"/>
               </a:ext>
             </a:extLst>
           </p:cNvPr>
@@ -8429,8 +8431,8 @@
         </p:blipFill>
         <p:spPr>
           <a:xfrm>
-            <a:off x="4301171" y="2015067"/>
-            <a:ext cx="3589658" cy="2721636"/>
+            <a:off x="8161235" y="2026223"/>
+            <a:ext cx="3700340" cy="2805554"/>
           </a:xfrm>
           <a:prstGeom prst="rect">
             <a:avLst/>
@@ -8439,10 +8441,10 @@
       </p:pic>
       <p:sp>
         <p:nvSpPr>
-          <p:cNvPr id="14" name="TextBox 13">
+          <p:cNvPr id="10" name="TextBox 9">
             <a:extLst>
               <a:ext uri="{FF2B5EF4-FFF2-40B4-BE49-F238E27FC236}">
-                <a16:creationId xmlns:a16="http://schemas.microsoft.com/office/drawing/2014/main" id="{E7096BCA-B784-4F66-8101-8FBD88CCDF24}"/>
+                <a16:creationId xmlns:a16="http://schemas.microsoft.com/office/drawing/2014/main" id="{50231683-995D-4884-A3B8-220F6C3D95D6}"/>
               </a:ext>
             </a:extLst>
           </p:cNvPr>
@@ -8451,8 +8453,8 @@
         </p:nvSpPr>
         <p:spPr>
           <a:xfrm>
-            <a:off x="886592" y="1470938"/>
-            <a:ext cx="2066223" cy="369332"/>
+            <a:off x="913225" y="1249063"/>
+            <a:ext cx="2066223" cy="646331"/>
           </a:xfrm>
           <a:prstGeom prst="rect">
             <a:avLst/>
@@ -8468,17 +8470,24 @@
             <a:pPr algn="ctr"/>
             <a:r>
               <a:rPr lang="en-US" b="1"/>
-              <a:t>scen1</a:t>
+              <a:t>Scen1</a:t>
+            </a:r>
+          </a:p>
+          <a:p>
+            <a:pPr algn="ctr"/>
+            <a:r>
+              <a:rPr lang="en-US" b="1"/>
+              <a:t>(uses scaleRange)</a:t>
             </a:r>
           </a:p>
         </p:txBody>
       </p:sp>
       <p:sp>
         <p:nvSpPr>
-          <p:cNvPr id="15" name="TextBox 14">
+          <p:cNvPr id="11" name="TextBox 10">
             <a:extLst>
               <a:ext uri="{FF2B5EF4-FFF2-40B4-BE49-F238E27FC236}">
-                <a16:creationId xmlns:a16="http://schemas.microsoft.com/office/drawing/2014/main" id="{20D64CD3-3451-4DBB-B63F-1B79EAEC9F2F}"/>
+                <a16:creationId xmlns:a16="http://schemas.microsoft.com/office/drawing/2014/main" id="{4498A34B-06A3-4AC2-AD37-2FA999F7835C}"/>
               </a:ext>
             </a:extLst>
           </p:cNvPr>
@@ -8487,8 +8496,8 @@
         </p:nvSpPr>
         <p:spPr>
           <a:xfrm>
-            <a:off x="4851608" y="1332438"/>
-            <a:ext cx="2066223" cy="646331"/>
+            <a:off x="4404936" y="1046939"/>
+            <a:ext cx="2756555" cy="923330"/>
           </a:xfrm>
           <a:prstGeom prst="rect">
             <a:avLst/>
@@ -8504,17 +8513,31 @@
             <a:pPr algn="ctr"/>
             <a:r>
               <a:rPr lang="en-US" b="1"/>
-              <a:t>Absolute Difference Scen2 – Scen1</a:t>
+              <a:t>Absolute Difference </a:t>
+            </a:r>
+          </a:p>
+          <a:p>
+            <a:pPr algn="ctr"/>
+            <a:r>
+              <a:rPr lang="en-US" b="1"/>
+              <a:t>Scen2 – Scen1</a:t>
+            </a:r>
+          </a:p>
+          <a:p>
+            <a:pPr algn="ctr"/>
+            <a:r>
+              <a:rPr lang="en-US" b="1"/>
+              <a:t>(using scaleRangeDiffAbs)</a:t>
             </a:r>
           </a:p>
         </p:txBody>
       </p:sp>
       <p:sp>
         <p:nvSpPr>
-          <p:cNvPr id="16" name="TextBox 15">
+          <p:cNvPr id="13" name="TextBox 12">
             <a:extLst>
               <a:ext uri="{FF2B5EF4-FFF2-40B4-BE49-F238E27FC236}">
-                <a16:creationId xmlns:a16="http://schemas.microsoft.com/office/drawing/2014/main" id="{53AAA9E1-273D-4B82-9CB8-E9390A866C43}"/>
+                <a16:creationId xmlns:a16="http://schemas.microsoft.com/office/drawing/2014/main" id="{81DD106D-DDD6-425D-9C63-8DB0E881F145}"/>
               </a:ext>
             </a:extLst>
           </p:cNvPr>
@@ -8523,8 +8546,8 @@
         </p:nvSpPr>
         <p:spPr>
           <a:xfrm>
-            <a:off x="8866130" y="1332438"/>
-            <a:ext cx="2066223" cy="646331"/>
+            <a:off x="8339542" y="1046939"/>
+            <a:ext cx="2928509" cy="923330"/>
           </a:xfrm>
           <a:prstGeom prst="rect">
             <a:avLst/>
@@ -8540,7 +8563,7 @@
             <a:pPr algn="ctr"/>
             <a:r>
               <a:rPr lang="en-US" b="1"/>
-              <a:t>% Difference </a:t>
+              <a:t>Absolute Difference </a:t>
             </a:r>
           </a:p>
           <a:p>
@@ -8550,12 +8573,19 @@
               <a:t>Scen2 – Scen1</a:t>
             </a:r>
           </a:p>
+          <a:p>
+            <a:pPr algn="ctr"/>
+            <a:r>
+              <a:rPr lang="en-US" b="1"/>
+              <a:t>(using scaleRangeDiffPrcnt)</a:t>
+            </a:r>
+          </a:p>
         </p:txBody>
       </p:sp>
     </p:spTree>
     <p:extLst>
       <p:ext uri="{BB962C8B-B14F-4D97-AF65-F5344CB8AC3E}">
-        <p14:creationId xmlns:p14="http://schemas.microsoft.com/office/powerpoint/2010/main" val="3494751291"/>
+        <p14:creationId xmlns:p14="http://schemas.microsoft.com/office/powerpoint/2010/main" val="2543755438"/>
       </p:ext>
     </p:extLst>
   </p:cSld>
@@ -8597,7 +8627,7 @@
         <p:spPr>
           <a:xfrm>
             <a:off x="192163" y="905522"/>
-            <a:ext cx="11807674" cy="4492101"/>
+            <a:ext cx="11807674" cy="5211193"/>
           </a:xfrm>
           <a:prstGeom prst="rect">
             <a:avLst/>
@@ -8667,119 +8697,11 @@
             <a:pPr algn="ctr"/>
             <a:r>
               <a:rPr lang="en-US" b="1"/>
-              <a:t>Scale Range</a:t>
+              <a:t>Color Palettes</a:t>
             </a:r>
           </a:p>
         </p:txBody>
       </p:sp>
-      <p:pic>
-        <p:nvPicPr>
-          <p:cNvPr id="3" name="Picture 2" descr="A close up of a map&#10;&#10;Description automatically generated">
-            <a:extLst>
-              <a:ext uri="{FF2B5EF4-FFF2-40B4-BE49-F238E27FC236}">
-                <a16:creationId xmlns:a16="http://schemas.microsoft.com/office/drawing/2014/main" id="{4DA1A181-2FB5-413B-9D3D-50BD24D04487}"/>
-              </a:ext>
-            </a:extLst>
-          </p:cNvPr>
-          <p:cNvPicPr>
-            <a:picLocks noChangeAspect="1"/>
-          </p:cNvPicPr>
-          <p:nvPr/>
-        </p:nvPicPr>
-        <p:blipFill>
-          <a:blip r:embed="rId2" cstate="print">
-            <a:extLst>
-              <a:ext uri="{28A0092B-C50C-407E-A947-70E740481C1C}">
-                <a14:useLocalDpi xmlns:a14="http://schemas.microsoft.com/office/drawing/2010/main" val="0"/>
-              </a:ext>
-            </a:extLst>
-          </a:blip>
-          <a:stretch>
-            <a:fillRect/>
-          </a:stretch>
-        </p:blipFill>
-        <p:spPr>
-          <a:xfrm>
-            <a:off x="330425" y="2004546"/>
-            <a:ext cx="3648767" cy="2805554"/>
-          </a:xfrm>
-          <a:prstGeom prst="rect">
-            <a:avLst/>
-          </a:prstGeom>
-        </p:spPr>
-      </p:pic>
-      <p:pic>
-        <p:nvPicPr>
-          <p:cNvPr id="5" name="Picture 4" descr="A picture containing text, map&#10;&#10;Description automatically generated">
-            <a:extLst>
-              <a:ext uri="{FF2B5EF4-FFF2-40B4-BE49-F238E27FC236}">
-                <a16:creationId xmlns:a16="http://schemas.microsoft.com/office/drawing/2014/main" id="{CE152858-5230-41BD-87F0-2BFC62712C6B}"/>
-              </a:ext>
-            </a:extLst>
-          </p:cNvPr>
-          <p:cNvPicPr>
-            <a:picLocks noChangeAspect="1"/>
-          </p:cNvPicPr>
-          <p:nvPr/>
-        </p:nvPicPr>
-        <p:blipFill>
-          <a:blip r:embed="rId3" cstate="print">
-            <a:extLst>
-              <a:ext uri="{28A0092B-C50C-407E-A947-70E740481C1C}">
-                <a14:useLocalDpi xmlns:a14="http://schemas.microsoft.com/office/drawing/2010/main" val="0"/>
-              </a:ext>
-            </a:extLst>
-          </a:blip>
-          <a:stretch>
-            <a:fillRect/>
-          </a:stretch>
-        </p:blipFill>
-        <p:spPr>
-          <a:xfrm>
-            <a:off x="4223911" y="2026223"/>
-            <a:ext cx="3744177" cy="2805554"/>
-          </a:xfrm>
-          <a:prstGeom prst="rect">
-            <a:avLst/>
-          </a:prstGeom>
-        </p:spPr>
-      </p:pic>
-      <p:pic>
-        <p:nvPicPr>
-          <p:cNvPr id="9" name="Picture 8" descr="A close up of a map&#10;&#10;Description automatically generated">
-            <a:extLst>
-              <a:ext uri="{FF2B5EF4-FFF2-40B4-BE49-F238E27FC236}">
-                <a16:creationId xmlns:a16="http://schemas.microsoft.com/office/drawing/2014/main" id="{85B3E8CB-3C1F-449D-AF29-914BB03BBAAE}"/>
-              </a:ext>
-            </a:extLst>
-          </p:cNvPr>
-          <p:cNvPicPr>
-            <a:picLocks noChangeAspect="1"/>
-          </p:cNvPicPr>
-          <p:nvPr/>
-        </p:nvPicPr>
-        <p:blipFill>
-          <a:blip r:embed="rId4" cstate="print">
-            <a:extLst>
-              <a:ext uri="{28A0092B-C50C-407E-A947-70E740481C1C}">
-                <a14:useLocalDpi xmlns:a14="http://schemas.microsoft.com/office/drawing/2010/main" val="0"/>
-              </a:ext>
-            </a:extLst>
-          </a:blip>
-          <a:stretch>
-            <a:fillRect/>
-          </a:stretch>
-        </p:blipFill>
-        <p:spPr>
-          <a:xfrm>
-            <a:off x="8161235" y="2026223"/>
-            <a:ext cx="3700340" cy="2805554"/>
-          </a:xfrm>
-          <a:prstGeom prst="rect">
-            <a:avLst/>
-          </a:prstGeom>
-        </p:spPr>
-      </p:pic>
       <p:sp>
         <p:nvSpPr>
           <p:cNvPr id="10" name="TextBox 9">
@@ -8794,7 +8716,7 @@
         </p:nvSpPr>
         <p:spPr>
           <a:xfrm>
-            <a:off x="913225" y="1249063"/>
+            <a:off x="1756603" y="1144348"/>
             <a:ext cx="2066223" cy="646331"/>
           </a:xfrm>
           <a:prstGeom prst="rect">
@@ -8818,17 +8740,17 @@
             <a:pPr algn="ctr"/>
             <a:r>
               <a:rPr lang="en-US" b="1"/>
-              <a:t>(uses scaleRange)</a:t>
+              <a:t>(using classPalette)</a:t>
             </a:r>
           </a:p>
         </p:txBody>
       </p:sp>
       <p:sp>
         <p:nvSpPr>
-          <p:cNvPr id="11" name="TextBox 10">
+          <p:cNvPr id="12" name="TextBox 11">
             <a:extLst>
               <a:ext uri="{FF2B5EF4-FFF2-40B4-BE49-F238E27FC236}">
-                <a16:creationId xmlns:a16="http://schemas.microsoft.com/office/drawing/2014/main" id="{4498A34B-06A3-4AC2-AD37-2FA999F7835C}"/>
+                <a16:creationId xmlns:a16="http://schemas.microsoft.com/office/drawing/2014/main" id="{A8CF6545-2338-40E2-BB92-6BA11A17C319}"/>
               </a:ext>
             </a:extLst>
           </p:cNvPr>
@@ -8837,8 +8759,8 @@
         </p:nvSpPr>
         <p:spPr>
           <a:xfrm>
-            <a:off x="4404936" y="1046939"/>
-            <a:ext cx="2756555" cy="923330"/>
+            <a:off x="7596622" y="1144347"/>
+            <a:ext cx="2404588" cy="646331"/>
           </a:xfrm>
           <a:prstGeom prst="rect">
             <a:avLst/>
@@ -8854,79 +8776,94 @@
             <a:pPr algn="ctr"/>
             <a:r>
               <a:rPr lang="en-US" b="1"/>
-              <a:t>Absolute Difference </a:t>
+              <a:t>Diff Plots</a:t>
             </a:r>
           </a:p>
           <a:p>
             <a:pPr algn="ctr"/>
             <a:r>
               <a:rPr lang="en-US" b="1"/>
-              <a:t>Scen2 – Scen1</a:t>
-            </a:r>
-          </a:p>
-          <a:p>
-            <a:pPr algn="ctr"/>
-            <a:r>
-              <a:rPr lang="en-US" b="1"/>
-              <a:t>(using scaleRangeDiffAbs)</a:t>
+              <a:t>(using classPaletteDiff)</a:t>
             </a:r>
           </a:p>
         </p:txBody>
       </p:sp>
-      <p:sp>
-        <p:nvSpPr>
-          <p:cNvPr id="13" name="TextBox 12">
+      <p:pic>
+        <p:nvPicPr>
+          <p:cNvPr id="4" name="Picture 3" descr="A picture containing text, map&#10;&#10;Description automatically generated">
             <a:extLst>
               <a:ext uri="{FF2B5EF4-FFF2-40B4-BE49-F238E27FC236}">
-                <a16:creationId xmlns:a16="http://schemas.microsoft.com/office/drawing/2014/main" id="{81DD106D-DDD6-425D-9C63-8DB0E881F145}"/>
+                <a16:creationId xmlns:a16="http://schemas.microsoft.com/office/drawing/2014/main" id="{26E04437-86B7-46D7-9F6A-DEAED9CBCB3E}"/>
               </a:ext>
             </a:extLst>
           </p:cNvPr>
-          <p:cNvSpPr txBox="1"/>
+          <p:cNvPicPr>
+            <a:picLocks noChangeAspect="1"/>
+          </p:cNvPicPr>
           <p:nvPr/>
-        </p:nvSpPr>
+        </p:nvPicPr>
+        <p:blipFill>
+          <a:blip r:embed="rId2" cstate="print">
+            <a:extLst>
+              <a:ext uri="{28A0092B-C50C-407E-A947-70E740481C1C}">
+                <a14:useLocalDpi xmlns:a14="http://schemas.microsoft.com/office/drawing/2010/main" val="0"/>
+              </a:ext>
+            </a:extLst>
+          </a:blip>
+          <a:stretch>
+            <a:fillRect/>
+          </a:stretch>
+        </p:blipFill>
         <p:spPr>
           <a:xfrm>
-            <a:off x="8339542" y="1046939"/>
-            <a:ext cx="2928509" cy="923330"/>
+            <a:off x="538535" y="1854548"/>
+            <a:ext cx="5113692" cy="3931941"/>
           </a:xfrm>
           <a:prstGeom prst="rect">
             <a:avLst/>
           </a:prstGeom>
-          <a:noFill/>
         </p:spPr>
-        <p:txBody>
-          <a:bodyPr wrap="square" rtlCol="0">
-            <a:spAutoFit/>
-          </a:bodyPr>
-          <a:lstStyle/>
-          <a:p>
-            <a:pPr algn="ctr"/>
-            <a:r>
-              <a:rPr lang="en-US" b="1"/>
-              <a:t>Absolute Difference </a:t>
-            </a:r>
-          </a:p>
-          <a:p>
-            <a:pPr algn="ctr"/>
-            <a:r>
-              <a:rPr lang="en-US" b="1"/>
-              <a:t>Scen2 – Scen1</a:t>
-            </a:r>
-          </a:p>
-          <a:p>
-            <a:pPr algn="ctr"/>
-            <a:r>
-              <a:rPr lang="en-US" b="1"/>
-              <a:t>(using scaleRangeDiffPrcnt)</a:t>
-            </a:r>
-          </a:p>
-        </p:txBody>
-      </p:sp>
+      </p:pic>
+      <p:pic>
+        <p:nvPicPr>
+          <p:cNvPr id="15" name="Picture 14" descr="A close up of a map&#10;&#10;Description automatically generated">
+            <a:extLst>
+              <a:ext uri="{FF2B5EF4-FFF2-40B4-BE49-F238E27FC236}">
+                <a16:creationId xmlns:a16="http://schemas.microsoft.com/office/drawing/2014/main" id="{99911310-AEFA-4875-854F-F9E350085962}"/>
+              </a:ext>
+            </a:extLst>
+          </p:cNvPr>
+          <p:cNvPicPr>
+            <a:picLocks noChangeAspect="1"/>
+          </p:cNvPicPr>
+          <p:nvPr/>
+        </p:nvPicPr>
+        <p:blipFill>
+          <a:blip r:embed="rId3" cstate="print">
+            <a:extLst>
+              <a:ext uri="{28A0092B-C50C-407E-A947-70E740481C1C}">
+                <a14:useLocalDpi xmlns:a14="http://schemas.microsoft.com/office/drawing/2010/main" val="0"/>
+              </a:ext>
+            </a:extLst>
+          </a:blip>
+          <a:stretch>
+            <a:fillRect/>
+          </a:stretch>
+        </p:blipFill>
+        <p:spPr>
+          <a:xfrm>
+            <a:off x="6432690" y="1756894"/>
+            <a:ext cx="5247406" cy="3931941"/>
+          </a:xfrm>
+          <a:prstGeom prst="rect">
+            <a:avLst/>
+          </a:prstGeom>
+        </p:spPr>
+      </p:pic>
     </p:spTree>
     <p:extLst>
       <p:ext uri="{BB962C8B-B14F-4D97-AF65-F5344CB8AC3E}">
-        <p14:creationId xmlns:p14="http://schemas.microsoft.com/office/powerpoint/2010/main" val="2543755438"/>
+        <p14:creationId xmlns:p14="http://schemas.microsoft.com/office/powerpoint/2010/main" val="1945804940"/>
       </p:ext>
     </p:extLst>
   </p:cSld>
@@ -8967,8 +8904,8 @@
         </p:nvSpPr>
         <p:spPr>
           <a:xfrm>
-            <a:off x="192163" y="905522"/>
-            <a:ext cx="11807674" cy="5211193"/>
+            <a:off x="192163" y="1260628"/>
+            <a:ext cx="11807674" cy="3666973"/>
           </a:xfrm>
           <a:prstGeom prst="rect">
             <a:avLst/>
@@ -9038,17 +8975,53 @@
             <a:pPr algn="ctr"/>
             <a:r>
               <a:rPr lang="en-US" b="1"/>
-              <a:t>Color Palettes</a:t>
+              <a:t>Multi-Scenario</a:t>
             </a:r>
           </a:p>
         </p:txBody>
       </p:sp>
+      <p:pic>
+        <p:nvPicPr>
+          <p:cNvPr id="3" name="Picture 2" descr="A close up of a map&#10;&#10;Description automatically generated">
+            <a:extLst>
+              <a:ext uri="{FF2B5EF4-FFF2-40B4-BE49-F238E27FC236}">
+                <a16:creationId xmlns:a16="http://schemas.microsoft.com/office/drawing/2014/main" id="{506912A1-F038-4F1D-A9AE-AA77ADE35327}"/>
+              </a:ext>
+            </a:extLst>
+          </p:cNvPr>
+          <p:cNvPicPr>
+            <a:picLocks noChangeAspect="1"/>
+          </p:cNvPicPr>
+          <p:nvPr/>
+        </p:nvPicPr>
+        <p:blipFill>
+          <a:blip r:embed="rId2" cstate="print">
+            <a:extLst>
+              <a:ext uri="{28A0092B-C50C-407E-A947-70E740481C1C}">
+                <a14:useLocalDpi xmlns:a14="http://schemas.microsoft.com/office/drawing/2010/main" val="0"/>
+              </a:ext>
+            </a:extLst>
+          </a:blip>
+          <a:stretch>
+            <a:fillRect/>
+          </a:stretch>
+        </p:blipFill>
+        <p:spPr>
+          <a:xfrm>
+            <a:off x="312390" y="2015067"/>
+            <a:ext cx="3539627" cy="2721636"/>
+          </a:xfrm>
+          <a:prstGeom prst="rect">
+            <a:avLst/>
+          </a:prstGeom>
+        </p:spPr>
+      </p:pic>
       <p:sp>
         <p:nvSpPr>
-          <p:cNvPr id="10" name="TextBox 9">
+          <p:cNvPr id="14" name="TextBox 13">
             <a:extLst>
               <a:ext uri="{FF2B5EF4-FFF2-40B4-BE49-F238E27FC236}">
-                <a16:creationId xmlns:a16="http://schemas.microsoft.com/office/drawing/2014/main" id="{50231683-995D-4884-A3B8-220F6C3D95D6}"/>
+                <a16:creationId xmlns:a16="http://schemas.microsoft.com/office/drawing/2014/main" id="{E7096BCA-B784-4F66-8101-8FBD88CCDF24}"/>
               </a:ext>
             </a:extLst>
           </p:cNvPr>
@@ -9057,8 +9030,8 @@
         </p:nvSpPr>
         <p:spPr>
           <a:xfrm>
-            <a:off x="1756603" y="1144348"/>
-            <a:ext cx="2066223" cy="646331"/>
+            <a:off x="886592" y="1470938"/>
+            <a:ext cx="2066223" cy="369332"/>
           </a:xfrm>
           <a:prstGeom prst="rect">
             <a:avLst/>
@@ -9074,24 +9047,17 @@
             <a:pPr algn="ctr"/>
             <a:r>
               <a:rPr lang="en-US" b="1"/>
-              <a:t>Scen1</a:t>
-            </a:r>
-          </a:p>
-          <a:p>
-            <a:pPr algn="ctr"/>
-            <a:r>
-              <a:rPr lang="en-US" b="1"/>
-              <a:t>(using classPalette)</a:t>
+              <a:t>scen1</a:t>
             </a:r>
           </a:p>
         </p:txBody>
       </p:sp>
       <p:sp>
         <p:nvSpPr>
-          <p:cNvPr id="12" name="TextBox 11">
+          <p:cNvPr id="15" name="TextBox 14">
             <a:extLst>
               <a:ext uri="{FF2B5EF4-FFF2-40B4-BE49-F238E27FC236}">
-                <a16:creationId xmlns:a16="http://schemas.microsoft.com/office/drawing/2014/main" id="{A8CF6545-2338-40E2-BB92-6BA11A17C319}"/>
+                <a16:creationId xmlns:a16="http://schemas.microsoft.com/office/drawing/2014/main" id="{20D64CD3-3451-4DBB-B63F-1B79EAEC9F2F}"/>
               </a:ext>
             </a:extLst>
           </p:cNvPr>
@@ -9100,8 +9066,8 @@
         </p:nvSpPr>
         <p:spPr>
           <a:xfrm>
-            <a:off x="7596622" y="1144347"/>
-            <a:ext cx="2404588" cy="646331"/>
+            <a:off x="4851608" y="1332438"/>
+            <a:ext cx="2066223" cy="646331"/>
           </a:xfrm>
           <a:prstGeom prst="rect">
             <a:avLst/>
@@ -9116,61 +9082,61 @@
           <a:p>
             <a:pPr algn="ctr"/>
             <a:r>
-              <a:rPr lang="en-US" b="1"/>
-              <a:t>Diff Plots</a:t>
+              <a:rPr lang="en-US" b="1" dirty="0"/>
+              <a:t>Absolute Difference Scen3 – Scen1</a:t>
             </a:r>
           </a:p>
+        </p:txBody>
+      </p:sp>
+      <p:sp>
+        <p:nvSpPr>
+          <p:cNvPr id="16" name="TextBox 15">
+            <a:extLst>
+              <a:ext uri="{FF2B5EF4-FFF2-40B4-BE49-F238E27FC236}">
+                <a16:creationId xmlns:a16="http://schemas.microsoft.com/office/drawing/2014/main" id="{53AAA9E1-273D-4B82-9CB8-E9390A866C43}"/>
+              </a:ext>
+            </a:extLst>
+          </p:cNvPr>
+          <p:cNvSpPr txBox="1"/>
+          <p:nvPr/>
+        </p:nvSpPr>
+        <p:spPr>
+          <a:xfrm>
+            <a:off x="8866130" y="1332438"/>
+            <a:ext cx="2066223" cy="646331"/>
+          </a:xfrm>
+          <a:prstGeom prst="rect">
+            <a:avLst/>
+          </a:prstGeom>
+          <a:noFill/>
+        </p:spPr>
+        <p:txBody>
+          <a:bodyPr wrap="square" rtlCol="0">
+            <a:spAutoFit/>
+          </a:bodyPr>
+          <a:lstStyle/>
           <a:p>
             <a:pPr algn="ctr"/>
             <a:r>
-              <a:rPr lang="en-US" b="1"/>
-              <a:t>(using classPaletteDiff)</a:t>
+              <a:rPr lang="en-US" b="1" dirty="0"/>
+              <a:t>% Difference </a:t>
+            </a:r>
+          </a:p>
+          <a:p>
+            <a:pPr algn="ctr"/>
+            <a:r>
+              <a:rPr lang="en-US" b="1" dirty="0"/>
+              <a:t>Scen3 – Scen1</a:t>
             </a:r>
           </a:p>
         </p:txBody>
       </p:sp>
       <p:pic>
         <p:nvPicPr>
-          <p:cNvPr id="4" name="Picture 3" descr="A picture containing text, map&#10;&#10;Description automatically generated">
+          <p:cNvPr id="4" name="Picture 3" descr="Map&#10;&#10;Description automatically generated">
             <a:extLst>
               <a:ext uri="{FF2B5EF4-FFF2-40B4-BE49-F238E27FC236}">
-                <a16:creationId xmlns:a16="http://schemas.microsoft.com/office/drawing/2014/main" id="{26E04437-86B7-46D7-9F6A-DEAED9CBCB3E}"/>
-              </a:ext>
-            </a:extLst>
-          </p:cNvPr>
-          <p:cNvPicPr>
-            <a:picLocks noChangeAspect="1"/>
-          </p:cNvPicPr>
-          <p:nvPr/>
-        </p:nvPicPr>
-        <p:blipFill>
-          <a:blip r:embed="rId2" cstate="print">
-            <a:extLst>
-              <a:ext uri="{28A0092B-C50C-407E-A947-70E740481C1C}">
-                <a14:useLocalDpi xmlns:a14="http://schemas.microsoft.com/office/drawing/2010/main" val="0"/>
-              </a:ext>
-            </a:extLst>
-          </a:blip>
-          <a:stretch>
-            <a:fillRect/>
-          </a:stretch>
-        </p:blipFill>
-        <p:spPr>
-          <a:xfrm>
-            <a:off x="538535" y="1854548"/>
-            <a:ext cx="5113692" cy="3931941"/>
-          </a:xfrm>
-          <a:prstGeom prst="rect">
-            <a:avLst/>
-          </a:prstGeom>
-        </p:spPr>
-      </p:pic>
-      <p:pic>
-        <p:nvPicPr>
-          <p:cNvPr id="15" name="Picture 14" descr="A close up of a map&#10;&#10;Description automatically generated">
-            <a:extLst>
-              <a:ext uri="{FF2B5EF4-FFF2-40B4-BE49-F238E27FC236}">
-                <a16:creationId xmlns:a16="http://schemas.microsoft.com/office/drawing/2014/main" id="{99911310-AEFA-4875-854F-F9E350085962}"/>
+                <a16:creationId xmlns:a16="http://schemas.microsoft.com/office/drawing/2014/main" id="{A56805D6-E315-43CA-AA00-0E0E5EF88284}"/>
               </a:ext>
             </a:extLst>
           </p:cNvPr>
@@ -9193,8 +9159,44 @@
         </p:blipFill>
         <p:spPr>
           <a:xfrm>
-            <a:off x="6432690" y="1756894"/>
-            <a:ext cx="5247406" cy="3931941"/>
+            <a:off x="4219097" y="2015068"/>
+            <a:ext cx="3589658" cy="2721636"/>
+          </a:xfrm>
+          <a:prstGeom prst="rect">
+            <a:avLst/>
+          </a:prstGeom>
+        </p:spPr>
+      </p:pic>
+      <p:pic>
+        <p:nvPicPr>
+          <p:cNvPr id="8" name="Picture 7" descr="Map&#10;&#10;Description automatically generated">
+            <a:extLst>
+              <a:ext uri="{FF2B5EF4-FFF2-40B4-BE49-F238E27FC236}">
+                <a16:creationId xmlns:a16="http://schemas.microsoft.com/office/drawing/2014/main" id="{6AE5DD61-35D2-406E-BB5C-C6F821E381AD}"/>
+              </a:ext>
+            </a:extLst>
+          </p:cNvPr>
+          <p:cNvPicPr>
+            <a:picLocks noChangeAspect="1"/>
+          </p:cNvPicPr>
+          <p:nvPr/>
+        </p:nvPicPr>
+        <p:blipFill>
+          <a:blip r:embed="rId4" cstate="print">
+            <a:extLst>
+              <a:ext uri="{28A0092B-C50C-407E-A947-70E740481C1C}">
+                <a14:useLocalDpi xmlns:a14="http://schemas.microsoft.com/office/drawing/2010/main" val="0"/>
+              </a:ext>
+            </a:extLst>
+          </a:blip>
+          <a:stretch>
+            <a:fillRect/>
+          </a:stretch>
+        </p:blipFill>
+        <p:spPr>
+          <a:xfrm>
+            <a:off x="8175835" y="2015068"/>
+            <a:ext cx="3624679" cy="2721636"/>
           </a:xfrm>
           <a:prstGeom prst="rect">
             <a:avLst/>
@@ -9204,7 +9206,7 @@
     </p:spTree>
     <p:extLst>
       <p:ext uri="{BB962C8B-B14F-4D97-AF65-F5344CB8AC3E}">
-        <p14:creationId xmlns:p14="http://schemas.microsoft.com/office/powerpoint/2010/main" val="1945804940"/>
+        <p14:creationId xmlns:p14="http://schemas.microsoft.com/office/powerpoint/2010/main" val="3494751291"/>
       </p:ext>
     </p:extLst>
   </p:cSld>
@@ -10245,111 +10247,6 @@
           </p:txBody>
         </p:sp>
       </p:grpSp>
-      <p:grpSp>
-        <p:nvGrpSpPr>
-          <p:cNvPr id="44" name="Group 43">
-            <a:extLst>
-              <a:ext uri="{FF2B5EF4-FFF2-40B4-BE49-F238E27FC236}">
-                <a16:creationId xmlns:a16="http://schemas.microsoft.com/office/drawing/2014/main" id="{F6B97D8C-BD4E-4DB1-9CAB-F1FC6C8F58D7}"/>
-              </a:ext>
-            </a:extLst>
-          </p:cNvPr>
-          <p:cNvGrpSpPr/>
-          <p:nvPr/>
-        </p:nvGrpSpPr>
-        <p:grpSpPr>
-          <a:xfrm>
-            <a:off x="6731282" y="1185595"/>
-            <a:ext cx="3153910" cy="1905782"/>
-            <a:chOff x="2226733" y="2971014"/>
-            <a:chExt cx="3153910" cy="1905782"/>
-          </a:xfrm>
-        </p:grpSpPr>
-        <p:pic>
-          <p:nvPicPr>
-            <p:cNvPr id="2" name="Picture 1">
-              <a:extLst>
-                <a:ext uri="{FF2B5EF4-FFF2-40B4-BE49-F238E27FC236}">
-                  <a16:creationId xmlns:a16="http://schemas.microsoft.com/office/drawing/2014/main" id="{9010F892-40D1-4642-BFCD-62725991E012}"/>
-                </a:ext>
-              </a:extLst>
-            </p:cNvPr>
-            <p:cNvPicPr>
-              <a:picLocks noChangeAspect="1"/>
-            </p:cNvPicPr>
-            <p:nvPr/>
-          </p:nvPicPr>
-          <p:blipFill>
-            <a:blip r:embed="rId3"/>
-            <a:stretch>
-              <a:fillRect/>
-            </a:stretch>
-          </p:blipFill>
-          <p:spPr>
-            <a:xfrm>
-              <a:off x="2322460" y="3008429"/>
-              <a:ext cx="3058183" cy="1775238"/>
-            </a:xfrm>
-            <a:prstGeom prst="rect">
-              <a:avLst/>
-            </a:prstGeom>
-          </p:spPr>
-        </p:pic>
-        <p:sp>
-          <p:nvSpPr>
-            <p:cNvPr id="30" name="Rectangle 29">
-              <a:extLst>
-                <a:ext uri="{FF2B5EF4-FFF2-40B4-BE49-F238E27FC236}">
-                  <a16:creationId xmlns:a16="http://schemas.microsoft.com/office/drawing/2014/main" id="{4283BA42-06C0-4503-A13B-FE80B95C804C}"/>
-                </a:ext>
-              </a:extLst>
-            </p:cNvPr>
-            <p:cNvSpPr/>
-            <p:nvPr/>
-          </p:nvSpPr>
-          <p:spPr>
-            <a:xfrm>
-              <a:off x="2226733" y="2971014"/>
-              <a:ext cx="2963334" cy="1905782"/>
-            </a:xfrm>
-            <a:prstGeom prst="rect">
-              <a:avLst/>
-            </a:prstGeom>
-            <a:noFill/>
-            <a:ln w="3175">
-              <a:solidFill>
-                <a:schemeClr val="bg1">
-                  <a:lumMod val="65000"/>
-                </a:schemeClr>
-              </a:solidFill>
-            </a:ln>
-          </p:spPr>
-          <p:style>
-            <a:lnRef idx="2">
-              <a:schemeClr val="accent1">
-                <a:shade val="50000"/>
-              </a:schemeClr>
-            </a:lnRef>
-            <a:fillRef idx="1">
-              <a:schemeClr val="accent1"/>
-            </a:fillRef>
-            <a:effectRef idx="0">
-              <a:schemeClr val="accent1"/>
-            </a:effectRef>
-            <a:fontRef idx="minor">
-              <a:schemeClr val="lt1"/>
-            </a:fontRef>
-          </p:style>
-          <p:txBody>
-            <a:bodyPr rtlCol="0" anchor="ctr"/>
-            <a:lstStyle/>
-            <a:p>
-              <a:pPr algn="ctr"/>
-              <a:endParaRPr lang="en-US"/>
-            </a:p>
-          </p:txBody>
-        </p:sp>
-      </p:grpSp>
       <p:cxnSp>
         <p:nvCxnSpPr>
           <p:cNvPr id="38" name="Straight Connector 37">
@@ -10473,6 +10370,41 @@
           </a:fontRef>
         </p:style>
       </p:cxnSp>
+      <p:pic>
+        <p:nvPicPr>
+          <p:cNvPr id="3" name="Picture 2">
+            <a:extLst>
+              <a:ext uri="{FF2B5EF4-FFF2-40B4-BE49-F238E27FC236}">
+                <a16:creationId xmlns:a16="http://schemas.microsoft.com/office/drawing/2014/main" id="{E4025136-9BC2-4684-A72F-B20C52E68648}"/>
+              </a:ext>
+            </a:extLst>
+          </p:cNvPr>
+          <p:cNvPicPr>
+            <a:picLocks noChangeAspect="1"/>
+          </p:cNvPicPr>
+          <p:nvPr/>
+        </p:nvPicPr>
+        <p:blipFill>
+          <a:blip r:embed="rId3"/>
+          <a:stretch>
+            <a:fillRect/>
+          </a:stretch>
+        </p:blipFill>
+        <p:spPr>
+          <a:xfrm>
+            <a:off x="6864982" y="1047850"/>
+            <a:ext cx="2694230" cy="2120526"/>
+          </a:xfrm>
+          <a:prstGeom prst="rect">
+            <a:avLst/>
+          </a:prstGeom>
+          <a:ln w="3175">
+            <a:solidFill>
+              <a:schemeClr val="tx1"/>
+            </a:solidFill>
+          </a:ln>
+        </p:spPr>
+      </p:pic>
     </p:spTree>
     <p:extLst>
       <p:ext uri="{BB962C8B-B14F-4D97-AF65-F5344CB8AC3E}">
@@ -10517,8 +10449,8 @@
         </p:nvSpPr>
         <p:spPr>
           <a:xfrm>
-            <a:off x="192163" y="887767"/>
-            <a:ext cx="11807674" cy="4429958"/>
+            <a:off x="192163" y="1260628"/>
+            <a:ext cx="11807674" cy="3666973"/>
           </a:xfrm>
           <a:prstGeom prst="rect">
             <a:avLst/>
@@ -10587,90 +10519,18 @@
           <a:p>
             <a:pPr algn="ctr"/>
             <a:r>
-              <a:rPr lang="en-US" b="1"/>
-              <a:t>Multi-Year</a:t>
+              <a:rPr lang="en-US" b="1" dirty="0"/>
+              <a:t>Multi-Year Diff</a:t>
             </a:r>
           </a:p>
         </p:txBody>
       </p:sp>
-      <p:pic>
-        <p:nvPicPr>
-          <p:cNvPr id="9" name="Picture 8" descr="A picture containing text, map&#10;&#10;Description automatically generated">
-            <a:extLst>
-              <a:ext uri="{FF2B5EF4-FFF2-40B4-BE49-F238E27FC236}">
-                <a16:creationId xmlns:a16="http://schemas.microsoft.com/office/drawing/2014/main" id="{7075CCF6-2D36-4F07-9303-645D61153C36}"/>
-              </a:ext>
-            </a:extLst>
-          </p:cNvPr>
-          <p:cNvPicPr>
-            <a:picLocks noChangeAspect="1"/>
-          </p:cNvPicPr>
-          <p:nvPr/>
-        </p:nvPicPr>
-        <p:blipFill>
-          <a:blip r:embed="rId2">
-            <a:extLst>
-              <a:ext uri="{28A0092B-C50C-407E-A947-70E740481C1C}">
-                <a14:useLocalDpi xmlns:a14="http://schemas.microsoft.com/office/drawing/2010/main" val="0"/>
-              </a:ext>
-            </a:extLst>
-          </a:blip>
-          <a:stretch>
-            <a:fillRect/>
-          </a:stretch>
-        </p:blipFill>
-        <p:spPr>
-          <a:xfrm>
-            <a:off x="352956" y="2435263"/>
-            <a:ext cx="6823625" cy="1455983"/>
-          </a:xfrm>
-          <a:prstGeom prst="rect">
-            <a:avLst/>
-          </a:prstGeom>
-        </p:spPr>
-      </p:pic>
-      <p:pic>
-        <p:nvPicPr>
-          <p:cNvPr id="11" name="Picture 10" descr="A close up of a map&#10;&#10;Description automatically generated">
-            <a:extLst>
-              <a:ext uri="{FF2B5EF4-FFF2-40B4-BE49-F238E27FC236}">
-                <a16:creationId xmlns:a16="http://schemas.microsoft.com/office/drawing/2014/main" id="{7C7BA25C-FFF3-4AD7-A697-2F888925A92F}"/>
-              </a:ext>
-            </a:extLst>
-          </p:cNvPr>
-          <p:cNvPicPr>
-            <a:picLocks noChangeAspect="1"/>
-          </p:cNvPicPr>
-          <p:nvPr/>
-        </p:nvPicPr>
-        <p:blipFill>
-          <a:blip r:embed="rId3" cstate="print">
-            <a:extLst>
-              <a:ext uri="{28A0092B-C50C-407E-A947-70E740481C1C}">
-                <a14:useLocalDpi xmlns:a14="http://schemas.microsoft.com/office/drawing/2010/main" val="0"/>
-              </a:ext>
-            </a:extLst>
-          </a:blip>
-          <a:stretch>
-            <a:fillRect/>
-          </a:stretch>
-        </p:blipFill>
-        <p:spPr>
-          <a:xfrm>
-            <a:off x="7350712" y="1636016"/>
-            <a:ext cx="4488332" cy="3451099"/>
-          </a:xfrm>
-          <a:prstGeom prst="rect">
-            <a:avLst/>
-          </a:prstGeom>
-        </p:spPr>
-      </p:pic>
       <p:sp>
         <p:nvSpPr>
-          <p:cNvPr id="12" name="TextBox 11">
+          <p:cNvPr id="14" name="TextBox 13">
             <a:extLst>
               <a:ext uri="{FF2B5EF4-FFF2-40B4-BE49-F238E27FC236}">
-                <a16:creationId xmlns:a16="http://schemas.microsoft.com/office/drawing/2014/main" id="{F5148CF5-C0BA-4F2A-A7AC-ACDAD907493F}"/>
+                <a16:creationId xmlns:a16="http://schemas.microsoft.com/office/drawing/2014/main" id="{E7096BCA-B784-4F66-8101-8FBD88CCDF24}"/>
               </a:ext>
             </a:extLst>
           </p:cNvPr>
@@ -10679,8 +10539,8 @@
         </p:nvSpPr>
         <p:spPr>
           <a:xfrm>
-            <a:off x="2004687" y="1840726"/>
-            <a:ext cx="2691600" cy="369332"/>
+            <a:off x="886592" y="1470938"/>
+            <a:ext cx="2066223" cy="369332"/>
           </a:xfrm>
           <a:prstGeom prst="rect">
             <a:avLst/>
@@ -10695,18 +10555,18 @@
           <a:p>
             <a:pPr algn="ctr"/>
             <a:r>
-              <a:rPr lang="en-US" b="1"/>
-              <a:t>Combined Year Plots</a:t>
+              <a:rPr lang="en-US" b="1" dirty="0"/>
+              <a:t>2010</a:t>
             </a:r>
           </a:p>
         </p:txBody>
       </p:sp>
       <p:sp>
         <p:nvSpPr>
-          <p:cNvPr id="13" name="TextBox 12">
+          <p:cNvPr id="15" name="TextBox 14">
             <a:extLst>
               <a:ext uri="{FF2B5EF4-FFF2-40B4-BE49-F238E27FC236}">
-                <a16:creationId xmlns:a16="http://schemas.microsoft.com/office/drawing/2014/main" id="{2FF4C991-5D6E-43DB-8801-5B2C47F2ECAB}"/>
+                <a16:creationId xmlns:a16="http://schemas.microsoft.com/office/drawing/2014/main" id="{20D64CD3-3451-4DBB-B63F-1B79EAEC9F2F}"/>
               </a:ext>
             </a:extLst>
           </p:cNvPr>
@@ -10715,8 +10575,8 @@
         </p:nvSpPr>
         <p:spPr>
           <a:xfrm>
-            <a:off x="8042982" y="1005119"/>
-            <a:ext cx="2691600" cy="369332"/>
+            <a:off x="4851608" y="1332438"/>
+            <a:ext cx="2066223" cy="646331"/>
           </a:xfrm>
           <a:prstGeom prst="rect">
             <a:avLst/>
@@ -10731,16 +10591,167 @@
           <a:p>
             <a:pPr algn="ctr"/>
             <a:r>
-              <a:rPr lang="en-US" b="1"/>
-              <a:t>Mean Plot</a:t>
+              <a:rPr lang="en-US" b="1" dirty="0"/>
+              <a:t>Absolute Difference 2020 - 2010</a:t>
             </a:r>
           </a:p>
         </p:txBody>
       </p:sp>
+      <p:sp>
+        <p:nvSpPr>
+          <p:cNvPr id="16" name="TextBox 15">
+            <a:extLst>
+              <a:ext uri="{FF2B5EF4-FFF2-40B4-BE49-F238E27FC236}">
+                <a16:creationId xmlns:a16="http://schemas.microsoft.com/office/drawing/2014/main" id="{53AAA9E1-273D-4B82-9CB8-E9390A866C43}"/>
+              </a:ext>
+            </a:extLst>
+          </p:cNvPr>
+          <p:cNvSpPr txBox="1"/>
+          <p:nvPr/>
+        </p:nvSpPr>
+        <p:spPr>
+          <a:xfrm>
+            <a:off x="8866130" y="1332438"/>
+            <a:ext cx="2066223" cy="646331"/>
+          </a:xfrm>
+          <a:prstGeom prst="rect">
+            <a:avLst/>
+          </a:prstGeom>
+          <a:noFill/>
+        </p:spPr>
+        <p:txBody>
+          <a:bodyPr wrap="square" rtlCol="0">
+            <a:spAutoFit/>
+          </a:bodyPr>
+          <a:lstStyle/>
+          <a:p>
+            <a:pPr algn="ctr"/>
+            <a:r>
+              <a:rPr lang="en-US" b="1" dirty="0"/>
+              <a:t>% Difference </a:t>
+            </a:r>
+          </a:p>
+          <a:p>
+            <a:pPr algn="ctr"/>
+            <a:r>
+              <a:rPr lang="en-US" b="1" dirty="0"/>
+              <a:t>2020 – 2010</a:t>
+            </a:r>
+          </a:p>
+        </p:txBody>
+      </p:sp>
+      <p:pic>
+        <p:nvPicPr>
+          <p:cNvPr id="5" name="Picture 4" descr="Map&#10;&#10;Description automatically generated">
+            <a:extLst>
+              <a:ext uri="{FF2B5EF4-FFF2-40B4-BE49-F238E27FC236}">
+                <a16:creationId xmlns:a16="http://schemas.microsoft.com/office/drawing/2014/main" id="{51C9B150-CB1F-46B2-9B33-5FE9B3252BBA}"/>
+              </a:ext>
+            </a:extLst>
+          </p:cNvPr>
+          <p:cNvPicPr>
+            <a:picLocks noChangeAspect="1"/>
+          </p:cNvPicPr>
+          <p:nvPr/>
+        </p:nvPicPr>
+        <p:blipFill>
+          <a:blip r:embed="rId2" cstate="print">
+            <a:extLst>
+              <a:ext uri="{28A0092B-C50C-407E-A947-70E740481C1C}">
+                <a14:useLocalDpi xmlns:a14="http://schemas.microsoft.com/office/drawing/2010/main" val="0"/>
+              </a:ext>
+            </a:extLst>
+          </a:blip>
+          <a:stretch>
+            <a:fillRect/>
+          </a:stretch>
+        </p:blipFill>
+        <p:spPr>
+          <a:xfrm>
+            <a:off x="4114905" y="2015065"/>
+            <a:ext cx="3589658" cy="2721636"/>
+          </a:xfrm>
+          <a:prstGeom prst="rect">
+            <a:avLst/>
+          </a:prstGeom>
+        </p:spPr>
+      </p:pic>
+      <p:pic>
+        <p:nvPicPr>
+          <p:cNvPr id="10" name="Picture 9" descr="Map&#10;&#10;Description automatically generated">
+            <a:extLst>
+              <a:ext uri="{FF2B5EF4-FFF2-40B4-BE49-F238E27FC236}">
+                <a16:creationId xmlns:a16="http://schemas.microsoft.com/office/drawing/2014/main" id="{8EF4338E-CA13-4B4A-89F9-517F569B08DB}"/>
+              </a:ext>
+            </a:extLst>
+          </p:cNvPr>
+          <p:cNvPicPr>
+            <a:picLocks noChangeAspect="1"/>
+          </p:cNvPicPr>
+          <p:nvPr/>
+        </p:nvPicPr>
+        <p:blipFill>
+          <a:blip r:embed="rId3" cstate="print">
+            <a:extLst>
+              <a:ext uri="{28A0092B-C50C-407E-A947-70E740481C1C}">
+                <a14:useLocalDpi xmlns:a14="http://schemas.microsoft.com/office/drawing/2010/main" val="0"/>
+              </a:ext>
+            </a:extLst>
+          </a:blip>
+          <a:stretch>
+            <a:fillRect/>
+          </a:stretch>
+        </p:blipFill>
+        <p:spPr>
+          <a:xfrm>
+            <a:off x="8087494" y="2015064"/>
+            <a:ext cx="3679559" cy="2725229"/>
+          </a:xfrm>
+          <a:prstGeom prst="rect">
+            <a:avLst/>
+          </a:prstGeom>
+        </p:spPr>
+      </p:pic>
+      <p:pic>
+        <p:nvPicPr>
+          <p:cNvPr id="12" name="Picture 11" descr="Map&#10;&#10;Description automatically generated">
+            <a:extLst>
+              <a:ext uri="{FF2B5EF4-FFF2-40B4-BE49-F238E27FC236}">
+                <a16:creationId xmlns:a16="http://schemas.microsoft.com/office/drawing/2014/main" id="{AC0BB8A3-416C-434C-B443-7F1272B5C3DB}"/>
+              </a:ext>
+            </a:extLst>
+          </p:cNvPr>
+          <p:cNvPicPr>
+            <a:picLocks noChangeAspect="1"/>
+          </p:cNvPicPr>
+          <p:nvPr/>
+        </p:nvPicPr>
+        <p:blipFill>
+          <a:blip r:embed="rId4" cstate="print">
+            <a:extLst>
+              <a:ext uri="{28A0092B-C50C-407E-A947-70E740481C1C}">
+                <a14:useLocalDpi xmlns:a14="http://schemas.microsoft.com/office/drawing/2010/main" val="0"/>
+              </a:ext>
+            </a:extLst>
+          </a:blip>
+          <a:stretch>
+            <a:fillRect/>
+          </a:stretch>
+        </p:blipFill>
+        <p:spPr>
+          <a:xfrm>
+            <a:off x="305895" y="1978769"/>
+            <a:ext cx="3539629" cy="2721637"/>
+          </a:xfrm>
+          <a:prstGeom prst="rect">
+            <a:avLst/>
+          </a:prstGeom>
+        </p:spPr>
+      </p:pic>
     </p:spTree>
     <p:extLst>
       <p:ext uri="{BB962C8B-B14F-4D97-AF65-F5344CB8AC3E}">
-        <p14:creationId xmlns:p14="http://schemas.microsoft.com/office/powerpoint/2010/main" val="1642896518"/>
+        <p14:creationId xmlns:p14="http://schemas.microsoft.com/office/powerpoint/2010/main" val="800566656"/>
       </p:ext>
     </p:extLst>
   </p:cSld>
@@ -10767,6 +10778,110 @@
           <a:chExt cx="0" cy="0"/>
         </a:xfrm>
       </p:grpSpPr>
+      <p:grpSp>
+        <p:nvGrpSpPr>
+          <p:cNvPr id="25" name="Group 24">
+            <a:extLst>
+              <a:ext uri="{FF2B5EF4-FFF2-40B4-BE49-F238E27FC236}">
+                <a16:creationId xmlns:a16="http://schemas.microsoft.com/office/drawing/2014/main" id="{C85C54E1-D638-49FA-939A-C756C2653C40}"/>
+              </a:ext>
+            </a:extLst>
+          </p:cNvPr>
+          <p:cNvGrpSpPr/>
+          <p:nvPr/>
+        </p:nvGrpSpPr>
+        <p:grpSpPr>
+          <a:xfrm>
+            <a:off x="2866427" y="1513323"/>
+            <a:ext cx="2066223" cy="965296"/>
+            <a:chOff x="1811039" y="1300849"/>
+            <a:chExt cx="2066223" cy="965296"/>
+          </a:xfrm>
+        </p:grpSpPr>
+        <p:pic>
+          <p:nvPicPr>
+            <p:cNvPr id="26" name="Picture 2">
+              <a:extLst>
+                <a:ext uri="{FF2B5EF4-FFF2-40B4-BE49-F238E27FC236}">
+                  <a16:creationId xmlns:a16="http://schemas.microsoft.com/office/drawing/2014/main" id="{B99CD118-BE2B-4974-A63A-05D086E8EA55}"/>
+                </a:ext>
+              </a:extLst>
+            </p:cNvPr>
+            <p:cNvPicPr>
+              <a:picLocks noChangeAspect="1" noChangeArrowheads="1"/>
+            </p:cNvPicPr>
+            <p:nvPr/>
+          </p:nvPicPr>
+          <p:blipFill>
+            <a:blip r:embed="rId2" cstate="print">
+              <a:extLst>
+                <a:ext uri="{28A0092B-C50C-407E-A947-70E740481C1C}">
+                  <a14:useLocalDpi xmlns:a14="http://schemas.microsoft.com/office/drawing/2010/main" val="0"/>
+                </a:ext>
+              </a:extLst>
+            </a:blip>
+            <a:srcRect/>
+            <a:stretch>
+              <a:fillRect/>
+            </a:stretch>
+          </p:blipFill>
+          <p:spPr bwMode="auto">
+            <a:xfrm>
+              <a:off x="2512807" y="1603456"/>
+              <a:ext cx="662689" cy="662689"/>
+            </a:xfrm>
+            <a:prstGeom prst="rect">
+              <a:avLst/>
+            </a:prstGeom>
+            <a:noFill/>
+            <a:extLst>
+              <a:ext uri="{909E8E84-426E-40DD-AFC4-6F175D3DCCD1}">
+                <a14:hiddenFill xmlns:a14="http://schemas.microsoft.com/office/drawing/2010/main">
+                  <a:solidFill>
+                    <a:srgbClr val="FFFFFF"/>
+                  </a:solidFill>
+                </a14:hiddenFill>
+              </a:ext>
+            </a:extLst>
+          </p:spPr>
+        </p:pic>
+        <p:sp>
+          <p:nvSpPr>
+            <p:cNvPr id="27" name="TextBox 26">
+              <a:extLst>
+                <a:ext uri="{FF2B5EF4-FFF2-40B4-BE49-F238E27FC236}">
+                  <a16:creationId xmlns:a16="http://schemas.microsoft.com/office/drawing/2014/main" id="{18C13B33-EEF3-454C-8140-6B229FA6718A}"/>
+                </a:ext>
+              </a:extLst>
+            </p:cNvPr>
+            <p:cNvSpPr txBox="1"/>
+            <p:nvPr/>
+          </p:nvSpPr>
+          <p:spPr>
+            <a:xfrm>
+              <a:off x="1811039" y="1300849"/>
+              <a:ext cx="2066223" cy="369332"/>
+            </a:xfrm>
+            <a:prstGeom prst="rect">
+              <a:avLst/>
+            </a:prstGeom>
+            <a:noFill/>
+          </p:spPr>
+          <p:txBody>
+            <a:bodyPr wrap="square" rtlCol="0">
+              <a:spAutoFit/>
+            </a:bodyPr>
+            <a:lstStyle/>
+            <a:p>
+              <a:pPr algn="ctr"/>
+              <a:r>
+                <a:rPr lang="en-US"/>
+                <a:t>Maps</a:t>
+              </a:r>
+            </a:p>
+          </p:txBody>
+        </p:sp>
+      </p:grpSp>
       <p:sp>
         <p:nvSpPr>
           <p:cNvPr id="6" name="Rectangle 5">
@@ -10781,8 +10896,8 @@
         </p:nvSpPr>
         <p:spPr>
           <a:xfrm>
-            <a:off x="192163" y="1393794"/>
-            <a:ext cx="11807674" cy="2885243"/>
+            <a:off x="770467" y="863600"/>
+            <a:ext cx="9254066" cy="2565400"/>
           </a:xfrm>
           <a:prstGeom prst="rect">
             <a:avLst/>
@@ -10836,6 +10951,1050 @@
         <p:spPr>
           <a:xfrm>
             <a:off x="192163" y="128664"/>
+            <a:ext cx="2965904" cy="369332"/>
+          </a:xfrm>
+          <a:prstGeom prst="rect">
+            <a:avLst/>
+          </a:prstGeom>
+          <a:noFill/>
+        </p:spPr>
+        <p:txBody>
+          <a:bodyPr wrap="square" rtlCol="0">
+            <a:spAutoFit/>
+          </a:bodyPr>
+          <a:lstStyle/>
+          <a:p>
+            <a:pPr algn="ctr"/>
+            <a:r>
+              <a:rPr lang="en-US" b="1" dirty="0"/>
+              <a:t>Multi-Year Folders</a:t>
+            </a:r>
+          </a:p>
+        </p:txBody>
+      </p:sp>
+      <p:grpSp>
+        <p:nvGrpSpPr>
+          <p:cNvPr id="5" name="Group 4">
+            <a:extLst>
+              <a:ext uri="{FF2B5EF4-FFF2-40B4-BE49-F238E27FC236}">
+                <a16:creationId xmlns:a16="http://schemas.microsoft.com/office/drawing/2014/main" id="{00A850C7-4B80-4BAB-A523-65D6F4D7C933}"/>
+              </a:ext>
+            </a:extLst>
+          </p:cNvPr>
+          <p:cNvGrpSpPr/>
+          <p:nvPr/>
+        </p:nvGrpSpPr>
+        <p:grpSpPr>
+          <a:xfrm>
+            <a:off x="519116" y="1513323"/>
+            <a:ext cx="2066223" cy="965296"/>
+            <a:chOff x="1811039" y="1300849"/>
+            <a:chExt cx="2066223" cy="965296"/>
+          </a:xfrm>
+        </p:grpSpPr>
+        <p:pic>
+          <p:nvPicPr>
+            <p:cNvPr id="8" name="Picture 2">
+              <a:extLst>
+                <a:ext uri="{FF2B5EF4-FFF2-40B4-BE49-F238E27FC236}">
+                  <a16:creationId xmlns:a16="http://schemas.microsoft.com/office/drawing/2014/main" id="{A7001D7F-24F0-4FEE-95BB-03DED3337EF3}"/>
+                </a:ext>
+              </a:extLst>
+            </p:cNvPr>
+            <p:cNvPicPr>
+              <a:picLocks noChangeAspect="1" noChangeArrowheads="1"/>
+            </p:cNvPicPr>
+            <p:nvPr/>
+          </p:nvPicPr>
+          <p:blipFill>
+            <a:blip r:embed="rId2" cstate="print">
+              <a:extLst>
+                <a:ext uri="{28A0092B-C50C-407E-A947-70E740481C1C}">
+                  <a14:useLocalDpi xmlns:a14="http://schemas.microsoft.com/office/drawing/2010/main" val="0"/>
+                </a:ext>
+              </a:extLst>
+            </a:blip>
+            <a:srcRect/>
+            <a:stretch>
+              <a:fillRect/>
+            </a:stretch>
+          </p:blipFill>
+          <p:spPr bwMode="auto">
+            <a:xfrm>
+              <a:off x="2512807" y="1603456"/>
+              <a:ext cx="662689" cy="662689"/>
+            </a:xfrm>
+            <a:prstGeom prst="rect">
+              <a:avLst/>
+            </a:prstGeom>
+            <a:noFill/>
+            <a:extLst>
+              <a:ext uri="{909E8E84-426E-40DD-AFC4-6F175D3DCCD1}">
+                <a14:hiddenFill xmlns:a14="http://schemas.microsoft.com/office/drawing/2010/main">
+                  <a:solidFill>
+                    <a:srgbClr val="FFFFFF"/>
+                  </a:solidFill>
+                </a14:hiddenFill>
+              </a:ext>
+            </a:extLst>
+          </p:spPr>
+        </p:pic>
+        <p:sp>
+          <p:nvSpPr>
+            <p:cNvPr id="9" name="TextBox 8">
+              <a:extLst>
+                <a:ext uri="{FF2B5EF4-FFF2-40B4-BE49-F238E27FC236}">
+                  <a16:creationId xmlns:a16="http://schemas.microsoft.com/office/drawing/2014/main" id="{63A5B316-F714-4ACE-B558-9180BA3CAD86}"/>
+                </a:ext>
+              </a:extLst>
+            </p:cNvPr>
+            <p:cNvSpPr txBox="1"/>
+            <p:nvPr/>
+          </p:nvSpPr>
+          <p:spPr>
+            <a:xfrm>
+              <a:off x="1811039" y="1300849"/>
+              <a:ext cx="2066223" cy="369332"/>
+            </a:xfrm>
+            <a:prstGeom prst="rect">
+              <a:avLst/>
+            </a:prstGeom>
+            <a:noFill/>
+          </p:spPr>
+          <p:txBody>
+            <a:bodyPr wrap="square" rtlCol="0">
+              <a:spAutoFit/>
+            </a:bodyPr>
+            <a:lstStyle/>
+            <a:p>
+              <a:pPr algn="ctr"/>
+              <a:r>
+                <a:rPr lang="en-US" dirty="0"/>
+                <a:t>dirOutputs</a:t>
+              </a:r>
+            </a:p>
+          </p:txBody>
+        </p:sp>
+      </p:grpSp>
+      <p:grpSp>
+        <p:nvGrpSpPr>
+          <p:cNvPr id="10" name="Group 9">
+            <a:extLst>
+              <a:ext uri="{FF2B5EF4-FFF2-40B4-BE49-F238E27FC236}">
+                <a16:creationId xmlns:a16="http://schemas.microsoft.com/office/drawing/2014/main" id="{559BFAA9-2EB9-46A1-94B8-F10C4594B349}"/>
+              </a:ext>
+            </a:extLst>
+          </p:cNvPr>
+          <p:cNvGrpSpPr/>
+          <p:nvPr/>
+        </p:nvGrpSpPr>
+        <p:grpSpPr>
+          <a:xfrm>
+            <a:off x="3892430" y="1513323"/>
+            <a:ext cx="2066223" cy="965296"/>
+            <a:chOff x="1811039" y="1300849"/>
+            <a:chExt cx="2066223" cy="965296"/>
+          </a:xfrm>
+        </p:grpSpPr>
+        <p:pic>
+          <p:nvPicPr>
+            <p:cNvPr id="11" name="Picture 2">
+              <a:extLst>
+                <a:ext uri="{FF2B5EF4-FFF2-40B4-BE49-F238E27FC236}">
+                  <a16:creationId xmlns:a16="http://schemas.microsoft.com/office/drawing/2014/main" id="{E2D5D6E7-7032-41E5-9345-84AD730066DF}"/>
+                </a:ext>
+              </a:extLst>
+            </p:cNvPr>
+            <p:cNvPicPr>
+              <a:picLocks noChangeAspect="1" noChangeArrowheads="1"/>
+            </p:cNvPicPr>
+            <p:nvPr/>
+          </p:nvPicPr>
+          <p:blipFill>
+            <a:blip r:embed="rId2" cstate="print">
+              <a:extLst>
+                <a:ext uri="{28A0092B-C50C-407E-A947-70E740481C1C}">
+                  <a14:useLocalDpi xmlns:a14="http://schemas.microsoft.com/office/drawing/2010/main" val="0"/>
+                </a:ext>
+              </a:extLst>
+            </a:blip>
+            <a:srcRect/>
+            <a:stretch>
+              <a:fillRect/>
+            </a:stretch>
+          </p:blipFill>
+          <p:spPr bwMode="auto">
+            <a:xfrm>
+              <a:off x="2512807" y="1603456"/>
+              <a:ext cx="662689" cy="662689"/>
+            </a:xfrm>
+            <a:prstGeom prst="rect">
+              <a:avLst/>
+            </a:prstGeom>
+            <a:noFill/>
+            <a:extLst>
+              <a:ext uri="{909E8E84-426E-40DD-AFC4-6F175D3DCCD1}">
+                <a14:hiddenFill xmlns:a14="http://schemas.microsoft.com/office/drawing/2010/main">
+                  <a:solidFill>
+                    <a:srgbClr val="FFFFFF"/>
+                  </a:solidFill>
+                </a14:hiddenFill>
+              </a:ext>
+            </a:extLst>
+          </p:spPr>
+        </p:pic>
+        <p:sp>
+          <p:nvSpPr>
+            <p:cNvPr id="12" name="TextBox 11">
+              <a:extLst>
+                <a:ext uri="{FF2B5EF4-FFF2-40B4-BE49-F238E27FC236}">
+                  <a16:creationId xmlns:a16="http://schemas.microsoft.com/office/drawing/2014/main" id="{845F5119-2944-4FB2-8E63-4E67D12F789F}"/>
+                </a:ext>
+              </a:extLst>
+            </p:cNvPr>
+            <p:cNvSpPr txBox="1"/>
+            <p:nvPr/>
+          </p:nvSpPr>
+          <p:spPr>
+            <a:xfrm>
+              <a:off x="1811039" y="1300849"/>
+              <a:ext cx="2066223" cy="369332"/>
+            </a:xfrm>
+            <a:prstGeom prst="rect">
+              <a:avLst/>
+            </a:prstGeom>
+            <a:noFill/>
+          </p:spPr>
+          <p:txBody>
+            <a:bodyPr wrap="square" rtlCol="0">
+              <a:spAutoFit/>
+            </a:bodyPr>
+            <a:lstStyle/>
+            <a:p>
+              <a:pPr algn="ctr"/>
+              <a:r>
+                <a:rPr lang="en-US"/>
+                <a:t>country</a:t>
+              </a:r>
+            </a:p>
+          </p:txBody>
+        </p:sp>
+      </p:grpSp>
+      <p:grpSp>
+        <p:nvGrpSpPr>
+          <p:cNvPr id="13" name="Group 12">
+            <a:extLst>
+              <a:ext uri="{FF2B5EF4-FFF2-40B4-BE49-F238E27FC236}">
+                <a16:creationId xmlns:a16="http://schemas.microsoft.com/office/drawing/2014/main" id="{D26254B8-527B-41B2-B3AF-59B598D123FE}"/>
+              </a:ext>
+            </a:extLst>
+          </p:cNvPr>
+          <p:cNvGrpSpPr/>
+          <p:nvPr/>
+        </p:nvGrpSpPr>
+        <p:grpSpPr>
+          <a:xfrm>
+            <a:off x="4960972" y="1513323"/>
+            <a:ext cx="2066223" cy="965296"/>
+            <a:chOff x="1811039" y="1300849"/>
+            <a:chExt cx="2066223" cy="965296"/>
+          </a:xfrm>
+        </p:grpSpPr>
+        <p:pic>
+          <p:nvPicPr>
+            <p:cNvPr id="14" name="Picture 2">
+              <a:extLst>
+                <a:ext uri="{FF2B5EF4-FFF2-40B4-BE49-F238E27FC236}">
+                  <a16:creationId xmlns:a16="http://schemas.microsoft.com/office/drawing/2014/main" id="{4346C5A5-8702-4741-9B50-3A1C53907B94}"/>
+                </a:ext>
+              </a:extLst>
+            </p:cNvPr>
+            <p:cNvPicPr>
+              <a:picLocks noChangeAspect="1" noChangeArrowheads="1"/>
+            </p:cNvPicPr>
+            <p:nvPr/>
+          </p:nvPicPr>
+          <p:blipFill>
+            <a:blip r:embed="rId2" cstate="print">
+              <a:extLst>
+                <a:ext uri="{28A0092B-C50C-407E-A947-70E740481C1C}">
+                  <a14:useLocalDpi xmlns:a14="http://schemas.microsoft.com/office/drawing/2010/main" val="0"/>
+                </a:ext>
+              </a:extLst>
+            </a:blip>
+            <a:srcRect/>
+            <a:stretch>
+              <a:fillRect/>
+            </a:stretch>
+          </p:blipFill>
+          <p:spPr bwMode="auto">
+            <a:xfrm>
+              <a:off x="2512807" y="1603456"/>
+              <a:ext cx="662689" cy="662689"/>
+            </a:xfrm>
+            <a:prstGeom prst="rect">
+              <a:avLst/>
+            </a:prstGeom>
+            <a:noFill/>
+            <a:extLst>
+              <a:ext uri="{909E8E84-426E-40DD-AFC4-6F175D3DCCD1}">
+                <a14:hiddenFill xmlns:a14="http://schemas.microsoft.com/office/drawing/2010/main">
+                  <a:solidFill>
+                    <a:srgbClr val="FFFFFF"/>
+                  </a:solidFill>
+                </a14:hiddenFill>
+              </a:ext>
+            </a:extLst>
+          </p:spPr>
+        </p:pic>
+        <p:sp>
+          <p:nvSpPr>
+            <p:cNvPr id="15" name="TextBox 14">
+              <a:extLst>
+                <a:ext uri="{FF2B5EF4-FFF2-40B4-BE49-F238E27FC236}">
+                  <a16:creationId xmlns:a16="http://schemas.microsoft.com/office/drawing/2014/main" id="{2033DA20-5A0F-402A-A702-929C0431DD7D}"/>
+                </a:ext>
+              </a:extLst>
+            </p:cNvPr>
+            <p:cNvSpPr txBox="1"/>
+            <p:nvPr/>
+          </p:nvSpPr>
+          <p:spPr>
+            <a:xfrm>
+              <a:off x="1811039" y="1300849"/>
+              <a:ext cx="2066223" cy="369332"/>
+            </a:xfrm>
+            <a:prstGeom prst="rect">
+              <a:avLst/>
+            </a:prstGeom>
+            <a:noFill/>
+          </p:spPr>
+          <p:txBody>
+            <a:bodyPr wrap="square" rtlCol="0">
+              <a:spAutoFit/>
+            </a:bodyPr>
+            <a:lstStyle/>
+            <a:p>
+              <a:pPr algn="ctr"/>
+              <a:r>
+                <a:rPr lang="en-US"/>
+                <a:t>param</a:t>
+              </a:r>
+            </a:p>
+          </p:txBody>
+        </p:sp>
+      </p:grpSp>
+      <p:cxnSp>
+        <p:nvCxnSpPr>
+          <p:cNvPr id="19" name="Straight Connector 18">
+            <a:extLst>
+              <a:ext uri="{FF2B5EF4-FFF2-40B4-BE49-F238E27FC236}">
+                <a16:creationId xmlns:a16="http://schemas.microsoft.com/office/drawing/2014/main" id="{BB83AEA6-6BBC-4499-95B1-ABA66209BB19}"/>
+              </a:ext>
+            </a:extLst>
+          </p:cNvPr>
+          <p:cNvCxnSpPr>
+            <a:cxnSpLocks/>
+            <a:stCxn id="11" idx="3"/>
+            <a:endCxn id="14" idx="1"/>
+          </p:cNvCxnSpPr>
+          <p:nvPr/>
+        </p:nvCxnSpPr>
+        <p:spPr>
+          <a:xfrm>
+            <a:off x="5256887" y="2147275"/>
+            <a:ext cx="405853" cy="0"/>
+          </a:xfrm>
+          <a:prstGeom prst="line">
+            <a:avLst/>
+          </a:prstGeom>
+          <a:ln>
+            <a:tailEnd type="triangle" w="lg" len="lg"/>
+          </a:ln>
+        </p:spPr>
+        <p:style>
+          <a:lnRef idx="1">
+            <a:schemeClr val="dk1"/>
+          </a:lnRef>
+          <a:fillRef idx="0">
+            <a:schemeClr val="dk1"/>
+          </a:fillRef>
+          <a:effectRef idx="0">
+            <a:schemeClr val="dk1"/>
+          </a:effectRef>
+          <a:fontRef idx="minor">
+            <a:schemeClr val="tx1"/>
+          </a:fontRef>
+        </p:style>
+      </p:cxnSp>
+      <p:cxnSp>
+        <p:nvCxnSpPr>
+          <p:cNvPr id="20" name="Straight Connector 19">
+            <a:extLst>
+              <a:ext uri="{FF2B5EF4-FFF2-40B4-BE49-F238E27FC236}">
+                <a16:creationId xmlns:a16="http://schemas.microsoft.com/office/drawing/2014/main" id="{CA72FBC7-925F-4EB2-8261-C53753104406}"/>
+              </a:ext>
+            </a:extLst>
+          </p:cNvPr>
+          <p:cNvCxnSpPr>
+            <a:cxnSpLocks/>
+            <a:stCxn id="14" idx="3"/>
+            <a:endCxn id="17" idx="1"/>
+          </p:cNvCxnSpPr>
+          <p:nvPr/>
+        </p:nvCxnSpPr>
+        <p:spPr>
+          <a:xfrm>
+            <a:off x="6325429" y="2147275"/>
+            <a:ext cx="372991" cy="0"/>
+          </a:xfrm>
+          <a:prstGeom prst="line">
+            <a:avLst/>
+          </a:prstGeom>
+          <a:ln>
+            <a:tailEnd type="triangle" w="lg" len="lg"/>
+          </a:ln>
+        </p:spPr>
+        <p:style>
+          <a:lnRef idx="1">
+            <a:schemeClr val="dk1"/>
+          </a:lnRef>
+          <a:fillRef idx="0">
+            <a:schemeClr val="dk1"/>
+          </a:fillRef>
+          <a:effectRef idx="0">
+            <a:schemeClr val="dk1"/>
+          </a:effectRef>
+          <a:fontRef idx="minor">
+            <a:schemeClr val="tx1"/>
+          </a:fontRef>
+        </p:style>
+      </p:cxnSp>
+      <p:grpSp>
+        <p:nvGrpSpPr>
+          <p:cNvPr id="22" name="Group 21">
+            <a:extLst>
+              <a:ext uri="{FF2B5EF4-FFF2-40B4-BE49-F238E27FC236}">
+                <a16:creationId xmlns:a16="http://schemas.microsoft.com/office/drawing/2014/main" id="{E80F8231-71DA-4A2E-9369-FF392C1C2316}"/>
+              </a:ext>
+            </a:extLst>
+          </p:cNvPr>
+          <p:cNvGrpSpPr/>
+          <p:nvPr/>
+        </p:nvGrpSpPr>
+        <p:grpSpPr>
+          <a:xfrm>
+            <a:off x="1783781" y="1513323"/>
+            <a:ext cx="2066223" cy="965296"/>
+            <a:chOff x="1811039" y="1300849"/>
+            <a:chExt cx="2066223" cy="965296"/>
+          </a:xfrm>
+        </p:grpSpPr>
+        <p:pic>
+          <p:nvPicPr>
+            <p:cNvPr id="23" name="Picture 2">
+              <a:extLst>
+                <a:ext uri="{FF2B5EF4-FFF2-40B4-BE49-F238E27FC236}">
+                  <a16:creationId xmlns:a16="http://schemas.microsoft.com/office/drawing/2014/main" id="{3BA1AD54-6D02-4F5A-ABA0-E37CFE9DFC77}"/>
+                </a:ext>
+              </a:extLst>
+            </p:cNvPr>
+            <p:cNvPicPr>
+              <a:picLocks noChangeAspect="1" noChangeArrowheads="1"/>
+            </p:cNvPicPr>
+            <p:nvPr/>
+          </p:nvPicPr>
+          <p:blipFill>
+            <a:blip r:embed="rId2" cstate="print">
+              <a:extLst>
+                <a:ext uri="{28A0092B-C50C-407E-A947-70E740481C1C}">
+                  <a14:useLocalDpi xmlns:a14="http://schemas.microsoft.com/office/drawing/2010/main" val="0"/>
+                </a:ext>
+              </a:extLst>
+            </a:blip>
+            <a:srcRect/>
+            <a:stretch>
+              <a:fillRect/>
+            </a:stretch>
+          </p:blipFill>
+          <p:spPr bwMode="auto">
+            <a:xfrm>
+              <a:off x="2512807" y="1603456"/>
+              <a:ext cx="662689" cy="662689"/>
+            </a:xfrm>
+            <a:prstGeom prst="rect">
+              <a:avLst/>
+            </a:prstGeom>
+            <a:noFill/>
+            <a:extLst>
+              <a:ext uri="{909E8E84-426E-40DD-AFC4-6F175D3DCCD1}">
+                <a14:hiddenFill xmlns:a14="http://schemas.microsoft.com/office/drawing/2010/main">
+                  <a:solidFill>
+                    <a:srgbClr val="FFFFFF"/>
+                  </a:solidFill>
+                </a14:hiddenFill>
+              </a:ext>
+            </a:extLst>
+          </p:spPr>
+        </p:pic>
+        <p:sp>
+          <p:nvSpPr>
+            <p:cNvPr id="24" name="TextBox 23">
+              <a:extLst>
+                <a:ext uri="{FF2B5EF4-FFF2-40B4-BE49-F238E27FC236}">
+                  <a16:creationId xmlns:a16="http://schemas.microsoft.com/office/drawing/2014/main" id="{A4FED3D5-1F5B-4584-A8FC-EF2F8200CB77}"/>
+                </a:ext>
+              </a:extLst>
+            </p:cNvPr>
+            <p:cNvSpPr txBox="1"/>
+            <p:nvPr/>
+          </p:nvSpPr>
+          <p:spPr>
+            <a:xfrm>
+              <a:off x="1811039" y="1300849"/>
+              <a:ext cx="2066223" cy="369332"/>
+            </a:xfrm>
+            <a:prstGeom prst="rect">
+              <a:avLst/>
+            </a:prstGeom>
+            <a:noFill/>
+          </p:spPr>
+          <p:txBody>
+            <a:bodyPr wrap="square" rtlCol="0">
+              <a:spAutoFit/>
+            </a:bodyPr>
+            <a:lstStyle/>
+            <a:p>
+              <a:pPr algn="ctr"/>
+              <a:r>
+                <a:rPr lang="en-US"/>
+                <a:t>multiScenario</a:t>
+              </a:r>
+            </a:p>
+          </p:txBody>
+        </p:sp>
+      </p:grpSp>
+      <p:cxnSp>
+        <p:nvCxnSpPr>
+          <p:cNvPr id="38" name="Straight Connector 37">
+            <a:extLst>
+              <a:ext uri="{FF2B5EF4-FFF2-40B4-BE49-F238E27FC236}">
+                <a16:creationId xmlns:a16="http://schemas.microsoft.com/office/drawing/2014/main" id="{F859E3F0-3588-4B88-A3B8-3FC4B9064A83}"/>
+              </a:ext>
+            </a:extLst>
+          </p:cNvPr>
+          <p:cNvCxnSpPr>
+            <a:cxnSpLocks/>
+          </p:cNvCxnSpPr>
+          <p:nvPr/>
+        </p:nvCxnSpPr>
+        <p:spPr>
+          <a:xfrm>
+            <a:off x="3238923" y="2147275"/>
+            <a:ext cx="329272" cy="0"/>
+          </a:xfrm>
+          <a:prstGeom prst="line">
+            <a:avLst/>
+          </a:prstGeom>
+          <a:ln>
+            <a:tailEnd type="triangle" w="lg" len="lg"/>
+          </a:ln>
+        </p:spPr>
+        <p:style>
+          <a:lnRef idx="1">
+            <a:schemeClr val="dk1"/>
+          </a:lnRef>
+          <a:fillRef idx="0">
+            <a:schemeClr val="dk1"/>
+          </a:fillRef>
+          <a:effectRef idx="0">
+            <a:schemeClr val="dk1"/>
+          </a:effectRef>
+          <a:fontRef idx="minor">
+            <a:schemeClr val="tx1"/>
+          </a:fontRef>
+        </p:style>
+      </p:cxnSp>
+      <p:cxnSp>
+        <p:nvCxnSpPr>
+          <p:cNvPr id="39" name="Straight Connector 38">
+            <a:extLst>
+              <a:ext uri="{FF2B5EF4-FFF2-40B4-BE49-F238E27FC236}">
+                <a16:creationId xmlns:a16="http://schemas.microsoft.com/office/drawing/2014/main" id="{271752A6-51C3-407D-B323-312B43068FD7}"/>
+              </a:ext>
+            </a:extLst>
+          </p:cNvPr>
+          <p:cNvCxnSpPr>
+            <a:cxnSpLocks/>
+          </p:cNvCxnSpPr>
+          <p:nvPr/>
+        </p:nvCxnSpPr>
+        <p:spPr>
+          <a:xfrm>
+            <a:off x="4213341" y="2138486"/>
+            <a:ext cx="329272" cy="0"/>
+          </a:xfrm>
+          <a:prstGeom prst="line">
+            <a:avLst/>
+          </a:prstGeom>
+          <a:ln>
+            <a:tailEnd type="triangle" w="lg" len="lg"/>
+          </a:ln>
+        </p:spPr>
+        <p:style>
+          <a:lnRef idx="1">
+            <a:schemeClr val="dk1"/>
+          </a:lnRef>
+          <a:fillRef idx="0">
+            <a:schemeClr val="dk1"/>
+          </a:fillRef>
+          <a:effectRef idx="0">
+            <a:schemeClr val="dk1"/>
+          </a:effectRef>
+          <a:fontRef idx="minor">
+            <a:schemeClr val="tx1"/>
+          </a:fontRef>
+        </p:style>
+      </p:cxnSp>
+      <p:cxnSp>
+        <p:nvCxnSpPr>
+          <p:cNvPr id="40" name="Straight Connector 39">
+            <a:extLst>
+              <a:ext uri="{FF2B5EF4-FFF2-40B4-BE49-F238E27FC236}">
+                <a16:creationId xmlns:a16="http://schemas.microsoft.com/office/drawing/2014/main" id="{23735FD4-1B27-4B7C-855D-84EF75E589A4}"/>
+              </a:ext>
+            </a:extLst>
+          </p:cNvPr>
+          <p:cNvCxnSpPr>
+            <a:cxnSpLocks/>
+          </p:cNvCxnSpPr>
+          <p:nvPr/>
+        </p:nvCxnSpPr>
+        <p:spPr>
+          <a:xfrm>
+            <a:off x="1895356" y="2163885"/>
+            <a:ext cx="329272" cy="0"/>
+          </a:xfrm>
+          <a:prstGeom prst="line">
+            <a:avLst/>
+          </a:prstGeom>
+          <a:ln>
+            <a:tailEnd type="triangle" w="lg" len="lg"/>
+          </a:ln>
+        </p:spPr>
+        <p:style>
+          <a:lnRef idx="1">
+            <a:schemeClr val="dk1"/>
+          </a:lnRef>
+          <a:fillRef idx="0">
+            <a:schemeClr val="dk1"/>
+          </a:fillRef>
+          <a:effectRef idx="0">
+            <a:schemeClr val="dk1"/>
+          </a:effectRef>
+          <a:fontRef idx="minor">
+            <a:schemeClr val="tx1"/>
+          </a:fontRef>
+        </p:style>
+      </p:cxnSp>
+      <p:pic>
+        <p:nvPicPr>
+          <p:cNvPr id="2" name="Picture 1">
+            <a:extLst>
+              <a:ext uri="{FF2B5EF4-FFF2-40B4-BE49-F238E27FC236}">
+                <a16:creationId xmlns:a16="http://schemas.microsoft.com/office/drawing/2014/main" id="{53109DB7-8ACF-402D-88D5-2DDD13B8C5CC}"/>
+              </a:ext>
+            </a:extLst>
+          </p:cNvPr>
+          <p:cNvPicPr>
+            <a:picLocks noChangeAspect="1"/>
+          </p:cNvPicPr>
+          <p:nvPr/>
+        </p:nvPicPr>
+        <p:blipFill>
+          <a:blip r:embed="rId3"/>
+          <a:stretch>
+            <a:fillRect/>
+          </a:stretch>
+        </p:blipFill>
+        <p:spPr>
+          <a:xfrm>
+            <a:off x="6910375" y="1556461"/>
+            <a:ext cx="2796076" cy="1214847"/>
+          </a:xfrm>
+          <a:prstGeom prst="rect">
+            <a:avLst/>
+          </a:prstGeom>
+          <a:ln w="3175">
+            <a:solidFill>
+              <a:schemeClr val="tx1"/>
+            </a:solidFill>
+          </a:ln>
+        </p:spPr>
+      </p:pic>
+    </p:spTree>
+    <p:extLst>
+      <p:ext uri="{BB962C8B-B14F-4D97-AF65-F5344CB8AC3E}">
+        <p14:creationId xmlns:p14="http://schemas.microsoft.com/office/powerpoint/2010/main" val="2544726570"/>
+      </p:ext>
+    </p:extLst>
+  </p:cSld>
+  <p:clrMapOvr>
+    <a:masterClrMapping/>
+  </p:clrMapOvr>
+</p:sld>
+</file>
+
+<file path=ppt/slides/slide33.xml><?xml version="1.0" encoding="utf-8"?>
+<p:sld xmlns:a="http://schemas.openxmlformats.org/drawingml/2006/main" xmlns:r="http://schemas.openxmlformats.org/officeDocument/2006/relationships" xmlns:p="http://schemas.openxmlformats.org/presentationml/2006/main">
+  <p:cSld>
+    <p:spTree>
+      <p:nvGrpSpPr>
+        <p:cNvPr id="1" name=""/>
+        <p:cNvGrpSpPr/>
+        <p:nvPr/>
+      </p:nvGrpSpPr>
+      <p:grpSpPr>
+        <a:xfrm>
+          <a:off x="0" y="0"/>
+          <a:ext cx="0" cy="0"/>
+          <a:chOff x="0" y="0"/>
+          <a:chExt cx="0" cy="0"/>
+        </a:xfrm>
+      </p:grpSpPr>
+      <p:sp>
+        <p:nvSpPr>
+          <p:cNvPr id="6" name="Rectangle 5">
+            <a:extLst>
+              <a:ext uri="{FF2B5EF4-FFF2-40B4-BE49-F238E27FC236}">
+                <a16:creationId xmlns:a16="http://schemas.microsoft.com/office/drawing/2014/main" id="{F2FAAE5D-6F5D-4276-A188-B0F75533DF8A}"/>
+              </a:ext>
+            </a:extLst>
+          </p:cNvPr>
+          <p:cNvSpPr/>
+          <p:nvPr/>
+        </p:nvSpPr>
+        <p:spPr>
+          <a:xfrm>
+            <a:off x="192163" y="887767"/>
+            <a:ext cx="11807674" cy="4429958"/>
+          </a:xfrm>
+          <a:prstGeom prst="rect">
+            <a:avLst/>
+          </a:prstGeom>
+          <a:noFill/>
+          <a:ln>
+            <a:solidFill>
+              <a:schemeClr val="bg1">
+                <a:lumMod val="65000"/>
+              </a:schemeClr>
+            </a:solidFill>
+          </a:ln>
+        </p:spPr>
+        <p:style>
+          <a:lnRef idx="2">
+            <a:schemeClr val="accent1">
+              <a:shade val="50000"/>
+            </a:schemeClr>
+          </a:lnRef>
+          <a:fillRef idx="1">
+            <a:schemeClr val="accent1"/>
+          </a:fillRef>
+          <a:effectRef idx="0">
+            <a:schemeClr val="accent1"/>
+          </a:effectRef>
+          <a:fontRef idx="minor">
+            <a:schemeClr val="lt1"/>
+          </a:fontRef>
+        </p:style>
+        <p:txBody>
+          <a:bodyPr rtlCol="0" anchor="ctr"/>
+          <a:lstStyle/>
+          <a:p>
+            <a:pPr algn="ctr"/>
+            <a:endParaRPr lang="en-US"/>
+          </a:p>
+        </p:txBody>
+      </p:sp>
+      <p:sp>
+        <p:nvSpPr>
+          <p:cNvPr id="7" name="TextBox 6">
+            <a:extLst>
+              <a:ext uri="{FF2B5EF4-FFF2-40B4-BE49-F238E27FC236}">
+                <a16:creationId xmlns:a16="http://schemas.microsoft.com/office/drawing/2014/main" id="{A063DF1C-7DF0-40B4-AC9D-EC918B0CB000}"/>
+              </a:ext>
+            </a:extLst>
+          </p:cNvPr>
+          <p:cNvSpPr txBox="1"/>
+          <p:nvPr/>
+        </p:nvSpPr>
+        <p:spPr>
+          <a:xfrm>
+            <a:off x="192163" y="128664"/>
+            <a:ext cx="2066223" cy="369332"/>
+          </a:xfrm>
+          <a:prstGeom prst="rect">
+            <a:avLst/>
+          </a:prstGeom>
+          <a:noFill/>
+        </p:spPr>
+        <p:txBody>
+          <a:bodyPr wrap="square" rtlCol="0">
+            <a:spAutoFit/>
+          </a:bodyPr>
+          <a:lstStyle/>
+          <a:p>
+            <a:pPr algn="ctr"/>
+            <a:r>
+              <a:rPr lang="en-US" b="1"/>
+              <a:t>Multi-Year</a:t>
+            </a:r>
+          </a:p>
+        </p:txBody>
+      </p:sp>
+      <p:pic>
+        <p:nvPicPr>
+          <p:cNvPr id="9" name="Picture 8" descr="A picture containing text, map&#10;&#10;Description automatically generated">
+            <a:extLst>
+              <a:ext uri="{FF2B5EF4-FFF2-40B4-BE49-F238E27FC236}">
+                <a16:creationId xmlns:a16="http://schemas.microsoft.com/office/drawing/2014/main" id="{7075CCF6-2D36-4F07-9303-645D61153C36}"/>
+              </a:ext>
+            </a:extLst>
+          </p:cNvPr>
+          <p:cNvPicPr>
+            <a:picLocks noChangeAspect="1"/>
+          </p:cNvPicPr>
+          <p:nvPr/>
+        </p:nvPicPr>
+        <p:blipFill>
+          <a:blip r:embed="rId2">
+            <a:extLst>
+              <a:ext uri="{28A0092B-C50C-407E-A947-70E740481C1C}">
+                <a14:useLocalDpi xmlns:a14="http://schemas.microsoft.com/office/drawing/2010/main" val="0"/>
+              </a:ext>
+            </a:extLst>
+          </a:blip>
+          <a:stretch>
+            <a:fillRect/>
+          </a:stretch>
+        </p:blipFill>
+        <p:spPr>
+          <a:xfrm>
+            <a:off x="352956" y="2435263"/>
+            <a:ext cx="6823625" cy="1455983"/>
+          </a:xfrm>
+          <a:prstGeom prst="rect">
+            <a:avLst/>
+          </a:prstGeom>
+        </p:spPr>
+      </p:pic>
+      <p:pic>
+        <p:nvPicPr>
+          <p:cNvPr id="11" name="Picture 10" descr="A close up of a map&#10;&#10;Description automatically generated">
+            <a:extLst>
+              <a:ext uri="{FF2B5EF4-FFF2-40B4-BE49-F238E27FC236}">
+                <a16:creationId xmlns:a16="http://schemas.microsoft.com/office/drawing/2014/main" id="{7C7BA25C-FFF3-4AD7-A697-2F888925A92F}"/>
+              </a:ext>
+            </a:extLst>
+          </p:cNvPr>
+          <p:cNvPicPr>
+            <a:picLocks noChangeAspect="1"/>
+          </p:cNvPicPr>
+          <p:nvPr/>
+        </p:nvPicPr>
+        <p:blipFill>
+          <a:blip r:embed="rId3" cstate="print">
+            <a:extLst>
+              <a:ext uri="{28A0092B-C50C-407E-A947-70E740481C1C}">
+                <a14:useLocalDpi xmlns:a14="http://schemas.microsoft.com/office/drawing/2010/main" val="0"/>
+              </a:ext>
+            </a:extLst>
+          </a:blip>
+          <a:stretch>
+            <a:fillRect/>
+          </a:stretch>
+        </p:blipFill>
+        <p:spPr>
+          <a:xfrm>
+            <a:off x="7350712" y="1636016"/>
+            <a:ext cx="4488332" cy="3451099"/>
+          </a:xfrm>
+          <a:prstGeom prst="rect">
+            <a:avLst/>
+          </a:prstGeom>
+        </p:spPr>
+      </p:pic>
+      <p:sp>
+        <p:nvSpPr>
+          <p:cNvPr id="12" name="TextBox 11">
+            <a:extLst>
+              <a:ext uri="{FF2B5EF4-FFF2-40B4-BE49-F238E27FC236}">
+                <a16:creationId xmlns:a16="http://schemas.microsoft.com/office/drawing/2014/main" id="{F5148CF5-C0BA-4F2A-A7AC-ACDAD907493F}"/>
+              </a:ext>
+            </a:extLst>
+          </p:cNvPr>
+          <p:cNvSpPr txBox="1"/>
+          <p:nvPr/>
+        </p:nvSpPr>
+        <p:spPr>
+          <a:xfrm>
+            <a:off x="2004687" y="1840726"/>
+            <a:ext cx="2691600" cy="369332"/>
+          </a:xfrm>
+          <a:prstGeom prst="rect">
+            <a:avLst/>
+          </a:prstGeom>
+          <a:noFill/>
+        </p:spPr>
+        <p:txBody>
+          <a:bodyPr wrap="square" rtlCol="0">
+            <a:spAutoFit/>
+          </a:bodyPr>
+          <a:lstStyle/>
+          <a:p>
+            <a:pPr algn="ctr"/>
+            <a:r>
+              <a:rPr lang="en-US" b="1"/>
+              <a:t>Combined Year Plots</a:t>
+            </a:r>
+          </a:p>
+        </p:txBody>
+      </p:sp>
+      <p:sp>
+        <p:nvSpPr>
+          <p:cNvPr id="13" name="TextBox 12">
+            <a:extLst>
+              <a:ext uri="{FF2B5EF4-FFF2-40B4-BE49-F238E27FC236}">
+                <a16:creationId xmlns:a16="http://schemas.microsoft.com/office/drawing/2014/main" id="{2FF4C991-5D6E-43DB-8801-5B2C47F2ECAB}"/>
+              </a:ext>
+            </a:extLst>
+          </p:cNvPr>
+          <p:cNvSpPr txBox="1"/>
+          <p:nvPr/>
+        </p:nvSpPr>
+        <p:spPr>
+          <a:xfrm>
+            <a:off x="8042982" y="1005119"/>
+            <a:ext cx="2691600" cy="369332"/>
+          </a:xfrm>
+          <a:prstGeom prst="rect">
+            <a:avLst/>
+          </a:prstGeom>
+          <a:noFill/>
+        </p:spPr>
+        <p:txBody>
+          <a:bodyPr wrap="square" rtlCol="0">
+            <a:spAutoFit/>
+          </a:bodyPr>
+          <a:lstStyle/>
+          <a:p>
+            <a:pPr algn="ctr"/>
+            <a:r>
+              <a:rPr lang="en-US" b="1"/>
+              <a:t>Mean Plot</a:t>
+            </a:r>
+          </a:p>
+        </p:txBody>
+      </p:sp>
+    </p:spTree>
+    <p:extLst>
+      <p:ext uri="{BB962C8B-B14F-4D97-AF65-F5344CB8AC3E}">
+        <p14:creationId xmlns:p14="http://schemas.microsoft.com/office/powerpoint/2010/main" val="1642896518"/>
+      </p:ext>
+    </p:extLst>
+  </p:cSld>
+  <p:clrMapOvr>
+    <a:masterClrMapping/>
+  </p:clrMapOvr>
+</p:sld>
+</file>
+
+<file path=ppt/slides/slide34.xml><?xml version="1.0" encoding="utf-8"?>
+<p:sld xmlns:a="http://schemas.openxmlformats.org/drawingml/2006/main" xmlns:r="http://schemas.openxmlformats.org/officeDocument/2006/relationships" xmlns:p="http://schemas.openxmlformats.org/presentationml/2006/main">
+  <p:cSld>
+    <p:spTree>
+      <p:nvGrpSpPr>
+        <p:cNvPr id="1" name=""/>
+        <p:cNvGrpSpPr/>
+        <p:nvPr/>
+      </p:nvGrpSpPr>
+      <p:grpSpPr>
+        <a:xfrm>
+          <a:off x="0" y="0"/>
+          <a:ext cx="0" cy="0"/>
+          <a:chOff x="0" y="0"/>
+          <a:chExt cx="0" cy="0"/>
+        </a:xfrm>
+      </p:grpSpPr>
+      <p:sp>
+        <p:nvSpPr>
+          <p:cNvPr id="6" name="Rectangle 5">
+            <a:extLst>
+              <a:ext uri="{FF2B5EF4-FFF2-40B4-BE49-F238E27FC236}">
+                <a16:creationId xmlns:a16="http://schemas.microsoft.com/office/drawing/2014/main" id="{F2FAAE5D-6F5D-4276-A188-B0F75533DF8A}"/>
+              </a:ext>
+            </a:extLst>
+          </p:cNvPr>
+          <p:cNvSpPr/>
+          <p:nvPr/>
+        </p:nvSpPr>
+        <p:spPr>
+          <a:xfrm>
+            <a:off x="192163" y="1393794"/>
+            <a:ext cx="11807674" cy="2885243"/>
+          </a:xfrm>
+          <a:prstGeom prst="rect">
+            <a:avLst/>
+          </a:prstGeom>
+          <a:noFill/>
+          <a:ln>
+            <a:solidFill>
+              <a:schemeClr val="bg1">
+                <a:lumMod val="65000"/>
+              </a:schemeClr>
+            </a:solidFill>
+          </a:ln>
+        </p:spPr>
+        <p:style>
+          <a:lnRef idx="2">
+            <a:schemeClr val="accent1">
+              <a:shade val="50000"/>
+            </a:schemeClr>
+          </a:lnRef>
+          <a:fillRef idx="1">
+            <a:schemeClr val="accent1"/>
+          </a:fillRef>
+          <a:effectRef idx="0">
+            <a:schemeClr val="accent1"/>
+          </a:effectRef>
+          <a:fontRef idx="minor">
+            <a:schemeClr val="lt1"/>
+          </a:fontRef>
+        </p:style>
+        <p:txBody>
+          <a:bodyPr rtlCol="0" anchor="ctr"/>
+          <a:lstStyle/>
+          <a:p>
+            <a:pPr algn="ctr"/>
+            <a:endParaRPr lang="en-US"/>
+          </a:p>
+        </p:txBody>
+      </p:sp>
+      <p:sp>
+        <p:nvSpPr>
+          <p:cNvPr id="7" name="TextBox 6">
+            <a:extLst>
+              <a:ext uri="{FF2B5EF4-FFF2-40B4-BE49-F238E27FC236}">
+                <a16:creationId xmlns:a16="http://schemas.microsoft.com/office/drawing/2014/main" id="{A063DF1C-7DF0-40B4-AC9D-EC918B0CB000}"/>
+              </a:ext>
+            </a:extLst>
+          </p:cNvPr>
+          <p:cNvSpPr txBox="1"/>
+          <p:nvPr/>
+        </p:nvSpPr>
+        <p:spPr>
+          <a:xfrm>
+            <a:off x="192163" y="128664"/>
             <a:ext cx="2066223" cy="369332"/>
           </a:xfrm>
           <a:prstGeom prst="rect">
@@ -10906,7 +12065,7 @@
 </p:sld>
 </file>
 
-<file path=ppt/slides/slide33.xml><?xml version="1.0" encoding="utf-8"?>
+<file path=ppt/slides/slide35.xml><?xml version="1.0" encoding="utf-8"?>
 <p:sld xmlns:a="http://schemas.openxmlformats.org/drawingml/2006/main" xmlns:r="http://schemas.openxmlformats.org/officeDocument/2006/relationships" xmlns:p="http://schemas.openxmlformats.org/presentationml/2006/main">
   <p:cSld>
     <p:spTree>
@@ -12391,7 +13550,7 @@
 </p:sld>
 </file>
 
-<file path=ppt/slides/slide34.xml><?xml version="1.0" encoding="utf-8"?>
+<file path=ppt/slides/slide36.xml><?xml version="1.0" encoding="utf-8"?>
 <p:sld xmlns:a="http://schemas.openxmlformats.org/drawingml/2006/main" xmlns:r="http://schemas.openxmlformats.org/officeDocument/2006/relationships" xmlns:p="http://schemas.openxmlformats.org/presentationml/2006/main">
   <p:cSld>
     <p:spTree>
@@ -12892,7 +14051,7 @@
 </p:sld>
 </file>
 
-<file path=ppt/slides/slide35.xml><?xml version="1.0" encoding="utf-8"?>
+<file path=ppt/slides/slide37.xml><?xml version="1.0" encoding="utf-8"?>
 <p:sld xmlns:a="http://schemas.openxmlformats.org/drawingml/2006/main" xmlns:r="http://schemas.openxmlformats.org/officeDocument/2006/relationships" xmlns:p="http://schemas.openxmlformats.org/presentationml/2006/main">
   <p:cSld>
     <p:spTree>
@@ -13156,7 +14315,7 @@
 </p:sld>
 </file>
 
-<file path=ppt/slides/slide36.xml><?xml version="1.0" encoding="utf-8"?>
+<file path=ppt/slides/slide38.xml><?xml version="1.0" encoding="utf-8"?>
 <p:sld xmlns:a="http://schemas.openxmlformats.org/drawingml/2006/main" xmlns:r="http://schemas.openxmlformats.org/officeDocument/2006/relationships" xmlns:p="http://schemas.openxmlformats.org/presentationml/2006/main">
   <p:cSld>
     <p:spTree>
@@ -13213,7 +14372,7 @@
 </p:sld>
 </file>
 
-<file path=ppt/slides/slide37.xml><?xml version="1.0" encoding="utf-8"?>
+<file path=ppt/slides/slide39.xml><?xml version="1.0" encoding="utf-8"?>
 <p:sld xmlns:a="http://schemas.openxmlformats.org/drawingml/2006/main" xmlns:r="http://schemas.openxmlformats.org/officeDocument/2006/relationships" xmlns:p="http://schemas.openxmlformats.org/presentationml/2006/main">
   <p:cSld>
     <p:spTree>
@@ -15282,7 +16441,1053 @@
 </p:sld>
 </file>
 
-<file path=ppt/slides/slide38.xml><?xml version="1.0" encoding="utf-8"?>
+<file path=ppt/slides/slide4.xml><?xml version="1.0" encoding="utf-8"?>
+<p:sld xmlns:a="http://schemas.openxmlformats.org/drawingml/2006/main" xmlns:r="http://schemas.openxmlformats.org/officeDocument/2006/relationships" xmlns:p="http://schemas.openxmlformats.org/presentationml/2006/main">
+  <p:cSld>
+    <p:spTree>
+      <p:nvGrpSpPr>
+        <p:cNvPr id="1" name=""/>
+        <p:cNvGrpSpPr/>
+        <p:nvPr/>
+      </p:nvGrpSpPr>
+      <p:grpSpPr>
+        <a:xfrm>
+          <a:off x="0" y="0"/>
+          <a:ext cx="0" cy="0"/>
+          <a:chOff x="0" y="0"/>
+          <a:chExt cx="0" cy="0"/>
+        </a:xfrm>
+      </p:grpSpPr>
+      <p:sp>
+        <p:nvSpPr>
+          <p:cNvPr id="6" name="TextBox 5">
+            <a:extLst>
+              <a:ext uri="{FF2B5EF4-FFF2-40B4-BE49-F238E27FC236}">
+                <a16:creationId xmlns:a16="http://schemas.microsoft.com/office/drawing/2014/main" id="{770E9E06-5F46-4A20-920E-2473B2FB3AF0}"/>
+              </a:ext>
+            </a:extLst>
+          </p:cNvPr>
+          <p:cNvSpPr txBox="1"/>
+          <p:nvPr/>
+        </p:nvSpPr>
+        <p:spPr>
+          <a:xfrm>
+            <a:off x="677207" y="522579"/>
+            <a:ext cx="2216370" cy="4429995"/>
+          </a:xfrm>
+          <a:prstGeom prst="rect">
+            <a:avLst/>
+          </a:prstGeom>
+          <a:noFill/>
+        </p:spPr>
+        <p:txBody>
+          <a:bodyPr wrap="square" rtlCol="0">
+            <a:spAutoFit/>
+          </a:bodyPr>
+          <a:lstStyle>
+            <a:defPPr>
+              <a:defRPr lang="en-US"/>
+            </a:defPPr>
+            <a:lvl1pPr>
+              <a:lnSpc>
+                <a:spcPct val="150000"/>
+              </a:lnSpc>
+              <a:defRPr sz="900">
+                <a:latin typeface="Consolas" panose="020B0609020204030204" pitchFamily="49" charset="0"/>
+              </a:defRPr>
+            </a:lvl1pPr>
+          </a:lstStyle>
+          <a:p>
+            <a:pPr algn="ctr"/>
+            <a:r>
+              <a:rPr lang="en-US" altLang="en-US" sz="1050" b="1" u="sng">
+                <a:latin typeface="+mn-lt"/>
+              </a:rPr>
+              <a:t>electricity</a:t>
+            </a:r>
+          </a:p>
+          <a:p>
+            <a:pPr marL="171450" indent="-171450">
+              <a:buFont typeface="Arial" panose="020B0604020202020204" pitchFamily="34" charset="0"/>
+              <a:buChar char="•"/>
+            </a:pPr>
+            <a:r>
+              <a:rPr lang="en-US" altLang="en-US" sz="1050">
+                <a:latin typeface="+mn-lt"/>
+              </a:rPr>
+              <a:t>elecByTechTWh</a:t>
+            </a:r>
+          </a:p>
+          <a:p>
+            <a:pPr marL="171450" indent="-171450">
+              <a:buFont typeface="Arial" panose="020B0604020202020204" pitchFamily="34" charset="0"/>
+              <a:buChar char="•"/>
+            </a:pPr>
+            <a:r>
+              <a:rPr lang="en-US" altLang="en-US" sz="1050">
+                <a:latin typeface="+mn-lt"/>
+              </a:rPr>
+              <a:t>elecCapByFuel</a:t>
+            </a:r>
+          </a:p>
+          <a:p>
+            <a:pPr marL="171450" indent="-171450">
+              <a:buFont typeface="Arial" panose="020B0604020202020204" pitchFamily="34" charset="0"/>
+              <a:buChar char="•"/>
+            </a:pPr>
+            <a:r>
+              <a:rPr lang="en-US" altLang="en-US" sz="1050">
+                <a:latin typeface="+mn-lt"/>
+              </a:rPr>
+              <a:t>elecFinalBySecTWh</a:t>
+            </a:r>
+          </a:p>
+          <a:p>
+            <a:pPr marL="171450" indent="-171450">
+              <a:buFont typeface="Arial" panose="020B0604020202020204" pitchFamily="34" charset="0"/>
+              <a:buChar char="•"/>
+            </a:pPr>
+            <a:r>
+              <a:rPr lang="en-US" altLang="en-US" sz="1050">
+                <a:latin typeface="+mn-lt"/>
+              </a:rPr>
+              <a:t>elecFinalByFuelTWh</a:t>
+            </a:r>
+          </a:p>
+          <a:p>
+            <a:pPr marL="171450" indent="-171450">
+              <a:buFont typeface="Arial" panose="020B0604020202020204" pitchFamily="34" charset="0"/>
+              <a:buChar char="•"/>
+            </a:pPr>
+            <a:r>
+              <a:rPr lang="en-US" altLang="en-US" sz="1050">
+                <a:latin typeface="+mn-lt"/>
+              </a:rPr>
+              <a:t>elecNewCapCost</a:t>
+            </a:r>
+          </a:p>
+          <a:p>
+            <a:pPr marL="171450" indent="-171450">
+              <a:buFont typeface="Arial" panose="020B0604020202020204" pitchFamily="34" charset="0"/>
+              <a:buChar char="•"/>
+            </a:pPr>
+            <a:r>
+              <a:rPr lang="en-US" altLang="en-US" sz="1050">
+                <a:latin typeface="+mn-lt"/>
+              </a:rPr>
+              <a:t>elecNewCapGW</a:t>
+            </a:r>
+          </a:p>
+          <a:p>
+            <a:pPr marL="171450" indent="-171450">
+              <a:buFont typeface="Arial" panose="020B0604020202020204" pitchFamily="34" charset="0"/>
+              <a:buChar char="•"/>
+            </a:pPr>
+            <a:r>
+              <a:rPr lang="en-US" altLang="en-US" sz="1050">
+                <a:latin typeface="+mn-lt"/>
+              </a:rPr>
+              <a:t>elecAnnualRetPrematureCost</a:t>
+            </a:r>
+          </a:p>
+          <a:p>
+            <a:pPr marL="171450" indent="-171450">
+              <a:buFont typeface="Arial" panose="020B0604020202020204" pitchFamily="34" charset="0"/>
+              <a:buChar char="•"/>
+            </a:pPr>
+            <a:r>
+              <a:rPr lang="en-US" altLang="en-US" sz="1050">
+                <a:latin typeface="+mn-lt"/>
+              </a:rPr>
+              <a:t>elecAnnualRetPrematureGW</a:t>
+            </a:r>
+          </a:p>
+          <a:p>
+            <a:pPr marL="171450" indent="-171450">
+              <a:buFont typeface="Arial" panose="020B0604020202020204" pitchFamily="34" charset="0"/>
+              <a:buChar char="•"/>
+            </a:pPr>
+            <a:r>
+              <a:rPr lang="en-US" altLang="en-US" sz="1050">
+                <a:latin typeface="+mn-lt"/>
+              </a:rPr>
+              <a:t>elecCumCapCost</a:t>
+            </a:r>
+          </a:p>
+          <a:p>
+            <a:pPr marL="171450" indent="-171450">
+              <a:buFont typeface="Arial" panose="020B0604020202020204" pitchFamily="34" charset="0"/>
+              <a:buChar char="•"/>
+            </a:pPr>
+            <a:r>
+              <a:rPr lang="en-US" altLang="en-US" sz="1050">
+                <a:latin typeface="+mn-lt"/>
+              </a:rPr>
+              <a:t>elecCumCapGW</a:t>
+            </a:r>
+          </a:p>
+          <a:p>
+            <a:pPr marL="171450" indent="-171450">
+              <a:buFont typeface="Arial" panose="020B0604020202020204" pitchFamily="34" charset="0"/>
+              <a:buChar char="•"/>
+            </a:pPr>
+            <a:r>
+              <a:rPr lang="en-US" altLang="en-US" sz="1050">
+                <a:latin typeface="+mn-lt"/>
+              </a:rPr>
+              <a:t>elecCumRetPrematureCost</a:t>
+            </a:r>
+          </a:p>
+          <a:p>
+            <a:pPr marL="171450" indent="-171450">
+              <a:buFont typeface="Arial" panose="020B0604020202020204" pitchFamily="34" charset="0"/>
+              <a:buChar char="•"/>
+            </a:pPr>
+            <a:r>
+              <a:rPr lang="en-US" altLang="en-US" sz="1050">
+                <a:latin typeface="+mn-lt"/>
+              </a:rPr>
+              <a:t>elecCumRetPrematureGW</a:t>
+            </a:r>
+          </a:p>
+          <a:p>
+            <a:pPr algn="ctr"/>
+            <a:r>
+              <a:rPr lang="en-US" altLang="en-US" sz="1050" b="1" u="sng">
+                <a:latin typeface="+mn-lt"/>
+              </a:rPr>
+              <a:t>transport</a:t>
+            </a:r>
+          </a:p>
+          <a:p>
+            <a:pPr marL="171450" indent="-171450">
+              <a:buFont typeface="Arial" panose="020B0604020202020204" pitchFamily="34" charset="0"/>
+              <a:buChar char="•"/>
+            </a:pPr>
+            <a:r>
+              <a:rPr lang="en-US" altLang="en-US" sz="1050">
+                <a:latin typeface="+mn-lt"/>
+              </a:rPr>
+              <a:t>transportPassengerVMTByMode</a:t>
+            </a:r>
+          </a:p>
+          <a:p>
+            <a:pPr marL="171450" indent="-171450">
+              <a:buFont typeface="Arial" panose="020B0604020202020204" pitchFamily="34" charset="0"/>
+              <a:buChar char="•"/>
+            </a:pPr>
+            <a:r>
+              <a:rPr lang="en-US" altLang="en-US" sz="1050">
+                <a:latin typeface="+mn-lt"/>
+              </a:rPr>
+              <a:t>transportFreightVMTByMode</a:t>
+            </a:r>
+          </a:p>
+          <a:p>
+            <a:pPr marL="171450" indent="-171450">
+              <a:buFont typeface="Arial" panose="020B0604020202020204" pitchFamily="34" charset="0"/>
+              <a:buChar char="•"/>
+            </a:pPr>
+            <a:r>
+              <a:rPr lang="en-US" altLang="en-US" sz="1050">
+                <a:latin typeface="+mn-lt"/>
+              </a:rPr>
+              <a:t>transportPassengerVMTByFuel</a:t>
+            </a:r>
+          </a:p>
+          <a:p>
+            <a:pPr marL="171450" indent="-171450">
+              <a:buFont typeface="Arial" panose="020B0604020202020204" pitchFamily="34" charset="0"/>
+              <a:buChar char="•"/>
+            </a:pPr>
+            <a:r>
+              <a:rPr lang="en-US" altLang="en-US" sz="1050">
+                <a:latin typeface="+mn-lt"/>
+              </a:rPr>
+              <a:t>transportFreightVMTByFuel</a:t>
+            </a:r>
+          </a:p>
+        </p:txBody>
+      </p:sp>
+      <p:sp>
+        <p:nvSpPr>
+          <p:cNvPr id="7" name="TextBox 6">
+            <a:extLst>
+              <a:ext uri="{FF2B5EF4-FFF2-40B4-BE49-F238E27FC236}">
+                <a16:creationId xmlns:a16="http://schemas.microsoft.com/office/drawing/2014/main" id="{08849C20-7534-4CC1-AE72-789DE7D498D4}"/>
+              </a:ext>
+            </a:extLst>
+          </p:cNvPr>
+          <p:cNvSpPr txBox="1"/>
+          <p:nvPr/>
+        </p:nvSpPr>
+        <p:spPr>
+          <a:xfrm>
+            <a:off x="3772467" y="522579"/>
+            <a:ext cx="2216370" cy="5884240"/>
+          </a:xfrm>
+          <a:prstGeom prst="rect">
+            <a:avLst/>
+          </a:prstGeom>
+          <a:noFill/>
+        </p:spPr>
+        <p:txBody>
+          <a:bodyPr wrap="square" rtlCol="0">
+            <a:spAutoFit/>
+          </a:bodyPr>
+          <a:lstStyle>
+            <a:defPPr>
+              <a:defRPr lang="en-US"/>
+            </a:defPPr>
+            <a:lvl1pPr>
+              <a:lnSpc>
+                <a:spcPct val="150000"/>
+              </a:lnSpc>
+              <a:defRPr sz="900">
+                <a:latin typeface="Consolas" panose="020B0609020204030204" pitchFamily="49" charset="0"/>
+              </a:defRPr>
+            </a:lvl1pPr>
+          </a:lstStyle>
+          <a:p>
+            <a:pPr algn="ctr"/>
+            <a:r>
+              <a:rPr lang="en-US" altLang="en-US" sz="1050" b="1" u="sng">
+                <a:latin typeface="+mn-lt"/>
+              </a:rPr>
+              <a:t>socioecon</a:t>
+            </a:r>
+          </a:p>
+          <a:p>
+            <a:pPr marL="171450" indent="-171450">
+              <a:buFont typeface="Arial" panose="020B0604020202020204" pitchFamily="34" charset="0"/>
+              <a:buChar char="•"/>
+            </a:pPr>
+            <a:r>
+              <a:rPr lang="en-US" altLang="en-US" sz="1050">
+                <a:latin typeface="+mn-lt"/>
+              </a:rPr>
+              <a:t>gdpPerCapita</a:t>
+            </a:r>
+          </a:p>
+          <a:p>
+            <a:pPr marL="171450" indent="-171450">
+              <a:buFont typeface="Arial" panose="020B0604020202020204" pitchFamily="34" charset="0"/>
+              <a:buChar char="•"/>
+            </a:pPr>
+            <a:r>
+              <a:rPr lang="en-US" altLang="en-US" sz="1050">
+                <a:latin typeface="+mn-lt"/>
+              </a:rPr>
+              <a:t>gdp</a:t>
+            </a:r>
+          </a:p>
+          <a:p>
+            <a:pPr marL="171450" indent="-171450">
+              <a:buFont typeface="Arial" panose="020B0604020202020204" pitchFamily="34" charset="0"/>
+              <a:buChar char="•"/>
+            </a:pPr>
+            <a:r>
+              <a:rPr lang="en-US" altLang="en-US" sz="1050">
+                <a:latin typeface="+mn-lt"/>
+              </a:rPr>
+              <a:t>gdpGrowthRate</a:t>
+            </a:r>
+          </a:p>
+          <a:p>
+            <a:pPr marL="171450" indent="-171450">
+              <a:buFont typeface="Arial" panose="020B0604020202020204" pitchFamily="34" charset="0"/>
+              <a:buChar char="•"/>
+            </a:pPr>
+            <a:r>
+              <a:rPr lang="en-US" altLang="en-US" sz="1050">
+                <a:latin typeface="+mn-lt"/>
+              </a:rPr>
+              <a:t>pop</a:t>
+            </a:r>
+          </a:p>
+          <a:p>
+            <a:pPr algn="ctr"/>
+            <a:r>
+              <a:rPr lang="en-US" altLang="en-US" sz="1050" b="1" u="sng">
+                <a:latin typeface="+mn-lt"/>
+              </a:rPr>
+              <a:t>ag</a:t>
+            </a:r>
+          </a:p>
+          <a:p>
+            <a:pPr marL="171450" indent="-171450">
+              <a:buFont typeface="Arial" panose="020B0604020202020204" pitchFamily="34" charset="0"/>
+              <a:buChar char="•"/>
+            </a:pPr>
+            <a:r>
+              <a:rPr lang="en-US" altLang="en-US" sz="1050">
+                <a:latin typeface="+mn-lt"/>
+              </a:rPr>
+              <a:t>agProdbyIrrRfd</a:t>
+            </a:r>
+          </a:p>
+          <a:p>
+            <a:pPr marL="171450" indent="-171450">
+              <a:buFont typeface="Arial" panose="020B0604020202020204" pitchFamily="34" charset="0"/>
+              <a:buChar char="•"/>
+            </a:pPr>
+            <a:r>
+              <a:rPr lang="en-US" altLang="en-US" sz="1050">
+                <a:latin typeface="+mn-lt"/>
+              </a:rPr>
+              <a:t>agProdBiomass</a:t>
+            </a:r>
+          </a:p>
+          <a:p>
+            <a:pPr marL="171450" indent="-171450">
+              <a:buFont typeface="Arial" panose="020B0604020202020204" pitchFamily="34" charset="0"/>
+              <a:buChar char="•"/>
+            </a:pPr>
+            <a:r>
+              <a:rPr lang="en-US" altLang="en-US" sz="1050">
+                <a:latin typeface="+mn-lt"/>
+              </a:rPr>
+              <a:t>agProdForest</a:t>
+            </a:r>
+          </a:p>
+          <a:p>
+            <a:pPr marL="171450" indent="-171450">
+              <a:buFont typeface="Arial" panose="020B0604020202020204" pitchFamily="34" charset="0"/>
+              <a:buChar char="•"/>
+            </a:pPr>
+            <a:r>
+              <a:rPr lang="en-US" altLang="en-US" sz="1050">
+                <a:latin typeface="+mn-lt"/>
+              </a:rPr>
+              <a:t>agProdByCrop</a:t>
+            </a:r>
+          </a:p>
+          <a:p>
+            <a:pPr algn="ctr"/>
+            <a:r>
+              <a:rPr lang="en-US" altLang="en-US" sz="1050" b="1" u="sng">
+                <a:latin typeface="+mn-lt"/>
+              </a:rPr>
+              <a:t>livestock</a:t>
+            </a:r>
+          </a:p>
+          <a:p>
+            <a:pPr marL="171450" indent="-171450">
+              <a:buFont typeface="Arial" panose="020B0604020202020204" pitchFamily="34" charset="0"/>
+              <a:buChar char="•"/>
+            </a:pPr>
+            <a:r>
+              <a:rPr lang="en-US" altLang="en-US" sz="1050">
+                <a:latin typeface="+mn-lt"/>
+              </a:rPr>
+              <a:t>livestock_MeatDairybyTechMixed</a:t>
+            </a:r>
+          </a:p>
+          <a:p>
+            <a:pPr marL="171450" indent="-171450">
+              <a:buFont typeface="Arial" panose="020B0604020202020204" pitchFamily="34" charset="0"/>
+              <a:buChar char="•"/>
+            </a:pPr>
+            <a:r>
+              <a:rPr lang="en-US" altLang="en-US" sz="1050">
+                <a:latin typeface="+mn-lt"/>
+              </a:rPr>
+              <a:t>livestock_MeatDairybyTechPastoral</a:t>
+            </a:r>
+          </a:p>
+          <a:p>
+            <a:pPr marL="171450" indent="-171450">
+              <a:buFont typeface="Arial" panose="020B0604020202020204" pitchFamily="34" charset="0"/>
+              <a:buChar char="•"/>
+            </a:pPr>
+            <a:r>
+              <a:rPr lang="en-US" altLang="en-US" sz="1050">
+                <a:latin typeface="+mn-lt"/>
+              </a:rPr>
+              <a:t>livestock_MeatDairybyTechImports</a:t>
+            </a:r>
+          </a:p>
+          <a:p>
+            <a:pPr marL="171450" indent="-171450">
+              <a:buFont typeface="Arial" panose="020B0604020202020204" pitchFamily="34" charset="0"/>
+              <a:buChar char="•"/>
+            </a:pPr>
+            <a:r>
+              <a:rPr lang="en-US" altLang="en-US" sz="1050">
+                <a:latin typeface="+mn-lt"/>
+              </a:rPr>
+              <a:t>livestock_MeatDairybySubsector</a:t>
+            </a:r>
+          </a:p>
+          <a:p>
+            <a:pPr algn="ctr"/>
+            <a:r>
+              <a:rPr lang="en-US" altLang="en-US" sz="1050" b="1" u="sng">
+                <a:latin typeface="+mn-lt"/>
+              </a:rPr>
+              <a:t>land</a:t>
+            </a:r>
+          </a:p>
+          <a:p>
+            <a:pPr marL="171450" indent="-171450">
+              <a:buFont typeface="Arial" panose="020B0604020202020204" pitchFamily="34" charset="0"/>
+              <a:buChar char="•"/>
+            </a:pPr>
+            <a:r>
+              <a:rPr lang="en-US" altLang="en-US" sz="1050">
+                <a:latin typeface="+mn-lt"/>
+              </a:rPr>
+              <a:t>landIrrRfd</a:t>
+            </a:r>
+          </a:p>
+          <a:p>
+            <a:pPr marL="171450" indent="-171450">
+              <a:buFont typeface="Arial" panose="020B0604020202020204" pitchFamily="34" charset="0"/>
+              <a:buChar char="•"/>
+            </a:pPr>
+            <a:r>
+              <a:rPr lang="en-US" altLang="en-US" sz="1050">
+                <a:latin typeface="+mn-lt"/>
+              </a:rPr>
+              <a:t>landIrrCrop</a:t>
+            </a:r>
+          </a:p>
+          <a:p>
+            <a:pPr marL="171450" indent="-171450">
+              <a:buFont typeface="Arial" panose="020B0604020202020204" pitchFamily="34" charset="0"/>
+              <a:buChar char="•"/>
+            </a:pPr>
+            <a:r>
+              <a:rPr lang="en-US" altLang="en-US" sz="1050">
+                <a:latin typeface="+mn-lt"/>
+              </a:rPr>
+              <a:t>landRfdCrop</a:t>
+            </a:r>
+          </a:p>
+          <a:p>
+            <a:pPr marL="171450" indent="-171450">
+              <a:buFont typeface="Arial" panose="020B0604020202020204" pitchFamily="34" charset="0"/>
+              <a:buChar char="•"/>
+            </a:pPr>
+            <a:r>
+              <a:rPr lang="en-US" altLang="en-US" sz="1050">
+                <a:latin typeface="+mn-lt"/>
+              </a:rPr>
+              <a:t>landAlloc</a:t>
+            </a:r>
+          </a:p>
+          <a:p>
+            <a:pPr marL="171450" indent="-171450">
+              <a:buFont typeface="Arial" panose="020B0604020202020204" pitchFamily="34" charset="0"/>
+              <a:buChar char="•"/>
+            </a:pPr>
+            <a:r>
+              <a:rPr lang="en-US" altLang="en-US" sz="1050">
+                <a:latin typeface="+mn-lt"/>
+              </a:rPr>
+              <a:t>landAllocByCrop</a:t>
+            </a:r>
+          </a:p>
+          <a:p>
+            <a:pPr algn="ctr"/>
+            <a:endParaRPr lang="en-US" altLang="en-US" sz="1050">
+              <a:latin typeface="+mn-lt"/>
+            </a:endParaRPr>
+          </a:p>
+        </p:txBody>
+      </p:sp>
+      <p:sp>
+        <p:nvSpPr>
+          <p:cNvPr id="8" name="TextBox 7">
+            <a:extLst>
+              <a:ext uri="{FF2B5EF4-FFF2-40B4-BE49-F238E27FC236}">
+                <a16:creationId xmlns:a16="http://schemas.microsoft.com/office/drawing/2014/main" id="{8585856F-0683-439B-927B-E2E8AD4AA13F}"/>
+              </a:ext>
+            </a:extLst>
+          </p:cNvPr>
+          <p:cNvSpPr txBox="1"/>
+          <p:nvPr/>
+        </p:nvSpPr>
+        <p:spPr>
+          <a:xfrm>
+            <a:off x="6867727" y="522579"/>
+            <a:ext cx="2216370" cy="4429995"/>
+          </a:xfrm>
+          <a:prstGeom prst="rect">
+            <a:avLst/>
+          </a:prstGeom>
+          <a:noFill/>
+        </p:spPr>
+        <p:txBody>
+          <a:bodyPr wrap="square" rtlCol="0">
+            <a:spAutoFit/>
+          </a:bodyPr>
+          <a:lstStyle>
+            <a:defPPr>
+              <a:defRPr lang="en-US"/>
+            </a:defPPr>
+            <a:lvl1pPr>
+              <a:lnSpc>
+                <a:spcPct val="150000"/>
+              </a:lnSpc>
+              <a:defRPr sz="900">
+                <a:latin typeface="Consolas" panose="020B0609020204030204" pitchFamily="49" charset="0"/>
+              </a:defRPr>
+            </a:lvl1pPr>
+          </a:lstStyle>
+          <a:p>
+            <a:pPr algn="ctr"/>
+            <a:r>
+              <a:rPr lang="en-US" altLang="en-US" sz="1050" b="1" u="sng">
+                <a:latin typeface="+mn-lt"/>
+              </a:rPr>
+              <a:t>emissions</a:t>
+            </a:r>
+          </a:p>
+          <a:p>
+            <a:pPr marL="171450" indent="-171450">
+              <a:buFont typeface="Arial" panose="020B0604020202020204" pitchFamily="34" charset="0"/>
+              <a:buChar char="•"/>
+            </a:pPr>
+            <a:r>
+              <a:rPr lang="en-US" altLang="en-US" sz="1050">
+                <a:latin typeface="+mn-lt"/>
+              </a:rPr>
+              <a:t>emissNonCO2BySectorGWPAR5</a:t>
+            </a:r>
+          </a:p>
+          <a:p>
+            <a:pPr marL="171450" indent="-171450">
+              <a:buFont typeface="Arial" panose="020B0604020202020204" pitchFamily="34" charset="0"/>
+              <a:buChar char="•"/>
+            </a:pPr>
+            <a:r>
+              <a:rPr lang="en-US" altLang="en-US" sz="1050">
+                <a:latin typeface="+mn-lt"/>
+              </a:rPr>
+              <a:t>emissNonCO2BySectorGTPAR5</a:t>
+            </a:r>
+          </a:p>
+          <a:p>
+            <a:pPr marL="171450" indent="-171450">
+              <a:buFont typeface="Arial" panose="020B0604020202020204" pitchFamily="34" charset="0"/>
+              <a:buChar char="•"/>
+            </a:pPr>
+            <a:r>
+              <a:rPr lang="en-US" altLang="en-US" sz="1050">
+                <a:latin typeface="+mn-lt"/>
+              </a:rPr>
+              <a:t>emissNonCO2BySectorOrigUnits</a:t>
+            </a:r>
+          </a:p>
+          <a:p>
+            <a:pPr marL="171450" indent="-171450">
+              <a:buFont typeface="Arial" panose="020B0604020202020204" pitchFamily="34" charset="0"/>
+              <a:buChar char="•"/>
+            </a:pPr>
+            <a:r>
+              <a:rPr lang="en-US" altLang="en-US" sz="1050">
+                <a:latin typeface="+mn-lt"/>
+              </a:rPr>
+              <a:t>emissLUC</a:t>
+            </a:r>
+          </a:p>
+          <a:p>
+            <a:pPr marL="171450" indent="-171450">
+              <a:buFont typeface="Arial" panose="020B0604020202020204" pitchFamily="34" charset="0"/>
+              <a:buChar char="•"/>
+            </a:pPr>
+            <a:r>
+              <a:rPr lang="en-US" altLang="en-US" sz="1050">
+                <a:latin typeface="+mn-lt"/>
+              </a:rPr>
+              <a:t>emissCO2BySectorNoBio</a:t>
+            </a:r>
+          </a:p>
+          <a:p>
+            <a:pPr marL="171450" indent="-171450">
+              <a:buFont typeface="Arial" panose="020B0604020202020204" pitchFamily="34" charset="0"/>
+              <a:buChar char="•"/>
+            </a:pPr>
+            <a:r>
+              <a:rPr lang="en-US" altLang="en-US" sz="1050">
+                <a:latin typeface="+mn-lt"/>
+              </a:rPr>
+              <a:t>emissNonCO2ByResProdGWPAR5</a:t>
+            </a:r>
+          </a:p>
+          <a:p>
+            <a:pPr marL="171450" indent="-171450">
+              <a:buFont typeface="Arial" panose="020B0604020202020204" pitchFamily="34" charset="0"/>
+              <a:buChar char="•"/>
+            </a:pPr>
+            <a:r>
+              <a:rPr lang="en-US" altLang="en-US" sz="1050">
+                <a:latin typeface="+mn-lt"/>
+              </a:rPr>
+              <a:t>emissMethaneBySourceGWPAR5</a:t>
+            </a:r>
+          </a:p>
+          <a:p>
+            <a:pPr marL="171450" indent="-171450">
+              <a:buFont typeface="Arial" panose="020B0604020202020204" pitchFamily="34" charset="0"/>
+              <a:buChar char="•"/>
+            </a:pPr>
+            <a:r>
+              <a:rPr lang="en-US" altLang="en-US" sz="1050">
+                <a:latin typeface="+mn-lt"/>
+              </a:rPr>
+              <a:t>emissByGasGWPAR5FFI</a:t>
+            </a:r>
+          </a:p>
+          <a:p>
+            <a:pPr marL="171450" indent="-171450">
+              <a:buFont typeface="Arial" panose="020B0604020202020204" pitchFamily="34" charset="0"/>
+              <a:buChar char="•"/>
+            </a:pPr>
+            <a:r>
+              <a:rPr lang="en-US" altLang="en-US" sz="1050">
+                <a:latin typeface="+mn-lt"/>
+              </a:rPr>
+              <a:t>emissByGasGWPAR5LUC</a:t>
+            </a:r>
+          </a:p>
+          <a:p>
+            <a:pPr marL="171450" indent="-171450">
+              <a:buFont typeface="Arial" panose="020B0604020202020204" pitchFamily="34" charset="0"/>
+              <a:buChar char="•"/>
+            </a:pPr>
+            <a:r>
+              <a:rPr lang="en-US" altLang="en-US" sz="1050">
+                <a:latin typeface="+mn-lt"/>
+              </a:rPr>
+              <a:t>emissBySectorGWPAR5FFI</a:t>
+            </a:r>
+          </a:p>
+          <a:p>
+            <a:pPr marL="171450" indent="-171450">
+              <a:buFont typeface="Arial" panose="020B0604020202020204" pitchFamily="34" charset="0"/>
+              <a:buChar char="•"/>
+            </a:pPr>
+            <a:r>
+              <a:rPr lang="en-US" altLang="en-US" sz="1050">
+                <a:latin typeface="+mn-lt"/>
+              </a:rPr>
+              <a:t>emissBySectorGWPAR5LUC</a:t>
+            </a:r>
+          </a:p>
+          <a:p>
+            <a:pPr marL="171450" indent="-171450">
+              <a:buFont typeface="Arial" panose="020B0604020202020204" pitchFamily="34" charset="0"/>
+              <a:buChar char="•"/>
+            </a:pPr>
+            <a:r>
+              <a:rPr lang="en-US" altLang="en-US" sz="1050">
+                <a:latin typeface="+mn-lt"/>
+              </a:rPr>
+              <a:t>emissNonCO2ByResProdGTPAR5</a:t>
+            </a:r>
+          </a:p>
+          <a:p>
+            <a:pPr marL="171450" indent="-171450">
+              <a:buFont typeface="Arial" panose="020B0604020202020204" pitchFamily="34" charset="0"/>
+              <a:buChar char="•"/>
+            </a:pPr>
+            <a:r>
+              <a:rPr lang="en-US" altLang="en-US" sz="1050">
+                <a:latin typeface="+mn-lt"/>
+              </a:rPr>
+              <a:t>emissMethaneBySourceGTPAR5</a:t>
+            </a:r>
+          </a:p>
+          <a:p>
+            <a:pPr marL="171450" indent="-171450">
+              <a:buFont typeface="Arial" panose="020B0604020202020204" pitchFamily="34" charset="0"/>
+              <a:buChar char="•"/>
+            </a:pPr>
+            <a:r>
+              <a:rPr lang="en-US" altLang="en-US" sz="1050">
+                <a:latin typeface="+mn-lt"/>
+              </a:rPr>
+              <a:t>emissByGasGTPAR5FFI</a:t>
+            </a:r>
+          </a:p>
+          <a:p>
+            <a:pPr marL="171450" indent="-171450">
+              <a:buFont typeface="Arial" panose="020B0604020202020204" pitchFamily="34" charset="0"/>
+              <a:buChar char="•"/>
+            </a:pPr>
+            <a:r>
+              <a:rPr lang="en-US" altLang="en-US" sz="1050">
+                <a:latin typeface="+mn-lt"/>
+              </a:rPr>
+              <a:t>emissByGasGTPAR5LUC</a:t>
+            </a:r>
+          </a:p>
+          <a:p>
+            <a:pPr marL="171450" indent="-171450">
+              <a:buFont typeface="Arial" panose="020B0604020202020204" pitchFamily="34" charset="0"/>
+              <a:buChar char="•"/>
+            </a:pPr>
+            <a:r>
+              <a:rPr lang="en-US" altLang="en-US" sz="1050">
+                <a:latin typeface="+mn-lt"/>
+              </a:rPr>
+              <a:t>emissBySectorGTPAR5FFI</a:t>
+            </a:r>
+          </a:p>
+          <a:p>
+            <a:pPr marL="171450" indent="-171450">
+              <a:buFont typeface="Arial" panose="020B0604020202020204" pitchFamily="34" charset="0"/>
+              <a:buChar char="•"/>
+            </a:pPr>
+            <a:r>
+              <a:rPr lang="en-US" altLang="en-US" sz="1050">
+                <a:latin typeface="+mn-lt"/>
+              </a:rPr>
+              <a:t>emissBySectorGTPAR5LUC</a:t>
+            </a:r>
+          </a:p>
+        </p:txBody>
+      </p:sp>
+      <p:sp>
+        <p:nvSpPr>
+          <p:cNvPr id="10" name="TextBox 9">
+            <a:extLst>
+              <a:ext uri="{FF2B5EF4-FFF2-40B4-BE49-F238E27FC236}">
+                <a16:creationId xmlns:a16="http://schemas.microsoft.com/office/drawing/2014/main" id="{11BBF495-EC10-4E41-938D-C41D6846FC07}"/>
+              </a:ext>
+            </a:extLst>
+          </p:cNvPr>
+          <p:cNvSpPr txBox="1"/>
+          <p:nvPr/>
+        </p:nvSpPr>
+        <p:spPr>
+          <a:xfrm>
+            <a:off x="9270444" y="522578"/>
+            <a:ext cx="2216370" cy="2006255"/>
+          </a:xfrm>
+          <a:prstGeom prst="rect">
+            <a:avLst/>
+          </a:prstGeom>
+          <a:noFill/>
+        </p:spPr>
+        <p:txBody>
+          <a:bodyPr wrap="square" rtlCol="0">
+            <a:spAutoFit/>
+          </a:bodyPr>
+          <a:lstStyle>
+            <a:defPPr>
+              <a:defRPr lang="en-US"/>
+            </a:defPPr>
+            <a:lvl1pPr>
+              <a:lnSpc>
+                <a:spcPct val="150000"/>
+              </a:lnSpc>
+              <a:defRPr sz="900">
+                <a:latin typeface="Consolas" panose="020B0609020204030204" pitchFamily="49" charset="0"/>
+              </a:defRPr>
+            </a:lvl1pPr>
+          </a:lstStyle>
+          <a:p>
+            <a:pPr algn="ctr"/>
+            <a:r>
+              <a:rPr lang="en-US" altLang="en-US" sz="1050" b="1" u="sng">
+                <a:latin typeface="+mn-lt"/>
+              </a:rPr>
+              <a:t>water</a:t>
+            </a:r>
+          </a:p>
+          <a:p>
+            <a:pPr marL="171450" indent="-171450">
+              <a:buFont typeface="Arial" panose="020B0604020202020204" pitchFamily="34" charset="0"/>
+              <a:buChar char="•"/>
+            </a:pPr>
+            <a:r>
+              <a:rPr lang="en-US" altLang="en-US" sz="1050">
+                <a:latin typeface="+mn-lt"/>
+              </a:rPr>
+              <a:t>watConsumBySec</a:t>
+            </a:r>
+          </a:p>
+          <a:p>
+            <a:pPr marL="171450" indent="-171450">
+              <a:buFont typeface="Arial" panose="020B0604020202020204" pitchFamily="34" charset="0"/>
+              <a:buChar char="•"/>
+            </a:pPr>
+            <a:r>
+              <a:rPr lang="en-US" altLang="en-US" sz="1050">
+                <a:latin typeface="+mn-lt"/>
+              </a:rPr>
+              <a:t>watWithdrawBySec</a:t>
+            </a:r>
+          </a:p>
+          <a:p>
+            <a:pPr marL="171450" indent="-171450">
+              <a:buFont typeface="Arial" panose="020B0604020202020204" pitchFamily="34" charset="0"/>
+              <a:buChar char="•"/>
+            </a:pPr>
+            <a:r>
+              <a:rPr lang="en-US" altLang="en-US" sz="1050">
+                <a:latin typeface="+mn-lt"/>
+              </a:rPr>
+              <a:t>watWithdrawByCrop</a:t>
+            </a:r>
+          </a:p>
+          <a:p>
+            <a:pPr marL="171450" indent="-171450">
+              <a:buFont typeface="Arial" panose="020B0604020202020204" pitchFamily="34" charset="0"/>
+              <a:buChar char="•"/>
+            </a:pPr>
+            <a:r>
+              <a:rPr lang="en-US" altLang="en-US" sz="1050">
+                <a:latin typeface="+mn-lt"/>
+              </a:rPr>
+              <a:t>watBioPhysCons</a:t>
+            </a:r>
+          </a:p>
+          <a:p>
+            <a:pPr marL="171450" indent="-171450">
+              <a:buFont typeface="Arial" panose="020B0604020202020204" pitchFamily="34" charset="0"/>
+              <a:buChar char="•"/>
+            </a:pPr>
+            <a:r>
+              <a:rPr lang="en-US" altLang="en-US" sz="1050">
+                <a:latin typeface="+mn-lt"/>
+              </a:rPr>
+              <a:t>watIrrWithdrawBasin</a:t>
+            </a:r>
+          </a:p>
+          <a:p>
+            <a:pPr marL="171450" indent="-171450">
+              <a:buFont typeface="Arial" panose="020B0604020202020204" pitchFamily="34" charset="0"/>
+              <a:buChar char="•"/>
+            </a:pPr>
+            <a:r>
+              <a:rPr lang="en-US" altLang="en-US" sz="1050">
+                <a:latin typeface="+mn-lt"/>
+              </a:rPr>
+              <a:t>watIrrConsBasin</a:t>
+            </a:r>
+          </a:p>
+          <a:p>
+            <a:pPr marL="171450" indent="-171450">
+              <a:buFont typeface="Arial" panose="020B0604020202020204" pitchFamily="34" charset="0"/>
+              <a:buChar char="•"/>
+            </a:pPr>
+            <a:r>
+              <a:rPr lang="en-US" altLang="en-US" sz="1050">
+                <a:latin typeface="+mn-lt"/>
+              </a:rPr>
+              <a:t>watSupRunoffBasin</a:t>
+            </a:r>
+          </a:p>
+        </p:txBody>
+      </p:sp>
+      <p:sp>
+        <p:nvSpPr>
+          <p:cNvPr id="11" name="Rectangle 10">
+            <a:extLst>
+              <a:ext uri="{FF2B5EF4-FFF2-40B4-BE49-F238E27FC236}">
+                <a16:creationId xmlns:a16="http://schemas.microsoft.com/office/drawing/2014/main" id="{F7432040-3975-4A47-9851-71C7544179DB}"/>
+              </a:ext>
+            </a:extLst>
+          </p:cNvPr>
+          <p:cNvSpPr/>
+          <p:nvPr/>
+        </p:nvSpPr>
+        <p:spPr>
+          <a:xfrm>
+            <a:off x="497520" y="522577"/>
+            <a:ext cx="10466402" cy="5691791"/>
+          </a:xfrm>
+          <a:prstGeom prst="rect">
+            <a:avLst/>
+          </a:prstGeom>
+          <a:noFill/>
+          <a:ln>
+            <a:solidFill>
+              <a:schemeClr val="bg1">
+                <a:lumMod val="65000"/>
+              </a:schemeClr>
+            </a:solidFill>
+          </a:ln>
+        </p:spPr>
+        <p:style>
+          <a:lnRef idx="2">
+            <a:schemeClr val="accent1">
+              <a:shade val="50000"/>
+            </a:schemeClr>
+          </a:lnRef>
+          <a:fillRef idx="1">
+            <a:schemeClr val="accent1"/>
+          </a:fillRef>
+          <a:effectRef idx="0">
+            <a:schemeClr val="accent1"/>
+          </a:effectRef>
+          <a:fontRef idx="minor">
+            <a:schemeClr val="lt1"/>
+          </a:fontRef>
+        </p:style>
+        <p:txBody>
+          <a:bodyPr rtlCol="0" anchor="ctr"/>
+          <a:lstStyle/>
+          <a:p>
+            <a:pPr algn="ctr"/>
+            <a:endParaRPr lang="en-US"/>
+          </a:p>
+        </p:txBody>
+      </p:sp>
+      <p:sp>
+        <p:nvSpPr>
+          <p:cNvPr id="12" name="TextBox 11">
+            <a:extLst>
+              <a:ext uri="{FF2B5EF4-FFF2-40B4-BE49-F238E27FC236}">
+                <a16:creationId xmlns:a16="http://schemas.microsoft.com/office/drawing/2014/main" id="{F1498920-CEE6-468A-B822-668FDD52D7A2}"/>
+              </a:ext>
+            </a:extLst>
+          </p:cNvPr>
+          <p:cNvSpPr txBox="1"/>
+          <p:nvPr/>
+        </p:nvSpPr>
+        <p:spPr>
+          <a:xfrm>
+            <a:off x="192163" y="128664"/>
+            <a:ext cx="2066223" cy="369332"/>
+          </a:xfrm>
+          <a:prstGeom prst="rect">
+            <a:avLst/>
+          </a:prstGeom>
+          <a:noFill/>
+        </p:spPr>
+        <p:txBody>
+          <a:bodyPr wrap="square" rtlCol="0">
+            <a:spAutoFit/>
+          </a:bodyPr>
+          <a:lstStyle/>
+          <a:p>
+            <a:pPr algn="ctr"/>
+            <a:r>
+              <a:rPr lang="en-US" b="1"/>
+              <a:t>Param List</a:t>
+            </a:r>
+          </a:p>
+        </p:txBody>
+      </p:sp>
+    </p:spTree>
+    <p:extLst>
+      <p:ext uri="{BB962C8B-B14F-4D97-AF65-F5344CB8AC3E}">
+        <p14:creationId xmlns:p14="http://schemas.microsoft.com/office/powerpoint/2010/main" val="3345794904"/>
+      </p:ext>
+    </p:extLst>
+  </p:cSld>
+  <p:clrMapOvr>
+    <a:masterClrMapping/>
+  </p:clrMapOvr>
+</p:sld>
+</file>
+
+<file path=ppt/slides/slide40.xml><?xml version="1.0" encoding="utf-8"?>
 <p:sld xmlns:a="http://schemas.openxmlformats.org/drawingml/2006/main" xmlns:r="http://schemas.openxmlformats.org/officeDocument/2006/relationships" xmlns:p="http://schemas.openxmlformats.org/presentationml/2006/main">
   <p:cSld>
     <p:spTree>
@@ -16198,7 +18403,7 @@
 </p:sld>
 </file>
 
-<file path=ppt/slides/slide39.xml><?xml version="1.0" encoding="utf-8"?>
+<file path=ppt/slides/slide41.xml><?xml version="1.0" encoding="utf-8"?>
 <p:sld xmlns:a="http://schemas.openxmlformats.org/drawingml/2006/main" xmlns:r="http://schemas.openxmlformats.org/officeDocument/2006/relationships" xmlns:p="http://schemas.openxmlformats.org/presentationml/2006/main">
   <p:cSld>
     <p:spTree>
@@ -23054,1053 +25259,7 @@
 </p:sld>
 </file>
 
-<file path=ppt/slides/slide4.xml><?xml version="1.0" encoding="utf-8"?>
-<p:sld xmlns:a="http://schemas.openxmlformats.org/drawingml/2006/main" xmlns:r="http://schemas.openxmlformats.org/officeDocument/2006/relationships" xmlns:p="http://schemas.openxmlformats.org/presentationml/2006/main">
-  <p:cSld>
-    <p:spTree>
-      <p:nvGrpSpPr>
-        <p:cNvPr id="1" name=""/>
-        <p:cNvGrpSpPr/>
-        <p:nvPr/>
-      </p:nvGrpSpPr>
-      <p:grpSpPr>
-        <a:xfrm>
-          <a:off x="0" y="0"/>
-          <a:ext cx="0" cy="0"/>
-          <a:chOff x="0" y="0"/>
-          <a:chExt cx="0" cy="0"/>
-        </a:xfrm>
-      </p:grpSpPr>
-      <p:sp>
-        <p:nvSpPr>
-          <p:cNvPr id="6" name="TextBox 5">
-            <a:extLst>
-              <a:ext uri="{FF2B5EF4-FFF2-40B4-BE49-F238E27FC236}">
-                <a16:creationId xmlns:a16="http://schemas.microsoft.com/office/drawing/2014/main" id="{770E9E06-5F46-4A20-920E-2473B2FB3AF0}"/>
-              </a:ext>
-            </a:extLst>
-          </p:cNvPr>
-          <p:cNvSpPr txBox="1"/>
-          <p:nvPr/>
-        </p:nvSpPr>
-        <p:spPr>
-          <a:xfrm>
-            <a:off x="677207" y="522579"/>
-            <a:ext cx="2216370" cy="4429995"/>
-          </a:xfrm>
-          <a:prstGeom prst="rect">
-            <a:avLst/>
-          </a:prstGeom>
-          <a:noFill/>
-        </p:spPr>
-        <p:txBody>
-          <a:bodyPr wrap="square" rtlCol="0">
-            <a:spAutoFit/>
-          </a:bodyPr>
-          <a:lstStyle>
-            <a:defPPr>
-              <a:defRPr lang="en-US"/>
-            </a:defPPr>
-            <a:lvl1pPr>
-              <a:lnSpc>
-                <a:spcPct val="150000"/>
-              </a:lnSpc>
-              <a:defRPr sz="900">
-                <a:latin typeface="Consolas" panose="020B0609020204030204" pitchFamily="49" charset="0"/>
-              </a:defRPr>
-            </a:lvl1pPr>
-          </a:lstStyle>
-          <a:p>
-            <a:pPr algn="ctr"/>
-            <a:r>
-              <a:rPr lang="en-US" altLang="en-US" sz="1050" b="1" u="sng">
-                <a:latin typeface="+mn-lt"/>
-              </a:rPr>
-              <a:t>electricity</a:t>
-            </a:r>
-          </a:p>
-          <a:p>
-            <a:pPr marL="171450" indent="-171450">
-              <a:buFont typeface="Arial" panose="020B0604020202020204" pitchFamily="34" charset="0"/>
-              <a:buChar char="•"/>
-            </a:pPr>
-            <a:r>
-              <a:rPr lang="en-US" altLang="en-US" sz="1050">
-                <a:latin typeface="+mn-lt"/>
-              </a:rPr>
-              <a:t>elecByTechTWh</a:t>
-            </a:r>
-          </a:p>
-          <a:p>
-            <a:pPr marL="171450" indent="-171450">
-              <a:buFont typeface="Arial" panose="020B0604020202020204" pitchFamily="34" charset="0"/>
-              <a:buChar char="•"/>
-            </a:pPr>
-            <a:r>
-              <a:rPr lang="en-US" altLang="en-US" sz="1050">
-                <a:latin typeface="+mn-lt"/>
-              </a:rPr>
-              <a:t>elecCapByFuel</a:t>
-            </a:r>
-          </a:p>
-          <a:p>
-            <a:pPr marL="171450" indent="-171450">
-              <a:buFont typeface="Arial" panose="020B0604020202020204" pitchFamily="34" charset="0"/>
-              <a:buChar char="•"/>
-            </a:pPr>
-            <a:r>
-              <a:rPr lang="en-US" altLang="en-US" sz="1050">
-                <a:latin typeface="+mn-lt"/>
-              </a:rPr>
-              <a:t>elecFinalBySecTWh</a:t>
-            </a:r>
-          </a:p>
-          <a:p>
-            <a:pPr marL="171450" indent="-171450">
-              <a:buFont typeface="Arial" panose="020B0604020202020204" pitchFamily="34" charset="0"/>
-              <a:buChar char="•"/>
-            </a:pPr>
-            <a:r>
-              <a:rPr lang="en-US" altLang="en-US" sz="1050">
-                <a:latin typeface="+mn-lt"/>
-              </a:rPr>
-              <a:t>elecFinalByFuelTWh</a:t>
-            </a:r>
-          </a:p>
-          <a:p>
-            <a:pPr marL="171450" indent="-171450">
-              <a:buFont typeface="Arial" panose="020B0604020202020204" pitchFamily="34" charset="0"/>
-              <a:buChar char="•"/>
-            </a:pPr>
-            <a:r>
-              <a:rPr lang="en-US" altLang="en-US" sz="1050">
-                <a:latin typeface="+mn-lt"/>
-              </a:rPr>
-              <a:t>elecNewCapCost</a:t>
-            </a:r>
-          </a:p>
-          <a:p>
-            <a:pPr marL="171450" indent="-171450">
-              <a:buFont typeface="Arial" panose="020B0604020202020204" pitchFamily="34" charset="0"/>
-              <a:buChar char="•"/>
-            </a:pPr>
-            <a:r>
-              <a:rPr lang="en-US" altLang="en-US" sz="1050">
-                <a:latin typeface="+mn-lt"/>
-              </a:rPr>
-              <a:t>elecNewCapGW</a:t>
-            </a:r>
-          </a:p>
-          <a:p>
-            <a:pPr marL="171450" indent="-171450">
-              <a:buFont typeface="Arial" panose="020B0604020202020204" pitchFamily="34" charset="0"/>
-              <a:buChar char="•"/>
-            </a:pPr>
-            <a:r>
-              <a:rPr lang="en-US" altLang="en-US" sz="1050">
-                <a:latin typeface="+mn-lt"/>
-              </a:rPr>
-              <a:t>elecAnnualRetPrematureCost</a:t>
-            </a:r>
-          </a:p>
-          <a:p>
-            <a:pPr marL="171450" indent="-171450">
-              <a:buFont typeface="Arial" panose="020B0604020202020204" pitchFamily="34" charset="0"/>
-              <a:buChar char="•"/>
-            </a:pPr>
-            <a:r>
-              <a:rPr lang="en-US" altLang="en-US" sz="1050">
-                <a:latin typeface="+mn-lt"/>
-              </a:rPr>
-              <a:t>elecAnnualRetPrematureGW</a:t>
-            </a:r>
-          </a:p>
-          <a:p>
-            <a:pPr marL="171450" indent="-171450">
-              <a:buFont typeface="Arial" panose="020B0604020202020204" pitchFamily="34" charset="0"/>
-              <a:buChar char="•"/>
-            </a:pPr>
-            <a:r>
-              <a:rPr lang="en-US" altLang="en-US" sz="1050">
-                <a:latin typeface="+mn-lt"/>
-              </a:rPr>
-              <a:t>elecCumCapCost</a:t>
-            </a:r>
-          </a:p>
-          <a:p>
-            <a:pPr marL="171450" indent="-171450">
-              <a:buFont typeface="Arial" panose="020B0604020202020204" pitchFamily="34" charset="0"/>
-              <a:buChar char="•"/>
-            </a:pPr>
-            <a:r>
-              <a:rPr lang="en-US" altLang="en-US" sz="1050">
-                <a:latin typeface="+mn-lt"/>
-              </a:rPr>
-              <a:t>elecCumCapGW</a:t>
-            </a:r>
-          </a:p>
-          <a:p>
-            <a:pPr marL="171450" indent="-171450">
-              <a:buFont typeface="Arial" panose="020B0604020202020204" pitchFamily="34" charset="0"/>
-              <a:buChar char="•"/>
-            </a:pPr>
-            <a:r>
-              <a:rPr lang="en-US" altLang="en-US" sz="1050">
-                <a:latin typeface="+mn-lt"/>
-              </a:rPr>
-              <a:t>elecCumRetPrematureCost</a:t>
-            </a:r>
-          </a:p>
-          <a:p>
-            <a:pPr marL="171450" indent="-171450">
-              <a:buFont typeface="Arial" panose="020B0604020202020204" pitchFamily="34" charset="0"/>
-              <a:buChar char="•"/>
-            </a:pPr>
-            <a:r>
-              <a:rPr lang="en-US" altLang="en-US" sz="1050">
-                <a:latin typeface="+mn-lt"/>
-              </a:rPr>
-              <a:t>elecCumRetPrematureGW</a:t>
-            </a:r>
-          </a:p>
-          <a:p>
-            <a:pPr algn="ctr"/>
-            <a:r>
-              <a:rPr lang="en-US" altLang="en-US" sz="1050" b="1" u="sng">
-                <a:latin typeface="+mn-lt"/>
-              </a:rPr>
-              <a:t>transport</a:t>
-            </a:r>
-          </a:p>
-          <a:p>
-            <a:pPr marL="171450" indent="-171450">
-              <a:buFont typeface="Arial" panose="020B0604020202020204" pitchFamily="34" charset="0"/>
-              <a:buChar char="•"/>
-            </a:pPr>
-            <a:r>
-              <a:rPr lang="en-US" altLang="en-US" sz="1050">
-                <a:latin typeface="+mn-lt"/>
-              </a:rPr>
-              <a:t>transportPassengerVMTByMode</a:t>
-            </a:r>
-          </a:p>
-          <a:p>
-            <a:pPr marL="171450" indent="-171450">
-              <a:buFont typeface="Arial" panose="020B0604020202020204" pitchFamily="34" charset="0"/>
-              <a:buChar char="•"/>
-            </a:pPr>
-            <a:r>
-              <a:rPr lang="en-US" altLang="en-US" sz="1050">
-                <a:latin typeface="+mn-lt"/>
-              </a:rPr>
-              <a:t>transportFreightVMTByMode</a:t>
-            </a:r>
-          </a:p>
-          <a:p>
-            <a:pPr marL="171450" indent="-171450">
-              <a:buFont typeface="Arial" panose="020B0604020202020204" pitchFamily="34" charset="0"/>
-              <a:buChar char="•"/>
-            </a:pPr>
-            <a:r>
-              <a:rPr lang="en-US" altLang="en-US" sz="1050">
-                <a:latin typeface="+mn-lt"/>
-              </a:rPr>
-              <a:t>transportPassengerVMTByFuel</a:t>
-            </a:r>
-          </a:p>
-          <a:p>
-            <a:pPr marL="171450" indent="-171450">
-              <a:buFont typeface="Arial" panose="020B0604020202020204" pitchFamily="34" charset="0"/>
-              <a:buChar char="•"/>
-            </a:pPr>
-            <a:r>
-              <a:rPr lang="en-US" altLang="en-US" sz="1050">
-                <a:latin typeface="+mn-lt"/>
-              </a:rPr>
-              <a:t>transportFreightVMTByFuel</a:t>
-            </a:r>
-          </a:p>
-        </p:txBody>
-      </p:sp>
-      <p:sp>
-        <p:nvSpPr>
-          <p:cNvPr id="7" name="TextBox 6">
-            <a:extLst>
-              <a:ext uri="{FF2B5EF4-FFF2-40B4-BE49-F238E27FC236}">
-                <a16:creationId xmlns:a16="http://schemas.microsoft.com/office/drawing/2014/main" id="{08849C20-7534-4CC1-AE72-789DE7D498D4}"/>
-              </a:ext>
-            </a:extLst>
-          </p:cNvPr>
-          <p:cNvSpPr txBox="1"/>
-          <p:nvPr/>
-        </p:nvSpPr>
-        <p:spPr>
-          <a:xfrm>
-            <a:off x="3772467" y="522579"/>
-            <a:ext cx="2216370" cy="5884240"/>
-          </a:xfrm>
-          <a:prstGeom prst="rect">
-            <a:avLst/>
-          </a:prstGeom>
-          <a:noFill/>
-        </p:spPr>
-        <p:txBody>
-          <a:bodyPr wrap="square" rtlCol="0">
-            <a:spAutoFit/>
-          </a:bodyPr>
-          <a:lstStyle>
-            <a:defPPr>
-              <a:defRPr lang="en-US"/>
-            </a:defPPr>
-            <a:lvl1pPr>
-              <a:lnSpc>
-                <a:spcPct val="150000"/>
-              </a:lnSpc>
-              <a:defRPr sz="900">
-                <a:latin typeface="Consolas" panose="020B0609020204030204" pitchFamily="49" charset="0"/>
-              </a:defRPr>
-            </a:lvl1pPr>
-          </a:lstStyle>
-          <a:p>
-            <a:pPr algn="ctr"/>
-            <a:r>
-              <a:rPr lang="en-US" altLang="en-US" sz="1050" b="1" u="sng">
-                <a:latin typeface="+mn-lt"/>
-              </a:rPr>
-              <a:t>socioecon</a:t>
-            </a:r>
-          </a:p>
-          <a:p>
-            <a:pPr marL="171450" indent="-171450">
-              <a:buFont typeface="Arial" panose="020B0604020202020204" pitchFamily="34" charset="0"/>
-              <a:buChar char="•"/>
-            </a:pPr>
-            <a:r>
-              <a:rPr lang="en-US" altLang="en-US" sz="1050">
-                <a:latin typeface="+mn-lt"/>
-              </a:rPr>
-              <a:t>gdpPerCapita</a:t>
-            </a:r>
-          </a:p>
-          <a:p>
-            <a:pPr marL="171450" indent="-171450">
-              <a:buFont typeface="Arial" panose="020B0604020202020204" pitchFamily="34" charset="0"/>
-              <a:buChar char="•"/>
-            </a:pPr>
-            <a:r>
-              <a:rPr lang="en-US" altLang="en-US" sz="1050">
-                <a:latin typeface="+mn-lt"/>
-              </a:rPr>
-              <a:t>gdp</a:t>
-            </a:r>
-          </a:p>
-          <a:p>
-            <a:pPr marL="171450" indent="-171450">
-              <a:buFont typeface="Arial" panose="020B0604020202020204" pitchFamily="34" charset="0"/>
-              <a:buChar char="•"/>
-            </a:pPr>
-            <a:r>
-              <a:rPr lang="en-US" altLang="en-US" sz="1050">
-                <a:latin typeface="+mn-lt"/>
-              </a:rPr>
-              <a:t>gdpGrowthRate</a:t>
-            </a:r>
-          </a:p>
-          <a:p>
-            <a:pPr marL="171450" indent="-171450">
-              <a:buFont typeface="Arial" panose="020B0604020202020204" pitchFamily="34" charset="0"/>
-              <a:buChar char="•"/>
-            </a:pPr>
-            <a:r>
-              <a:rPr lang="en-US" altLang="en-US" sz="1050">
-                <a:latin typeface="+mn-lt"/>
-              </a:rPr>
-              <a:t>pop</a:t>
-            </a:r>
-          </a:p>
-          <a:p>
-            <a:pPr algn="ctr"/>
-            <a:r>
-              <a:rPr lang="en-US" altLang="en-US" sz="1050" b="1" u="sng">
-                <a:latin typeface="+mn-lt"/>
-              </a:rPr>
-              <a:t>ag</a:t>
-            </a:r>
-          </a:p>
-          <a:p>
-            <a:pPr marL="171450" indent="-171450">
-              <a:buFont typeface="Arial" panose="020B0604020202020204" pitchFamily="34" charset="0"/>
-              <a:buChar char="•"/>
-            </a:pPr>
-            <a:r>
-              <a:rPr lang="en-US" altLang="en-US" sz="1050">
-                <a:latin typeface="+mn-lt"/>
-              </a:rPr>
-              <a:t>agProdbyIrrRfd</a:t>
-            </a:r>
-          </a:p>
-          <a:p>
-            <a:pPr marL="171450" indent="-171450">
-              <a:buFont typeface="Arial" panose="020B0604020202020204" pitchFamily="34" charset="0"/>
-              <a:buChar char="•"/>
-            </a:pPr>
-            <a:r>
-              <a:rPr lang="en-US" altLang="en-US" sz="1050">
-                <a:latin typeface="+mn-lt"/>
-              </a:rPr>
-              <a:t>agProdBiomass</a:t>
-            </a:r>
-          </a:p>
-          <a:p>
-            <a:pPr marL="171450" indent="-171450">
-              <a:buFont typeface="Arial" panose="020B0604020202020204" pitchFamily="34" charset="0"/>
-              <a:buChar char="•"/>
-            </a:pPr>
-            <a:r>
-              <a:rPr lang="en-US" altLang="en-US" sz="1050">
-                <a:latin typeface="+mn-lt"/>
-              </a:rPr>
-              <a:t>agProdForest</a:t>
-            </a:r>
-          </a:p>
-          <a:p>
-            <a:pPr marL="171450" indent="-171450">
-              <a:buFont typeface="Arial" panose="020B0604020202020204" pitchFamily="34" charset="0"/>
-              <a:buChar char="•"/>
-            </a:pPr>
-            <a:r>
-              <a:rPr lang="en-US" altLang="en-US" sz="1050">
-                <a:latin typeface="+mn-lt"/>
-              </a:rPr>
-              <a:t>agProdByCrop</a:t>
-            </a:r>
-          </a:p>
-          <a:p>
-            <a:pPr algn="ctr"/>
-            <a:r>
-              <a:rPr lang="en-US" altLang="en-US" sz="1050" b="1" u="sng">
-                <a:latin typeface="+mn-lt"/>
-              </a:rPr>
-              <a:t>livestock</a:t>
-            </a:r>
-          </a:p>
-          <a:p>
-            <a:pPr marL="171450" indent="-171450">
-              <a:buFont typeface="Arial" panose="020B0604020202020204" pitchFamily="34" charset="0"/>
-              <a:buChar char="•"/>
-            </a:pPr>
-            <a:r>
-              <a:rPr lang="en-US" altLang="en-US" sz="1050">
-                <a:latin typeface="+mn-lt"/>
-              </a:rPr>
-              <a:t>livestock_MeatDairybyTechMixed</a:t>
-            </a:r>
-          </a:p>
-          <a:p>
-            <a:pPr marL="171450" indent="-171450">
-              <a:buFont typeface="Arial" panose="020B0604020202020204" pitchFamily="34" charset="0"/>
-              <a:buChar char="•"/>
-            </a:pPr>
-            <a:r>
-              <a:rPr lang="en-US" altLang="en-US" sz="1050">
-                <a:latin typeface="+mn-lt"/>
-              </a:rPr>
-              <a:t>livestock_MeatDairybyTechPastoral</a:t>
-            </a:r>
-          </a:p>
-          <a:p>
-            <a:pPr marL="171450" indent="-171450">
-              <a:buFont typeface="Arial" panose="020B0604020202020204" pitchFamily="34" charset="0"/>
-              <a:buChar char="•"/>
-            </a:pPr>
-            <a:r>
-              <a:rPr lang="en-US" altLang="en-US" sz="1050">
-                <a:latin typeface="+mn-lt"/>
-              </a:rPr>
-              <a:t>livestock_MeatDairybyTechImports</a:t>
-            </a:r>
-          </a:p>
-          <a:p>
-            <a:pPr marL="171450" indent="-171450">
-              <a:buFont typeface="Arial" panose="020B0604020202020204" pitchFamily="34" charset="0"/>
-              <a:buChar char="•"/>
-            </a:pPr>
-            <a:r>
-              <a:rPr lang="en-US" altLang="en-US" sz="1050">
-                <a:latin typeface="+mn-lt"/>
-              </a:rPr>
-              <a:t>livestock_MeatDairybySubsector</a:t>
-            </a:r>
-          </a:p>
-          <a:p>
-            <a:pPr algn="ctr"/>
-            <a:r>
-              <a:rPr lang="en-US" altLang="en-US" sz="1050" b="1" u="sng">
-                <a:latin typeface="+mn-lt"/>
-              </a:rPr>
-              <a:t>land</a:t>
-            </a:r>
-          </a:p>
-          <a:p>
-            <a:pPr marL="171450" indent="-171450">
-              <a:buFont typeface="Arial" panose="020B0604020202020204" pitchFamily="34" charset="0"/>
-              <a:buChar char="•"/>
-            </a:pPr>
-            <a:r>
-              <a:rPr lang="en-US" altLang="en-US" sz="1050">
-                <a:latin typeface="+mn-lt"/>
-              </a:rPr>
-              <a:t>landIrrRfd</a:t>
-            </a:r>
-          </a:p>
-          <a:p>
-            <a:pPr marL="171450" indent="-171450">
-              <a:buFont typeface="Arial" panose="020B0604020202020204" pitchFamily="34" charset="0"/>
-              <a:buChar char="•"/>
-            </a:pPr>
-            <a:r>
-              <a:rPr lang="en-US" altLang="en-US" sz="1050">
-                <a:latin typeface="+mn-lt"/>
-              </a:rPr>
-              <a:t>landIrrCrop</a:t>
-            </a:r>
-          </a:p>
-          <a:p>
-            <a:pPr marL="171450" indent="-171450">
-              <a:buFont typeface="Arial" panose="020B0604020202020204" pitchFamily="34" charset="0"/>
-              <a:buChar char="•"/>
-            </a:pPr>
-            <a:r>
-              <a:rPr lang="en-US" altLang="en-US" sz="1050">
-                <a:latin typeface="+mn-lt"/>
-              </a:rPr>
-              <a:t>landRfdCrop</a:t>
-            </a:r>
-          </a:p>
-          <a:p>
-            <a:pPr marL="171450" indent="-171450">
-              <a:buFont typeface="Arial" panose="020B0604020202020204" pitchFamily="34" charset="0"/>
-              <a:buChar char="•"/>
-            </a:pPr>
-            <a:r>
-              <a:rPr lang="en-US" altLang="en-US" sz="1050">
-                <a:latin typeface="+mn-lt"/>
-              </a:rPr>
-              <a:t>landAlloc</a:t>
-            </a:r>
-          </a:p>
-          <a:p>
-            <a:pPr marL="171450" indent="-171450">
-              <a:buFont typeface="Arial" panose="020B0604020202020204" pitchFamily="34" charset="0"/>
-              <a:buChar char="•"/>
-            </a:pPr>
-            <a:r>
-              <a:rPr lang="en-US" altLang="en-US" sz="1050">
-                <a:latin typeface="+mn-lt"/>
-              </a:rPr>
-              <a:t>landAllocByCrop</a:t>
-            </a:r>
-          </a:p>
-          <a:p>
-            <a:pPr algn="ctr"/>
-            <a:endParaRPr lang="en-US" altLang="en-US" sz="1050">
-              <a:latin typeface="+mn-lt"/>
-            </a:endParaRPr>
-          </a:p>
-        </p:txBody>
-      </p:sp>
-      <p:sp>
-        <p:nvSpPr>
-          <p:cNvPr id="8" name="TextBox 7">
-            <a:extLst>
-              <a:ext uri="{FF2B5EF4-FFF2-40B4-BE49-F238E27FC236}">
-                <a16:creationId xmlns:a16="http://schemas.microsoft.com/office/drawing/2014/main" id="{8585856F-0683-439B-927B-E2E8AD4AA13F}"/>
-              </a:ext>
-            </a:extLst>
-          </p:cNvPr>
-          <p:cNvSpPr txBox="1"/>
-          <p:nvPr/>
-        </p:nvSpPr>
-        <p:spPr>
-          <a:xfrm>
-            <a:off x="6867727" y="522579"/>
-            <a:ext cx="2216370" cy="4429995"/>
-          </a:xfrm>
-          <a:prstGeom prst="rect">
-            <a:avLst/>
-          </a:prstGeom>
-          <a:noFill/>
-        </p:spPr>
-        <p:txBody>
-          <a:bodyPr wrap="square" rtlCol="0">
-            <a:spAutoFit/>
-          </a:bodyPr>
-          <a:lstStyle>
-            <a:defPPr>
-              <a:defRPr lang="en-US"/>
-            </a:defPPr>
-            <a:lvl1pPr>
-              <a:lnSpc>
-                <a:spcPct val="150000"/>
-              </a:lnSpc>
-              <a:defRPr sz="900">
-                <a:latin typeface="Consolas" panose="020B0609020204030204" pitchFamily="49" charset="0"/>
-              </a:defRPr>
-            </a:lvl1pPr>
-          </a:lstStyle>
-          <a:p>
-            <a:pPr algn="ctr"/>
-            <a:r>
-              <a:rPr lang="en-US" altLang="en-US" sz="1050" b="1" u="sng">
-                <a:latin typeface="+mn-lt"/>
-              </a:rPr>
-              <a:t>emissions</a:t>
-            </a:r>
-          </a:p>
-          <a:p>
-            <a:pPr marL="171450" indent="-171450">
-              <a:buFont typeface="Arial" panose="020B0604020202020204" pitchFamily="34" charset="0"/>
-              <a:buChar char="•"/>
-            </a:pPr>
-            <a:r>
-              <a:rPr lang="en-US" altLang="en-US" sz="1050">
-                <a:latin typeface="+mn-lt"/>
-              </a:rPr>
-              <a:t>emissNonCO2BySectorGWPAR5</a:t>
-            </a:r>
-          </a:p>
-          <a:p>
-            <a:pPr marL="171450" indent="-171450">
-              <a:buFont typeface="Arial" panose="020B0604020202020204" pitchFamily="34" charset="0"/>
-              <a:buChar char="•"/>
-            </a:pPr>
-            <a:r>
-              <a:rPr lang="en-US" altLang="en-US" sz="1050">
-                <a:latin typeface="+mn-lt"/>
-              </a:rPr>
-              <a:t>emissNonCO2BySectorGTPAR5</a:t>
-            </a:r>
-          </a:p>
-          <a:p>
-            <a:pPr marL="171450" indent="-171450">
-              <a:buFont typeface="Arial" panose="020B0604020202020204" pitchFamily="34" charset="0"/>
-              <a:buChar char="•"/>
-            </a:pPr>
-            <a:r>
-              <a:rPr lang="en-US" altLang="en-US" sz="1050">
-                <a:latin typeface="+mn-lt"/>
-              </a:rPr>
-              <a:t>emissNonCO2BySectorOrigUnits</a:t>
-            </a:r>
-          </a:p>
-          <a:p>
-            <a:pPr marL="171450" indent="-171450">
-              <a:buFont typeface="Arial" panose="020B0604020202020204" pitchFamily="34" charset="0"/>
-              <a:buChar char="•"/>
-            </a:pPr>
-            <a:r>
-              <a:rPr lang="en-US" altLang="en-US" sz="1050">
-                <a:latin typeface="+mn-lt"/>
-              </a:rPr>
-              <a:t>emissLUC</a:t>
-            </a:r>
-          </a:p>
-          <a:p>
-            <a:pPr marL="171450" indent="-171450">
-              <a:buFont typeface="Arial" panose="020B0604020202020204" pitchFamily="34" charset="0"/>
-              <a:buChar char="•"/>
-            </a:pPr>
-            <a:r>
-              <a:rPr lang="en-US" altLang="en-US" sz="1050">
-                <a:latin typeface="+mn-lt"/>
-              </a:rPr>
-              <a:t>emissCO2BySectorNoBio</a:t>
-            </a:r>
-          </a:p>
-          <a:p>
-            <a:pPr marL="171450" indent="-171450">
-              <a:buFont typeface="Arial" panose="020B0604020202020204" pitchFamily="34" charset="0"/>
-              <a:buChar char="•"/>
-            </a:pPr>
-            <a:r>
-              <a:rPr lang="en-US" altLang="en-US" sz="1050">
-                <a:latin typeface="+mn-lt"/>
-              </a:rPr>
-              <a:t>emissNonCO2ByResProdGWPAR5</a:t>
-            </a:r>
-          </a:p>
-          <a:p>
-            <a:pPr marL="171450" indent="-171450">
-              <a:buFont typeface="Arial" panose="020B0604020202020204" pitchFamily="34" charset="0"/>
-              <a:buChar char="•"/>
-            </a:pPr>
-            <a:r>
-              <a:rPr lang="en-US" altLang="en-US" sz="1050">
-                <a:latin typeface="+mn-lt"/>
-              </a:rPr>
-              <a:t>emissMethaneBySourceGWPAR5</a:t>
-            </a:r>
-          </a:p>
-          <a:p>
-            <a:pPr marL="171450" indent="-171450">
-              <a:buFont typeface="Arial" panose="020B0604020202020204" pitchFamily="34" charset="0"/>
-              <a:buChar char="•"/>
-            </a:pPr>
-            <a:r>
-              <a:rPr lang="en-US" altLang="en-US" sz="1050">
-                <a:latin typeface="+mn-lt"/>
-              </a:rPr>
-              <a:t>emissByGasGWPAR5FFI</a:t>
-            </a:r>
-          </a:p>
-          <a:p>
-            <a:pPr marL="171450" indent="-171450">
-              <a:buFont typeface="Arial" panose="020B0604020202020204" pitchFamily="34" charset="0"/>
-              <a:buChar char="•"/>
-            </a:pPr>
-            <a:r>
-              <a:rPr lang="en-US" altLang="en-US" sz="1050">
-                <a:latin typeface="+mn-lt"/>
-              </a:rPr>
-              <a:t>emissByGasGWPAR5LUC</a:t>
-            </a:r>
-          </a:p>
-          <a:p>
-            <a:pPr marL="171450" indent="-171450">
-              <a:buFont typeface="Arial" panose="020B0604020202020204" pitchFamily="34" charset="0"/>
-              <a:buChar char="•"/>
-            </a:pPr>
-            <a:r>
-              <a:rPr lang="en-US" altLang="en-US" sz="1050">
-                <a:latin typeface="+mn-lt"/>
-              </a:rPr>
-              <a:t>emissBySectorGWPAR5FFI</a:t>
-            </a:r>
-          </a:p>
-          <a:p>
-            <a:pPr marL="171450" indent="-171450">
-              <a:buFont typeface="Arial" panose="020B0604020202020204" pitchFamily="34" charset="0"/>
-              <a:buChar char="•"/>
-            </a:pPr>
-            <a:r>
-              <a:rPr lang="en-US" altLang="en-US" sz="1050">
-                <a:latin typeface="+mn-lt"/>
-              </a:rPr>
-              <a:t>emissBySectorGWPAR5LUC</a:t>
-            </a:r>
-          </a:p>
-          <a:p>
-            <a:pPr marL="171450" indent="-171450">
-              <a:buFont typeface="Arial" panose="020B0604020202020204" pitchFamily="34" charset="0"/>
-              <a:buChar char="•"/>
-            </a:pPr>
-            <a:r>
-              <a:rPr lang="en-US" altLang="en-US" sz="1050">
-                <a:latin typeface="+mn-lt"/>
-              </a:rPr>
-              <a:t>emissNonCO2ByResProdGTPAR5</a:t>
-            </a:r>
-          </a:p>
-          <a:p>
-            <a:pPr marL="171450" indent="-171450">
-              <a:buFont typeface="Arial" panose="020B0604020202020204" pitchFamily="34" charset="0"/>
-              <a:buChar char="•"/>
-            </a:pPr>
-            <a:r>
-              <a:rPr lang="en-US" altLang="en-US" sz="1050">
-                <a:latin typeface="+mn-lt"/>
-              </a:rPr>
-              <a:t>emissMethaneBySourceGTPAR5</a:t>
-            </a:r>
-          </a:p>
-          <a:p>
-            <a:pPr marL="171450" indent="-171450">
-              <a:buFont typeface="Arial" panose="020B0604020202020204" pitchFamily="34" charset="0"/>
-              <a:buChar char="•"/>
-            </a:pPr>
-            <a:r>
-              <a:rPr lang="en-US" altLang="en-US" sz="1050">
-                <a:latin typeface="+mn-lt"/>
-              </a:rPr>
-              <a:t>emissByGasGTPAR5FFI</a:t>
-            </a:r>
-          </a:p>
-          <a:p>
-            <a:pPr marL="171450" indent="-171450">
-              <a:buFont typeface="Arial" panose="020B0604020202020204" pitchFamily="34" charset="0"/>
-              <a:buChar char="•"/>
-            </a:pPr>
-            <a:r>
-              <a:rPr lang="en-US" altLang="en-US" sz="1050">
-                <a:latin typeface="+mn-lt"/>
-              </a:rPr>
-              <a:t>emissByGasGTPAR5LUC</a:t>
-            </a:r>
-          </a:p>
-          <a:p>
-            <a:pPr marL="171450" indent="-171450">
-              <a:buFont typeface="Arial" panose="020B0604020202020204" pitchFamily="34" charset="0"/>
-              <a:buChar char="•"/>
-            </a:pPr>
-            <a:r>
-              <a:rPr lang="en-US" altLang="en-US" sz="1050">
-                <a:latin typeface="+mn-lt"/>
-              </a:rPr>
-              <a:t>emissBySectorGTPAR5FFI</a:t>
-            </a:r>
-          </a:p>
-          <a:p>
-            <a:pPr marL="171450" indent="-171450">
-              <a:buFont typeface="Arial" panose="020B0604020202020204" pitchFamily="34" charset="0"/>
-              <a:buChar char="•"/>
-            </a:pPr>
-            <a:r>
-              <a:rPr lang="en-US" altLang="en-US" sz="1050">
-                <a:latin typeface="+mn-lt"/>
-              </a:rPr>
-              <a:t>emissBySectorGTPAR5LUC</a:t>
-            </a:r>
-          </a:p>
-        </p:txBody>
-      </p:sp>
-      <p:sp>
-        <p:nvSpPr>
-          <p:cNvPr id="10" name="TextBox 9">
-            <a:extLst>
-              <a:ext uri="{FF2B5EF4-FFF2-40B4-BE49-F238E27FC236}">
-                <a16:creationId xmlns:a16="http://schemas.microsoft.com/office/drawing/2014/main" id="{11BBF495-EC10-4E41-938D-C41D6846FC07}"/>
-              </a:ext>
-            </a:extLst>
-          </p:cNvPr>
-          <p:cNvSpPr txBox="1"/>
-          <p:nvPr/>
-        </p:nvSpPr>
-        <p:spPr>
-          <a:xfrm>
-            <a:off x="9270444" y="522578"/>
-            <a:ext cx="2216370" cy="2006255"/>
-          </a:xfrm>
-          <a:prstGeom prst="rect">
-            <a:avLst/>
-          </a:prstGeom>
-          <a:noFill/>
-        </p:spPr>
-        <p:txBody>
-          <a:bodyPr wrap="square" rtlCol="0">
-            <a:spAutoFit/>
-          </a:bodyPr>
-          <a:lstStyle>
-            <a:defPPr>
-              <a:defRPr lang="en-US"/>
-            </a:defPPr>
-            <a:lvl1pPr>
-              <a:lnSpc>
-                <a:spcPct val="150000"/>
-              </a:lnSpc>
-              <a:defRPr sz="900">
-                <a:latin typeface="Consolas" panose="020B0609020204030204" pitchFamily="49" charset="0"/>
-              </a:defRPr>
-            </a:lvl1pPr>
-          </a:lstStyle>
-          <a:p>
-            <a:pPr algn="ctr"/>
-            <a:r>
-              <a:rPr lang="en-US" altLang="en-US" sz="1050" b="1" u="sng">
-                <a:latin typeface="+mn-lt"/>
-              </a:rPr>
-              <a:t>water</a:t>
-            </a:r>
-          </a:p>
-          <a:p>
-            <a:pPr marL="171450" indent="-171450">
-              <a:buFont typeface="Arial" panose="020B0604020202020204" pitchFamily="34" charset="0"/>
-              <a:buChar char="•"/>
-            </a:pPr>
-            <a:r>
-              <a:rPr lang="en-US" altLang="en-US" sz="1050">
-                <a:latin typeface="+mn-lt"/>
-              </a:rPr>
-              <a:t>watConsumBySec</a:t>
-            </a:r>
-          </a:p>
-          <a:p>
-            <a:pPr marL="171450" indent="-171450">
-              <a:buFont typeface="Arial" panose="020B0604020202020204" pitchFamily="34" charset="0"/>
-              <a:buChar char="•"/>
-            </a:pPr>
-            <a:r>
-              <a:rPr lang="en-US" altLang="en-US" sz="1050">
-                <a:latin typeface="+mn-lt"/>
-              </a:rPr>
-              <a:t>watWithdrawBySec</a:t>
-            </a:r>
-          </a:p>
-          <a:p>
-            <a:pPr marL="171450" indent="-171450">
-              <a:buFont typeface="Arial" panose="020B0604020202020204" pitchFamily="34" charset="0"/>
-              <a:buChar char="•"/>
-            </a:pPr>
-            <a:r>
-              <a:rPr lang="en-US" altLang="en-US" sz="1050">
-                <a:latin typeface="+mn-lt"/>
-              </a:rPr>
-              <a:t>watWithdrawByCrop</a:t>
-            </a:r>
-          </a:p>
-          <a:p>
-            <a:pPr marL="171450" indent="-171450">
-              <a:buFont typeface="Arial" panose="020B0604020202020204" pitchFamily="34" charset="0"/>
-              <a:buChar char="•"/>
-            </a:pPr>
-            <a:r>
-              <a:rPr lang="en-US" altLang="en-US" sz="1050">
-                <a:latin typeface="+mn-lt"/>
-              </a:rPr>
-              <a:t>watBioPhysCons</a:t>
-            </a:r>
-          </a:p>
-          <a:p>
-            <a:pPr marL="171450" indent="-171450">
-              <a:buFont typeface="Arial" panose="020B0604020202020204" pitchFamily="34" charset="0"/>
-              <a:buChar char="•"/>
-            </a:pPr>
-            <a:r>
-              <a:rPr lang="en-US" altLang="en-US" sz="1050">
-                <a:latin typeface="+mn-lt"/>
-              </a:rPr>
-              <a:t>watIrrWithdrawBasin</a:t>
-            </a:r>
-          </a:p>
-          <a:p>
-            <a:pPr marL="171450" indent="-171450">
-              <a:buFont typeface="Arial" panose="020B0604020202020204" pitchFamily="34" charset="0"/>
-              <a:buChar char="•"/>
-            </a:pPr>
-            <a:r>
-              <a:rPr lang="en-US" altLang="en-US" sz="1050">
-                <a:latin typeface="+mn-lt"/>
-              </a:rPr>
-              <a:t>watIrrConsBasin</a:t>
-            </a:r>
-          </a:p>
-          <a:p>
-            <a:pPr marL="171450" indent="-171450">
-              <a:buFont typeface="Arial" panose="020B0604020202020204" pitchFamily="34" charset="0"/>
-              <a:buChar char="•"/>
-            </a:pPr>
-            <a:r>
-              <a:rPr lang="en-US" altLang="en-US" sz="1050">
-                <a:latin typeface="+mn-lt"/>
-              </a:rPr>
-              <a:t>watSupRunoffBasin</a:t>
-            </a:r>
-          </a:p>
-        </p:txBody>
-      </p:sp>
-      <p:sp>
-        <p:nvSpPr>
-          <p:cNvPr id="11" name="Rectangle 10">
-            <a:extLst>
-              <a:ext uri="{FF2B5EF4-FFF2-40B4-BE49-F238E27FC236}">
-                <a16:creationId xmlns:a16="http://schemas.microsoft.com/office/drawing/2014/main" id="{F7432040-3975-4A47-9851-71C7544179DB}"/>
-              </a:ext>
-            </a:extLst>
-          </p:cNvPr>
-          <p:cNvSpPr/>
-          <p:nvPr/>
-        </p:nvSpPr>
-        <p:spPr>
-          <a:xfrm>
-            <a:off x="497520" y="522577"/>
-            <a:ext cx="10466402" cy="5691791"/>
-          </a:xfrm>
-          <a:prstGeom prst="rect">
-            <a:avLst/>
-          </a:prstGeom>
-          <a:noFill/>
-          <a:ln>
-            <a:solidFill>
-              <a:schemeClr val="bg1">
-                <a:lumMod val="65000"/>
-              </a:schemeClr>
-            </a:solidFill>
-          </a:ln>
-        </p:spPr>
-        <p:style>
-          <a:lnRef idx="2">
-            <a:schemeClr val="accent1">
-              <a:shade val="50000"/>
-            </a:schemeClr>
-          </a:lnRef>
-          <a:fillRef idx="1">
-            <a:schemeClr val="accent1"/>
-          </a:fillRef>
-          <a:effectRef idx="0">
-            <a:schemeClr val="accent1"/>
-          </a:effectRef>
-          <a:fontRef idx="minor">
-            <a:schemeClr val="lt1"/>
-          </a:fontRef>
-        </p:style>
-        <p:txBody>
-          <a:bodyPr rtlCol="0" anchor="ctr"/>
-          <a:lstStyle/>
-          <a:p>
-            <a:pPr algn="ctr"/>
-            <a:endParaRPr lang="en-US"/>
-          </a:p>
-        </p:txBody>
-      </p:sp>
-      <p:sp>
-        <p:nvSpPr>
-          <p:cNvPr id="12" name="TextBox 11">
-            <a:extLst>
-              <a:ext uri="{FF2B5EF4-FFF2-40B4-BE49-F238E27FC236}">
-                <a16:creationId xmlns:a16="http://schemas.microsoft.com/office/drawing/2014/main" id="{F1498920-CEE6-468A-B822-668FDD52D7A2}"/>
-              </a:ext>
-            </a:extLst>
-          </p:cNvPr>
-          <p:cNvSpPr txBox="1"/>
-          <p:nvPr/>
-        </p:nvSpPr>
-        <p:spPr>
-          <a:xfrm>
-            <a:off x="192163" y="128664"/>
-            <a:ext cx="2066223" cy="369332"/>
-          </a:xfrm>
-          <a:prstGeom prst="rect">
-            <a:avLst/>
-          </a:prstGeom>
-          <a:noFill/>
-        </p:spPr>
-        <p:txBody>
-          <a:bodyPr wrap="square" rtlCol="0">
-            <a:spAutoFit/>
-          </a:bodyPr>
-          <a:lstStyle/>
-          <a:p>
-            <a:pPr algn="ctr"/>
-            <a:r>
-              <a:rPr lang="en-US" b="1"/>
-              <a:t>Param List</a:t>
-            </a:r>
-          </a:p>
-        </p:txBody>
-      </p:sp>
-    </p:spTree>
-    <p:extLst>
-      <p:ext uri="{BB962C8B-B14F-4D97-AF65-F5344CB8AC3E}">
-        <p14:creationId xmlns:p14="http://schemas.microsoft.com/office/powerpoint/2010/main" val="3345794904"/>
-      </p:ext>
-    </p:extLst>
-  </p:cSld>
-  <p:clrMapOvr>
-    <a:masterClrMapping/>
-  </p:clrMapOvr>
-</p:sld>
-</file>
-
-<file path=ppt/slides/slide40.xml><?xml version="1.0" encoding="utf-8"?>
+<file path=ppt/slides/slide42.xml><?xml version="1.0" encoding="utf-8"?>
 <p:sld xmlns:a="http://schemas.openxmlformats.org/drawingml/2006/main" xmlns:r="http://schemas.openxmlformats.org/officeDocument/2006/relationships" xmlns:p="http://schemas.openxmlformats.org/presentationml/2006/main">
   <p:cSld>
     <p:spTree>
